--- a/docs/external/Итоговая презентация.pptx
+++ b/docs/external/Итоговая презентация.pptx
@@ -25,6 +25,7 @@
     <p:sldId id="277" r:id="rId19"/>
     <p:sldId id="262" r:id="rId20"/>
     <p:sldId id="261" r:id="rId21"/>
+    <p:sldId id="278" r:id="rId22"/>
   </p:sldIdLst>
   <p:sldSz cx="12192000" cy="6858000"/>
   <p:notesSz cx="6858000" cy="9144000"/>
@@ -877,7 +878,7 @@
             <a:fld id="{B61BEF0D-F0BB-DE4B-95CE-6DB70DBA9567}" type="datetimeFigureOut">
               <a:rPr lang="en-US" dirty="0"/>
               <a:pPr/>
-              <a:t>5/14/2019</a:t>
+              <a:t>5/15/2019</a:t>
             </a:fld>
             <a:endParaRPr lang="en-US" dirty="0"/>
           </a:p>
@@ -1125,7 +1126,7 @@
             <a:fld id="{B61BEF0D-F0BB-DE4B-95CE-6DB70DBA9567}" type="datetimeFigureOut">
               <a:rPr lang="en-US" dirty="0"/>
               <a:pPr/>
-              <a:t>5/14/2019</a:t>
+              <a:t>5/15/2019</a:t>
             </a:fld>
             <a:endParaRPr lang="en-US" dirty="0"/>
           </a:p>
@@ -1436,7 +1437,7 @@
             <a:fld id="{B61BEF0D-F0BB-DE4B-95CE-6DB70DBA9567}" type="datetimeFigureOut">
               <a:rPr lang="en-US" dirty="0"/>
               <a:pPr/>
-              <a:t>5/14/2019</a:t>
+              <a:t>5/15/2019</a:t>
             </a:fld>
             <a:endParaRPr lang="en-US" dirty="0"/>
           </a:p>
@@ -1766,7 +1767,7 @@
             <a:fld id="{B61BEF0D-F0BB-DE4B-95CE-6DB70DBA9567}" type="datetimeFigureOut">
               <a:rPr lang="en-US" dirty="0"/>
               <a:pPr/>
-              <a:t>5/14/2019</a:t>
+              <a:t>5/15/2019</a:t>
             </a:fld>
             <a:endParaRPr lang="en-US" dirty="0"/>
           </a:p>
@@ -2077,7 +2078,7 @@
             <a:fld id="{B61BEF0D-F0BB-DE4B-95CE-6DB70DBA9567}" type="datetimeFigureOut">
               <a:rPr lang="en-US" dirty="0"/>
               <a:pPr/>
-              <a:t>5/14/2019</a:t>
+              <a:t>5/15/2019</a:t>
             </a:fld>
             <a:endParaRPr lang="en-US" dirty="0"/>
           </a:p>
@@ -2467,7 +2468,7 @@
             <a:fld id="{B61BEF0D-F0BB-DE4B-95CE-6DB70DBA9567}" type="datetimeFigureOut">
               <a:rPr lang="en-US" dirty="0"/>
               <a:pPr/>
-              <a:t>5/14/2019</a:t>
+              <a:t>5/15/2019</a:t>
             </a:fld>
             <a:endParaRPr lang="en-US" dirty="0"/>
           </a:p>
@@ -2633,7 +2634,7 @@
           <a:p>
             <a:fld id="{55C6B4A9-1611-4792-9094-5F34BCA07E0B}" type="datetimeFigureOut">
               <a:rPr lang="en-US" dirty="0"/>
-              <a:t>5/14/2019</a:t>
+              <a:t>5/15/2019</a:t>
             </a:fld>
             <a:endParaRPr lang="en-US" dirty="0"/>
           </a:p>
@@ -2809,7 +2810,7 @@
             <a:fld id="{B61BEF0D-F0BB-DE4B-95CE-6DB70DBA9567}" type="datetimeFigureOut">
               <a:rPr lang="en-US" dirty="0"/>
               <a:pPr/>
-              <a:t>5/14/2019</a:t>
+              <a:t>5/15/2019</a:t>
             </a:fld>
             <a:endParaRPr lang="en-US" dirty="0"/>
           </a:p>
@@ -2975,7 +2976,7 @@
           <a:p>
             <a:fld id="{42A54C80-263E-416B-A8E0-580EDEADCBDC}" type="datetimeFigureOut">
               <a:rPr lang="en-US" dirty="0"/>
-              <a:t>5/14/2019</a:t>
+              <a:t>5/15/2019</a:t>
             </a:fld>
             <a:endParaRPr lang="en-US" dirty="0"/>
           </a:p>
@@ -3218,7 +3219,7 @@
             <a:fld id="{B61BEF0D-F0BB-DE4B-95CE-6DB70DBA9567}" type="datetimeFigureOut">
               <a:rPr lang="en-US" dirty="0"/>
               <a:pPr/>
-              <a:t>5/14/2019</a:t>
+              <a:t>5/15/2019</a:t>
             </a:fld>
             <a:endParaRPr lang="en-US" dirty="0"/>
           </a:p>
@@ -3446,7 +3447,7 @@
           <a:p>
             <a:fld id="{42A54C80-263E-416B-A8E0-580EDEADCBDC}" type="datetimeFigureOut">
               <a:rPr lang="en-US" dirty="0"/>
-              <a:t>5/14/2019</a:t>
+              <a:t>5/15/2019</a:t>
             </a:fld>
             <a:endParaRPr lang="en-US" dirty="0"/>
           </a:p>
@@ -3816,7 +3817,7 @@
             <a:fld id="{B61BEF0D-F0BB-DE4B-95CE-6DB70DBA9567}" type="datetimeFigureOut">
               <a:rPr lang="en-US" dirty="0"/>
               <a:pPr/>
-              <a:t>5/14/2019</a:t>
+              <a:t>5/15/2019</a:t>
             </a:fld>
             <a:endParaRPr lang="en-US" dirty="0"/>
           </a:p>
@@ -3936,7 +3937,7 @@
             <a:fld id="{B61BEF0D-F0BB-DE4B-95CE-6DB70DBA9567}" type="datetimeFigureOut">
               <a:rPr lang="en-US" dirty="0"/>
               <a:pPr/>
-              <a:t>5/14/2019</a:t>
+              <a:t>5/15/2019</a:t>
             </a:fld>
             <a:endParaRPr lang="en-US" dirty="0"/>
           </a:p>
@@ -4028,7 +4029,7 @@
             <a:fld id="{B61BEF0D-F0BB-DE4B-95CE-6DB70DBA9567}" type="datetimeFigureOut">
               <a:rPr lang="en-US" dirty="0"/>
               <a:pPr/>
-              <a:t>5/14/2019</a:t>
+              <a:t>5/15/2019</a:t>
             </a:fld>
             <a:endParaRPr lang="en-US" dirty="0"/>
           </a:p>
@@ -4279,7 +4280,7 @@
           <a:p>
             <a:fld id="{42A54C80-263E-416B-A8E0-580EDEADCBDC}" type="datetimeFigureOut">
               <a:rPr lang="en-US" dirty="0"/>
-              <a:t>5/14/2019</a:t>
+              <a:t>5/15/2019</a:t>
             </a:fld>
             <a:endParaRPr lang="en-US" dirty="0"/>
           </a:p>
@@ -4581,7 +4582,7 @@
             <a:fld id="{B61BEF0D-F0BB-DE4B-95CE-6DB70DBA9567}" type="datetimeFigureOut">
               <a:rPr lang="en-US" dirty="0"/>
               <a:pPr/>
-              <a:t>5/14/2019</a:t>
+              <a:t>5/15/2019</a:t>
             </a:fld>
             <a:endParaRPr lang="en-US" dirty="0"/>
           </a:p>
@@ -5279,7 +5280,7 @@
             <a:fld id="{B61BEF0D-F0BB-DE4B-95CE-6DB70DBA9567}" type="datetimeFigureOut">
               <a:rPr lang="en-US" dirty="0"/>
               <a:pPr/>
-              <a:t>5/14/2019</a:t>
+              <a:t>5/15/2019</a:t>
             </a:fld>
             <a:endParaRPr lang="en-US" dirty="0"/>
           </a:p>
@@ -6633,11 +6634,7 @@
             </a:r>
             <a:r>
               <a:rPr lang="ru-RU" dirty="0" smtClean="0"/>
-              <a:t>и предсказанный класс. Дл</a:t>
-            </a:r>
-            <a:r>
-              <a:rPr lang="ru-RU" dirty="0" smtClean="0"/>
-              <a:t>я каждого </a:t>
+              <a:t>и предсказанный класс. Для каждого </a:t>
             </a:r>
             <a:r>
               <a:rPr lang="en-US" dirty="0" smtClean="0"/>
@@ -6719,7 +6716,6 @@
               <a:rPr lang="ru-RU" dirty="0" smtClean="0"/>
               <a:t>.</a:t>
             </a:r>
-            <a:endParaRPr lang="ru-RU" dirty="0" smtClean="0"/>
           </a:p>
         </p:txBody>
       </p:sp>
@@ -6812,6 +6808,13 @@
   <p:clrMapOvr>
     <a:masterClrMapping/>
   </p:clrMapOvr>
+  <p:timing>
+    <p:tnLst>
+      <p:par>
+        <p:cTn id="1" dur="indefinite" restart="never" nodeType="tmRoot"/>
+      </p:par>
+    </p:tnLst>
+  </p:timing>
 </p:sld>
 </file>
 
@@ -7336,6 +7339,13 @@
   <p:clrMapOvr>
     <a:masterClrMapping/>
   </p:clrMapOvr>
+  <p:timing>
+    <p:tnLst>
+      <p:par>
+        <p:cTn id="1" dur="indefinite" restart="never" nodeType="tmRoot"/>
+      </p:par>
+    </p:tnLst>
+  </p:timing>
 </p:sld>
 </file>
 
@@ -7416,8 +7426,37 @@
             </a:r>
             <a:r>
               <a:rPr lang="ru-RU" dirty="0" smtClean="0"/>
-              <a:t>, собственный классификатор), технический писатель(верстка ПЗ, методика испытаний)</a:t>
-            </a:r>
+              <a:t>, собственный классификатор), технический писатель(верстка ПЗ, методика </a:t>
+            </a:r>
+            <a:r>
+              <a:rPr lang="ru-RU" dirty="0" smtClean="0"/>
+              <a:t>испытаний</a:t>
+            </a:r>
+            <a:r>
+              <a:rPr lang="ru-RU" dirty="0" smtClean="0"/>
+              <a:t>), </a:t>
+            </a:r>
+            <a:r>
+              <a:rPr lang="ru-RU" dirty="0"/>
+              <a:t>оператор(</a:t>
+            </a:r>
+            <a:r>
+              <a:rPr lang="ru-RU" dirty="0" err="1"/>
+              <a:t>датасет</a:t>
+            </a:r>
+            <a:r>
+              <a:rPr lang="ru-RU" dirty="0"/>
+              <a:t>, наполнение </a:t>
+            </a:r>
+            <a:r>
+              <a:rPr lang="ru-RU" dirty="0" err="1"/>
+              <a:t>датасета</a:t>
+            </a:r>
+            <a:r>
+              <a:rPr lang="ru-RU" dirty="0"/>
+              <a:t>, разметка)</a:t>
+            </a:r>
+            <a:endParaRPr lang="ru-RU" dirty="0" smtClean="0"/>
           </a:p>
           <a:p>
             <a:r>
@@ -7500,6 +7539,13 @@
   <p:clrMapOvr>
     <a:masterClrMapping/>
   </p:clrMapOvr>
+  <p:timing>
+    <p:tnLst>
+      <p:par>
+        <p:cTn id="1" dur="indefinite" restart="never" nodeType="tmRoot"/>
+      </p:par>
+    </p:tnLst>
+  </p:timing>
 </p:sld>
 </file>
 
@@ -7551,13 +7597,7 @@
       </p:sp>
       <p:sp>
         <p:nvSpPr>
-          <p:cNvPr id="3" name="Content Placeholder 2">
-            <a:extLst>
-              <a:ext uri="{FF2B5EF4-FFF2-40B4-BE49-F238E27FC236}">
-                <a16:creationId xmlns:a16="http://schemas.microsoft.com/office/drawing/2014/main" xmlns="" id="{63D842C0-8315-4D7C-B5DF-B6A2BE306220}"/>
-              </a:ext>
-            </a:extLst>
-          </p:cNvPr>
+          <p:cNvPr id="5" name="Объект 4"/>
           <p:cNvSpPr>
             <a:spLocks noGrp="1"/>
           </p:cNvSpPr>
@@ -7565,15 +7605,84 @@
             <p:ph idx="1"/>
           </p:nvPr>
         </p:nvSpPr>
-        <p:spPr/>
+        <p:spPr>
+          <a:xfrm>
+            <a:off x="677334" y="2160589"/>
+            <a:ext cx="6396326" cy="3880773"/>
+          </a:xfrm>
+        </p:spPr>
         <p:txBody>
           <a:bodyPr/>
           <a:lstStyle/>
           <a:p>
-            <a:endParaRPr lang="en-US"/>
-          </a:p>
-        </p:txBody>
-      </p:sp>
+            <a:r>
+              <a:rPr lang="en-US" dirty="0" smtClean="0"/>
+              <a:t>Face Detector –</a:t>
+            </a:r>
+            <a:r>
+              <a:rPr lang="en-US" dirty="0" err="1" smtClean="0"/>
+              <a:t>OpenCV</a:t>
+            </a:r>
+            <a:r>
+              <a:rPr lang="en-US" dirty="0" smtClean="0"/>
+              <a:t> SSD 300</a:t>
+            </a:r>
+          </a:p>
+          <a:p>
+            <a:r>
+              <a:rPr lang="en-US" dirty="0" smtClean="0"/>
+              <a:t>Alignment – </a:t>
+            </a:r>
+            <a:r>
+              <a:rPr lang="en-US" dirty="0" err="1" smtClean="0"/>
+              <a:t>dlib</a:t>
+            </a:r>
+            <a:r>
+              <a:rPr lang="en-US" dirty="0" smtClean="0"/>
+              <a:t> 68-landmarks + </a:t>
+            </a:r>
+            <a:r>
+              <a:rPr lang="en-US" dirty="0" err="1" smtClean="0"/>
+              <a:t>openface</a:t>
+            </a:r>
+            <a:r>
+              <a:rPr lang="en-US" dirty="0" smtClean="0"/>
+              <a:t> alignment</a:t>
+            </a:r>
+          </a:p>
+          <a:p>
+            <a:r>
+              <a:rPr lang="en-US" dirty="0" smtClean="0"/>
+              <a:t>Feature Extraction – ResNet-50</a:t>
+            </a:r>
+            <a:endParaRPr lang="ru-RU" dirty="0"/>
+          </a:p>
+        </p:txBody>
+      </p:sp>
+      <p:pic>
+        <p:nvPicPr>
+          <p:cNvPr id="6" name="Объект 3"/>
+          <p:cNvPicPr>
+            <a:picLocks noChangeAspect="1"/>
+          </p:cNvPicPr>
+          <p:nvPr/>
+        </p:nvPicPr>
+        <p:blipFill>
+          <a:blip r:embed="rId2"/>
+          <a:stretch>
+            <a:fillRect/>
+          </a:stretch>
+        </p:blipFill>
+        <p:spPr>
+          <a:xfrm>
+            <a:off x="7717780" y="887856"/>
+            <a:ext cx="2254525" cy="5274275"/>
+          </a:xfrm>
+          <a:prstGeom prst="rect">
+            <a:avLst/>
+          </a:prstGeom>
+        </p:spPr>
+      </p:pic>
     </p:spTree>
     <p:extLst>
       <p:ext uri="{BB962C8B-B14F-4D97-AF65-F5344CB8AC3E}">
@@ -7741,10 +7850,117 @@
           <a:lstStyle/>
           <a:p>
             <a:r>
+              <a:rPr lang="ru-RU" dirty="0" smtClean="0"/>
+              <a:t>Для реализации классификатора были перебраны следующие архитектуры</a:t>
+            </a:r>
+          </a:p>
+          <a:p>
+            <a:pPr marL="800100" lvl="1" indent="-342900">
+              <a:buFont typeface="+mj-lt"/>
+              <a:buAutoNum type="arabicPeriod"/>
+            </a:pPr>
+            <a:r>
+              <a:rPr lang="ru-RU" dirty="0" smtClean="0"/>
+              <a:t>Трехслойный персептрон (512 нейронов, активация – </a:t>
+            </a:r>
+            <a:r>
+              <a:rPr lang="en-US" dirty="0" err="1" smtClean="0"/>
+              <a:t>relu</a:t>
+            </a:r>
+            <a:r>
+              <a:rPr lang="en-US" dirty="0" smtClean="0"/>
+              <a:t>)</a:t>
+            </a:r>
+          </a:p>
+          <a:p>
+            <a:pPr marL="800100" lvl="1" indent="-342900">
+              <a:buFont typeface="+mj-lt"/>
+              <a:buAutoNum type="arabicPeriod"/>
+            </a:pPr>
+            <a:r>
+              <a:rPr lang="ru-RU" dirty="0" smtClean="0"/>
+              <a:t>Пятислойный </a:t>
+            </a:r>
+            <a:r>
               <a:rPr lang="ru-RU" dirty="0"/>
-              <a:t>тут наверное что-то надо про то, что было перебрано? Возможно на еще один слайд уползет</a:t>
-            </a:r>
-            <a:endParaRPr lang="en-US" dirty="0"/>
+              <a:t>персептрон </a:t>
+            </a:r>
+            <a:r>
+              <a:rPr lang="ru-RU" dirty="0" smtClean="0"/>
+              <a:t>(216 нейронов, </a:t>
+            </a:r>
+            <a:r>
+              <a:rPr lang="ru-RU" dirty="0"/>
+              <a:t>активация – </a:t>
+            </a:r>
+            <a:r>
+              <a:rPr lang="en-US" dirty="0" err="1"/>
+              <a:t>relu</a:t>
+            </a:r>
+            <a:r>
+              <a:rPr lang="ru-RU" dirty="0" smtClean="0"/>
+              <a:t>)</a:t>
+            </a:r>
+          </a:p>
+          <a:p>
+            <a:pPr marL="800100" lvl="1" indent="-342900">
+              <a:buFont typeface="+mj-lt"/>
+              <a:buAutoNum type="arabicPeriod"/>
+            </a:pPr>
+            <a:r>
+              <a:rPr lang="ru-RU" dirty="0" smtClean="0"/>
+              <a:t>Двухслойный персептрон (1024 нейрона, </a:t>
+            </a:r>
+            <a:r>
+              <a:rPr lang="ru-RU" dirty="0"/>
+              <a:t>активация – </a:t>
+            </a:r>
+            <a:r>
+              <a:rPr lang="en-US" dirty="0" err="1" smtClean="0"/>
+              <a:t>relu</a:t>
+            </a:r>
+            <a:r>
+              <a:rPr lang="ru-RU" dirty="0" smtClean="0"/>
+              <a:t>)</a:t>
+            </a:r>
+            <a:endParaRPr lang="ru-RU" dirty="0"/>
+          </a:p>
+          <a:p>
+            <a:r>
+              <a:rPr lang="ru-RU" dirty="0" smtClean="0"/>
+              <a:t>Для увеличение точности были применены следующие подходы</a:t>
+            </a:r>
+          </a:p>
+          <a:p>
+            <a:pPr marL="800100" lvl="1" indent="-342900">
+              <a:buFont typeface="+mj-lt"/>
+              <a:buAutoNum type="arabicPeriod"/>
+            </a:pPr>
+            <a:r>
+              <a:rPr lang="en-US" dirty="0" smtClean="0"/>
+              <a:t>Dropout</a:t>
+            </a:r>
+          </a:p>
+          <a:p>
+            <a:pPr marL="800100" lvl="1" indent="-342900">
+              <a:buFont typeface="+mj-lt"/>
+              <a:buAutoNum type="arabicPeriod"/>
+            </a:pPr>
+            <a:r>
+              <a:rPr lang="en-US" dirty="0" smtClean="0"/>
+              <a:t>Regularization</a:t>
+            </a:r>
+          </a:p>
+          <a:p>
+            <a:pPr marL="800100" lvl="1" indent="-342900">
+              <a:buFont typeface="+mj-lt"/>
+              <a:buAutoNum type="arabicPeriod"/>
+            </a:pPr>
+            <a:r>
+              <a:rPr lang="en-US" dirty="0" smtClean="0"/>
+              <a:t>Learning rate</a:t>
+            </a:r>
+            <a:endParaRPr lang="ru-RU" dirty="0"/>
           </a:p>
         </p:txBody>
       </p:sp>
@@ -7765,6 +7981,74 @@
       </p:par>
     </p:tnLst>
   </p:timing>
+</p:sld>
+</file>
+
+<file path=ppt/slides/slide21.xml><?xml version="1.0" encoding="utf-8"?>
+<p:sld xmlns:a="http://schemas.openxmlformats.org/drawingml/2006/main" xmlns:r="http://schemas.openxmlformats.org/officeDocument/2006/relationships" xmlns:p="http://schemas.openxmlformats.org/presentationml/2006/main">
+  <p:cSld>
+    <p:spTree>
+      <p:nvGrpSpPr>
+        <p:cNvPr id="1" name=""/>
+        <p:cNvGrpSpPr/>
+        <p:nvPr/>
+      </p:nvGrpSpPr>
+      <p:grpSpPr>
+        <a:xfrm>
+          <a:off x="0" y="0"/>
+          <a:ext cx="0" cy="0"/>
+          <a:chOff x="0" y="0"/>
+          <a:chExt cx="0" cy="0"/>
+        </a:xfrm>
+      </p:grpSpPr>
+      <p:sp>
+        <p:nvSpPr>
+          <p:cNvPr id="2" name="Заголовок 1"/>
+          <p:cNvSpPr>
+            <a:spLocks noGrp="1"/>
+          </p:cNvSpPr>
+          <p:nvPr>
+            <p:ph type="title"/>
+          </p:nvPr>
+        </p:nvSpPr>
+        <p:spPr/>
+        <p:txBody>
+          <a:bodyPr/>
+          <a:lstStyle/>
+          <a:p>
+            <a:endParaRPr lang="ru-RU"/>
+          </a:p>
+        </p:txBody>
+      </p:sp>
+      <p:sp>
+        <p:nvSpPr>
+          <p:cNvPr id="3" name="Объект 2"/>
+          <p:cNvSpPr>
+            <a:spLocks noGrp="1"/>
+          </p:cNvSpPr>
+          <p:nvPr>
+            <p:ph idx="1"/>
+          </p:nvPr>
+        </p:nvSpPr>
+        <p:spPr/>
+        <p:txBody>
+          <a:bodyPr/>
+          <a:lstStyle/>
+          <a:p>
+            <a:endParaRPr lang="ru-RU"/>
+          </a:p>
+        </p:txBody>
+      </p:sp>
+    </p:spTree>
+    <p:extLst>
+      <p:ext uri="{BB962C8B-B14F-4D97-AF65-F5344CB8AC3E}">
+        <p14:creationId xmlns:p14="http://schemas.microsoft.com/office/powerpoint/2010/main" val="3366121463"/>
+      </p:ext>
+    </p:extLst>
+  </p:cSld>
+  <p:clrMapOvr>
+    <a:masterClrMapping/>
+  </p:clrMapOvr>
 </p:sld>
 </file>
 
@@ -8353,7 +8637,34 @@
       </p:grpSpPr>
       <p:sp>
         <p:nvSpPr>
-          <p:cNvPr id="3" name="Объект 2"/>
+          <p:cNvPr id="7" name="Заголовок 6"/>
+          <p:cNvSpPr>
+            <a:spLocks noGrp="1"/>
+          </p:cNvSpPr>
+          <p:nvPr>
+            <p:ph type="title"/>
+          </p:nvPr>
+        </p:nvSpPr>
+        <p:spPr/>
+        <p:txBody>
+          <a:bodyPr/>
+          <a:lstStyle/>
+          <a:p>
+            <a:r>
+              <a:rPr lang="ru-RU" dirty="0" err="1" smtClean="0"/>
+              <a:t>Пайплайн</a:t>
+            </a:r>
+            <a:r>
+              <a:rPr lang="ru-RU" dirty="0" smtClean="0"/>
+              <a:t> и метрики</a:t>
+            </a:r>
+            <a:endParaRPr lang="ru-RU" dirty="0"/>
+          </a:p>
+        </p:txBody>
+      </p:sp>
+      <p:sp>
+        <p:nvSpPr>
+          <p:cNvPr id="8" name="Объект 7"/>
           <p:cNvSpPr>
             <a:spLocks noGrp="1"/>
           </p:cNvSpPr>
@@ -8361,10 +8672,144 @@
             <p:ph idx="1"/>
           </p:nvPr>
         </p:nvSpPr>
-        <p:spPr/>
+        <p:spPr>
+          <a:xfrm>
+            <a:off x="677334" y="2169215"/>
+            <a:ext cx="7129572" cy="3880773"/>
+          </a:xfrm>
+        </p:spPr>
         <p:txBody>
           <a:bodyPr/>
           <a:lstStyle/>
+          <a:p>
+            <a:r>
+              <a:rPr lang="en-US" dirty="0" err="1" smtClean="0"/>
+              <a:t>mAP</a:t>
+            </a:r>
+            <a:r>
+              <a:rPr lang="en-US" dirty="0" smtClean="0"/>
+              <a:t> – </a:t>
+            </a:r>
+            <a:r>
+              <a:rPr lang="ru-RU" dirty="0" smtClean="0"/>
+              <a:t>процент правильно </a:t>
+            </a:r>
+            <a:r>
+              <a:rPr lang="ru-RU" dirty="0" err="1" smtClean="0"/>
+              <a:t>задетекченных</a:t>
+            </a:r>
+            <a:r>
+              <a:rPr lang="ru-RU" dirty="0" smtClean="0"/>
+              <a:t> лиц</a:t>
+            </a:r>
+            <a:endParaRPr lang="en-US" dirty="0" smtClean="0"/>
+          </a:p>
+          <a:p>
+            <a:r>
+              <a:rPr lang="ru-RU" dirty="0" smtClean="0"/>
+              <a:t>Количество ошибок </a:t>
+            </a:r>
+            <a:r>
+              <a:rPr lang="ru-RU" dirty="0" err="1" smtClean="0"/>
+              <a:t>детекции</a:t>
+            </a:r>
+            <a:r>
+              <a:rPr lang="ru-RU" dirty="0" smtClean="0"/>
+              <a:t> (ошибка </a:t>
+            </a:r>
+            <a:r>
+              <a:rPr lang="ru-RU" dirty="0" err="1"/>
+              <a:t>детекции</a:t>
+            </a:r>
+            <a:r>
+              <a:rPr lang="ru-RU" dirty="0"/>
+              <a:t> – </a:t>
+            </a:r>
+            <a:r>
+              <a:rPr lang="ru-RU" dirty="0" err="1"/>
+              <a:t>определние</a:t>
+            </a:r>
+            <a:r>
+              <a:rPr lang="ru-RU" dirty="0"/>
+              <a:t> области, для которой </a:t>
+            </a:r>
+            <a:r>
+              <a:rPr lang="en-US" dirty="0"/>
+              <a:t>IOU </a:t>
+            </a:r>
+            <a:r>
+              <a:rPr lang="ru-RU" dirty="0"/>
+              <a:t>относительно </a:t>
+            </a:r>
+            <a:r>
+              <a:rPr lang="en-US" dirty="0"/>
+              <a:t>ground truth bounding box </a:t>
+            </a:r>
+            <a:r>
+              <a:rPr lang="ru-RU" dirty="0"/>
+              <a:t>каждого лица на изображении меньше </a:t>
+            </a:r>
+            <a:r>
+              <a:rPr lang="ru-RU" dirty="0" smtClean="0"/>
+              <a:t>0,5)</a:t>
+            </a:r>
+          </a:p>
+          <a:p>
+            <a:r>
+              <a:rPr lang="ru-RU" dirty="0"/>
+              <a:t>Количество правильно детектированных </a:t>
+            </a:r>
+            <a:r>
+              <a:rPr lang="ru-RU" dirty="0" smtClean="0"/>
+              <a:t>лиц (</a:t>
+            </a:r>
+            <a:r>
+              <a:rPr lang="ru-RU" dirty="0" err="1"/>
+              <a:t>определние</a:t>
+            </a:r>
+            <a:r>
+              <a:rPr lang="ru-RU" dirty="0"/>
+              <a:t> области, для которой </a:t>
+            </a:r>
+            <a:r>
+              <a:rPr lang="en-US" dirty="0"/>
+              <a:t>IOU </a:t>
+            </a:r>
+            <a:r>
+              <a:rPr lang="ru-RU" dirty="0"/>
+              <a:t>относительно </a:t>
+            </a:r>
+            <a:r>
+              <a:rPr lang="en-US" dirty="0"/>
+              <a:t>ground truth bounding box </a:t>
+            </a:r>
+            <a:r>
+              <a:rPr lang="ru-RU" dirty="0"/>
+              <a:t>каждого лица на изображении </a:t>
+            </a:r>
+            <a:r>
+              <a:rPr lang="ru-RU" dirty="0" smtClean="0"/>
+              <a:t>больше или равна </a:t>
+            </a:r>
+            <a:r>
+              <a:rPr lang="ru-RU" dirty="0"/>
+              <a:t>0,5</a:t>
+            </a:r>
+            <a:r>
+              <a:rPr lang="ru-RU" dirty="0" smtClean="0"/>
+              <a:t>)</a:t>
+            </a:r>
+          </a:p>
+          <a:p>
+            <a:r>
+              <a:rPr lang="ru-RU" dirty="0"/>
+              <a:t>Точность </a:t>
+            </a:r>
+            <a:r>
+              <a:rPr lang="ru-RU" dirty="0" smtClean="0"/>
+              <a:t>распознавания – процентное отношение числа верно распознанных лиц к общему числу лиц</a:t>
+            </a:r>
+          </a:p>
           <a:p>
             <a:endParaRPr lang="ru-RU" dirty="0"/>
           </a:p>
@@ -8372,7 +8817,7 @@
       </p:sp>
       <p:pic>
         <p:nvPicPr>
-          <p:cNvPr id="5" name="Рисунок 4"/>
+          <p:cNvPr id="10" name="Рисунок 9"/>
           <p:cNvPicPr>
             <a:picLocks noChangeAspect="1"/>
           </p:cNvPicPr>
@@ -8386,14 +8831,146 @@
         </p:blipFill>
         <p:spPr>
           <a:xfrm>
-            <a:off x="780851" y="347890"/>
-            <a:ext cx="2609850" cy="6105525"/>
+            <a:off x="8686800" y="359702"/>
+            <a:ext cx="2590800" cy="6181725"/>
           </a:xfrm>
           <a:prstGeom prst="rect">
             <a:avLst/>
           </a:prstGeom>
         </p:spPr>
       </p:pic>
+      <p:cxnSp>
+        <p:nvCxnSpPr>
+          <p:cNvPr id="12" name="Прямая со стрелкой 11"/>
+          <p:cNvCxnSpPr/>
+          <p:nvPr/>
+        </p:nvCxnSpPr>
+        <p:spPr>
+          <a:xfrm>
+            <a:off x="6029864" y="2374391"/>
+            <a:ext cx="2881223" cy="901789"/>
+          </a:xfrm>
+          <a:prstGeom prst="straightConnector1">
+            <a:avLst/>
+          </a:prstGeom>
+          <a:ln>
+            <a:tailEnd type="triangle"/>
+          </a:ln>
+        </p:spPr>
+        <p:style>
+          <a:lnRef idx="1">
+            <a:schemeClr val="accent1"/>
+          </a:lnRef>
+          <a:fillRef idx="0">
+            <a:schemeClr val="accent1"/>
+          </a:fillRef>
+          <a:effectRef idx="0">
+            <a:schemeClr val="accent1"/>
+          </a:effectRef>
+          <a:fontRef idx="minor">
+            <a:schemeClr val="tx1"/>
+          </a:fontRef>
+        </p:style>
+      </p:cxnSp>
+      <p:cxnSp>
+        <p:nvCxnSpPr>
+          <p:cNvPr id="15" name="Прямая со стрелкой 14"/>
+          <p:cNvCxnSpPr/>
+          <p:nvPr/>
+        </p:nvCxnSpPr>
+        <p:spPr>
+          <a:xfrm>
+            <a:off x="7315200" y="3355676"/>
+            <a:ext cx="1595887" cy="14648"/>
+          </a:xfrm>
+          <a:prstGeom prst="straightConnector1">
+            <a:avLst/>
+          </a:prstGeom>
+          <a:ln>
+            <a:tailEnd type="triangle"/>
+          </a:ln>
+        </p:spPr>
+        <p:style>
+          <a:lnRef idx="1">
+            <a:schemeClr val="accent1"/>
+          </a:lnRef>
+          <a:fillRef idx="0">
+            <a:schemeClr val="accent1"/>
+          </a:fillRef>
+          <a:effectRef idx="0">
+            <a:schemeClr val="accent1"/>
+          </a:effectRef>
+          <a:fontRef idx="minor">
+            <a:schemeClr val="tx1"/>
+          </a:fontRef>
+        </p:style>
+      </p:cxnSp>
+      <p:cxnSp>
+        <p:nvCxnSpPr>
+          <p:cNvPr id="17" name="Прямая со стрелкой 16"/>
+          <p:cNvCxnSpPr/>
+          <p:nvPr/>
+        </p:nvCxnSpPr>
+        <p:spPr>
+          <a:xfrm flipV="1">
+            <a:off x="7712015" y="3450564"/>
+            <a:ext cx="1199072" cy="785006"/>
+          </a:xfrm>
+          <a:prstGeom prst="straightConnector1">
+            <a:avLst/>
+          </a:prstGeom>
+          <a:ln>
+            <a:tailEnd type="triangle"/>
+          </a:ln>
+        </p:spPr>
+        <p:style>
+          <a:lnRef idx="1">
+            <a:schemeClr val="accent1"/>
+          </a:lnRef>
+          <a:fillRef idx="0">
+            <a:schemeClr val="accent1"/>
+          </a:fillRef>
+          <a:effectRef idx="0">
+            <a:schemeClr val="accent1"/>
+          </a:effectRef>
+          <a:fontRef idx="minor">
+            <a:schemeClr val="tx1"/>
+          </a:fontRef>
+        </p:style>
+      </p:cxnSp>
+      <p:cxnSp>
+        <p:nvCxnSpPr>
+          <p:cNvPr id="19" name="Прямая со стрелкой 18"/>
+          <p:cNvCxnSpPr/>
+          <p:nvPr/>
+        </p:nvCxnSpPr>
+        <p:spPr>
+          <a:xfrm>
+            <a:off x="7073660" y="4986069"/>
+            <a:ext cx="1837427" cy="181154"/>
+          </a:xfrm>
+          <a:prstGeom prst="straightConnector1">
+            <a:avLst/>
+          </a:prstGeom>
+          <a:ln>
+            <a:tailEnd type="triangle"/>
+          </a:ln>
+        </p:spPr>
+        <p:style>
+          <a:lnRef idx="1">
+            <a:schemeClr val="accent1"/>
+          </a:lnRef>
+          <a:fillRef idx="0">
+            <a:schemeClr val="accent1"/>
+          </a:fillRef>
+          <a:effectRef idx="0">
+            <a:schemeClr val="accent1"/>
+          </a:effectRef>
+          <a:fontRef idx="minor">
+            <a:schemeClr val="tx1"/>
+          </a:fontRef>
+        </p:style>
+      </p:cxnSp>
     </p:spTree>
     <p:extLst>
       <p:ext uri="{BB962C8B-B14F-4D97-AF65-F5344CB8AC3E}">
@@ -8502,6 +9079,19 @@
               <a:rPr lang="ru-RU" dirty="0" smtClean="0"/>
               <a:t>фотографии, а именно в определении степени похожести одного лица на другое</a:t>
             </a:r>
+            <a:r>
+              <a:rPr lang="en-US" dirty="0" smtClean="0"/>
+              <a:t>.</a:t>
+            </a:r>
+            <a:r>
+              <a:rPr lang="ru-RU" dirty="0" smtClean="0"/>
+              <a:t> За это отвечает классификатор</a:t>
+            </a:r>
+          </a:p>
+          <a:p>
+            <a:pPr marL="0" indent="0">
+              <a:buNone/>
+            </a:pPr>
             <a:endParaRPr lang="ru-RU" dirty="0"/>
           </a:p>
         </p:txBody>
@@ -9660,24 +10250,13 @@
           <a:p>
             <a:r>
               <a:rPr lang="ru-RU" dirty="0"/>
-              <a:t>Количество ошибок детекции должно составлять не более 1% от общего количества изображений (ошибка детекции – определние области, для которой </a:t>
-            </a:r>
-            <a:r>
-              <a:rPr lang="en-US" dirty="0"/>
-              <a:t>IOU </a:t>
-            </a:r>
-            <a:r>
-              <a:rPr lang="ru-RU" dirty="0"/>
-              <a:t>относительно </a:t>
-            </a:r>
-            <a:r>
-              <a:rPr lang="en-US" dirty="0"/>
-              <a:t>ground truth bounding box </a:t>
-            </a:r>
-            <a:r>
-              <a:rPr lang="ru-RU" dirty="0"/>
-              <a:t>каждого лица на изображении меньше 0,5)</a:t>
-            </a:r>
+              <a:t>Количество ошибок детекции должно составлять не более 1% от общего количества </a:t>
+            </a:r>
+            <a:r>
+              <a:rPr lang="ru-RU" dirty="0" smtClean="0"/>
+              <a:t>изображений</a:t>
+            </a:r>
+            <a:endParaRPr lang="ru-RU" dirty="0"/>
           </a:p>
           <a:p>
             <a:r>

--- a/docs/external/Итоговая презентация.pptx
+++ b/docs/external/Итоговая презентация.pptx
@@ -13,19 +13,23 @@
     <p:sldId id="259" r:id="rId7"/>
     <p:sldId id="267" r:id="rId8"/>
     <p:sldId id="268" r:id="rId9"/>
-    <p:sldId id="260" r:id="rId10"/>
-    <p:sldId id="273" r:id="rId11"/>
-    <p:sldId id="269" r:id="rId12"/>
-    <p:sldId id="270" r:id="rId13"/>
-    <p:sldId id="272" r:id="rId14"/>
-    <p:sldId id="275" r:id="rId15"/>
-    <p:sldId id="265" r:id="rId16"/>
-    <p:sldId id="266" r:id="rId17"/>
-    <p:sldId id="276" r:id="rId18"/>
-    <p:sldId id="277" r:id="rId19"/>
-    <p:sldId id="262" r:id="rId20"/>
-    <p:sldId id="261" r:id="rId21"/>
-    <p:sldId id="278" r:id="rId22"/>
+    <p:sldId id="279" r:id="rId10"/>
+    <p:sldId id="260" r:id="rId11"/>
+    <p:sldId id="280" r:id="rId12"/>
+    <p:sldId id="281" r:id="rId13"/>
+    <p:sldId id="273" r:id="rId14"/>
+    <p:sldId id="269" r:id="rId15"/>
+    <p:sldId id="270" r:id="rId16"/>
+    <p:sldId id="272" r:id="rId17"/>
+    <p:sldId id="275" r:id="rId18"/>
+    <p:sldId id="265" r:id="rId19"/>
+    <p:sldId id="282" r:id="rId20"/>
+    <p:sldId id="283" r:id="rId21"/>
+    <p:sldId id="284" r:id="rId22"/>
+    <p:sldId id="266" r:id="rId23"/>
+    <p:sldId id="276" r:id="rId24"/>
+    <p:sldId id="277" r:id="rId25"/>
+    <p:sldId id="285" r:id="rId26"/>
   </p:sldIdLst>
   <p:sldSz cx="12192000" cy="6858000"/>
   <p:notesSz cx="6858000" cy="9144000"/>
@@ -878,7 +882,7 @@
             <a:fld id="{B61BEF0D-F0BB-DE4B-95CE-6DB70DBA9567}" type="datetimeFigureOut">
               <a:rPr lang="en-US" dirty="0"/>
               <a:pPr/>
-              <a:t>5/15/2019</a:t>
+              <a:t>5/21/2019</a:t>
             </a:fld>
             <a:endParaRPr lang="en-US" dirty="0"/>
           </a:p>
@@ -1126,7 +1130,7 @@
             <a:fld id="{B61BEF0D-F0BB-DE4B-95CE-6DB70DBA9567}" type="datetimeFigureOut">
               <a:rPr lang="en-US" dirty="0"/>
               <a:pPr/>
-              <a:t>5/15/2019</a:t>
+              <a:t>5/21/2019</a:t>
             </a:fld>
             <a:endParaRPr lang="en-US" dirty="0"/>
           </a:p>
@@ -1437,7 +1441,7 @@
             <a:fld id="{B61BEF0D-F0BB-DE4B-95CE-6DB70DBA9567}" type="datetimeFigureOut">
               <a:rPr lang="en-US" dirty="0"/>
               <a:pPr/>
-              <a:t>5/15/2019</a:t>
+              <a:t>5/21/2019</a:t>
             </a:fld>
             <a:endParaRPr lang="en-US" dirty="0"/>
           </a:p>
@@ -1767,7 +1771,7 @@
             <a:fld id="{B61BEF0D-F0BB-DE4B-95CE-6DB70DBA9567}" type="datetimeFigureOut">
               <a:rPr lang="en-US" dirty="0"/>
               <a:pPr/>
-              <a:t>5/15/2019</a:t>
+              <a:t>5/21/2019</a:t>
             </a:fld>
             <a:endParaRPr lang="en-US" dirty="0"/>
           </a:p>
@@ -2078,7 +2082,7 @@
             <a:fld id="{B61BEF0D-F0BB-DE4B-95CE-6DB70DBA9567}" type="datetimeFigureOut">
               <a:rPr lang="en-US" dirty="0"/>
               <a:pPr/>
-              <a:t>5/15/2019</a:t>
+              <a:t>5/21/2019</a:t>
             </a:fld>
             <a:endParaRPr lang="en-US" dirty="0"/>
           </a:p>
@@ -2468,7 +2472,7 @@
             <a:fld id="{B61BEF0D-F0BB-DE4B-95CE-6DB70DBA9567}" type="datetimeFigureOut">
               <a:rPr lang="en-US" dirty="0"/>
               <a:pPr/>
-              <a:t>5/15/2019</a:t>
+              <a:t>5/21/2019</a:t>
             </a:fld>
             <a:endParaRPr lang="en-US" dirty="0"/>
           </a:p>
@@ -2634,7 +2638,7 @@
           <a:p>
             <a:fld id="{55C6B4A9-1611-4792-9094-5F34BCA07E0B}" type="datetimeFigureOut">
               <a:rPr lang="en-US" dirty="0"/>
-              <a:t>5/15/2019</a:t>
+              <a:t>5/21/2019</a:t>
             </a:fld>
             <a:endParaRPr lang="en-US" dirty="0"/>
           </a:p>
@@ -2810,7 +2814,7 @@
             <a:fld id="{B61BEF0D-F0BB-DE4B-95CE-6DB70DBA9567}" type="datetimeFigureOut">
               <a:rPr lang="en-US" dirty="0"/>
               <a:pPr/>
-              <a:t>5/15/2019</a:t>
+              <a:t>5/21/2019</a:t>
             </a:fld>
             <a:endParaRPr lang="en-US" dirty="0"/>
           </a:p>
@@ -2976,7 +2980,7 @@
           <a:p>
             <a:fld id="{42A54C80-263E-416B-A8E0-580EDEADCBDC}" type="datetimeFigureOut">
               <a:rPr lang="en-US" dirty="0"/>
-              <a:t>5/15/2019</a:t>
+              <a:t>5/21/2019</a:t>
             </a:fld>
             <a:endParaRPr lang="en-US" dirty="0"/>
           </a:p>
@@ -3219,7 +3223,7 @@
             <a:fld id="{B61BEF0D-F0BB-DE4B-95CE-6DB70DBA9567}" type="datetimeFigureOut">
               <a:rPr lang="en-US" dirty="0"/>
               <a:pPr/>
-              <a:t>5/15/2019</a:t>
+              <a:t>5/21/2019</a:t>
             </a:fld>
             <a:endParaRPr lang="en-US" dirty="0"/>
           </a:p>
@@ -3447,7 +3451,7 @@
           <a:p>
             <a:fld id="{42A54C80-263E-416B-A8E0-580EDEADCBDC}" type="datetimeFigureOut">
               <a:rPr lang="en-US" dirty="0"/>
-              <a:t>5/15/2019</a:t>
+              <a:t>5/21/2019</a:t>
             </a:fld>
             <a:endParaRPr lang="en-US" dirty="0"/>
           </a:p>
@@ -3817,7 +3821,7 @@
             <a:fld id="{B61BEF0D-F0BB-DE4B-95CE-6DB70DBA9567}" type="datetimeFigureOut">
               <a:rPr lang="en-US" dirty="0"/>
               <a:pPr/>
-              <a:t>5/15/2019</a:t>
+              <a:t>5/21/2019</a:t>
             </a:fld>
             <a:endParaRPr lang="en-US" dirty="0"/>
           </a:p>
@@ -3937,7 +3941,7 @@
             <a:fld id="{B61BEF0D-F0BB-DE4B-95CE-6DB70DBA9567}" type="datetimeFigureOut">
               <a:rPr lang="en-US" dirty="0"/>
               <a:pPr/>
-              <a:t>5/15/2019</a:t>
+              <a:t>5/21/2019</a:t>
             </a:fld>
             <a:endParaRPr lang="en-US" dirty="0"/>
           </a:p>
@@ -4029,7 +4033,7 @@
             <a:fld id="{B61BEF0D-F0BB-DE4B-95CE-6DB70DBA9567}" type="datetimeFigureOut">
               <a:rPr lang="en-US" dirty="0"/>
               <a:pPr/>
-              <a:t>5/15/2019</a:t>
+              <a:t>5/21/2019</a:t>
             </a:fld>
             <a:endParaRPr lang="en-US" dirty="0"/>
           </a:p>
@@ -4280,7 +4284,7 @@
           <a:p>
             <a:fld id="{42A54C80-263E-416B-A8E0-580EDEADCBDC}" type="datetimeFigureOut">
               <a:rPr lang="en-US" dirty="0"/>
-              <a:t>5/15/2019</a:t>
+              <a:t>5/21/2019</a:t>
             </a:fld>
             <a:endParaRPr lang="en-US" dirty="0"/>
           </a:p>
@@ -4582,7 +4586,7 @@
             <a:fld id="{B61BEF0D-F0BB-DE4B-95CE-6DB70DBA9567}" type="datetimeFigureOut">
               <a:rPr lang="en-US" dirty="0"/>
               <a:pPr/>
-              <a:t>5/15/2019</a:t>
+              <a:t>5/21/2019</a:t>
             </a:fld>
             <a:endParaRPr lang="en-US" dirty="0"/>
           </a:p>
@@ -5280,7 +5284,7 @@
             <a:fld id="{B61BEF0D-F0BB-DE4B-95CE-6DB70DBA9567}" type="datetimeFigureOut">
               <a:rPr lang="en-US" dirty="0"/>
               <a:pPr/>
-              <a:t>5/15/2019</a:t>
+              <a:t>5/21/2019</a:t>
             </a:fld>
             <a:endParaRPr lang="en-US" dirty="0"/>
           </a:p>
@@ -5805,7 +5809,7 @@
           <p:cNvPr id="2" name="Title 1">
             <a:extLst>
               <a:ext uri="{FF2B5EF4-FFF2-40B4-BE49-F238E27FC236}">
-                <a16:creationId xmlns:a16="http://schemas.microsoft.com/office/drawing/2014/main" xmlns="" id="{2DD4BF69-7316-4000-9CC8-2651106F1865}"/>
+                <a16:creationId xmlns="" xmlns:a16="http://schemas.microsoft.com/office/drawing/2014/main" id="{2DD4BF69-7316-4000-9CC8-2651106F1865}"/>
               </a:ext>
             </a:extLst>
           </p:cNvPr>
@@ -5854,7 +5858,7 @@
           <p:cNvPr id="3" name="Subtitle 2">
             <a:extLst>
               <a:ext uri="{FF2B5EF4-FFF2-40B4-BE49-F238E27FC236}">
-                <a16:creationId xmlns:a16="http://schemas.microsoft.com/office/drawing/2014/main" xmlns="" id="{2AC62B44-1E4B-4DC8-AC4B-5A4C8A8060AB}"/>
+                <a16:creationId xmlns="" xmlns:a16="http://schemas.microsoft.com/office/drawing/2014/main" id="{2AC62B44-1E4B-4DC8-AC4B-5A4C8A8060AB}"/>
               </a:ext>
             </a:extLst>
           </p:cNvPr>
@@ -5913,6 +5917,800 @@
       </p:grpSpPr>
       <p:sp>
         <p:nvSpPr>
+          <p:cNvPr id="2" name="Title 1">
+            <a:extLst>
+              <a:ext uri="{FF2B5EF4-FFF2-40B4-BE49-F238E27FC236}">
+                <a16:creationId xmlns="" xmlns:a16="http://schemas.microsoft.com/office/drawing/2014/main" id="{BBDB819A-8CC0-4184-A424-EA5ACC3142A8}"/>
+              </a:ext>
+            </a:extLst>
+          </p:cNvPr>
+          <p:cNvSpPr>
+            <a:spLocks noGrp="1"/>
+          </p:cNvSpPr>
+          <p:nvPr>
+            <p:ph type="title"/>
+          </p:nvPr>
+        </p:nvSpPr>
+        <p:spPr/>
+        <p:txBody>
+          <a:bodyPr/>
+          <a:lstStyle/>
+          <a:p>
+            <a:r>
+              <a:rPr lang="ru-RU" dirty="0" smtClean="0"/>
+              <a:t>Метрики </a:t>
+            </a:r>
+            <a:r>
+              <a:rPr lang="ru-RU" dirty="0"/>
+              <a:t>качества</a:t>
+            </a:r>
+            <a:endParaRPr lang="en-US" dirty="0"/>
+          </a:p>
+        </p:txBody>
+      </p:sp>
+      <p:sp>
+        <p:nvSpPr>
+          <p:cNvPr id="3" name="Content Placeholder 2">
+            <a:extLst>
+              <a:ext uri="{FF2B5EF4-FFF2-40B4-BE49-F238E27FC236}">
+                <a16:creationId xmlns="" xmlns:a16="http://schemas.microsoft.com/office/drawing/2014/main" id="{1D8F322B-2C12-49D0-9759-FF8191F77006}"/>
+              </a:ext>
+            </a:extLst>
+          </p:cNvPr>
+          <p:cNvSpPr>
+            <a:spLocks noGrp="1"/>
+          </p:cNvSpPr>
+          <p:nvPr>
+            <p:ph idx="1"/>
+          </p:nvPr>
+        </p:nvSpPr>
+        <p:spPr>
+          <a:xfrm>
+            <a:off x="677334" y="2160589"/>
+            <a:ext cx="8596668" cy="4374435"/>
+          </a:xfrm>
+        </p:spPr>
+        <p:txBody>
+          <a:bodyPr/>
+          <a:lstStyle/>
+          <a:p>
+            <a:r>
+              <a:rPr lang="ru-RU" dirty="0" smtClean="0"/>
+              <a:t>Значение </a:t>
+            </a:r>
+            <a:r>
+              <a:rPr lang="ru-RU" dirty="0"/>
+              <a:t>метрики </a:t>
+            </a:r>
+            <a:r>
+              <a:rPr lang="en-US" dirty="0" err="1"/>
+              <a:t>mAP</a:t>
+            </a:r>
+            <a:r>
+              <a:rPr lang="ru-RU" dirty="0"/>
+              <a:t> должно быть не менее 0,8</a:t>
+            </a:r>
+          </a:p>
+          <a:p>
+            <a:r>
+              <a:rPr lang="ru-RU" dirty="0"/>
+              <a:t>Количество ошибок детекции должно составлять не более 1% от общего количества </a:t>
+            </a:r>
+            <a:r>
+              <a:rPr lang="ru-RU" dirty="0" smtClean="0"/>
+              <a:t>изображений</a:t>
+            </a:r>
+            <a:endParaRPr lang="ru-RU" dirty="0"/>
+          </a:p>
+          <a:p>
+            <a:r>
+              <a:rPr lang="ru-RU" dirty="0"/>
+              <a:t>Количество правильно детектированных лиц не менее 98% от суммарного числа всех лиц на всех изображениях</a:t>
+            </a:r>
+          </a:p>
+          <a:p>
+            <a:r>
+              <a:rPr lang="ru-RU" dirty="0"/>
+              <a:t>Точность распознавания лиц должна составлять не менее 97% от всех правильно детектированных </a:t>
+            </a:r>
+            <a:r>
+              <a:rPr lang="ru-RU" dirty="0" smtClean="0"/>
+              <a:t>лиц</a:t>
+            </a:r>
+          </a:p>
+          <a:p>
+            <a:r>
+              <a:rPr lang="ru-RU" dirty="0"/>
+              <a:t>Система должна обрабатывать изображение, на котором имеется не более 3х лиц, не более, чем за 20 секунд</a:t>
+            </a:r>
+          </a:p>
+          <a:p>
+            <a:pPr marL="0" indent="0">
+              <a:buNone/>
+            </a:pPr>
+            <a:endParaRPr lang="ru-RU" dirty="0"/>
+          </a:p>
+          <a:p>
+            <a:endParaRPr lang="en-US" dirty="0"/>
+          </a:p>
+        </p:txBody>
+      </p:sp>
+    </p:spTree>
+    <p:extLst>
+      <p:ext uri="{BB962C8B-B14F-4D97-AF65-F5344CB8AC3E}">
+        <p14:creationId xmlns:p14="http://schemas.microsoft.com/office/powerpoint/2010/main" val="1330774056"/>
+      </p:ext>
+    </p:extLst>
+  </p:cSld>
+  <p:clrMapOvr>
+    <a:masterClrMapping/>
+  </p:clrMapOvr>
+  <p:timing>
+    <p:tnLst>
+      <p:par>
+        <p:cTn id="1" dur="indefinite" restart="never" nodeType="tmRoot"/>
+      </p:par>
+    </p:tnLst>
+  </p:timing>
+</p:sld>
+</file>
+
+<file path=ppt/slides/slide11.xml><?xml version="1.0" encoding="utf-8"?>
+<p:sld xmlns:a="http://schemas.openxmlformats.org/drawingml/2006/main" xmlns:r="http://schemas.openxmlformats.org/officeDocument/2006/relationships" xmlns:p="http://schemas.openxmlformats.org/presentationml/2006/main">
+  <p:cSld>
+    <p:spTree>
+      <p:nvGrpSpPr>
+        <p:cNvPr id="1" name=""/>
+        <p:cNvGrpSpPr/>
+        <p:nvPr/>
+      </p:nvGrpSpPr>
+      <p:grpSpPr>
+        <a:xfrm>
+          <a:off x="0" y="0"/>
+          <a:ext cx="0" cy="0"/>
+          <a:chOff x="0" y="0"/>
+          <a:chExt cx="0" cy="0"/>
+        </a:xfrm>
+      </p:grpSpPr>
+      <p:sp>
+        <p:nvSpPr>
+          <p:cNvPr id="2" name="Title 1">
+            <a:extLst>
+              <a:ext uri="{FF2B5EF4-FFF2-40B4-BE49-F238E27FC236}">
+                <a16:creationId xmlns="" xmlns:a16="http://schemas.microsoft.com/office/drawing/2014/main" id="{12F67E6C-8996-43B4-A427-9C2B674A6291}"/>
+              </a:ext>
+            </a:extLst>
+          </p:cNvPr>
+          <p:cNvSpPr>
+            <a:spLocks noGrp="1"/>
+          </p:cNvSpPr>
+          <p:nvPr>
+            <p:ph type="title"/>
+          </p:nvPr>
+        </p:nvSpPr>
+        <p:spPr/>
+        <p:txBody>
+          <a:bodyPr/>
+          <a:lstStyle/>
+          <a:p>
+            <a:r>
+              <a:rPr lang="ru-RU" dirty="0"/>
+              <a:t>Итоговая реализация системы</a:t>
+            </a:r>
+            <a:endParaRPr lang="en-US" dirty="0"/>
+          </a:p>
+        </p:txBody>
+      </p:sp>
+      <p:sp>
+        <p:nvSpPr>
+          <p:cNvPr id="5" name="Объект 4"/>
+          <p:cNvSpPr>
+            <a:spLocks noGrp="1"/>
+          </p:cNvSpPr>
+          <p:nvPr>
+            <p:ph idx="1"/>
+          </p:nvPr>
+        </p:nvSpPr>
+        <p:spPr>
+          <a:xfrm>
+            <a:off x="677334" y="2160589"/>
+            <a:ext cx="6396326" cy="3880773"/>
+          </a:xfrm>
+        </p:spPr>
+        <p:txBody>
+          <a:bodyPr/>
+          <a:lstStyle/>
+          <a:p>
+            <a:r>
+              <a:rPr lang="en-US" dirty="0" smtClean="0"/>
+              <a:t>Face Detector –</a:t>
+            </a:r>
+            <a:r>
+              <a:rPr lang="ru-RU" dirty="0" smtClean="0"/>
+              <a:t> </a:t>
+            </a:r>
+            <a:r>
+              <a:rPr lang="en-US" dirty="0" err="1" smtClean="0"/>
+              <a:t>OpenCV</a:t>
+            </a:r>
+            <a:r>
+              <a:rPr lang="en-US" dirty="0" smtClean="0"/>
+              <a:t> SSD 300</a:t>
+            </a:r>
+          </a:p>
+          <a:p>
+            <a:r>
+              <a:rPr lang="en-US" dirty="0" smtClean="0"/>
+              <a:t>Alignment – </a:t>
+            </a:r>
+            <a:r>
+              <a:rPr lang="en-US" dirty="0" err="1" smtClean="0"/>
+              <a:t>dlib</a:t>
+            </a:r>
+            <a:r>
+              <a:rPr lang="en-US" dirty="0" smtClean="0"/>
+              <a:t> 68-landmarks + </a:t>
+            </a:r>
+            <a:r>
+              <a:rPr lang="en-US" dirty="0" err="1" smtClean="0"/>
+              <a:t>openface</a:t>
+            </a:r>
+            <a:r>
+              <a:rPr lang="en-US" dirty="0" smtClean="0"/>
+              <a:t> alignment</a:t>
+            </a:r>
+          </a:p>
+          <a:p>
+            <a:r>
+              <a:rPr lang="en-US" dirty="0" smtClean="0"/>
+              <a:t>Feature Extraction – ResNet-50</a:t>
+            </a:r>
+            <a:endParaRPr lang="ru-RU" dirty="0"/>
+          </a:p>
+        </p:txBody>
+      </p:sp>
+      <p:pic>
+        <p:nvPicPr>
+          <p:cNvPr id="6" name="Объект 3"/>
+          <p:cNvPicPr>
+            <a:picLocks noChangeAspect="1"/>
+          </p:cNvPicPr>
+          <p:nvPr/>
+        </p:nvPicPr>
+        <p:blipFill>
+          <a:blip r:embed="rId2"/>
+          <a:stretch>
+            <a:fillRect/>
+          </a:stretch>
+        </p:blipFill>
+        <p:spPr>
+          <a:xfrm>
+            <a:off x="7631516" y="399726"/>
+            <a:ext cx="2677050" cy="6262737"/>
+          </a:xfrm>
+          <a:prstGeom prst="rect">
+            <a:avLst/>
+          </a:prstGeom>
+        </p:spPr>
+      </p:pic>
+    </p:spTree>
+    <p:extLst>
+      <p:ext uri="{BB962C8B-B14F-4D97-AF65-F5344CB8AC3E}">
+        <p14:creationId xmlns:p14="http://schemas.microsoft.com/office/powerpoint/2010/main" val="389283703"/>
+      </p:ext>
+    </p:extLst>
+  </p:cSld>
+  <p:clrMapOvr>
+    <a:masterClrMapping/>
+  </p:clrMapOvr>
+  <p:timing>
+    <p:tnLst>
+      <p:par>
+        <p:cTn id="1" dur="indefinite" restart="never" nodeType="tmRoot"/>
+      </p:par>
+    </p:tnLst>
+  </p:timing>
+</p:sld>
+</file>
+
+<file path=ppt/slides/slide12.xml><?xml version="1.0" encoding="utf-8"?>
+<p:sld xmlns:a="http://schemas.openxmlformats.org/drawingml/2006/main" xmlns:r="http://schemas.openxmlformats.org/officeDocument/2006/relationships" xmlns:p="http://schemas.openxmlformats.org/presentationml/2006/main">
+  <p:cSld>
+    <p:spTree>
+      <p:nvGrpSpPr>
+        <p:cNvPr id="1" name=""/>
+        <p:cNvGrpSpPr/>
+        <p:nvPr/>
+      </p:nvGrpSpPr>
+      <p:grpSpPr>
+        <a:xfrm>
+          <a:off x="0" y="0"/>
+          <a:ext cx="0" cy="0"/>
+          <a:chOff x="0" y="0"/>
+          <a:chExt cx="0" cy="0"/>
+        </a:xfrm>
+      </p:grpSpPr>
+      <p:sp>
+        <p:nvSpPr>
+          <p:cNvPr id="2" name="Title 1">
+            <a:extLst>
+              <a:ext uri="{FF2B5EF4-FFF2-40B4-BE49-F238E27FC236}">
+                <a16:creationId xmlns="" xmlns:a16="http://schemas.microsoft.com/office/drawing/2014/main" id="{8F2BF1A6-450C-4AD2-B97D-0E4ED72B90EB}"/>
+              </a:ext>
+            </a:extLst>
+          </p:cNvPr>
+          <p:cNvSpPr>
+            <a:spLocks noGrp="1"/>
+          </p:cNvSpPr>
+          <p:nvPr>
+            <p:ph type="title"/>
+          </p:nvPr>
+        </p:nvSpPr>
+        <p:spPr/>
+        <p:txBody>
+          <a:bodyPr/>
+          <a:lstStyle/>
+          <a:p>
+            <a:r>
+              <a:rPr lang="ru-RU" dirty="0"/>
+              <a:t>Подбор подходов к решению проблем реализации системы</a:t>
+            </a:r>
+            <a:endParaRPr lang="en-US" dirty="0"/>
+          </a:p>
+        </p:txBody>
+      </p:sp>
+      <p:sp>
+        <p:nvSpPr>
+          <p:cNvPr id="3" name="Content Placeholder 2">
+            <a:extLst>
+              <a:ext uri="{FF2B5EF4-FFF2-40B4-BE49-F238E27FC236}">
+                <a16:creationId xmlns="" xmlns:a16="http://schemas.microsoft.com/office/drawing/2014/main" id="{BEC19B5C-DA7A-4884-9F2B-E9A858E9B4F1}"/>
+              </a:ext>
+            </a:extLst>
+          </p:cNvPr>
+          <p:cNvSpPr>
+            <a:spLocks noGrp="1"/>
+          </p:cNvSpPr>
+          <p:nvPr>
+            <p:ph idx="1"/>
+          </p:nvPr>
+        </p:nvSpPr>
+        <p:spPr/>
+        <p:txBody>
+          <a:bodyPr/>
+          <a:lstStyle/>
+          <a:p>
+            <a:r>
+              <a:rPr lang="ru-RU" dirty="0" smtClean="0"/>
+              <a:t>Для реализации классификатора были рассмотрены следующие архитектуры:</a:t>
+            </a:r>
+          </a:p>
+          <a:p>
+            <a:pPr marL="800100" lvl="1" indent="-342900">
+              <a:buFont typeface="+mj-lt"/>
+              <a:buAutoNum type="arabicPeriod"/>
+            </a:pPr>
+            <a:r>
+              <a:rPr lang="ru-RU" dirty="0" smtClean="0"/>
+              <a:t>Трехслойный персептрон (512 нейронов, активация – </a:t>
+            </a:r>
+            <a:r>
+              <a:rPr lang="en-US" dirty="0" err="1" smtClean="0"/>
+              <a:t>relu</a:t>
+            </a:r>
+            <a:r>
+              <a:rPr lang="en-US" dirty="0" smtClean="0"/>
+              <a:t>)</a:t>
+            </a:r>
+          </a:p>
+          <a:p>
+            <a:pPr marL="800100" lvl="1" indent="-342900">
+              <a:buFont typeface="+mj-lt"/>
+              <a:buAutoNum type="arabicPeriod"/>
+            </a:pPr>
+            <a:r>
+              <a:rPr lang="ru-RU" dirty="0" smtClean="0"/>
+              <a:t>Пятислойный </a:t>
+            </a:r>
+            <a:r>
+              <a:rPr lang="ru-RU" dirty="0"/>
+              <a:t>персептрон </a:t>
+            </a:r>
+            <a:r>
+              <a:rPr lang="ru-RU" dirty="0" smtClean="0"/>
+              <a:t>(2</a:t>
+            </a:r>
+            <a:r>
+              <a:rPr lang="en-US" dirty="0"/>
+              <a:t>5</a:t>
+            </a:r>
+            <a:r>
+              <a:rPr lang="ru-RU" dirty="0" smtClean="0"/>
+              <a:t>6 нейронов, </a:t>
+            </a:r>
+            <a:r>
+              <a:rPr lang="ru-RU" dirty="0"/>
+              <a:t>активация – </a:t>
+            </a:r>
+            <a:r>
+              <a:rPr lang="en-US" dirty="0" err="1"/>
+              <a:t>relu</a:t>
+            </a:r>
+            <a:r>
+              <a:rPr lang="ru-RU" dirty="0" smtClean="0"/>
+              <a:t>)</a:t>
+            </a:r>
+          </a:p>
+          <a:p>
+            <a:pPr marL="800100" lvl="1" indent="-342900">
+              <a:buFont typeface="+mj-lt"/>
+              <a:buAutoNum type="arabicPeriod"/>
+            </a:pPr>
+            <a:r>
+              <a:rPr lang="ru-RU" dirty="0" smtClean="0"/>
+              <a:t>Двухслойный персептрон (1024 нейрона, </a:t>
+            </a:r>
+            <a:r>
+              <a:rPr lang="ru-RU" dirty="0"/>
+              <a:t>активация – </a:t>
+            </a:r>
+            <a:r>
+              <a:rPr lang="en-US" dirty="0" err="1" smtClean="0"/>
+              <a:t>relu</a:t>
+            </a:r>
+            <a:r>
+              <a:rPr lang="ru-RU" dirty="0" smtClean="0"/>
+              <a:t>)</a:t>
+            </a:r>
+            <a:endParaRPr lang="ru-RU" dirty="0"/>
+          </a:p>
+          <a:p>
+            <a:r>
+              <a:rPr lang="ru-RU" dirty="0" smtClean="0"/>
+              <a:t>Для увеличение точности были применены следующие подходы:</a:t>
+            </a:r>
+          </a:p>
+          <a:p>
+            <a:pPr marL="800100" lvl="1" indent="-342900">
+              <a:buFont typeface="+mj-lt"/>
+              <a:buAutoNum type="alphaLcParenR"/>
+            </a:pPr>
+            <a:r>
+              <a:rPr lang="en-US" dirty="0" smtClean="0"/>
+              <a:t>Dropout</a:t>
+            </a:r>
+          </a:p>
+          <a:p>
+            <a:pPr marL="800100" lvl="1" indent="-342900">
+              <a:buFont typeface="+mj-lt"/>
+              <a:buAutoNum type="alphaLcParenR"/>
+            </a:pPr>
+            <a:r>
+              <a:rPr lang="en-US" dirty="0" smtClean="0"/>
+              <a:t>Regularization</a:t>
+            </a:r>
+          </a:p>
+          <a:p>
+            <a:pPr marL="800100" lvl="1" indent="-342900">
+              <a:buFont typeface="+mj-lt"/>
+              <a:buAutoNum type="alphaLcParenR"/>
+            </a:pPr>
+            <a:r>
+              <a:rPr lang="en-US" dirty="0" smtClean="0"/>
+              <a:t>Learning rate</a:t>
+            </a:r>
+            <a:endParaRPr lang="ru-RU" dirty="0" smtClean="0"/>
+          </a:p>
+          <a:p>
+            <a:pPr marL="800100" lvl="1" indent="-342900">
+              <a:buFont typeface="+mj-lt"/>
+              <a:buAutoNum type="alphaLcParenR"/>
+            </a:pPr>
+            <a:r>
+              <a:rPr lang="en-US" dirty="0" err="1" smtClean="0"/>
+              <a:t>amsGrad</a:t>
+            </a:r>
+            <a:endParaRPr lang="ru-RU" dirty="0"/>
+          </a:p>
+        </p:txBody>
+      </p:sp>
+      <p:graphicFrame>
+        <p:nvGraphicFramePr>
+          <p:cNvPr id="4" name="Таблица 3"/>
+          <p:cNvGraphicFramePr>
+            <a:graphicFrameLocks noGrp="1"/>
+          </p:cNvGraphicFramePr>
+          <p:nvPr>
+            <p:extLst/>
+          </p:nvPr>
+        </p:nvGraphicFramePr>
+        <p:xfrm>
+          <a:off x="3930022" y="4455214"/>
+          <a:ext cx="6947580" cy="1478280"/>
+        </p:xfrm>
+        <a:graphic>
+          <a:graphicData uri="http://schemas.openxmlformats.org/drawingml/2006/table">
+            <a:tbl>
+              <a:tblPr firstRow="1" bandRow="1">
+                <a:tableStyleId>{5C22544A-7EE6-4342-B048-85BDC9FD1C3A}</a:tableStyleId>
+              </a:tblPr>
+              <a:tblGrid>
+                <a:gridCol w="1719262"/>
+                <a:gridCol w="1719262"/>
+                <a:gridCol w="1719262"/>
+                <a:gridCol w="1789794"/>
+              </a:tblGrid>
+              <a:tr h="359728">
+                <a:tc>
+                  <a:txBody>
+                    <a:bodyPr/>
+                    <a:lstStyle/>
+                    <a:p>
+                      <a:endParaRPr lang="ru-RU" dirty="0"/>
+                    </a:p>
+                  </a:txBody>
+                  <a:tcPr/>
+                </a:tc>
+                <a:tc>
+                  <a:txBody>
+                    <a:bodyPr/>
+                    <a:lstStyle/>
+                    <a:p>
+                      <a:r>
+                        <a:rPr lang="en-US" dirty="0" smtClean="0"/>
+                        <a:t>a</a:t>
+                      </a:r>
+                      <a:endParaRPr lang="ru-RU" dirty="0"/>
+                    </a:p>
+                  </a:txBody>
+                  <a:tcPr/>
+                </a:tc>
+                <a:tc>
+                  <a:txBody>
+                    <a:bodyPr/>
+                    <a:lstStyle/>
+                    <a:p>
+                      <a:r>
+                        <a:rPr lang="en-US" dirty="0" err="1" smtClean="0"/>
+                        <a:t>a+b</a:t>
+                      </a:r>
+                      <a:endParaRPr lang="ru-RU" dirty="0"/>
+                    </a:p>
+                  </a:txBody>
+                  <a:tcPr/>
+                </a:tc>
+                <a:tc>
+                  <a:txBody>
+                    <a:bodyPr/>
+                    <a:lstStyle/>
+                    <a:p>
+                      <a:r>
+                        <a:rPr lang="en-US" dirty="0" err="1" smtClean="0"/>
+                        <a:t>a+b+c+d</a:t>
+                      </a:r>
+                      <a:endParaRPr lang="ru-RU" dirty="0"/>
+                    </a:p>
+                  </a:txBody>
+                  <a:tcPr/>
+                </a:tc>
+              </a:tr>
+              <a:tr h="370840">
+                <a:tc>
+                  <a:txBody>
+                    <a:bodyPr/>
+                    <a:lstStyle/>
+                    <a:p>
+                      <a:r>
+                        <a:rPr lang="ru-RU" dirty="0" smtClean="0"/>
+                        <a:t>1</a:t>
+                      </a:r>
+                      <a:endParaRPr lang="ru-RU" dirty="0"/>
+                    </a:p>
+                  </a:txBody>
+                  <a:tcPr/>
+                </a:tc>
+                <a:tc>
+                  <a:txBody>
+                    <a:bodyPr/>
+                    <a:lstStyle/>
+                    <a:p>
+                      <a:r>
+                        <a:rPr lang="en-US" dirty="0" smtClean="0"/>
+                        <a:t>96.4%</a:t>
+                      </a:r>
+                      <a:endParaRPr lang="ru-RU" dirty="0"/>
+                    </a:p>
+                  </a:txBody>
+                  <a:tcPr/>
+                </a:tc>
+                <a:tc>
+                  <a:txBody>
+                    <a:bodyPr/>
+                    <a:lstStyle/>
+                    <a:p>
+                      <a:r>
+                        <a:rPr lang="en-US" dirty="0" smtClean="0"/>
+                        <a:t>96.89%</a:t>
+                      </a:r>
+                      <a:endParaRPr lang="ru-RU" dirty="0"/>
+                    </a:p>
+                  </a:txBody>
+                  <a:tcPr/>
+                </a:tc>
+                <a:tc>
+                  <a:txBody>
+                    <a:bodyPr/>
+                    <a:lstStyle/>
+                    <a:p>
+                      <a:r>
+                        <a:rPr lang="en-US" dirty="0" smtClean="0"/>
+                        <a:t>97.12%</a:t>
+                      </a:r>
+                      <a:endParaRPr lang="ru-RU" dirty="0"/>
+                    </a:p>
+                  </a:txBody>
+                  <a:tcPr/>
+                </a:tc>
+              </a:tr>
+              <a:tr h="370840">
+                <a:tc>
+                  <a:txBody>
+                    <a:bodyPr/>
+                    <a:lstStyle/>
+                    <a:p>
+                      <a:r>
+                        <a:rPr lang="ru-RU" dirty="0" smtClean="0"/>
+                        <a:t>2</a:t>
+                      </a:r>
+                      <a:endParaRPr lang="ru-RU" dirty="0"/>
+                    </a:p>
+                  </a:txBody>
+                  <a:tcPr/>
+                </a:tc>
+                <a:tc>
+                  <a:txBody>
+                    <a:bodyPr/>
+                    <a:lstStyle/>
+                    <a:p>
+                      <a:r>
+                        <a:rPr lang="en-US" dirty="0" smtClean="0"/>
+                        <a:t>95.8%</a:t>
+                      </a:r>
+                      <a:endParaRPr lang="ru-RU" dirty="0"/>
+                    </a:p>
+                  </a:txBody>
+                  <a:tcPr/>
+                </a:tc>
+                <a:tc>
+                  <a:txBody>
+                    <a:bodyPr/>
+                    <a:lstStyle/>
+                    <a:p>
+                      <a:r>
+                        <a:rPr lang="en-US" dirty="0" smtClean="0"/>
+                        <a:t>-</a:t>
+                      </a:r>
+                      <a:endParaRPr lang="ru-RU" dirty="0"/>
+                    </a:p>
+                  </a:txBody>
+                  <a:tcPr/>
+                </a:tc>
+                <a:tc>
+                  <a:txBody>
+                    <a:bodyPr/>
+                    <a:lstStyle/>
+                    <a:p>
+                      <a:r>
+                        <a:rPr lang="en-US" dirty="0" smtClean="0"/>
+                        <a:t>-</a:t>
+                      </a:r>
+                      <a:endParaRPr lang="ru-RU" dirty="0"/>
+                    </a:p>
+                  </a:txBody>
+                  <a:tcPr/>
+                </a:tc>
+              </a:tr>
+              <a:tr h="370840">
+                <a:tc>
+                  <a:txBody>
+                    <a:bodyPr/>
+                    <a:lstStyle/>
+                    <a:p>
+                      <a:r>
+                        <a:rPr lang="ru-RU" dirty="0" smtClean="0"/>
+                        <a:t>3</a:t>
+                      </a:r>
+                      <a:endParaRPr lang="ru-RU" dirty="0"/>
+                    </a:p>
+                  </a:txBody>
+                  <a:tcPr/>
+                </a:tc>
+                <a:tc>
+                  <a:txBody>
+                    <a:bodyPr/>
+                    <a:lstStyle/>
+                    <a:p>
+                      <a:r>
+                        <a:rPr lang="en-US" dirty="0" smtClean="0"/>
+                        <a:t>95.2%</a:t>
+                      </a:r>
+                      <a:endParaRPr lang="ru-RU" dirty="0"/>
+                    </a:p>
+                  </a:txBody>
+                  <a:tcPr/>
+                </a:tc>
+                <a:tc>
+                  <a:txBody>
+                    <a:bodyPr/>
+                    <a:lstStyle/>
+                    <a:p>
+                      <a:r>
+                        <a:rPr lang="en-US" dirty="0" smtClean="0"/>
+                        <a:t>-</a:t>
+                      </a:r>
+                      <a:endParaRPr lang="ru-RU" dirty="0"/>
+                    </a:p>
+                  </a:txBody>
+                  <a:tcPr/>
+                </a:tc>
+                <a:tc>
+                  <a:txBody>
+                    <a:bodyPr/>
+                    <a:lstStyle/>
+                    <a:p>
+                      <a:r>
+                        <a:rPr lang="en-US" dirty="0" smtClean="0"/>
+                        <a:t>-</a:t>
+                      </a:r>
+                      <a:endParaRPr lang="ru-RU" dirty="0"/>
+                    </a:p>
+                  </a:txBody>
+                  <a:tcPr/>
+                </a:tc>
+              </a:tr>
+            </a:tbl>
+          </a:graphicData>
+        </a:graphic>
+      </p:graphicFrame>
+    </p:spTree>
+    <p:extLst>
+      <p:ext uri="{BB962C8B-B14F-4D97-AF65-F5344CB8AC3E}">
+        <p14:creationId xmlns:p14="http://schemas.microsoft.com/office/powerpoint/2010/main" val="2158952448"/>
+      </p:ext>
+    </p:extLst>
+  </p:cSld>
+  <p:clrMapOvr>
+    <a:masterClrMapping/>
+  </p:clrMapOvr>
+  <p:timing>
+    <p:tnLst>
+      <p:par>
+        <p:cTn id="1" dur="indefinite" restart="never" nodeType="tmRoot"/>
+      </p:par>
+    </p:tnLst>
+  </p:timing>
+</p:sld>
+</file>
+
+<file path=ppt/slides/slide13.xml><?xml version="1.0" encoding="utf-8"?>
+<p:sld xmlns:a="http://schemas.openxmlformats.org/drawingml/2006/main" xmlns:r="http://schemas.openxmlformats.org/officeDocument/2006/relationships" xmlns:p="http://schemas.openxmlformats.org/presentationml/2006/main">
+  <p:cSld>
+    <p:spTree>
+      <p:nvGrpSpPr>
+        <p:cNvPr id="1" name=""/>
+        <p:cNvGrpSpPr/>
+        <p:nvPr/>
+      </p:nvGrpSpPr>
+      <p:grpSpPr>
+        <a:xfrm>
+          <a:off x="0" y="0"/>
+          <a:ext cx="0" cy="0"/>
+          <a:chOff x="0" y="0"/>
+          <a:chExt cx="0" cy="0"/>
+        </a:xfrm>
+      </p:grpSpPr>
+      <p:sp>
+        <p:nvSpPr>
           <p:cNvPr id="2" name="Заголовок 1"/>
           <p:cNvSpPr>
             <a:spLocks noGrp="1"/>
@@ -5973,7 +6771,7 @@
 </p:sld>
 </file>
 
-<file path=ppt/slides/slide11.xml><?xml version="1.0" encoding="utf-8"?>
+<file path=ppt/slides/slide14.xml><?xml version="1.0" encoding="utf-8"?>
 <p:sld xmlns:a="http://schemas.openxmlformats.org/drawingml/2006/main" xmlns:r="http://schemas.openxmlformats.org/officeDocument/2006/relationships" xmlns:p="http://schemas.openxmlformats.org/presentationml/2006/main">
   <p:cSld>
     <p:spTree>
@@ -6107,7 +6905,7 @@
 </p:sld>
 </file>
 
-<file path=ppt/slides/slide12.xml><?xml version="1.0" encoding="utf-8"?>
+<file path=ppt/slides/slide15.xml><?xml version="1.0" encoding="utf-8"?>
 <p:sld xmlns:a="http://schemas.openxmlformats.org/drawingml/2006/main" xmlns:r="http://schemas.openxmlformats.org/officeDocument/2006/relationships" xmlns:p="http://schemas.openxmlformats.org/presentationml/2006/main">
   <p:cSld>
     <p:spTree>
@@ -6348,14 +7146,14 @@
           <p:nvPr>
             <p:extLst>
               <p:ext uri="{D42A27DB-BD31-4B8C-83A1-F6EECF244321}">
-                <p14:modId xmlns:p14="http://schemas.microsoft.com/office/powerpoint/2010/main" val="2099650629"/>
+                <p14:modId xmlns:p14="http://schemas.microsoft.com/office/powerpoint/2010/main" val="1130090717"/>
               </p:ext>
             </p:extLst>
           </p:nvPr>
         </p:nvGraphicFramePr>
         <p:xfrm>
           <a:off x="2014746" y="4006330"/>
-          <a:ext cx="8128000" cy="1854200"/>
+          <a:ext cx="7259256" cy="1854200"/>
         </p:xfrm>
         <a:graphic>
           <a:graphicData uri="http://schemas.openxmlformats.org/drawingml/2006/table">
@@ -6364,8 +7162,8 @@
                 <a:tableStyleId>{5C22544A-7EE6-4342-B048-85BDC9FD1C3A}</a:tableStyleId>
               </a:tblPr>
               <a:tblGrid>
-                <a:gridCol w="4064000"/>
-                <a:gridCol w="4064000"/>
+                <a:gridCol w="4222768"/>
+                <a:gridCol w="3036488"/>
               </a:tblGrid>
               <a:tr h="370840">
                 <a:tc>
@@ -6553,7 +7351,7 @@
 </p:sld>
 </file>
 
-<file path=ppt/slides/slide13.xml><?xml version="1.0" encoding="utf-8"?>
+<file path=ppt/slides/slide16.xml><?xml version="1.0" encoding="utf-8"?>
 <p:sld xmlns:a="http://schemas.openxmlformats.org/drawingml/2006/main" xmlns:r="http://schemas.openxmlformats.org/officeDocument/2006/relationships" xmlns:p="http://schemas.openxmlformats.org/presentationml/2006/main">
   <p:cSld>
     <p:spTree>
@@ -6587,7 +7385,7 @@
           <a:p>
             <a:r>
               <a:rPr lang="ru-RU" dirty="0" smtClean="0"/>
-              <a:t>Эксперимент</a:t>
+              <a:t>Оценка результатов</a:t>
             </a:r>
             <a:endParaRPr lang="ru-RU" dirty="0"/>
           </a:p>
@@ -6739,7 +7537,7 @@
 </p:sld>
 </file>
 
-<file path=ppt/slides/slide14.xml><?xml version="1.0" encoding="utf-8"?>
+<file path=ppt/slides/slide17.xml><?xml version="1.0" encoding="utf-8"?>
 <p:sld xmlns:a="http://schemas.openxmlformats.org/drawingml/2006/main" xmlns:r="http://schemas.openxmlformats.org/officeDocument/2006/relationships" xmlns:p="http://schemas.openxmlformats.org/presentationml/2006/main">
   <p:cSld>
     <p:spTree>
@@ -6818,7 +7616,7 @@
 </p:sld>
 </file>
 
-<file path=ppt/slides/slide15.xml><?xml version="1.0" encoding="utf-8"?>
+<file path=ppt/slides/slide18.xml><?xml version="1.0" encoding="utf-8"?>
 <p:sld xmlns:a="http://schemas.openxmlformats.org/drawingml/2006/main" xmlns:r="http://schemas.openxmlformats.org/officeDocument/2006/relationships" xmlns:p="http://schemas.openxmlformats.org/presentationml/2006/main">
   <p:cSld>
     <p:spTree>
@@ -6840,7 +7638,7 @@
           <p:cNvPr id="2" name="Title 1">
             <a:extLst>
               <a:ext uri="{FF2B5EF4-FFF2-40B4-BE49-F238E27FC236}">
-                <a16:creationId xmlns:a16="http://schemas.microsoft.com/office/drawing/2014/main" xmlns="" id="{D5B40423-DB39-406B-8EF8-37BDCB45132B}"/>
+                <a16:creationId xmlns="" xmlns:a16="http://schemas.microsoft.com/office/drawing/2014/main" id="{D5B40423-DB39-406B-8EF8-37BDCB45132B}"/>
               </a:ext>
             </a:extLst>
           </p:cNvPr>
@@ -6853,12 +7651,19 @@
         </p:nvSpPr>
         <p:spPr/>
         <p:txBody>
-          <a:bodyPr/>
+          <a:bodyPr>
+            <a:normAutofit/>
+          </a:bodyPr>
           <a:lstStyle/>
           <a:p>
-            <a:r>
-              <a:rPr lang="ru-RU" dirty="0"/>
-              <a:t>Календарный план</a:t>
+            <a:pPr lvl="0"/>
+            <a:r>
+              <a:rPr lang="ru-RU" dirty="0"/>
+              <a:t>Календарный план. Исследование общего подхода к распознаванию </a:t>
+            </a:r>
+            <a:r>
+              <a:rPr lang="ru-RU" dirty="0" smtClean="0"/>
+              <a:t>лиц</a:t>
             </a:r>
             <a:endParaRPr lang="en-US" dirty="0"/>
           </a:p>
@@ -6869,7 +7674,7 @@
           <p:cNvPr id="3" name="Content Placeholder 2">
             <a:extLst>
               <a:ext uri="{FF2B5EF4-FFF2-40B4-BE49-F238E27FC236}">
-                <a16:creationId xmlns:a16="http://schemas.microsoft.com/office/drawing/2014/main" xmlns="" id="{C5258434-9758-4B4C-9F43-05027F409245}"/>
+                <a16:creationId xmlns="" xmlns:a16="http://schemas.microsoft.com/office/drawing/2014/main" id="{C5258434-9758-4B4C-9F43-05027F409245}"/>
               </a:ext>
             </a:extLst>
           </p:cNvPr>
@@ -6882,83 +7687,126 @@
         </p:nvSpPr>
         <p:spPr/>
         <p:txBody>
-          <a:bodyPr/>
+          <a:bodyPr>
+            <a:normAutofit fontScale="85000" lnSpcReduction="20000"/>
+          </a:bodyPr>
           <a:lstStyle/>
           <a:p>
             <a:r>
               <a:rPr lang="ru-RU" dirty="0" smtClean="0"/>
-              <a:t>Начальный этап. Исследование </a:t>
-            </a:r>
-            <a:r>
-              <a:rPr lang="ru-RU" dirty="0"/>
-              <a:t>общего подхода к распознаванию </a:t>
-            </a:r>
+              <a:t>Определение этапов распознавания лиц</a:t>
+            </a:r>
+          </a:p>
+          <a:p>
             <a:r>
               <a:rPr lang="ru-RU" dirty="0" smtClean="0"/>
-              <a:t>лиц</a:t>
+              <a:t>Исследование метрик определения качества каждого этапа распознавания лиц</a:t>
+            </a:r>
+          </a:p>
+          <a:p>
+            <a:pPr marL="0" indent="0">
+              <a:buNone/>
+            </a:pPr>
+            <a:r>
+              <a:rPr lang="ru-RU" dirty="0" smtClean="0"/>
+              <a:t>Итог</a:t>
+            </a:r>
+            <a:r>
+              <a:rPr lang="ru-RU" dirty="0"/>
+              <a:t>: ПЗ по метрикам этапов распознавания лиц + инструментарий для оценки качества подхода к решению каждого из этапов распознавания лиц</a:t>
+            </a:r>
+          </a:p>
+          <a:p>
+            <a:r>
+              <a:rPr lang="ru-RU" dirty="0"/>
+              <a:t>Исследование подходов к </a:t>
+            </a:r>
+            <a:r>
+              <a:rPr lang="ru-RU" dirty="0" err="1"/>
+              <a:t>детекции</a:t>
+            </a:r>
+            <a:r>
+              <a:rPr lang="ru-RU" dirty="0"/>
+              <a:t> лиц</a:t>
+            </a:r>
+          </a:p>
+          <a:p>
+            <a:r>
+              <a:rPr lang="ru-RU" dirty="0"/>
+              <a:t>Исследование подходов к выравниванию лиц</a:t>
+            </a:r>
+          </a:p>
+          <a:p>
+            <a:r>
+              <a:rPr lang="ru-RU" dirty="0"/>
+              <a:t>Исследование подходов к </a:t>
+            </a:r>
+            <a:r>
+              <a:rPr lang="en-US" dirty="0"/>
+              <a:t>feature extraction</a:t>
             </a:r>
             <a:endParaRPr lang="ru-RU" dirty="0"/>
           </a:p>
           <a:p>
-            <a:pPr lvl="0"/>
-            <a:r>
-              <a:rPr lang="ru-RU" dirty="0" smtClean="0"/>
-              <a:t>Разработка системы. </a:t>
-            </a:r>
-          </a:p>
-          <a:p>
-            <a:pPr lvl="1"/>
-            <a:r>
-              <a:rPr lang="ru-RU" dirty="0" smtClean="0"/>
-              <a:t>Создание </a:t>
-            </a:r>
-            <a:r>
-              <a:rPr lang="ru-RU" dirty="0"/>
-              <a:t>начального </a:t>
+            <a:r>
+              <a:rPr lang="ru-RU" dirty="0"/>
+              <a:t>Исследование подходов к определению близости </a:t>
+            </a:r>
+            <a:r>
+              <a:rPr lang="en-US" dirty="0"/>
+              <a:t>feature </a:t>
+            </a:r>
+            <a:r>
+              <a:rPr lang="ru-RU" dirty="0"/>
+              <a:t>векторов</a:t>
+            </a:r>
+          </a:p>
+          <a:p>
+            <a:pPr marL="0" indent="0">
+              <a:buNone/>
+            </a:pPr>
+            <a:r>
+              <a:rPr lang="ru-RU" dirty="0"/>
+              <a:t>Итог: ПЗ по подходам к реализации каждого этапа + рекомендации по каждому этапу.</a:t>
+            </a:r>
+          </a:p>
+          <a:p>
+            <a:r>
+              <a:rPr lang="ru-RU" dirty="0"/>
+              <a:t>Исследование </a:t>
             </a:r>
             <a:r>
               <a:rPr lang="ru-RU" dirty="0" err="1"/>
-              <a:t>пайплайна</a:t>
-            </a:r>
-            <a:endParaRPr lang="ru-RU" dirty="0"/>
-          </a:p>
-          <a:p>
-            <a:pPr lvl="1"/>
-            <a:r>
-              <a:rPr lang="ru-RU" dirty="0"/>
-              <a:t>Создание ТЗ</a:t>
-            </a:r>
-          </a:p>
-          <a:p>
-            <a:pPr lvl="1"/>
-            <a:r>
-              <a:rPr lang="ru-RU" dirty="0"/>
-              <a:t>Создание программного </a:t>
-            </a:r>
-            <a:r>
-              <a:rPr lang="ru-RU" dirty="0" smtClean="0"/>
-              <a:t>продукта</a:t>
-            </a:r>
-          </a:p>
-          <a:p>
-            <a:pPr lvl="1"/>
-            <a:r>
-              <a:rPr lang="ru-RU" dirty="0" smtClean="0"/>
-              <a:t>Формирование тренировочного и тестового набора данных</a:t>
-            </a:r>
-          </a:p>
-          <a:p>
-            <a:pPr lvl="1"/>
-            <a:r>
-              <a:rPr lang="ru-RU" dirty="0"/>
-              <a:t>Создание программной документации</a:t>
-            </a:r>
-          </a:p>
-          <a:p>
-            <a:pPr lvl="0"/>
-            <a:r>
-              <a:rPr lang="ru-RU" dirty="0"/>
-              <a:t>Испытания</a:t>
+              <a:t>датасетов</a:t>
+            </a:r>
+            <a:r>
+              <a:rPr lang="ru-RU" dirty="0"/>
+              <a:t>, используемых для распознавания лиц</a:t>
+            </a:r>
+          </a:p>
+          <a:p>
+            <a:pPr marL="0" indent="0">
+              <a:buNone/>
+            </a:pPr>
+            <a:r>
+              <a:rPr lang="ru-RU" dirty="0"/>
+              <a:t>Итог: ПЗ по </a:t>
+            </a:r>
+            <a:r>
+              <a:rPr lang="ru-RU" dirty="0" err="1"/>
+              <a:t>датасетам</a:t>
+            </a:r>
+            <a:r>
+              <a:rPr lang="ru-RU" dirty="0"/>
+              <a:t> + понимание о ограничениях на каждый этап распознавания лиц, ввиду </a:t>
+            </a:r>
+            <a:r>
+              <a:rPr lang="ru-RU" dirty="0" err="1"/>
+              <a:t>датасетов</a:t>
+            </a:r>
+            <a:r>
+              <a:rPr lang="ru-RU" dirty="0"/>
+              <a:t>, на которых обучались нейронные сети, используемые в данном этапе (при использовании в соответственно этапе нейронной сети)</a:t>
             </a:r>
           </a:p>
           <a:p>
@@ -6986,7 +7834,7 @@
 </p:sld>
 </file>
 
-<file path=ppt/slides/slide16.xml><?xml version="1.0" encoding="utf-8"?>
+<file path=ppt/slides/slide19.xml><?xml version="1.0" encoding="utf-8"?>
 <p:sld xmlns:a="http://schemas.openxmlformats.org/drawingml/2006/main" xmlns:r="http://schemas.openxmlformats.org/officeDocument/2006/relationships" xmlns:p="http://schemas.openxmlformats.org/presentationml/2006/main">
   <p:cSld>
     <p:spTree>
@@ -7005,10 +7853,722 @@
       </p:grpSpPr>
       <p:sp>
         <p:nvSpPr>
+          <p:cNvPr id="2" name="Заголовок 1"/>
+          <p:cNvSpPr>
+            <a:spLocks noGrp="1"/>
+          </p:cNvSpPr>
+          <p:nvPr>
+            <p:ph type="title"/>
+          </p:nvPr>
+        </p:nvSpPr>
+        <p:spPr/>
+        <p:txBody>
+          <a:bodyPr/>
+          <a:lstStyle/>
+          <a:p>
+            <a:r>
+              <a:rPr lang="ru-RU" dirty="0"/>
+              <a:t>Календарный план. </a:t>
+            </a:r>
+            <a:r>
+              <a:rPr lang="ru-RU" dirty="0" smtClean="0"/>
+              <a:t>Создание начального </a:t>
+            </a:r>
+            <a:r>
+              <a:rPr lang="ru-RU" dirty="0" smtClean="0"/>
+              <a:t>в</a:t>
+            </a:r>
+            <a:r>
+              <a:rPr lang="ru-RU" dirty="0" smtClean="0"/>
+              <a:t>ысокоуровневый </a:t>
+            </a:r>
+            <a:r>
+              <a:rPr lang="ru-RU" dirty="0"/>
+              <a:t>дизайн</a:t>
+            </a:r>
+            <a:endParaRPr lang="ru-RU" dirty="0"/>
+          </a:p>
+        </p:txBody>
+      </p:sp>
+      <p:sp>
+        <p:nvSpPr>
+          <p:cNvPr id="3" name="Объект 2"/>
+          <p:cNvSpPr>
+            <a:spLocks noGrp="1"/>
+          </p:cNvSpPr>
+          <p:nvPr>
+            <p:ph idx="1"/>
+          </p:nvPr>
+        </p:nvSpPr>
+        <p:spPr/>
+        <p:txBody>
+          <a:bodyPr>
+            <a:normAutofit/>
+          </a:bodyPr>
+          <a:lstStyle/>
+          <a:p>
+            <a:pPr lvl="0"/>
+            <a:r>
+              <a:rPr lang="ru-RU" dirty="0"/>
+              <a:t>Выбор методов для </a:t>
+            </a:r>
+            <a:r>
+              <a:rPr lang="ru-RU" dirty="0" err="1"/>
+              <a:t>детекции</a:t>
+            </a:r>
+            <a:r>
+              <a:rPr lang="ru-RU" dirty="0"/>
+              <a:t> лиц, выравнивания лиц, </a:t>
+            </a:r>
+            <a:r>
+              <a:rPr lang="en-US" dirty="0"/>
+              <a:t>feature extraction</a:t>
+            </a:r>
+            <a:r>
+              <a:rPr lang="ru-RU" dirty="0"/>
+              <a:t>, подхода к определению близости векторов (по качеству, скорости)</a:t>
+            </a:r>
+          </a:p>
+          <a:p>
+            <a:pPr lvl="0"/>
+            <a:r>
+              <a:rPr lang="ru-RU" dirty="0"/>
+              <a:t>Уточнение входов и выходов для каждого этапа и оценка сложности создания адаптеров между этапами</a:t>
+            </a:r>
+          </a:p>
+          <a:p>
+            <a:pPr marL="0" indent="0">
+              <a:buNone/>
+            </a:pPr>
+            <a:r>
+              <a:rPr lang="ru-RU" dirty="0"/>
+              <a:t>Итог: начальный </a:t>
+            </a:r>
+            <a:r>
+              <a:rPr lang="ru-RU" dirty="0" smtClean="0"/>
+              <a:t>высокоуровневый </a:t>
+            </a:r>
+            <a:r>
+              <a:rPr lang="ru-RU" dirty="0"/>
+              <a:t>дизайн</a:t>
+            </a:r>
+            <a:endParaRPr lang="ru-RU" dirty="0"/>
+          </a:p>
+          <a:p>
+            <a:pPr lvl="0"/>
+            <a:r>
+              <a:rPr lang="ru-RU" dirty="0"/>
+              <a:t>Определение требований к входному изображению (Формат, разрешение, размер и поворот лиц, освещение и т.д.)</a:t>
+            </a:r>
+          </a:p>
+          <a:p>
+            <a:pPr lvl="0"/>
+            <a:r>
+              <a:rPr lang="ru-RU" dirty="0"/>
+              <a:t>Определение формата и объема выходных данных</a:t>
+            </a:r>
+          </a:p>
+          <a:p>
+            <a:pPr marL="0" indent="0">
+              <a:buNone/>
+            </a:pPr>
+            <a:r>
+              <a:rPr lang="ru-RU" dirty="0"/>
+              <a:t>Итог: ПЗ по входным и выходным данным и ограничениям, соответственно, понимание формата требуемых данных для тренировочной и тестовой выборки фотографий. Начало сбора фотографий для </a:t>
+            </a:r>
+            <a:r>
+              <a:rPr lang="ru-RU" dirty="0" err="1"/>
+              <a:t>датасета</a:t>
+            </a:r>
+            <a:r>
+              <a:rPr lang="ru-RU" dirty="0"/>
+              <a:t>.</a:t>
+            </a:r>
+          </a:p>
+          <a:p>
+            <a:endParaRPr lang="ru-RU" dirty="0"/>
+          </a:p>
+        </p:txBody>
+      </p:sp>
+    </p:spTree>
+    <p:extLst>
+      <p:ext uri="{BB962C8B-B14F-4D97-AF65-F5344CB8AC3E}">
+        <p14:creationId xmlns:p14="http://schemas.microsoft.com/office/powerpoint/2010/main" val="4142934000"/>
+      </p:ext>
+    </p:extLst>
+  </p:cSld>
+  <p:clrMapOvr>
+    <a:masterClrMapping/>
+  </p:clrMapOvr>
+</p:sld>
+</file>
+
+<file path=ppt/slides/slide2.xml><?xml version="1.0" encoding="utf-8"?>
+<p:sld xmlns:a="http://schemas.openxmlformats.org/drawingml/2006/main" xmlns:r="http://schemas.openxmlformats.org/officeDocument/2006/relationships" xmlns:p="http://schemas.openxmlformats.org/presentationml/2006/main">
+  <p:cSld>
+    <p:spTree>
+      <p:nvGrpSpPr>
+        <p:cNvPr id="1" name=""/>
+        <p:cNvGrpSpPr/>
+        <p:nvPr/>
+      </p:nvGrpSpPr>
+      <p:grpSpPr>
+        <a:xfrm>
+          <a:off x="0" y="0"/>
+          <a:ext cx="0" cy="0"/>
+          <a:chOff x="0" y="0"/>
+          <a:chExt cx="0" cy="0"/>
+        </a:xfrm>
+      </p:grpSpPr>
+      <p:sp>
+        <p:nvSpPr>
+          <p:cNvPr id="2" name="Заголовок 1"/>
+          <p:cNvSpPr>
+            <a:spLocks noGrp="1"/>
+          </p:cNvSpPr>
+          <p:nvPr>
+            <p:ph type="title"/>
+          </p:nvPr>
+        </p:nvSpPr>
+        <p:spPr/>
+        <p:txBody>
+          <a:bodyPr/>
+          <a:lstStyle/>
+          <a:p>
+            <a:r>
+              <a:rPr lang="ru-RU" dirty="0" smtClean="0"/>
+              <a:t>Что требовалось сделать</a:t>
+            </a:r>
+            <a:endParaRPr lang="ru-RU" dirty="0"/>
+          </a:p>
+        </p:txBody>
+      </p:sp>
+      <p:sp>
+        <p:nvSpPr>
+          <p:cNvPr id="3" name="Текст 2"/>
+          <p:cNvSpPr>
+            <a:spLocks noGrp="1"/>
+          </p:cNvSpPr>
+          <p:nvPr>
+            <p:ph type="body" idx="1"/>
+          </p:nvPr>
+        </p:nvSpPr>
+        <p:spPr/>
+        <p:txBody>
+          <a:bodyPr/>
+          <a:lstStyle/>
+          <a:p>
+            <a:endParaRPr lang="ru-RU"/>
+          </a:p>
+        </p:txBody>
+      </p:sp>
+    </p:spTree>
+    <p:extLst>
+      <p:ext uri="{BB962C8B-B14F-4D97-AF65-F5344CB8AC3E}">
+        <p14:creationId xmlns:p14="http://schemas.microsoft.com/office/powerpoint/2010/main" val="3851010365"/>
+      </p:ext>
+    </p:extLst>
+  </p:cSld>
+  <p:clrMapOvr>
+    <a:masterClrMapping/>
+  </p:clrMapOvr>
+  <p:timing>
+    <p:tnLst>
+      <p:par>
+        <p:cTn id="1" dur="indefinite" restart="never" nodeType="tmRoot"/>
+      </p:par>
+    </p:tnLst>
+  </p:timing>
+</p:sld>
+</file>
+
+<file path=ppt/slides/slide20.xml><?xml version="1.0" encoding="utf-8"?>
+<p:sld xmlns:a="http://schemas.openxmlformats.org/drawingml/2006/main" xmlns:r="http://schemas.openxmlformats.org/officeDocument/2006/relationships" xmlns:p="http://schemas.openxmlformats.org/presentationml/2006/main">
+  <p:cSld>
+    <p:spTree>
+      <p:nvGrpSpPr>
+        <p:cNvPr id="1" name=""/>
+        <p:cNvGrpSpPr/>
+        <p:nvPr/>
+      </p:nvGrpSpPr>
+      <p:grpSpPr>
+        <a:xfrm>
+          <a:off x="0" y="0"/>
+          <a:ext cx="0" cy="0"/>
+          <a:chOff x="0" y="0"/>
+          <a:chExt cx="0" cy="0"/>
+        </a:xfrm>
+      </p:grpSpPr>
+      <p:sp>
+        <p:nvSpPr>
+          <p:cNvPr id="2" name="Заголовок 1"/>
+          <p:cNvSpPr>
+            <a:spLocks noGrp="1"/>
+          </p:cNvSpPr>
+          <p:nvPr>
+            <p:ph type="title"/>
+          </p:nvPr>
+        </p:nvSpPr>
+        <p:spPr/>
+        <p:txBody>
+          <a:bodyPr>
+            <a:normAutofit/>
+          </a:bodyPr>
+          <a:lstStyle/>
+          <a:p>
+            <a:pPr lvl="0"/>
+            <a:r>
+              <a:rPr lang="ru-RU" dirty="0" smtClean="0"/>
+              <a:t>Календарный план. </a:t>
+            </a:r>
+            <a:r>
+              <a:rPr lang="ru-RU" dirty="0"/>
+              <a:t>Создание программного </a:t>
+            </a:r>
+            <a:r>
+              <a:rPr lang="ru-RU" dirty="0" smtClean="0"/>
+              <a:t>продукта</a:t>
+            </a:r>
+            <a:endParaRPr lang="ru-RU" dirty="0"/>
+          </a:p>
+        </p:txBody>
+      </p:sp>
+      <p:sp>
+        <p:nvSpPr>
+          <p:cNvPr id="3" name="Объект 2"/>
+          <p:cNvSpPr>
+            <a:spLocks noGrp="1"/>
+          </p:cNvSpPr>
+          <p:nvPr>
+            <p:ph idx="1"/>
+          </p:nvPr>
+        </p:nvSpPr>
+        <p:spPr/>
+        <p:txBody>
+          <a:bodyPr>
+            <a:normAutofit fontScale="62500" lnSpcReduction="20000"/>
+          </a:bodyPr>
+          <a:lstStyle/>
+          <a:p>
+            <a:pPr lvl="0"/>
+            <a:r>
+              <a:rPr lang="ru-RU" dirty="0"/>
+              <a:t>Создание и согласование веб интерфейса с заглушкой, вместо основного алгоритма распознавания</a:t>
+            </a:r>
+          </a:p>
+          <a:p>
+            <a:pPr marL="0" indent="0">
+              <a:buNone/>
+            </a:pPr>
+            <a:r>
+              <a:rPr lang="ru-RU" dirty="0"/>
+              <a:t>Итог: Утвержденный веб интерфейс</a:t>
+            </a:r>
+          </a:p>
+          <a:p>
+            <a:pPr lvl="0"/>
+            <a:r>
+              <a:rPr lang="ru-RU" dirty="0"/>
+              <a:t>Создание макета продукта с галереей фотографий в качестве основы для определения близости </a:t>
+            </a:r>
+            <a:r>
+              <a:rPr lang="ru-RU" dirty="0" err="1"/>
+              <a:t>feature</a:t>
+            </a:r>
+            <a:r>
+              <a:rPr lang="ru-RU" dirty="0"/>
+              <a:t> векторов</a:t>
+            </a:r>
+          </a:p>
+          <a:p>
+            <a:pPr lvl="0"/>
+            <a:r>
+              <a:rPr lang="ru-RU" dirty="0"/>
+              <a:t>Оценка точности распознавания лиц</a:t>
+            </a:r>
+          </a:p>
+          <a:p>
+            <a:pPr marL="0" indent="0">
+              <a:buNone/>
+            </a:pPr>
+            <a:r>
+              <a:rPr lang="ru-RU" dirty="0"/>
+              <a:t>Итог: </a:t>
+            </a:r>
+            <a:r>
+              <a:rPr lang="en-US" dirty="0"/>
+              <a:t>top</a:t>
+            </a:r>
+            <a:r>
+              <a:rPr lang="ru-RU" dirty="0"/>
+              <a:t>1-</a:t>
+            </a:r>
+            <a:r>
+              <a:rPr lang="en-US" dirty="0"/>
+              <a:t>accuracy </a:t>
+            </a:r>
+            <a:r>
+              <a:rPr lang="ru-RU" dirty="0"/>
+              <a:t>– процент правильно распознанных классификатором лиц </a:t>
+            </a:r>
+          </a:p>
+          <a:p>
+            <a:pPr lvl="0"/>
+            <a:r>
+              <a:rPr lang="ru-RU" dirty="0"/>
+              <a:t>Оценка риска перехода к тренировке классификатора. Принятие решения по замене текущих блоков </a:t>
+            </a:r>
+            <a:r>
+              <a:rPr lang="ru-RU" dirty="0" smtClean="0"/>
+              <a:t>в</a:t>
+            </a:r>
+            <a:r>
+              <a:rPr lang="ru-RU" dirty="0" smtClean="0"/>
+              <a:t>ысокоуровневого дизайна. </a:t>
+            </a:r>
+            <a:r>
+              <a:rPr lang="ru-RU" dirty="0"/>
+              <a:t>В случае замены, повторное снятие метрик, до получения приемлемого результаты</a:t>
+            </a:r>
+          </a:p>
+          <a:p>
+            <a:pPr marL="0" indent="0">
+              <a:buNone/>
+            </a:pPr>
+            <a:r>
+              <a:rPr lang="ru-RU" dirty="0"/>
+              <a:t>Итог: Методика получения пар </a:t>
+            </a:r>
+            <a:r>
+              <a:rPr lang="en-US" dirty="0"/>
+              <a:t>feature </a:t>
+            </a:r>
+            <a:r>
+              <a:rPr lang="ru-RU" dirty="0"/>
+              <a:t>вектор – класс (имеется ввиду, класс распознавания) для тренировка классификатора.</a:t>
+            </a:r>
+          </a:p>
+          <a:p>
+            <a:pPr lvl="0"/>
+            <a:r>
+              <a:rPr lang="ru-RU" dirty="0"/>
+              <a:t>Тренировка классификатора. Создание финальной системы с нейронной сетью в качестве «</a:t>
+            </a:r>
+            <a:r>
+              <a:rPr lang="ru-RU" dirty="0" err="1"/>
+              <a:t>распознователя</a:t>
+            </a:r>
+            <a:r>
+              <a:rPr lang="ru-RU" dirty="0"/>
+              <a:t>» лиц</a:t>
+            </a:r>
+          </a:p>
+          <a:p>
+            <a:pPr lvl="0"/>
+            <a:r>
+              <a:rPr lang="ru-RU" dirty="0"/>
+              <a:t>Оценка точности распознавания лиц</a:t>
+            </a:r>
+          </a:p>
+          <a:p>
+            <a:pPr marL="0" indent="0">
+              <a:buNone/>
+            </a:pPr>
+            <a:r>
+              <a:rPr lang="ru-RU" dirty="0"/>
+              <a:t>Итог: </a:t>
+            </a:r>
+            <a:r>
+              <a:rPr lang="en-US" dirty="0"/>
+              <a:t>top</a:t>
+            </a:r>
+            <a:r>
+              <a:rPr lang="ru-RU" dirty="0"/>
+              <a:t>1-</a:t>
+            </a:r>
+            <a:r>
+              <a:rPr lang="en-US" dirty="0"/>
+              <a:t>accuracy </a:t>
+            </a:r>
+            <a:r>
+              <a:rPr lang="ru-RU" dirty="0"/>
+              <a:t>– процент правильно распознанных классификатором лиц </a:t>
+            </a:r>
+          </a:p>
+          <a:p>
+            <a:pPr lvl="0"/>
+            <a:r>
+              <a:rPr lang="ru-RU" dirty="0"/>
+              <a:t>Оценка качества полученной системы в соответствии с методикой испытаний. Принятие решения по замене текущих блоков </a:t>
+            </a:r>
+            <a:r>
+              <a:rPr lang="ru-RU" dirty="0" err="1"/>
+              <a:t>пайплайна</a:t>
+            </a:r>
+            <a:r>
+              <a:rPr lang="ru-RU" dirty="0"/>
+              <a:t>. В случае замены, повторное снятие метрик с макета, до получения приемлемого результата, затем тренировка </a:t>
+            </a:r>
+            <a:r>
+              <a:rPr lang="ru-RU" dirty="0" smtClean="0"/>
+              <a:t>классификатора.</a:t>
+            </a:r>
+          </a:p>
+          <a:p>
+            <a:pPr marL="0" lvl="0" indent="0">
+              <a:buNone/>
+            </a:pPr>
+            <a:r>
+              <a:rPr lang="ru-RU" dirty="0" smtClean="0"/>
+              <a:t>Итог</a:t>
+            </a:r>
+            <a:r>
+              <a:rPr lang="ru-RU" dirty="0"/>
+              <a:t>: Финальный вариант </a:t>
+            </a:r>
+            <a:r>
+              <a:rPr lang="ru-RU" dirty="0" smtClean="0"/>
+              <a:t>системы</a:t>
+            </a:r>
+            <a:endParaRPr lang="ru-RU" dirty="0"/>
+          </a:p>
+        </p:txBody>
+      </p:sp>
+    </p:spTree>
+    <p:extLst>
+      <p:ext uri="{BB962C8B-B14F-4D97-AF65-F5344CB8AC3E}">
+        <p14:creationId xmlns:p14="http://schemas.microsoft.com/office/powerpoint/2010/main" val="1030392156"/>
+      </p:ext>
+    </p:extLst>
+  </p:cSld>
+  <p:clrMapOvr>
+    <a:masterClrMapping/>
+  </p:clrMapOvr>
+</p:sld>
+</file>
+
+<file path=ppt/slides/slide21.xml><?xml version="1.0" encoding="utf-8"?>
+<p:sld xmlns:a="http://schemas.openxmlformats.org/drawingml/2006/main" xmlns:r="http://schemas.openxmlformats.org/officeDocument/2006/relationships" xmlns:p="http://schemas.openxmlformats.org/presentationml/2006/main">
+  <p:cSld>
+    <p:spTree>
+      <p:nvGrpSpPr>
+        <p:cNvPr id="1" name=""/>
+        <p:cNvGrpSpPr/>
+        <p:nvPr/>
+      </p:nvGrpSpPr>
+      <p:grpSpPr>
+        <a:xfrm>
+          <a:off x="0" y="0"/>
+          <a:ext cx="0" cy="0"/>
+          <a:chOff x="0" y="0"/>
+          <a:chExt cx="0" cy="0"/>
+        </a:xfrm>
+      </p:grpSpPr>
+      <p:sp>
+        <p:nvSpPr>
+          <p:cNvPr id="2" name="Заголовок 1"/>
+          <p:cNvSpPr>
+            <a:spLocks noGrp="1"/>
+          </p:cNvSpPr>
+          <p:nvPr>
+            <p:ph type="title"/>
+          </p:nvPr>
+        </p:nvSpPr>
+        <p:spPr/>
+        <p:txBody>
+          <a:bodyPr>
+            <a:normAutofit fontScale="90000"/>
+          </a:bodyPr>
+          <a:lstStyle/>
+          <a:p>
+            <a:pPr lvl="0"/>
+            <a:r>
+              <a:rPr lang="ru-RU" dirty="0" smtClean="0"/>
+              <a:t>Календарный план. </a:t>
+            </a:r>
+            <a:r>
+              <a:rPr lang="ru-RU" dirty="0"/>
+              <a:t>Создание программной </a:t>
+            </a:r>
+            <a:r>
+              <a:rPr lang="ru-RU" dirty="0" smtClean="0"/>
+              <a:t>документации и испытания</a:t>
+            </a:r>
+            <a:r>
+              <a:rPr lang="ru-RU" dirty="0"/>
+              <a:t/>
+            </a:r>
+            <a:br>
+              <a:rPr lang="ru-RU" dirty="0"/>
+            </a:br>
+            <a:endParaRPr lang="ru-RU" dirty="0"/>
+          </a:p>
+        </p:txBody>
+      </p:sp>
+      <p:sp>
+        <p:nvSpPr>
+          <p:cNvPr id="3" name="Объект 2"/>
+          <p:cNvSpPr>
+            <a:spLocks noGrp="1"/>
+          </p:cNvSpPr>
+          <p:nvPr>
+            <p:ph idx="1"/>
+          </p:nvPr>
+        </p:nvSpPr>
+        <p:spPr/>
+        <p:txBody>
+          <a:bodyPr>
+            <a:normAutofit lnSpcReduction="10000"/>
+          </a:bodyPr>
+          <a:lstStyle/>
+          <a:p>
+            <a:pPr lvl="0"/>
+            <a:r>
+              <a:rPr lang="ru-RU" dirty="0"/>
+              <a:t>Создание программной </a:t>
+            </a:r>
+            <a:r>
+              <a:rPr lang="ru-RU" dirty="0" smtClean="0"/>
+              <a:t>документации</a:t>
+            </a:r>
+          </a:p>
+          <a:p>
+            <a:pPr lvl="1"/>
+            <a:r>
+              <a:rPr lang="ru-RU" dirty="0" smtClean="0"/>
+              <a:t>Разработка </a:t>
+            </a:r>
+            <a:r>
+              <a:rPr lang="ru-RU" dirty="0"/>
+              <a:t>методики испытаний (После согласования требований к системе)</a:t>
+            </a:r>
+          </a:p>
+          <a:p>
+            <a:pPr lvl="1"/>
+            <a:r>
+              <a:rPr lang="ru-RU" dirty="0"/>
+              <a:t>Разработка руководства оператора (После получения макета, учитывая изменения в </a:t>
+            </a:r>
+            <a:r>
+              <a:rPr lang="ru-RU" dirty="0" err="1" smtClean="0"/>
+              <a:t>в</a:t>
+            </a:r>
+            <a:r>
+              <a:rPr lang="ru-RU" dirty="0" err="1" smtClean="0"/>
+              <a:t>ысокоуровневнем</a:t>
+            </a:r>
+            <a:r>
+              <a:rPr lang="ru-RU" dirty="0" smtClean="0"/>
+              <a:t> дизайне)</a:t>
+            </a:r>
+            <a:endParaRPr lang="ru-RU" dirty="0"/>
+          </a:p>
+          <a:p>
+            <a:pPr lvl="1"/>
+            <a:r>
+              <a:rPr lang="ru-RU" dirty="0"/>
+              <a:t>Разработка руководства системного программиста (После получения макета, учитывая изменения в </a:t>
+            </a:r>
+            <a:r>
+              <a:rPr lang="ru-RU" dirty="0" err="1"/>
+              <a:t>высокоуровневнем</a:t>
+            </a:r>
+            <a:r>
+              <a:rPr lang="ru-RU" dirty="0"/>
+              <a:t> дизайне)</a:t>
+            </a:r>
+            <a:endParaRPr lang="ru-RU" dirty="0"/>
+          </a:p>
+          <a:p>
+            <a:pPr lvl="1"/>
+            <a:r>
+              <a:rPr lang="ru-RU" dirty="0"/>
+              <a:t>Создание итогового отчета по НИР (После получения макета, учитывая изменения в </a:t>
+            </a:r>
+            <a:r>
+              <a:rPr lang="ru-RU" dirty="0" err="1"/>
+              <a:t>высокоуровневнем</a:t>
+            </a:r>
+            <a:r>
+              <a:rPr lang="ru-RU" dirty="0"/>
+              <a:t> дизайне) </a:t>
+            </a:r>
+            <a:r>
+              <a:rPr lang="ru-RU" dirty="0" smtClean="0"/>
+              <a:t>Итог</a:t>
+            </a:r>
+            <a:r>
+              <a:rPr lang="ru-RU" dirty="0"/>
+              <a:t>: Методика испытаний, РО, РСП, отчет по </a:t>
+            </a:r>
+            <a:r>
+              <a:rPr lang="ru-RU" dirty="0" smtClean="0"/>
+              <a:t>НИР</a:t>
+            </a:r>
+            <a:endParaRPr lang="ru-RU" dirty="0"/>
+          </a:p>
+          <a:p>
+            <a:pPr lvl="0"/>
+            <a:r>
+              <a:rPr lang="ru-RU" dirty="0"/>
+              <a:t>Испытания</a:t>
+            </a:r>
+          </a:p>
+          <a:p>
+            <a:pPr lvl="1"/>
+            <a:r>
+              <a:rPr lang="ru-RU" dirty="0"/>
+              <a:t>Испытания у заказчика</a:t>
+            </a:r>
+          </a:p>
+          <a:p>
+            <a:pPr lvl="1"/>
+            <a:r>
+              <a:rPr lang="ru-RU" dirty="0"/>
+              <a:t>Оценка результатов</a:t>
+            </a:r>
+          </a:p>
+          <a:p>
+            <a:endParaRPr lang="ru-RU" dirty="0"/>
+          </a:p>
+        </p:txBody>
+      </p:sp>
+    </p:spTree>
+    <p:extLst>
+      <p:ext uri="{BB962C8B-B14F-4D97-AF65-F5344CB8AC3E}">
+        <p14:creationId xmlns:p14="http://schemas.microsoft.com/office/powerpoint/2010/main" val="2601010136"/>
+      </p:ext>
+    </p:extLst>
+  </p:cSld>
+  <p:clrMapOvr>
+    <a:masterClrMapping/>
+  </p:clrMapOvr>
+</p:sld>
+</file>
+
+<file path=ppt/slides/slide22.xml><?xml version="1.0" encoding="utf-8"?>
+<p:sld xmlns:a="http://schemas.openxmlformats.org/drawingml/2006/main" xmlns:r="http://schemas.openxmlformats.org/officeDocument/2006/relationships" xmlns:p="http://schemas.openxmlformats.org/presentationml/2006/main">
+  <p:cSld>
+    <p:spTree>
+      <p:nvGrpSpPr>
+        <p:cNvPr id="1" name=""/>
+        <p:cNvGrpSpPr/>
+        <p:nvPr/>
+      </p:nvGrpSpPr>
+      <p:grpSpPr>
+        <a:xfrm>
+          <a:off x="0" y="0"/>
+          <a:ext cx="0" cy="0"/>
+          <a:chOff x="0" y="0"/>
+          <a:chExt cx="0" cy="0"/>
+        </a:xfrm>
+      </p:grpSpPr>
+      <p:sp>
+        <p:nvSpPr>
           <p:cNvPr id="2" name="Title 1">
             <a:extLst>
               <a:ext uri="{FF2B5EF4-FFF2-40B4-BE49-F238E27FC236}">
-                <a16:creationId xmlns:a16="http://schemas.microsoft.com/office/drawing/2014/main" xmlns="" id="{3C5D0F21-937E-4C08-9E34-8DCD23085773}"/>
+                <a16:creationId xmlns="" xmlns:a16="http://schemas.microsoft.com/office/drawing/2014/main" id="{3C5D0F21-937E-4C08-9E34-8DCD23085773}"/>
               </a:ext>
             </a:extLst>
           </p:cNvPr>
@@ -7045,7 +8605,7 @@
           <p:cNvPr id="3" name="Content Placeholder 2">
             <a:extLst>
               <a:ext uri="{FF2B5EF4-FFF2-40B4-BE49-F238E27FC236}">
-                <a16:creationId xmlns:a16="http://schemas.microsoft.com/office/drawing/2014/main" xmlns="" id="{6F16D492-0CC2-4EEA-A66A-2B5B0C3628DB}"/>
+                <a16:creationId xmlns="" xmlns:a16="http://schemas.microsoft.com/office/drawing/2014/main" id="{6F16D492-0CC2-4EEA-A66A-2B5B0C3628DB}"/>
               </a:ext>
             </a:extLst>
           </p:cNvPr>
@@ -7146,7 +8706,7 @@
 </p:sld>
 </file>
 
-<file path=ppt/slides/slide17.xml><?xml version="1.0" encoding="utf-8"?>
+<file path=ppt/slides/slide23.xml><?xml version="1.0" encoding="utf-8"?>
 <p:sld xmlns:a="http://schemas.openxmlformats.org/drawingml/2006/main" xmlns:r="http://schemas.openxmlformats.org/officeDocument/2006/relationships" xmlns:p="http://schemas.openxmlformats.org/presentationml/2006/main">
   <p:cSld>
     <p:spTree>
@@ -7349,7 +8909,7 @@
 </p:sld>
 </file>
 
-<file path=ppt/slides/slide18.xml><?xml version="1.0" encoding="utf-8"?>
+<file path=ppt/slides/slide24.xml><?xml version="1.0" encoding="utf-8"?>
 <p:sld xmlns:a="http://schemas.openxmlformats.org/drawingml/2006/main" xmlns:r="http://schemas.openxmlformats.org/officeDocument/2006/relationships" xmlns:p="http://schemas.openxmlformats.org/presentationml/2006/main">
   <p:cSld>
     <p:spTree>
@@ -7426,15 +8986,7 @@
             </a:r>
             <a:r>
               <a:rPr lang="ru-RU" dirty="0" smtClean="0"/>
-              <a:t>, собственный классификатор), технический писатель(верстка ПЗ, методика </a:t>
-            </a:r>
-            <a:r>
-              <a:rPr lang="ru-RU" dirty="0" smtClean="0"/>
-              <a:t>испытаний</a:t>
-            </a:r>
-            <a:r>
-              <a:rPr lang="ru-RU" dirty="0" smtClean="0"/>
-              <a:t>), </a:t>
+              <a:t>, собственный классификатор), технический писатель(верстка ПЗ, методика испытаний), </a:t>
             </a:r>
             <a:r>
               <a:rPr lang="ru-RU" dirty="0"/>
@@ -7549,7 +9101,7 @@
 </p:sld>
 </file>
 
-<file path=ppt/slides/slide19.xml><?xml version="1.0" encoding="utf-8"?>
+<file path=ppt/slides/slide25.xml><?xml version="1.0" encoding="utf-8"?>
 <p:sld xmlns:a="http://schemas.openxmlformats.org/drawingml/2006/main" xmlns:r="http://schemas.openxmlformats.org/officeDocument/2006/relationships" xmlns:p="http://schemas.openxmlformats.org/presentationml/2006/main">
   <p:cSld>
     <p:spTree>
@@ -7568,13 +9120,7 @@
       </p:grpSpPr>
       <p:sp>
         <p:nvSpPr>
-          <p:cNvPr id="2" name="Title 1">
-            <a:extLst>
-              <a:ext uri="{FF2B5EF4-FFF2-40B4-BE49-F238E27FC236}">
-                <a16:creationId xmlns:a16="http://schemas.microsoft.com/office/drawing/2014/main" xmlns="" id="{12F67E6C-8996-43B4-A427-9C2B674A6291}"/>
-              </a:ext>
-            </a:extLst>
-          </p:cNvPr>
+          <p:cNvPr id="2" name="Заголовок 1"/>
           <p:cNvSpPr>
             <a:spLocks noGrp="1"/>
           </p:cNvSpPr>
@@ -7588,16 +9134,16 @@
           <a:lstStyle/>
           <a:p>
             <a:r>
-              <a:rPr lang="ru-RU" dirty="0"/>
-              <a:t>Итоговая реализация системы</a:t>
-            </a:r>
-            <a:endParaRPr lang="en-US" dirty="0"/>
-          </a:p>
-        </p:txBody>
-      </p:sp>
-      <p:sp>
-        <p:nvSpPr>
-          <p:cNvPr id="5" name="Объект 4"/>
+              <a:rPr lang="ru-RU" dirty="0" smtClean="0"/>
+              <a:t>Дальнейшие перспективы</a:t>
+            </a:r>
+            <a:endParaRPr lang="ru-RU" dirty="0"/>
+          </a:p>
+        </p:txBody>
+      </p:sp>
+      <p:sp>
+        <p:nvSpPr>
+          <p:cNvPr id="3" name="Объект 2"/>
           <p:cNvSpPr>
             <a:spLocks noGrp="1"/>
           </p:cNvSpPr>
@@ -7605,444 +9151,52 @@
             <p:ph idx="1"/>
           </p:nvPr>
         </p:nvSpPr>
-        <p:spPr>
-          <a:xfrm>
-            <a:off x="677334" y="2160589"/>
-            <a:ext cx="6396326" cy="3880773"/>
-          </a:xfrm>
-        </p:spPr>
+        <p:spPr/>
         <p:txBody>
           <a:bodyPr/>
           <a:lstStyle/>
           <a:p>
             <a:r>
+              <a:rPr lang="ru-RU" dirty="0" smtClean="0"/>
+              <a:t>Для увеличения точности распознавания предлагается:</a:t>
+            </a:r>
+          </a:p>
+          <a:p>
+            <a:pPr lvl="1"/>
+            <a:r>
+              <a:rPr lang="ru-RU" dirty="0" smtClean="0"/>
+              <a:t>Более точные методы для выравнивания лиц</a:t>
+            </a:r>
+          </a:p>
+          <a:p>
+            <a:pPr lvl="1"/>
+            <a:r>
               <a:rPr lang="en-US" dirty="0" smtClean="0"/>
-              <a:t>Face Detector –</a:t>
-            </a:r>
-            <a:r>
-              <a:rPr lang="en-US" dirty="0" err="1" smtClean="0"/>
-              <a:t>OpenCV</a:t>
+              <a:t>Feature-vector </a:t>
+            </a:r>
+            <a:r>
+              <a:rPr lang="ru-RU" dirty="0" smtClean="0"/>
+              <a:t>большей размерности</a:t>
+            </a:r>
+          </a:p>
+          <a:p>
+            <a:pPr lvl="1"/>
+            <a:r>
+              <a:rPr lang="ru-RU" dirty="0" smtClean="0"/>
+              <a:t>Схемы распознавания без выравнивания лиц, но с более мощным </a:t>
             </a:r>
             <a:r>
               <a:rPr lang="en-US" dirty="0" smtClean="0"/>
-              <a:t> SSD 300</a:t>
-            </a:r>
-          </a:p>
-          <a:p>
-            <a:r>
-              <a:rPr lang="en-US" dirty="0" smtClean="0"/>
-              <a:t>Alignment – </a:t>
-            </a:r>
-            <a:r>
-              <a:rPr lang="en-US" dirty="0" err="1" smtClean="0"/>
-              <a:t>dlib</a:t>
-            </a:r>
-            <a:r>
-              <a:rPr lang="en-US" dirty="0" smtClean="0"/>
-              <a:t> 68-landmarks + </a:t>
-            </a:r>
-            <a:r>
-              <a:rPr lang="en-US" dirty="0" err="1" smtClean="0"/>
-              <a:t>openface</a:t>
-            </a:r>
-            <a:r>
-              <a:rPr lang="en-US" dirty="0" smtClean="0"/>
-              <a:t> alignment</a:t>
-            </a:r>
-          </a:p>
-          <a:p>
-            <a:r>
-              <a:rPr lang="en-US" dirty="0" smtClean="0"/>
-              <a:t>Feature Extraction – ResNet-50</a:t>
+              <a:t>feature extraction</a:t>
             </a:r>
             <a:endParaRPr lang="ru-RU" dirty="0"/>
           </a:p>
         </p:txBody>
       </p:sp>
-      <p:pic>
-        <p:nvPicPr>
-          <p:cNvPr id="6" name="Объект 3"/>
-          <p:cNvPicPr>
-            <a:picLocks noChangeAspect="1"/>
-          </p:cNvPicPr>
-          <p:nvPr/>
-        </p:nvPicPr>
-        <p:blipFill>
-          <a:blip r:embed="rId2"/>
-          <a:stretch>
-            <a:fillRect/>
-          </a:stretch>
-        </p:blipFill>
-        <p:spPr>
-          <a:xfrm>
-            <a:off x="7717780" y="887856"/>
-            <a:ext cx="2254525" cy="5274275"/>
-          </a:xfrm>
-          <a:prstGeom prst="rect">
-            <a:avLst/>
-          </a:prstGeom>
-        </p:spPr>
-      </p:pic>
     </p:spTree>
     <p:extLst>
       <p:ext uri="{BB962C8B-B14F-4D97-AF65-F5344CB8AC3E}">
-        <p14:creationId xmlns:p14="http://schemas.microsoft.com/office/powerpoint/2010/main" val="293108321"/>
-      </p:ext>
-    </p:extLst>
-  </p:cSld>
-  <p:clrMapOvr>
-    <a:masterClrMapping/>
-  </p:clrMapOvr>
-  <p:timing>
-    <p:tnLst>
-      <p:par>
-        <p:cTn id="1" dur="indefinite" restart="never" nodeType="tmRoot"/>
-      </p:par>
-    </p:tnLst>
-  </p:timing>
-</p:sld>
-</file>
-
-<file path=ppt/slides/slide2.xml><?xml version="1.0" encoding="utf-8"?>
-<p:sld xmlns:a="http://schemas.openxmlformats.org/drawingml/2006/main" xmlns:r="http://schemas.openxmlformats.org/officeDocument/2006/relationships" xmlns:p="http://schemas.openxmlformats.org/presentationml/2006/main">
-  <p:cSld>
-    <p:spTree>
-      <p:nvGrpSpPr>
-        <p:cNvPr id="1" name=""/>
-        <p:cNvGrpSpPr/>
-        <p:nvPr/>
-      </p:nvGrpSpPr>
-      <p:grpSpPr>
-        <a:xfrm>
-          <a:off x="0" y="0"/>
-          <a:ext cx="0" cy="0"/>
-          <a:chOff x="0" y="0"/>
-          <a:chExt cx="0" cy="0"/>
-        </a:xfrm>
-      </p:grpSpPr>
-      <p:sp>
-        <p:nvSpPr>
-          <p:cNvPr id="2" name="Заголовок 1"/>
-          <p:cNvSpPr>
-            <a:spLocks noGrp="1"/>
-          </p:cNvSpPr>
-          <p:nvPr>
-            <p:ph type="title"/>
-          </p:nvPr>
-        </p:nvSpPr>
-        <p:spPr/>
-        <p:txBody>
-          <a:bodyPr/>
-          <a:lstStyle/>
-          <a:p>
-            <a:r>
-              <a:rPr lang="ru-RU" dirty="0" smtClean="0"/>
-              <a:t>Что требовалось сделать</a:t>
-            </a:r>
-            <a:endParaRPr lang="ru-RU" dirty="0"/>
-          </a:p>
-        </p:txBody>
-      </p:sp>
-      <p:sp>
-        <p:nvSpPr>
-          <p:cNvPr id="3" name="Текст 2"/>
-          <p:cNvSpPr>
-            <a:spLocks noGrp="1"/>
-          </p:cNvSpPr>
-          <p:nvPr>
-            <p:ph type="body" idx="1"/>
-          </p:nvPr>
-        </p:nvSpPr>
-        <p:spPr/>
-        <p:txBody>
-          <a:bodyPr/>
-          <a:lstStyle/>
-          <a:p>
-            <a:endParaRPr lang="ru-RU"/>
-          </a:p>
-        </p:txBody>
-      </p:sp>
-    </p:spTree>
-    <p:extLst>
-      <p:ext uri="{BB962C8B-B14F-4D97-AF65-F5344CB8AC3E}">
-        <p14:creationId xmlns:p14="http://schemas.microsoft.com/office/powerpoint/2010/main" val="3851010365"/>
-      </p:ext>
-    </p:extLst>
-  </p:cSld>
-  <p:clrMapOvr>
-    <a:masterClrMapping/>
-  </p:clrMapOvr>
-  <p:timing>
-    <p:tnLst>
-      <p:par>
-        <p:cTn id="1" dur="indefinite" restart="never" nodeType="tmRoot"/>
-      </p:par>
-    </p:tnLst>
-  </p:timing>
-</p:sld>
-</file>
-
-<file path=ppt/slides/slide20.xml><?xml version="1.0" encoding="utf-8"?>
-<p:sld xmlns:a="http://schemas.openxmlformats.org/drawingml/2006/main" xmlns:r="http://schemas.openxmlformats.org/officeDocument/2006/relationships" xmlns:p="http://schemas.openxmlformats.org/presentationml/2006/main">
-  <p:cSld>
-    <p:spTree>
-      <p:nvGrpSpPr>
-        <p:cNvPr id="1" name=""/>
-        <p:cNvGrpSpPr/>
-        <p:nvPr/>
-      </p:nvGrpSpPr>
-      <p:grpSpPr>
-        <a:xfrm>
-          <a:off x="0" y="0"/>
-          <a:ext cx="0" cy="0"/>
-          <a:chOff x="0" y="0"/>
-          <a:chExt cx="0" cy="0"/>
-        </a:xfrm>
-      </p:grpSpPr>
-      <p:sp>
-        <p:nvSpPr>
-          <p:cNvPr id="2" name="Title 1">
-            <a:extLst>
-              <a:ext uri="{FF2B5EF4-FFF2-40B4-BE49-F238E27FC236}">
-                <a16:creationId xmlns:a16="http://schemas.microsoft.com/office/drawing/2014/main" xmlns="" id="{8F2BF1A6-450C-4AD2-B97D-0E4ED72B90EB}"/>
-              </a:ext>
-            </a:extLst>
-          </p:cNvPr>
-          <p:cNvSpPr>
-            <a:spLocks noGrp="1"/>
-          </p:cNvSpPr>
-          <p:nvPr>
-            <p:ph type="title"/>
-          </p:nvPr>
-        </p:nvSpPr>
-        <p:spPr/>
-        <p:txBody>
-          <a:bodyPr/>
-          <a:lstStyle/>
-          <a:p>
-            <a:r>
-              <a:rPr lang="ru-RU" dirty="0"/>
-              <a:t>Подбор подходов к решению проблем реализации системы</a:t>
-            </a:r>
-            <a:endParaRPr lang="en-US" dirty="0"/>
-          </a:p>
-        </p:txBody>
-      </p:sp>
-      <p:sp>
-        <p:nvSpPr>
-          <p:cNvPr id="3" name="Content Placeholder 2">
-            <a:extLst>
-              <a:ext uri="{FF2B5EF4-FFF2-40B4-BE49-F238E27FC236}">
-                <a16:creationId xmlns:a16="http://schemas.microsoft.com/office/drawing/2014/main" xmlns="" id="{BEC19B5C-DA7A-4884-9F2B-E9A858E9B4F1}"/>
-              </a:ext>
-            </a:extLst>
-          </p:cNvPr>
-          <p:cNvSpPr>
-            <a:spLocks noGrp="1"/>
-          </p:cNvSpPr>
-          <p:nvPr>
-            <p:ph idx="1"/>
-          </p:nvPr>
-        </p:nvSpPr>
-        <p:spPr/>
-        <p:txBody>
-          <a:bodyPr/>
-          <a:lstStyle/>
-          <a:p>
-            <a:r>
-              <a:rPr lang="ru-RU" dirty="0" smtClean="0"/>
-              <a:t>Для реализации классификатора были перебраны следующие архитектуры</a:t>
-            </a:r>
-          </a:p>
-          <a:p>
-            <a:pPr marL="800100" lvl="1" indent="-342900">
-              <a:buFont typeface="+mj-lt"/>
-              <a:buAutoNum type="arabicPeriod"/>
-            </a:pPr>
-            <a:r>
-              <a:rPr lang="ru-RU" dirty="0" smtClean="0"/>
-              <a:t>Трехслойный персептрон (512 нейронов, активация – </a:t>
-            </a:r>
-            <a:r>
-              <a:rPr lang="en-US" dirty="0" err="1" smtClean="0"/>
-              <a:t>relu</a:t>
-            </a:r>
-            <a:r>
-              <a:rPr lang="en-US" dirty="0" smtClean="0"/>
-              <a:t>)</a:t>
-            </a:r>
-          </a:p>
-          <a:p>
-            <a:pPr marL="800100" lvl="1" indent="-342900">
-              <a:buFont typeface="+mj-lt"/>
-              <a:buAutoNum type="arabicPeriod"/>
-            </a:pPr>
-            <a:r>
-              <a:rPr lang="ru-RU" dirty="0" smtClean="0"/>
-              <a:t>Пятислойный </a:t>
-            </a:r>
-            <a:r>
-              <a:rPr lang="ru-RU" dirty="0"/>
-              <a:t>персептрон </a:t>
-            </a:r>
-            <a:r>
-              <a:rPr lang="ru-RU" dirty="0" smtClean="0"/>
-              <a:t>(216 нейронов, </a:t>
-            </a:r>
-            <a:r>
-              <a:rPr lang="ru-RU" dirty="0"/>
-              <a:t>активация – </a:t>
-            </a:r>
-            <a:r>
-              <a:rPr lang="en-US" dirty="0" err="1"/>
-              <a:t>relu</a:t>
-            </a:r>
-            <a:r>
-              <a:rPr lang="ru-RU" dirty="0" smtClean="0"/>
-              <a:t>)</a:t>
-            </a:r>
-          </a:p>
-          <a:p>
-            <a:pPr marL="800100" lvl="1" indent="-342900">
-              <a:buFont typeface="+mj-lt"/>
-              <a:buAutoNum type="arabicPeriod"/>
-            </a:pPr>
-            <a:r>
-              <a:rPr lang="ru-RU" dirty="0" smtClean="0"/>
-              <a:t>Двухслойный персептрон (1024 нейрона, </a:t>
-            </a:r>
-            <a:r>
-              <a:rPr lang="ru-RU" dirty="0"/>
-              <a:t>активация – </a:t>
-            </a:r>
-            <a:r>
-              <a:rPr lang="en-US" dirty="0" err="1" smtClean="0"/>
-              <a:t>relu</a:t>
-            </a:r>
-            <a:r>
-              <a:rPr lang="ru-RU" dirty="0" smtClean="0"/>
-              <a:t>)</a:t>
-            </a:r>
-            <a:endParaRPr lang="ru-RU" dirty="0"/>
-          </a:p>
-          <a:p>
-            <a:r>
-              <a:rPr lang="ru-RU" dirty="0" smtClean="0"/>
-              <a:t>Для увеличение точности были применены следующие подходы</a:t>
-            </a:r>
-          </a:p>
-          <a:p>
-            <a:pPr marL="800100" lvl="1" indent="-342900">
-              <a:buFont typeface="+mj-lt"/>
-              <a:buAutoNum type="arabicPeriod"/>
-            </a:pPr>
-            <a:r>
-              <a:rPr lang="en-US" dirty="0" smtClean="0"/>
-              <a:t>Dropout</a:t>
-            </a:r>
-          </a:p>
-          <a:p>
-            <a:pPr marL="800100" lvl="1" indent="-342900">
-              <a:buFont typeface="+mj-lt"/>
-              <a:buAutoNum type="arabicPeriod"/>
-            </a:pPr>
-            <a:r>
-              <a:rPr lang="en-US" dirty="0" smtClean="0"/>
-              <a:t>Regularization</a:t>
-            </a:r>
-          </a:p>
-          <a:p>
-            <a:pPr marL="800100" lvl="1" indent="-342900">
-              <a:buFont typeface="+mj-lt"/>
-              <a:buAutoNum type="arabicPeriod"/>
-            </a:pPr>
-            <a:r>
-              <a:rPr lang="en-US" dirty="0" smtClean="0"/>
-              <a:t>Learning rate</a:t>
-            </a:r>
-            <a:endParaRPr lang="ru-RU" dirty="0"/>
-          </a:p>
-        </p:txBody>
-      </p:sp>
-    </p:spTree>
-    <p:extLst>
-      <p:ext uri="{BB962C8B-B14F-4D97-AF65-F5344CB8AC3E}">
-        <p14:creationId xmlns:p14="http://schemas.microsoft.com/office/powerpoint/2010/main" val="295936267"/>
-      </p:ext>
-    </p:extLst>
-  </p:cSld>
-  <p:clrMapOvr>
-    <a:masterClrMapping/>
-  </p:clrMapOvr>
-  <p:timing>
-    <p:tnLst>
-      <p:par>
-        <p:cTn id="1" dur="indefinite" restart="never" nodeType="tmRoot"/>
-      </p:par>
-    </p:tnLst>
-  </p:timing>
-</p:sld>
-</file>
-
-<file path=ppt/slides/slide21.xml><?xml version="1.0" encoding="utf-8"?>
-<p:sld xmlns:a="http://schemas.openxmlformats.org/drawingml/2006/main" xmlns:r="http://schemas.openxmlformats.org/officeDocument/2006/relationships" xmlns:p="http://schemas.openxmlformats.org/presentationml/2006/main">
-  <p:cSld>
-    <p:spTree>
-      <p:nvGrpSpPr>
-        <p:cNvPr id="1" name=""/>
-        <p:cNvGrpSpPr/>
-        <p:nvPr/>
-      </p:nvGrpSpPr>
-      <p:grpSpPr>
-        <a:xfrm>
-          <a:off x="0" y="0"/>
-          <a:ext cx="0" cy="0"/>
-          <a:chOff x="0" y="0"/>
-          <a:chExt cx="0" cy="0"/>
-        </a:xfrm>
-      </p:grpSpPr>
-      <p:sp>
-        <p:nvSpPr>
-          <p:cNvPr id="2" name="Заголовок 1"/>
-          <p:cNvSpPr>
-            <a:spLocks noGrp="1"/>
-          </p:cNvSpPr>
-          <p:nvPr>
-            <p:ph type="title"/>
-          </p:nvPr>
-        </p:nvSpPr>
-        <p:spPr/>
-        <p:txBody>
-          <a:bodyPr/>
-          <a:lstStyle/>
-          <a:p>
-            <a:endParaRPr lang="ru-RU"/>
-          </a:p>
-        </p:txBody>
-      </p:sp>
-      <p:sp>
-        <p:nvSpPr>
-          <p:cNvPr id="3" name="Объект 2"/>
-          <p:cNvSpPr>
-            <a:spLocks noGrp="1"/>
-          </p:cNvSpPr>
-          <p:nvPr>
-            <p:ph idx="1"/>
-          </p:nvPr>
-        </p:nvSpPr>
-        <p:spPr/>
-        <p:txBody>
-          <a:bodyPr/>
-          <a:lstStyle/>
-          <a:p>
-            <a:endParaRPr lang="ru-RU"/>
-          </a:p>
-        </p:txBody>
-      </p:sp>
-    </p:spTree>
-    <p:extLst>
-      <p:ext uri="{BB962C8B-B14F-4D97-AF65-F5344CB8AC3E}">
-        <p14:creationId xmlns:p14="http://schemas.microsoft.com/office/powerpoint/2010/main" val="3366121463"/>
+        <p14:creationId xmlns:p14="http://schemas.microsoft.com/office/powerpoint/2010/main" val="1622639696"/>
       </p:ext>
     </p:extLst>
   </p:cSld>
@@ -8074,7 +9228,7 @@
           <p:cNvPr id="2" name="Title 1">
             <a:extLst>
               <a:ext uri="{FF2B5EF4-FFF2-40B4-BE49-F238E27FC236}">
-                <a16:creationId xmlns:a16="http://schemas.microsoft.com/office/drawing/2014/main" xmlns="" id="{FE6DAE0A-BE40-487B-985F-7BEE960B4990}"/>
+                <a16:creationId xmlns="" xmlns:a16="http://schemas.microsoft.com/office/drawing/2014/main" id="{FE6DAE0A-BE40-487B-985F-7BEE960B4990}"/>
               </a:ext>
             </a:extLst>
           </p:cNvPr>
@@ -8103,7 +9257,7 @@
           <p:cNvPr id="3" name="Content Placeholder 2">
             <a:extLst>
               <a:ext uri="{FF2B5EF4-FFF2-40B4-BE49-F238E27FC236}">
-                <a16:creationId xmlns:a16="http://schemas.microsoft.com/office/drawing/2014/main" xmlns="" id="{2E45BFCA-18CD-427F-B2BC-46EF269F223C}"/>
+                <a16:creationId xmlns="" xmlns:a16="http://schemas.microsoft.com/office/drawing/2014/main" id="{2E45BFCA-18CD-427F-B2BC-46EF269F223C}"/>
               </a:ext>
             </a:extLst>
           </p:cNvPr>
@@ -8158,7 +9312,7 @@
           <p:cNvPr id="4" name="Content Placeholder 2">
             <a:extLst>
               <a:ext uri="{FF2B5EF4-FFF2-40B4-BE49-F238E27FC236}">
-                <a16:creationId xmlns:a16="http://schemas.microsoft.com/office/drawing/2014/main" xmlns="" id="{62F23F1F-A10F-4C93-859A-0D9498DBE254}"/>
+                <a16:creationId xmlns="" xmlns:a16="http://schemas.microsoft.com/office/drawing/2014/main" id="{62F23F1F-A10F-4C93-859A-0D9498DBE254}"/>
               </a:ext>
             </a:extLst>
           </p:cNvPr>
@@ -8475,7 +9629,7 @@
           <p:cNvPr id="2" name="Title 1">
             <a:extLst>
               <a:ext uri="{FF2B5EF4-FFF2-40B4-BE49-F238E27FC236}">
-                <a16:creationId xmlns:a16="http://schemas.microsoft.com/office/drawing/2014/main" xmlns="" id="{35965EA4-BEAC-4333-A39E-BE95D9F5CB36}"/>
+                <a16:creationId xmlns="" xmlns:a16="http://schemas.microsoft.com/office/drawing/2014/main" id="{35965EA4-BEAC-4333-A39E-BE95D9F5CB36}"/>
               </a:ext>
             </a:extLst>
           </p:cNvPr>
@@ -8504,7 +9658,7 @@
           <p:cNvPr id="3" name="Content Placeholder 2">
             <a:extLst>
               <a:ext uri="{FF2B5EF4-FFF2-40B4-BE49-F238E27FC236}">
-                <a16:creationId xmlns:a16="http://schemas.microsoft.com/office/drawing/2014/main" xmlns="" id="{AAFB8B9F-F5E0-495D-AE8A-4FD895A7809F}"/>
+                <a16:creationId xmlns="" xmlns:a16="http://schemas.microsoft.com/office/drawing/2014/main" id="{AAFB8B9F-F5E0-495D-AE8A-4FD895A7809F}"/>
               </a:ext>
             </a:extLst>
           </p:cNvPr>
@@ -8523,13 +9677,63 @@
         </p:spPr>
         <p:txBody>
           <a:bodyPr>
-            <a:normAutofit/>
+            <a:normAutofit lnSpcReduction="10000"/>
           </a:bodyPr>
           <a:lstStyle/>
           <a:p>
-            <a:r>
-              <a:rPr lang="ru-RU" dirty="0"/>
-              <a:t>Система должна представлять из </a:t>
+            <a:endParaRPr lang="en-US" dirty="0" smtClean="0"/>
+          </a:p>
+          <a:p>
+            <a:r>
+              <a:rPr lang="ru-RU" dirty="0"/>
+              <a:t>Система должна детектировать все лица на фотографии и </a:t>
+            </a:r>
+            <a:r>
+              <a:rPr lang="ru-RU" dirty="0" smtClean="0"/>
+              <a:t>идентифицировать </a:t>
+            </a:r>
+            <a:r>
+              <a:rPr lang="ru-RU" dirty="0"/>
+              <a:t>личность человека, если этот человек – член команды разработчиков (в противном случае должен идентифицировать человека как </a:t>
+            </a:r>
+            <a:r>
+              <a:rPr lang="en-US" dirty="0"/>
+              <a:t>unknown)</a:t>
+            </a:r>
+          </a:p>
+          <a:p>
+            <a:r>
+              <a:rPr lang="ru-RU" dirty="0"/>
+              <a:t>В качестве выходных данных система предоставляет исходное изображение с нанесенной разметкой</a:t>
+            </a:r>
+          </a:p>
+          <a:p>
+            <a:r>
+              <a:rPr lang="ru-RU" dirty="0"/>
+              <a:t>Система принимает на вход цветную групповую фотографию в формате </a:t>
+            </a:r>
+            <a:r>
+              <a:rPr lang="en-US" dirty="0"/>
+              <a:t>jpeg </a:t>
+            </a:r>
+            <a:r>
+              <a:rPr lang="ru-RU" dirty="0"/>
+              <a:t>или </a:t>
+            </a:r>
+            <a:r>
+              <a:rPr lang="en-US" dirty="0" err="1"/>
+              <a:t>png</a:t>
+            </a:r>
+            <a:endParaRPr lang="en-US" dirty="0"/>
+          </a:p>
+          <a:p>
+            <a:r>
+              <a:rPr lang="ru-RU" dirty="0" smtClean="0"/>
+              <a:t>Система </a:t>
+            </a:r>
+            <a:r>
+              <a:rPr lang="ru-RU" dirty="0"/>
+              <a:t>должна представлять из </a:t>
             </a:r>
             <a:r>
               <a:rPr lang="ru-RU" dirty="0" smtClean="0"/>
@@ -8548,53 +9752,6 @@
               <a:t>-интерфейса</a:t>
             </a:r>
             <a:endParaRPr lang="ru-RU" dirty="0"/>
-          </a:p>
-          <a:p>
-            <a:r>
-              <a:rPr lang="ru-RU" dirty="0"/>
-              <a:t>Система принимает на вход </a:t>
-            </a:r>
-            <a:r>
-              <a:rPr lang="ru-RU" dirty="0" smtClean="0"/>
-              <a:t>цветную групповую фотографию в </a:t>
-            </a:r>
-            <a:r>
-              <a:rPr lang="ru-RU" dirty="0"/>
-              <a:t>формате </a:t>
-            </a:r>
-            <a:r>
-              <a:rPr lang="en-US" dirty="0"/>
-              <a:t>jpeg </a:t>
-            </a:r>
-            <a:r>
-              <a:rPr lang="ru-RU" dirty="0"/>
-              <a:t>или </a:t>
-            </a:r>
-            <a:r>
-              <a:rPr lang="en-US" dirty="0" err="1" smtClean="0"/>
-              <a:t>png</a:t>
-            </a:r>
-            <a:endParaRPr lang="en-US" dirty="0"/>
-          </a:p>
-          <a:p>
-            <a:r>
-              <a:rPr lang="ru-RU" dirty="0"/>
-              <a:t>В качестве выходных данных система предоставляет исходное изображение с нанесенной разметкой</a:t>
-            </a:r>
-          </a:p>
-          <a:p>
-            <a:r>
-              <a:rPr lang="ru-RU" dirty="0"/>
-              <a:t>Система должна детектировать все лица на фотографии и идентефицировать личность человека, если этот человек – член команды разработчиков (в противном случае должен идентифицировать человека как </a:t>
-            </a:r>
-            <a:r>
-              <a:rPr lang="en-US" dirty="0" smtClean="0"/>
-              <a:t>unknown</a:t>
-            </a:r>
-            <a:r>
-              <a:rPr lang="en-US" dirty="0"/>
-              <a:t>)</a:t>
-            </a:r>
           </a:p>
         </p:txBody>
       </p:sp>
@@ -8645,18 +9802,31 @@
             <p:ph type="title"/>
           </p:nvPr>
         </p:nvSpPr>
-        <p:spPr/>
+        <p:spPr>
+          <a:xfrm>
+            <a:off x="677334" y="600974"/>
+            <a:ext cx="8596668" cy="1320800"/>
+          </a:xfrm>
+        </p:spPr>
         <p:txBody>
           <a:bodyPr/>
           <a:lstStyle/>
           <a:p>
             <a:r>
-              <a:rPr lang="ru-RU" dirty="0" err="1" smtClean="0"/>
-              <a:t>Пайплайн</a:t>
+              <a:rPr lang="ru-RU" dirty="0"/>
+              <a:t>В</a:t>
             </a:r>
             <a:r>
               <a:rPr lang="ru-RU" dirty="0" smtClean="0"/>
-              <a:t> и метрики</a:t>
+              <a:t>ысокоуровневый дизайн</a:t>
+            </a:r>
+            <a:r>
+              <a:rPr lang="ru-RU" dirty="0" smtClean="0"/>
+              <a:t> </a:t>
+            </a:r>
+            <a:r>
+              <a:rPr lang="ru-RU" dirty="0" smtClean="0"/>
+              <a:t>и метрики</a:t>
             </a:r>
             <a:endParaRPr lang="ru-RU" dirty="0"/>
           </a:p>
@@ -8831,8 +10001,8 @@
         </p:blipFill>
         <p:spPr>
           <a:xfrm>
-            <a:off x="8686800" y="359702"/>
-            <a:ext cx="2590800" cy="6181725"/>
+            <a:off x="8652295" y="177886"/>
+            <a:ext cx="2743200" cy="6545356"/>
           </a:xfrm>
           <a:prstGeom prst="rect">
             <a:avLst/>
@@ -9013,7 +10183,7 @@
           <p:cNvPr id="2" name="Title 1">
             <a:extLst>
               <a:ext uri="{FF2B5EF4-FFF2-40B4-BE49-F238E27FC236}">
-                <a16:creationId xmlns:a16="http://schemas.microsoft.com/office/drawing/2014/main" xmlns="" id="{99A0CAA8-F3AE-468D-AABD-AA39C2E1D6B1}"/>
+                <a16:creationId xmlns="" xmlns:a16="http://schemas.microsoft.com/office/drawing/2014/main" id="{99A0CAA8-F3AE-468D-AABD-AA39C2E1D6B1}"/>
               </a:ext>
             </a:extLst>
           </p:cNvPr>
@@ -9042,7 +10212,7 @@
           <p:cNvPr id="3" name="Content Placeholder 2">
             <a:extLst>
               <a:ext uri="{FF2B5EF4-FFF2-40B4-BE49-F238E27FC236}">
-                <a16:creationId xmlns:a16="http://schemas.microsoft.com/office/drawing/2014/main" xmlns="" id="{C6F957FA-DA3A-4925-9F96-DF26719BA74B}"/>
+                <a16:creationId xmlns="" xmlns:a16="http://schemas.microsoft.com/office/drawing/2014/main" id="{C6F957FA-DA3A-4925-9F96-DF26719BA74B}"/>
               </a:ext>
             </a:extLst>
           </p:cNvPr>
@@ -9176,7 +10346,7 @@
             </p:spPr>
             <p:txBody>
               <a:bodyPr>
-                <a:normAutofit lnSpcReduction="10000"/>
+                <a:normAutofit fontScale="92500" lnSpcReduction="20000"/>
               </a:bodyPr>
               <a:lstStyle/>
               <a:p>
@@ -9301,6 +10471,24 @@
                 <a:r>
                   <a:rPr lang="ru-RU" dirty="0" smtClean="0"/>
                   <a:t> </a:t>
+                </a:r>
+                <a:endParaRPr lang="en-US" dirty="0" smtClean="0"/>
+              </a:p>
+              <a:p>
+                <a:pPr marL="0" indent="0">
+                  <a:buNone/>
+                </a:pPr>
+                <a:r>
+                  <a:rPr lang="en-US" dirty="0"/>
+                  <a:t>	</a:t>
+                </a:r>
+                <a:r>
+                  <a:rPr lang="en-US" dirty="0" smtClean="0"/>
+                  <a:t>n – </a:t>
+                </a:r>
+                <a:r>
+                  <a:rPr lang="ru-RU" dirty="0" smtClean="0"/>
+                  <a:t>количество классов </a:t>
                 </a:r>
               </a:p>
               <a:p>
@@ -9475,7 +10663,14 @@
                             <a:latin typeface="Cambria Math" panose="02040503050406030204" pitchFamily="18" charset="0"/>
                             <a:ea typeface="Cambria Math" panose="02040503050406030204" pitchFamily="18" charset="0"/>
                           </a:rPr>
-                          <m:t>0,6</m:t>
+                          <m:t>0,</m:t>
+                        </m:r>
+                        <m:r>
+                          <a:rPr lang="en-US" b="0" i="1" smtClean="0">
+                            <a:latin typeface="Cambria Math" panose="02040503050406030204" pitchFamily="18" charset="0"/>
+                            <a:ea typeface="Cambria Math" panose="02040503050406030204" pitchFamily="18" charset="0"/>
+                          </a:rPr>
+                          <m:t>𝑛</m:t>
                         </m:r>
                       </m:e>
                     </m:acc>
@@ -9607,7 +10802,14 @@
                             <a:latin typeface="Cambria Math" panose="02040503050406030204" pitchFamily="18" charset="0"/>
                             <a:ea typeface="Cambria Math" panose="02040503050406030204" pitchFamily="18" charset="0"/>
                           </a:rPr>
-                          <m:t>0,6</m:t>
+                          <m:t>0,</m:t>
+                        </m:r>
+                        <m:r>
+                          <a:rPr lang="en-US" b="0" i="1" smtClean="0">
+                            <a:latin typeface="Cambria Math" panose="02040503050406030204" pitchFamily="18" charset="0"/>
+                            <a:ea typeface="Cambria Math" panose="02040503050406030204" pitchFamily="18" charset="0"/>
+                          </a:rPr>
+                          <m:t>𝑛</m:t>
                         </m:r>
                       </m:e>
                     </m:acc>
@@ -9663,7 +10865,7 @@
                           <a:rPr lang="en-US" b="0" i="1" smtClean="0">
                             <a:latin typeface="Cambria Math" panose="02040503050406030204" pitchFamily="18" charset="0"/>
                           </a:rPr>
-                          <m:t>6</m:t>
+                          <m:t>𝑛</m:t>
                         </m:r>
                       </m:sup>
                       <m:e>
@@ -9743,10 +10945,10 @@
                       </m:sub>
                       <m:sup>
                         <m:r>
-                          <a:rPr lang="en-US" i="1">
+                          <a:rPr lang="en-US" b="0" i="1" smtClean="0">
                             <a:latin typeface="Cambria Math" panose="02040503050406030204" pitchFamily="18" charset="0"/>
                           </a:rPr>
-                          <m:t>6</m:t>
+                          <m:t>𝑛</m:t>
                         </m:r>
                       </m:sup>
                       <m:e>
@@ -9834,7 +11036,7 @@
                           <a:rPr lang="en-US" b="0" i="1" smtClean="0">
                             <a:latin typeface="Cambria Math" panose="02040503050406030204" pitchFamily="18" charset="0"/>
                           </a:rPr>
-                          <m:t>6</m:t>
+                          <m:t>𝑛</m:t>
                         </m:r>
                       </m:sup>
                       <m:e>
@@ -9949,7 +11151,7 @@
               <a:blipFill rotWithShape="0">
                 <a:blip r:embed="rId2"/>
                 <a:stretch>
-                  <a:fillRect l="-213" t="-1570" b="-14443"/>
+                  <a:fillRect l="-142" t="-1727" b="-9890"/>
                 </a:stretch>
               </a:blipFill>
             </p:spPr>
@@ -10045,7 +11247,20 @@
           <a:lstStyle/>
           <a:p>
             <a:r>
-              <a:rPr lang="en-US" dirty="0"/>
+              <a:rPr lang="ru-RU" dirty="0"/>
+              <a:t>Серверная часть должна формировать выходные данные в виде исходного изображения с нанесенной графической разметкой, а также формировать статистику </a:t>
+            </a:r>
+            <a:endParaRPr lang="en-US" dirty="0" smtClean="0"/>
+          </a:p>
+          <a:p>
+            <a:r>
+              <a:rPr lang="ru-RU" dirty="0"/>
+              <a:t>Серверная часть должна обрабатывать входное изображение для системы распознавания</a:t>
+            </a:r>
+          </a:p>
+          <a:p>
+            <a:r>
+              <a:rPr lang="en-US" dirty="0" smtClean="0"/>
               <a:t>Web</a:t>
             </a:r>
             <a:r>
@@ -10090,32 +11305,6 @@
             <a:endParaRPr lang="ru-RU" dirty="0"/>
           </a:p>
           <a:p>
-            <a:r>
-              <a:rPr lang="ru-RU" dirty="0" smtClean="0"/>
-              <a:t>Серверная </a:t>
-            </a:r>
-            <a:r>
-              <a:rPr lang="ru-RU" dirty="0"/>
-              <a:t>часть должна </a:t>
-            </a:r>
-            <a:r>
-              <a:rPr lang="ru-RU" dirty="0" smtClean="0"/>
-              <a:t>обрабатывать входное изображение для системы распознавания</a:t>
-            </a:r>
-          </a:p>
-          <a:p>
-            <a:r>
-              <a:rPr lang="ru-RU" dirty="0" smtClean="0"/>
-              <a:t>Серверная </a:t>
-            </a:r>
-            <a:r>
-              <a:rPr lang="ru-RU" dirty="0"/>
-              <a:t>часть должна формировать выходные данные в виде исходного изображения с нанесенной графической </a:t>
-            </a:r>
-            <a:r>
-              <a:rPr lang="ru-RU" dirty="0" smtClean="0"/>
-              <a:t>разметкой, а также формировать статистику</a:t>
-            </a:r>
             <a:endParaRPr lang="ru-RU" dirty="0"/>
           </a:p>
           <a:p>
@@ -10165,13 +11354,7 @@
       </p:grpSpPr>
       <p:sp>
         <p:nvSpPr>
-          <p:cNvPr id="2" name="Title 1">
-            <a:extLst>
-              <a:ext uri="{FF2B5EF4-FFF2-40B4-BE49-F238E27FC236}">
-                <a16:creationId xmlns:a16="http://schemas.microsoft.com/office/drawing/2014/main" xmlns="" id="{BBDB819A-8CC0-4184-A424-EA5ACC3142A8}"/>
-              </a:ext>
-            </a:extLst>
-          </p:cNvPr>
+          <p:cNvPr id="2" name="Заголовок 1"/>
           <p:cNvSpPr>
             <a:spLocks noGrp="1"/>
           </p:cNvSpPr>
@@ -10186,25 +11369,15 @@
           <a:p>
             <a:r>
               <a:rPr lang="ru-RU" dirty="0" smtClean="0"/>
-              <a:t>Метрики </a:t>
-            </a:r>
-            <a:r>
-              <a:rPr lang="ru-RU" dirty="0"/>
-              <a:t>качества</a:t>
-            </a:r>
-            <a:endParaRPr lang="en-US" dirty="0"/>
-          </a:p>
-        </p:txBody>
-      </p:sp>
-      <p:sp>
-        <p:nvSpPr>
-          <p:cNvPr id="3" name="Content Placeholder 2">
-            <a:extLst>
-              <a:ext uri="{FF2B5EF4-FFF2-40B4-BE49-F238E27FC236}">
-                <a16:creationId xmlns:a16="http://schemas.microsoft.com/office/drawing/2014/main" xmlns="" id="{1D8F322B-2C12-49D0-9759-FF8191F77006}"/>
-              </a:ext>
-            </a:extLst>
-          </p:cNvPr>
+              <a:t>Требования к входному изображению</a:t>
+            </a:r>
+            <a:endParaRPr lang="ru-RU" dirty="0"/>
+          </a:p>
+        </p:txBody>
+      </p:sp>
+      <p:sp>
+        <p:nvSpPr>
+          <p:cNvPr id="3" name="Объект 2"/>
           <p:cNvSpPr>
             <a:spLocks noGrp="1"/>
           </p:cNvSpPr>
@@ -10212,73 +11385,72 @@
             <p:ph idx="1"/>
           </p:nvPr>
         </p:nvSpPr>
-        <p:spPr>
-          <a:xfrm>
-            <a:off x="677334" y="2160589"/>
-            <a:ext cx="8596668" cy="4374435"/>
-          </a:xfrm>
-        </p:spPr>
+        <p:spPr/>
         <p:txBody>
           <a:bodyPr/>
           <a:lstStyle/>
           <a:p>
             <a:r>
-              <a:rPr lang="ru-RU" dirty="0"/>
-              <a:t>Система должна обрабатывать изображение, на котором имеется не более 3х лиц, не более, чем за 20 секунд</a:t>
-            </a:r>
-          </a:p>
-          <a:p>
-            <a:r>
-              <a:rPr lang="ru-RU" dirty="0"/>
-              <a:t>Входное изображение должно содержать не более 20 лиц</a:t>
-            </a:r>
-          </a:p>
-          <a:p>
-            <a:r>
-              <a:rPr lang="ru-RU" dirty="0"/>
-              <a:t>Значение метрики </a:t>
-            </a:r>
-            <a:r>
-              <a:rPr lang="en-US" dirty="0" err="1"/>
-              <a:t>mAP</a:t>
-            </a:r>
-            <a:r>
-              <a:rPr lang="ru-RU" dirty="0"/>
-              <a:t> должно быть не менее 0,8</a:t>
-            </a:r>
-          </a:p>
-          <a:p>
-            <a:r>
-              <a:rPr lang="ru-RU" dirty="0"/>
-              <a:t>Количество ошибок детекции должно составлять не более 1% от общего количества </a:t>
-            </a:r>
-            <a:r>
               <a:rPr lang="ru-RU" dirty="0" smtClean="0"/>
-              <a:t>изображений</a:t>
-            </a:r>
+              <a:t>Входное </a:t>
+            </a:r>
+            <a:r>
+              <a:rPr lang="ru-RU" dirty="0"/>
+              <a:t>изображение должно содержать не более 20 </a:t>
+            </a:r>
+            <a:r>
+              <a:rPr lang="ru-RU" dirty="0" smtClean="0"/>
+              <a:t>лиц</a:t>
+            </a:r>
+          </a:p>
+          <a:p>
+            <a:r>
+              <a:rPr lang="ru-RU" dirty="0"/>
+              <a:t>Система должна корректно обрабатывать изображения, на которых лица повернуты:</a:t>
+            </a:r>
+          </a:p>
+          <a:p>
+            <a:pPr lvl="1"/>
+            <a:r>
+              <a:rPr lang="en-US" dirty="0"/>
+              <a:t>a</a:t>
+            </a:r>
+            <a:r>
+              <a:rPr lang="ru-RU" dirty="0"/>
+              <a:t>.	До 45% влево/вправо</a:t>
+            </a:r>
+          </a:p>
+          <a:p>
+            <a:pPr lvl="1"/>
+            <a:r>
+              <a:rPr lang="en-US" dirty="0"/>
+              <a:t>b</a:t>
+            </a:r>
+            <a:r>
+              <a:rPr lang="ru-RU" dirty="0"/>
+              <a:t>.	До 15% вверх/вниз</a:t>
+            </a:r>
+          </a:p>
+          <a:p>
+            <a:pPr lvl="1"/>
+            <a:r>
+              <a:rPr lang="en-US" dirty="0"/>
+              <a:t>c</a:t>
+            </a:r>
+            <a:r>
+              <a:rPr lang="ru-RU" dirty="0"/>
+              <a:t>.	До 30% по/против часовой стрелки</a:t>
+            </a:r>
+          </a:p>
+          <a:p>
             <a:endParaRPr lang="ru-RU" dirty="0"/>
-          </a:p>
-          <a:p>
-            <a:r>
-              <a:rPr lang="ru-RU" dirty="0"/>
-              <a:t>Количество правильно детектированных лиц не менее 98% от суммарного числа всех лиц на всех изображениях</a:t>
-            </a:r>
-          </a:p>
-          <a:p>
-            <a:r>
-              <a:rPr lang="ru-RU" dirty="0"/>
-              <a:t>Точность распознавания лиц должна составлять не менее 97% от всех правильно детектированных лиц</a:t>
-            </a:r>
-          </a:p>
-          <a:p>
-            <a:endParaRPr lang="en-US" dirty="0"/>
           </a:p>
         </p:txBody>
       </p:sp>
     </p:spTree>
     <p:extLst>
       <p:ext uri="{BB962C8B-B14F-4D97-AF65-F5344CB8AC3E}">
-        <p14:creationId xmlns:p14="http://schemas.microsoft.com/office/powerpoint/2010/main" val="1330774056"/>
+        <p14:creationId xmlns:p14="http://schemas.microsoft.com/office/powerpoint/2010/main" val="28502669"/>
       </p:ext>
     </p:extLst>
   </p:cSld>

--- a/docs/external/Итоговая презентация.pptx
+++ b/docs/external/Итоговая презентация.pptx
@@ -4,6 +4,9 @@
   <p:sldMasterIdLst>
     <p:sldMasterId id="2147483648" r:id="rId1"/>
   </p:sldMasterIdLst>
+  <p:notesMasterIdLst>
+    <p:notesMasterId r:id="rId30"/>
+  </p:notesMasterIdLst>
   <p:sldIdLst>
     <p:sldId id="256" r:id="rId2"/>
     <p:sldId id="274" r:id="rId3"/>
@@ -15,21 +18,24 @@
     <p:sldId id="268" r:id="rId9"/>
     <p:sldId id="279" r:id="rId10"/>
     <p:sldId id="260" r:id="rId11"/>
-    <p:sldId id="280" r:id="rId12"/>
-    <p:sldId id="281" r:id="rId13"/>
-    <p:sldId id="273" r:id="rId14"/>
-    <p:sldId id="269" r:id="rId15"/>
-    <p:sldId id="270" r:id="rId16"/>
-    <p:sldId id="272" r:id="rId17"/>
-    <p:sldId id="275" r:id="rId18"/>
-    <p:sldId id="265" r:id="rId19"/>
-    <p:sldId id="282" r:id="rId20"/>
-    <p:sldId id="283" r:id="rId21"/>
-    <p:sldId id="284" r:id="rId22"/>
-    <p:sldId id="266" r:id="rId23"/>
-    <p:sldId id="276" r:id="rId24"/>
-    <p:sldId id="277" r:id="rId25"/>
-    <p:sldId id="285" r:id="rId26"/>
+    <p:sldId id="273" r:id="rId12"/>
+    <p:sldId id="269" r:id="rId13"/>
+    <p:sldId id="286" r:id="rId14"/>
+    <p:sldId id="287" r:id="rId15"/>
+    <p:sldId id="281" r:id="rId16"/>
+    <p:sldId id="280" r:id="rId17"/>
+    <p:sldId id="270" r:id="rId18"/>
+    <p:sldId id="272" r:id="rId19"/>
+    <p:sldId id="275" r:id="rId20"/>
+    <p:sldId id="265" r:id="rId21"/>
+    <p:sldId id="282" r:id="rId22"/>
+    <p:sldId id="283" r:id="rId23"/>
+    <p:sldId id="288" r:id="rId24"/>
+    <p:sldId id="284" r:id="rId25"/>
+    <p:sldId id="266" r:id="rId26"/>
+    <p:sldId id="276" r:id="rId27"/>
+    <p:sldId id="277" r:id="rId28"/>
+    <p:sldId id="285" r:id="rId29"/>
   </p:sldIdLst>
   <p:sldSz cx="12192000" cy="6858000"/>
   <p:notesSz cx="6858000" cy="9144000"/>
@@ -134,6 +140,440 @@
     </p:ext>
   </p:extLst>
 </p:presentation>
+</file>
+
+<file path=ppt/notesMasters/notesMaster1.xml><?xml version="1.0" encoding="utf-8"?>
+<p:notesMaster xmlns:a="http://schemas.openxmlformats.org/drawingml/2006/main" xmlns:r="http://schemas.openxmlformats.org/officeDocument/2006/relationships" xmlns:p="http://schemas.openxmlformats.org/presentationml/2006/main">
+  <p:cSld>
+    <p:bg>
+      <p:bgRef idx="1001">
+        <a:schemeClr val="bg1"/>
+      </p:bgRef>
+    </p:bg>
+    <p:spTree>
+      <p:nvGrpSpPr>
+        <p:cNvPr id="1" name=""/>
+        <p:cNvGrpSpPr/>
+        <p:nvPr/>
+      </p:nvGrpSpPr>
+      <p:grpSpPr>
+        <a:xfrm>
+          <a:off x="0" y="0"/>
+          <a:ext cx="0" cy="0"/>
+          <a:chOff x="0" y="0"/>
+          <a:chExt cx="0" cy="0"/>
+        </a:xfrm>
+      </p:grpSpPr>
+      <p:sp>
+        <p:nvSpPr>
+          <p:cNvPr id="2" name="Header Placeholder 1"/>
+          <p:cNvSpPr>
+            <a:spLocks noGrp="1"/>
+          </p:cNvSpPr>
+          <p:nvPr>
+            <p:ph type="hdr" sz="quarter"/>
+          </p:nvPr>
+        </p:nvSpPr>
+        <p:spPr>
+          <a:xfrm>
+            <a:off x="0" y="0"/>
+            <a:ext cx="2971800" cy="458788"/>
+          </a:xfrm>
+          <a:prstGeom prst="rect">
+            <a:avLst/>
+          </a:prstGeom>
+        </p:spPr>
+        <p:txBody>
+          <a:bodyPr vert="horz" lIns="91440" tIns="45720" rIns="91440" bIns="45720" rtlCol="0"/>
+          <a:lstStyle>
+            <a:lvl1pPr algn="l">
+              <a:defRPr sz="1200"/>
+            </a:lvl1pPr>
+          </a:lstStyle>
+          <a:p>
+            <a:endParaRPr lang="en-US"/>
+          </a:p>
+        </p:txBody>
+      </p:sp>
+      <p:sp>
+        <p:nvSpPr>
+          <p:cNvPr id="3" name="Date Placeholder 2"/>
+          <p:cNvSpPr>
+            <a:spLocks noGrp="1"/>
+          </p:cNvSpPr>
+          <p:nvPr>
+            <p:ph type="dt" idx="1"/>
+          </p:nvPr>
+        </p:nvSpPr>
+        <p:spPr>
+          <a:xfrm>
+            <a:off x="3884613" y="0"/>
+            <a:ext cx="2971800" cy="458788"/>
+          </a:xfrm>
+          <a:prstGeom prst="rect">
+            <a:avLst/>
+          </a:prstGeom>
+        </p:spPr>
+        <p:txBody>
+          <a:bodyPr vert="horz" lIns="91440" tIns="45720" rIns="91440" bIns="45720" rtlCol="0"/>
+          <a:lstStyle>
+            <a:lvl1pPr algn="r">
+              <a:defRPr sz="1200"/>
+            </a:lvl1pPr>
+          </a:lstStyle>
+          <a:p>
+            <a:fld id="{1A6B4C39-96EB-4EDC-AB06-28CBBAA0A169}" type="datetimeFigureOut">
+              <a:rPr lang="en-US" smtClean="0"/>
+              <a:t>5/25/2019</a:t>
+            </a:fld>
+            <a:endParaRPr lang="en-US"/>
+          </a:p>
+        </p:txBody>
+      </p:sp>
+      <p:sp>
+        <p:nvSpPr>
+          <p:cNvPr id="4" name="Slide Image Placeholder 3"/>
+          <p:cNvSpPr>
+            <a:spLocks noGrp="1" noRot="1" noChangeAspect="1"/>
+          </p:cNvSpPr>
+          <p:nvPr>
+            <p:ph type="sldImg" idx="2"/>
+          </p:nvPr>
+        </p:nvSpPr>
+        <p:spPr>
+          <a:xfrm>
+            <a:off x="685800" y="1143000"/>
+            <a:ext cx="5486400" cy="3086100"/>
+          </a:xfrm>
+          <a:prstGeom prst="rect">
+            <a:avLst/>
+          </a:prstGeom>
+          <a:noFill/>
+          <a:ln w="12700">
+            <a:solidFill>
+              <a:prstClr val="black"/>
+            </a:solidFill>
+          </a:ln>
+        </p:spPr>
+        <p:txBody>
+          <a:bodyPr vert="horz" lIns="91440" tIns="45720" rIns="91440" bIns="45720" rtlCol="0" anchor="ctr"/>
+          <a:lstStyle/>
+          <a:p>
+            <a:endParaRPr lang="en-US"/>
+          </a:p>
+        </p:txBody>
+      </p:sp>
+      <p:sp>
+        <p:nvSpPr>
+          <p:cNvPr id="5" name="Notes Placeholder 4"/>
+          <p:cNvSpPr>
+            <a:spLocks noGrp="1"/>
+          </p:cNvSpPr>
+          <p:nvPr>
+            <p:ph type="body" sz="quarter" idx="3"/>
+          </p:nvPr>
+        </p:nvSpPr>
+        <p:spPr>
+          <a:xfrm>
+            <a:off x="685800" y="4400550"/>
+            <a:ext cx="5486400" cy="3600450"/>
+          </a:xfrm>
+          <a:prstGeom prst="rect">
+            <a:avLst/>
+          </a:prstGeom>
+        </p:spPr>
+        <p:txBody>
+          <a:bodyPr vert="horz" lIns="91440" tIns="45720" rIns="91440" bIns="45720" rtlCol="0"/>
+          <a:lstStyle/>
+          <a:p>
+            <a:pPr lvl="0"/>
+            <a:r>
+              <a:rPr lang="en-US" smtClean="0"/>
+              <a:t>Click to edit Master text styles</a:t>
+            </a:r>
+          </a:p>
+          <a:p>
+            <a:pPr lvl="1"/>
+            <a:r>
+              <a:rPr lang="en-US" smtClean="0"/>
+              <a:t>Second level</a:t>
+            </a:r>
+          </a:p>
+          <a:p>
+            <a:pPr lvl="2"/>
+            <a:r>
+              <a:rPr lang="en-US" smtClean="0"/>
+              <a:t>Third level</a:t>
+            </a:r>
+          </a:p>
+          <a:p>
+            <a:pPr lvl="3"/>
+            <a:r>
+              <a:rPr lang="en-US" smtClean="0"/>
+              <a:t>Fourth level</a:t>
+            </a:r>
+          </a:p>
+          <a:p>
+            <a:pPr lvl="4"/>
+            <a:r>
+              <a:rPr lang="en-US" smtClean="0"/>
+              <a:t>Fifth level</a:t>
+            </a:r>
+            <a:endParaRPr lang="en-US"/>
+          </a:p>
+        </p:txBody>
+      </p:sp>
+      <p:sp>
+        <p:nvSpPr>
+          <p:cNvPr id="6" name="Footer Placeholder 5"/>
+          <p:cNvSpPr>
+            <a:spLocks noGrp="1"/>
+          </p:cNvSpPr>
+          <p:nvPr>
+            <p:ph type="ftr" sz="quarter" idx="4"/>
+          </p:nvPr>
+        </p:nvSpPr>
+        <p:spPr>
+          <a:xfrm>
+            <a:off x="0" y="8685213"/>
+            <a:ext cx="2971800" cy="458787"/>
+          </a:xfrm>
+          <a:prstGeom prst="rect">
+            <a:avLst/>
+          </a:prstGeom>
+        </p:spPr>
+        <p:txBody>
+          <a:bodyPr vert="horz" lIns="91440" tIns="45720" rIns="91440" bIns="45720" rtlCol="0" anchor="b"/>
+          <a:lstStyle>
+            <a:lvl1pPr algn="l">
+              <a:defRPr sz="1200"/>
+            </a:lvl1pPr>
+          </a:lstStyle>
+          <a:p>
+            <a:endParaRPr lang="en-US"/>
+          </a:p>
+        </p:txBody>
+      </p:sp>
+      <p:sp>
+        <p:nvSpPr>
+          <p:cNvPr id="7" name="Slide Number Placeholder 6"/>
+          <p:cNvSpPr>
+            <a:spLocks noGrp="1"/>
+          </p:cNvSpPr>
+          <p:nvPr>
+            <p:ph type="sldNum" sz="quarter" idx="5"/>
+          </p:nvPr>
+        </p:nvSpPr>
+        <p:spPr>
+          <a:xfrm>
+            <a:off x="3884613" y="8685213"/>
+            <a:ext cx="2971800" cy="458787"/>
+          </a:xfrm>
+          <a:prstGeom prst="rect">
+            <a:avLst/>
+          </a:prstGeom>
+        </p:spPr>
+        <p:txBody>
+          <a:bodyPr vert="horz" lIns="91440" tIns="45720" rIns="91440" bIns="45720" rtlCol="0" anchor="b"/>
+          <a:lstStyle>
+            <a:lvl1pPr algn="r">
+              <a:defRPr sz="1200"/>
+            </a:lvl1pPr>
+          </a:lstStyle>
+          <a:p>
+            <a:fld id="{FE9F5AB6-746D-4DE9-931B-981BC66CA02E}" type="slidenum">
+              <a:rPr lang="en-US" smtClean="0"/>
+              <a:t>‹#›</a:t>
+            </a:fld>
+            <a:endParaRPr lang="en-US"/>
+          </a:p>
+        </p:txBody>
+      </p:sp>
+    </p:spTree>
+    <p:extLst>
+      <p:ext uri="{BB962C8B-B14F-4D97-AF65-F5344CB8AC3E}">
+        <p14:creationId xmlns:p14="http://schemas.microsoft.com/office/powerpoint/2010/main" val="1650518819"/>
+      </p:ext>
+    </p:extLst>
+  </p:cSld>
+  <p:clrMap bg1="lt1" tx1="dk1" bg2="lt2" tx2="dk2" accent1="accent1" accent2="accent2" accent3="accent3" accent4="accent4" accent5="accent5" accent6="accent6" hlink="hlink" folHlink="folHlink"/>
+  <p:notesStyle>
+    <a:lvl1pPr marL="0" algn="l" defTabSz="914400" rtl="0" eaLnBrk="1" latinLnBrk="0" hangingPunct="1">
+      <a:defRPr sz="1200" kern="1200">
+        <a:solidFill>
+          <a:schemeClr val="tx1"/>
+        </a:solidFill>
+        <a:latin typeface="+mn-lt"/>
+        <a:ea typeface="+mn-ea"/>
+        <a:cs typeface="+mn-cs"/>
+      </a:defRPr>
+    </a:lvl1pPr>
+    <a:lvl2pPr marL="457200" algn="l" defTabSz="914400" rtl="0" eaLnBrk="1" latinLnBrk="0" hangingPunct="1">
+      <a:defRPr sz="1200" kern="1200">
+        <a:solidFill>
+          <a:schemeClr val="tx1"/>
+        </a:solidFill>
+        <a:latin typeface="+mn-lt"/>
+        <a:ea typeface="+mn-ea"/>
+        <a:cs typeface="+mn-cs"/>
+      </a:defRPr>
+    </a:lvl2pPr>
+    <a:lvl3pPr marL="914400" algn="l" defTabSz="914400" rtl="0" eaLnBrk="1" latinLnBrk="0" hangingPunct="1">
+      <a:defRPr sz="1200" kern="1200">
+        <a:solidFill>
+          <a:schemeClr val="tx1"/>
+        </a:solidFill>
+        <a:latin typeface="+mn-lt"/>
+        <a:ea typeface="+mn-ea"/>
+        <a:cs typeface="+mn-cs"/>
+      </a:defRPr>
+    </a:lvl3pPr>
+    <a:lvl4pPr marL="1371600" algn="l" defTabSz="914400" rtl="0" eaLnBrk="1" latinLnBrk="0" hangingPunct="1">
+      <a:defRPr sz="1200" kern="1200">
+        <a:solidFill>
+          <a:schemeClr val="tx1"/>
+        </a:solidFill>
+        <a:latin typeface="+mn-lt"/>
+        <a:ea typeface="+mn-ea"/>
+        <a:cs typeface="+mn-cs"/>
+      </a:defRPr>
+    </a:lvl4pPr>
+    <a:lvl5pPr marL="1828800" algn="l" defTabSz="914400" rtl="0" eaLnBrk="1" latinLnBrk="0" hangingPunct="1">
+      <a:defRPr sz="1200" kern="1200">
+        <a:solidFill>
+          <a:schemeClr val="tx1"/>
+        </a:solidFill>
+        <a:latin typeface="+mn-lt"/>
+        <a:ea typeface="+mn-ea"/>
+        <a:cs typeface="+mn-cs"/>
+      </a:defRPr>
+    </a:lvl5pPr>
+    <a:lvl6pPr marL="2286000" algn="l" defTabSz="914400" rtl="0" eaLnBrk="1" latinLnBrk="0" hangingPunct="1">
+      <a:defRPr sz="1200" kern="1200">
+        <a:solidFill>
+          <a:schemeClr val="tx1"/>
+        </a:solidFill>
+        <a:latin typeface="+mn-lt"/>
+        <a:ea typeface="+mn-ea"/>
+        <a:cs typeface="+mn-cs"/>
+      </a:defRPr>
+    </a:lvl6pPr>
+    <a:lvl7pPr marL="2743200" algn="l" defTabSz="914400" rtl="0" eaLnBrk="1" latinLnBrk="0" hangingPunct="1">
+      <a:defRPr sz="1200" kern="1200">
+        <a:solidFill>
+          <a:schemeClr val="tx1"/>
+        </a:solidFill>
+        <a:latin typeface="+mn-lt"/>
+        <a:ea typeface="+mn-ea"/>
+        <a:cs typeface="+mn-cs"/>
+      </a:defRPr>
+    </a:lvl7pPr>
+    <a:lvl8pPr marL="3200400" algn="l" defTabSz="914400" rtl="0" eaLnBrk="1" latinLnBrk="0" hangingPunct="1">
+      <a:defRPr sz="1200" kern="1200">
+        <a:solidFill>
+          <a:schemeClr val="tx1"/>
+        </a:solidFill>
+        <a:latin typeface="+mn-lt"/>
+        <a:ea typeface="+mn-ea"/>
+        <a:cs typeface="+mn-cs"/>
+      </a:defRPr>
+    </a:lvl8pPr>
+    <a:lvl9pPr marL="3657600" algn="l" defTabSz="914400" rtl="0" eaLnBrk="1" latinLnBrk="0" hangingPunct="1">
+      <a:defRPr sz="1200" kern="1200">
+        <a:solidFill>
+          <a:schemeClr val="tx1"/>
+        </a:solidFill>
+        <a:latin typeface="+mn-lt"/>
+        <a:ea typeface="+mn-ea"/>
+        <a:cs typeface="+mn-cs"/>
+      </a:defRPr>
+    </a:lvl9pPr>
+  </p:notesStyle>
+</p:notesMaster>
+</file>
+
+<file path=ppt/notesSlides/notesSlide1.xml><?xml version="1.0" encoding="utf-8"?>
+<p:notes xmlns:a="http://schemas.openxmlformats.org/drawingml/2006/main" xmlns:r="http://schemas.openxmlformats.org/officeDocument/2006/relationships" xmlns:p="http://schemas.openxmlformats.org/presentationml/2006/main">
+  <p:cSld>
+    <p:spTree>
+      <p:nvGrpSpPr>
+        <p:cNvPr id="1" name=""/>
+        <p:cNvGrpSpPr/>
+        <p:nvPr/>
+      </p:nvGrpSpPr>
+      <p:grpSpPr>
+        <a:xfrm>
+          <a:off x="0" y="0"/>
+          <a:ext cx="0" cy="0"/>
+          <a:chOff x="0" y="0"/>
+          <a:chExt cx="0" cy="0"/>
+        </a:xfrm>
+      </p:grpSpPr>
+      <p:sp>
+        <p:nvSpPr>
+          <p:cNvPr id="2" name="Slide Image Placeholder 1"/>
+          <p:cNvSpPr>
+            <a:spLocks noGrp="1" noRot="1" noChangeAspect="1"/>
+          </p:cNvSpPr>
+          <p:nvPr>
+            <p:ph type="sldImg"/>
+          </p:nvPr>
+        </p:nvSpPr>
+        <p:spPr/>
+      </p:sp>
+      <p:sp>
+        <p:nvSpPr>
+          <p:cNvPr id="3" name="Notes Placeholder 2"/>
+          <p:cNvSpPr>
+            <a:spLocks noGrp="1"/>
+          </p:cNvSpPr>
+          <p:nvPr>
+            <p:ph type="body" idx="1"/>
+          </p:nvPr>
+        </p:nvSpPr>
+        <p:spPr/>
+        <p:txBody>
+          <a:bodyPr/>
+          <a:lstStyle/>
+          <a:p>
+            <a:endParaRPr lang="en-US"/>
+          </a:p>
+        </p:txBody>
+      </p:sp>
+      <p:sp>
+        <p:nvSpPr>
+          <p:cNvPr id="4" name="Slide Number Placeholder 3"/>
+          <p:cNvSpPr>
+            <a:spLocks noGrp="1"/>
+          </p:cNvSpPr>
+          <p:nvPr>
+            <p:ph type="sldNum" sz="quarter" idx="10"/>
+          </p:nvPr>
+        </p:nvSpPr>
+        <p:spPr/>
+        <p:txBody>
+          <a:bodyPr/>
+          <a:lstStyle/>
+          <a:p>
+            <a:fld id="{FE9F5AB6-746D-4DE9-931B-981BC66CA02E}" type="slidenum">
+              <a:rPr lang="en-US" smtClean="0"/>
+              <a:t>20</a:t>
+            </a:fld>
+            <a:endParaRPr lang="en-US"/>
+          </a:p>
+        </p:txBody>
+      </p:sp>
+    </p:spTree>
+    <p:extLst>
+      <p:ext uri="{BB962C8B-B14F-4D97-AF65-F5344CB8AC3E}">
+        <p14:creationId xmlns:p14="http://schemas.microsoft.com/office/powerpoint/2010/main" val="326397158"/>
+      </p:ext>
+    </p:extLst>
+  </p:cSld>
+  <p:clrMapOvr>
+    <a:masterClrMapping/>
+  </p:clrMapOvr>
+</p:notes>
 </file>
 
 <file path=ppt/slideLayouts/slideLayout1.xml><?xml version="1.0" encoding="utf-8"?>
@@ -882,7 +1322,7 @@
             <a:fld id="{B61BEF0D-F0BB-DE4B-95CE-6DB70DBA9567}" type="datetimeFigureOut">
               <a:rPr lang="en-US" dirty="0"/>
               <a:pPr/>
-              <a:t>5/21/2019</a:t>
+              <a:t>5/25/2019</a:t>
             </a:fld>
             <a:endParaRPr lang="en-US" dirty="0"/>
           </a:p>
@@ -1130,7 +1570,7 @@
             <a:fld id="{B61BEF0D-F0BB-DE4B-95CE-6DB70DBA9567}" type="datetimeFigureOut">
               <a:rPr lang="en-US" dirty="0"/>
               <a:pPr/>
-              <a:t>5/21/2019</a:t>
+              <a:t>5/25/2019</a:t>
             </a:fld>
             <a:endParaRPr lang="en-US" dirty="0"/>
           </a:p>
@@ -1441,7 +1881,7 @@
             <a:fld id="{B61BEF0D-F0BB-DE4B-95CE-6DB70DBA9567}" type="datetimeFigureOut">
               <a:rPr lang="en-US" dirty="0"/>
               <a:pPr/>
-              <a:t>5/21/2019</a:t>
+              <a:t>5/25/2019</a:t>
             </a:fld>
             <a:endParaRPr lang="en-US" dirty="0"/>
           </a:p>
@@ -1771,7 +2211,7 @@
             <a:fld id="{B61BEF0D-F0BB-DE4B-95CE-6DB70DBA9567}" type="datetimeFigureOut">
               <a:rPr lang="en-US" dirty="0"/>
               <a:pPr/>
-              <a:t>5/21/2019</a:t>
+              <a:t>5/25/2019</a:t>
             </a:fld>
             <a:endParaRPr lang="en-US" dirty="0"/>
           </a:p>
@@ -2082,7 +2522,7 @@
             <a:fld id="{B61BEF0D-F0BB-DE4B-95CE-6DB70DBA9567}" type="datetimeFigureOut">
               <a:rPr lang="en-US" dirty="0"/>
               <a:pPr/>
-              <a:t>5/21/2019</a:t>
+              <a:t>5/25/2019</a:t>
             </a:fld>
             <a:endParaRPr lang="en-US" dirty="0"/>
           </a:p>
@@ -2472,7 +2912,7 @@
             <a:fld id="{B61BEF0D-F0BB-DE4B-95CE-6DB70DBA9567}" type="datetimeFigureOut">
               <a:rPr lang="en-US" dirty="0"/>
               <a:pPr/>
-              <a:t>5/21/2019</a:t>
+              <a:t>5/25/2019</a:t>
             </a:fld>
             <a:endParaRPr lang="en-US" dirty="0"/>
           </a:p>
@@ -2638,7 +3078,7 @@
           <a:p>
             <a:fld id="{55C6B4A9-1611-4792-9094-5F34BCA07E0B}" type="datetimeFigureOut">
               <a:rPr lang="en-US" dirty="0"/>
-              <a:t>5/21/2019</a:t>
+              <a:t>5/25/2019</a:t>
             </a:fld>
             <a:endParaRPr lang="en-US" dirty="0"/>
           </a:p>
@@ -2814,7 +3254,7 @@
             <a:fld id="{B61BEF0D-F0BB-DE4B-95CE-6DB70DBA9567}" type="datetimeFigureOut">
               <a:rPr lang="en-US" dirty="0"/>
               <a:pPr/>
-              <a:t>5/21/2019</a:t>
+              <a:t>5/25/2019</a:t>
             </a:fld>
             <a:endParaRPr lang="en-US" dirty="0"/>
           </a:p>
@@ -2980,7 +3420,7 @@
           <a:p>
             <a:fld id="{42A54C80-263E-416B-A8E0-580EDEADCBDC}" type="datetimeFigureOut">
               <a:rPr lang="en-US" dirty="0"/>
-              <a:t>5/21/2019</a:t>
+              <a:t>5/25/2019</a:t>
             </a:fld>
             <a:endParaRPr lang="en-US" dirty="0"/>
           </a:p>
@@ -3223,7 +3663,7 @@
             <a:fld id="{B61BEF0D-F0BB-DE4B-95CE-6DB70DBA9567}" type="datetimeFigureOut">
               <a:rPr lang="en-US" dirty="0"/>
               <a:pPr/>
-              <a:t>5/21/2019</a:t>
+              <a:t>5/25/2019</a:t>
             </a:fld>
             <a:endParaRPr lang="en-US" dirty="0"/>
           </a:p>
@@ -3451,7 +3891,7 @@
           <a:p>
             <a:fld id="{42A54C80-263E-416B-A8E0-580EDEADCBDC}" type="datetimeFigureOut">
               <a:rPr lang="en-US" dirty="0"/>
-              <a:t>5/21/2019</a:t>
+              <a:t>5/25/2019</a:t>
             </a:fld>
             <a:endParaRPr lang="en-US" dirty="0"/>
           </a:p>
@@ -3821,7 +4261,7 @@
             <a:fld id="{B61BEF0D-F0BB-DE4B-95CE-6DB70DBA9567}" type="datetimeFigureOut">
               <a:rPr lang="en-US" dirty="0"/>
               <a:pPr/>
-              <a:t>5/21/2019</a:t>
+              <a:t>5/25/2019</a:t>
             </a:fld>
             <a:endParaRPr lang="en-US" dirty="0"/>
           </a:p>
@@ -3941,7 +4381,7 @@
             <a:fld id="{B61BEF0D-F0BB-DE4B-95CE-6DB70DBA9567}" type="datetimeFigureOut">
               <a:rPr lang="en-US" dirty="0"/>
               <a:pPr/>
-              <a:t>5/21/2019</a:t>
+              <a:t>5/25/2019</a:t>
             </a:fld>
             <a:endParaRPr lang="en-US" dirty="0"/>
           </a:p>
@@ -4033,7 +4473,7 @@
             <a:fld id="{B61BEF0D-F0BB-DE4B-95CE-6DB70DBA9567}" type="datetimeFigureOut">
               <a:rPr lang="en-US" dirty="0"/>
               <a:pPr/>
-              <a:t>5/21/2019</a:t>
+              <a:t>5/25/2019</a:t>
             </a:fld>
             <a:endParaRPr lang="en-US" dirty="0"/>
           </a:p>
@@ -4284,7 +4724,7 @@
           <a:p>
             <a:fld id="{42A54C80-263E-416B-A8E0-580EDEADCBDC}" type="datetimeFigureOut">
               <a:rPr lang="en-US" dirty="0"/>
-              <a:t>5/21/2019</a:t>
+              <a:t>5/25/2019</a:t>
             </a:fld>
             <a:endParaRPr lang="en-US" dirty="0"/>
           </a:p>
@@ -4586,7 +5026,7 @@
             <a:fld id="{B61BEF0D-F0BB-DE4B-95CE-6DB70DBA9567}" type="datetimeFigureOut">
               <a:rPr lang="en-US" dirty="0"/>
               <a:pPr/>
-              <a:t>5/21/2019</a:t>
+              <a:t>5/25/2019</a:t>
             </a:fld>
             <a:endParaRPr lang="en-US" dirty="0"/>
           </a:p>
@@ -5284,7 +5724,7 @@
             <a:fld id="{B61BEF0D-F0BB-DE4B-95CE-6DB70DBA9567}" type="datetimeFigureOut">
               <a:rPr lang="en-US" dirty="0"/>
               <a:pPr/>
-              <a:t>5/21/2019</a:t>
+              <a:t>5/25/2019</a:t>
             </a:fld>
             <a:endParaRPr lang="en-US" dirty="0"/>
           </a:p>
@@ -5831,22 +6271,22 @@
           <a:lstStyle/>
           <a:p>
             <a:r>
-              <a:rPr lang="ru-RU" dirty="0" smtClean="0"/>
+              <a:rPr lang="ru-RU" dirty="0"/>
               <a:t>Система по распознаванию</a:t>
             </a:r>
             <a:br>
-              <a:rPr lang="ru-RU" dirty="0" smtClean="0"/>
+              <a:rPr lang="ru-RU" dirty="0"/>
             </a:br>
             <a:r>
-              <a:rPr lang="ru-RU" dirty="0" smtClean="0"/>
+              <a:rPr lang="ru-RU" dirty="0"/>
               <a:t>лиц «</a:t>
             </a:r>
             <a:r>
-              <a:rPr lang="en-US" dirty="0" smtClean="0"/>
+              <a:rPr lang="en-US" dirty="0"/>
               <a:t>AFR</a:t>
             </a:r>
             <a:r>
-              <a:rPr lang="ru-RU" dirty="0" smtClean="0"/>
+              <a:rPr lang="ru-RU" dirty="0"/>
               <a:t>»</a:t>
             </a:r>
             <a:endParaRPr lang="en-US" dirty="0"/>
@@ -5888,13 +6328,6 @@
   <p:clrMapOvr>
     <a:masterClrMapping/>
   </p:clrMapOvr>
-  <p:timing>
-    <p:tnLst>
-      <p:par>
-        <p:cTn id="1" dur="indefinite" restart="never" nodeType="tmRoot"/>
-      </p:par>
-    </p:tnLst>
-  </p:timing>
 </p:sld>
 </file>
 
@@ -5937,12 +6370,8 @@
           <a:lstStyle/>
           <a:p>
             <a:r>
-              <a:rPr lang="ru-RU" dirty="0" smtClean="0"/>
-              <a:t>Метрики </a:t>
-            </a:r>
-            <a:r>
-              <a:rPr lang="ru-RU" dirty="0"/>
-              <a:t>качества</a:t>
+              <a:rPr lang="ru-RU" dirty="0"/>
+              <a:t>Метрики качества</a:t>
             </a:r>
             <a:endParaRPr lang="en-US" dirty="0"/>
           </a:p>
@@ -5975,12 +6404,8 @@
           <a:lstStyle/>
           <a:p>
             <a:r>
-              <a:rPr lang="ru-RU" dirty="0" smtClean="0"/>
-              <a:t>Значение </a:t>
-            </a:r>
-            <a:r>
-              <a:rPr lang="ru-RU" dirty="0"/>
-              <a:t>метрики </a:t>
+              <a:rPr lang="ru-RU" dirty="0"/>
+              <a:t>Значение метрики </a:t>
             </a:r>
             <a:r>
               <a:rPr lang="en-US" dirty="0" err="1"/>
@@ -5994,13 +6419,8 @@
           <a:p>
             <a:r>
               <a:rPr lang="ru-RU" dirty="0"/>
-              <a:t>Количество ошибок детекции должно составлять не более 1% от общего количества </a:t>
-            </a:r>
-            <a:r>
-              <a:rPr lang="ru-RU" dirty="0" smtClean="0"/>
-              <a:t>изображений</a:t>
-            </a:r>
-            <a:endParaRPr lang="ru-RU" dirty="0"/>
+              <a:t>Количество ошибок детекции должно составлять не более 1% от общего количества изображений</a:t>
+            </a:r>
           </a:p>
           <a:p>
             <a:r>
@@ -6011,11 +6431,7 @@
           <a:p>
             <a:r>
               <a:rPr lang="ru-RU" dirty="0"/>
-              <a:t>Точность распознавания лиц должна составлять не менее 97% от всех правильно детектированных </a:t>
-            </a:r>
-            <a:r>
-              <a:rPr lang="ru-RU" dirty="0" smtClean="0"/>
-              <a:t>лиц</a:t>
+              <a:t>Точность распознавания лиц должна составлять не менее 97% от всех правильно детектированных лиц</a:t>
             </a:r>
           </a:p>
           <a:p>
@@ -6045,13 +6461,6 @@
   <p:clrMapOvr>
     <a:masterClrMapping/>
   </p:clrMapOvr>
-  <p:timing>
-    <p:tnLst>
-      <p:par>
-        <p:cTn id="1" dur="indefinite" restart="never" nodeType="tmRoot"/>
-      </p:par>
-    </p:tnLst>
-  </p:timing>
 </p:sld>
 </file>
 
@@ -6074,13 +6483,7 @@
       </p:grpSpPr>
       <p:sp>
         <p:nvSpPr>
-          <p:cNvPr id="2" name="Title 1">
-            <a:extLst>
-              <a:ext uri="{FF2B5EF4-FFF2-40B4-BE49-F238E27FC236}">
-                <a16:creationId xmlns="" xmlns:a16="http://schemas.microsoft.com/office/drawing/2014/main" id="{12F67E6C-8996-43B4-A427-9C2B674A6291}"/>
-              </a:ext>
-            </a:extLst>
-          </p:cNvPr>
+          <p:cNvPr id="2" name="Заголовок 1"/>
           <p:cNvSpPr>
             <a:spLocks noGrp="1"/>
           </p:cNvSpPr>
@@ -6095,121 +6498,40 @@
           <a:p>
             <a:r>
               <a:rPr lang="ru-RU" dirty="0"/>
-              <a:t>Итоговая реализация системы</a:t>
-            </a:r>
-            <a:endParaRPr lang="en-US" dirty="0"/>
-          </a:p>
-        </p:txBody>
-      </p:sp>
-      <p:sp>
-        <p:nvSpPr>
-          <p:cNvPr id="5" name="Объект 4"/>
-          <p:cNvSpPr>
-            <a:spLocks noGrp="1"/>
-          </p:cNvSpPr>
-          <p:nvPr>
-            <p:ph idx="1"/>
-          </p:nvPr>
-        </p:nvSpPr>
-        <p:spPr>
-          <a:xfrm>
-            <a:off x="677334" y="2160589"/>
-            <a:ext cx="6396326" cy="3880773"/>
-          </a:xfrm>
-        </p:spPr>
+              <a:t>Что было сделано</a:t>
+            </a:r>
+          </a:p>
+        </p:txBody>
+      </p:sp>
+      <p:sp>
+        <p:nvSpPr>
+          <p:cNvPr id="3" name="Текст 2"/>
+          <p:cNvSpPr>
+            <a:spLocks noGrp="1"/>
+          </p:cNvSpPr>
+          <p:nvPr>
+            <p:ph type="body" idx="1"/>
+          </p:nvPr>
+        </p:nvSpPr>
+        <p:spPr/>
         <p:txBody>
           <a:bodyPr/>
           <a:lstStyle/>
           <a:p>
-            <a:r>
-              <a:rPr lang="en-US" dirty="0" smtClean="0"/>
-              <a:t>Face Detector –</a:t>
-            </a:r>
-            <a:r>
-              <a:rPr lang="ru-RU" dirty="0" smtClean="0"/>
-              <a:t> </a:t>
-            </a:r>
-            <a:r>
-              <a:rPr lang="en-US" dirty="0" err="1" smtClean="0"/>
-              <a:t>OpenCV</a:t>
-            </a:r>
-            <a:r>
-              <a:rPr lang="en-US" dirty="0" smtClean="0"/>
-              <a:t> SSD 300</a:t>
-            </a:r>
-          </a:p>
-          <a:p>
-            <a:r>
-              <a:rPr lang="en-US" dirty="0" smtClean="0"/>
-              <a:t>Alignment – </a:t>
-            </a:r>
-            <a:r>
-              <a:rPr lang="en-US" dirty="0" err="1" smtClean="0"/>
-              <a:t>dlib</a:t>
-            </a:r>
-            <a:r>
-              <a:rPr lang="en-US" dirty="0" smtClean="0"/>
-              <a:t> 68-landmarks + </a:t>
-            </a:r>
-            <a:r>
-              <a:rPr lang="en-US" dirty="0" err="1" smtClean="0"/>
-              <a:t>openface</a:t>
-            </a:r>
-            <a:r>
-              <a:rPr lang="en-US" dirty="0" smtClean="0"/>
-              <a:t> alignment</a:t>
-            </a:r>
-          </a:p>
-          <a:p>
-            <a:r>
-              <a:rPr lang="en-US" dirty="0" smtClean="0"/>
-              <a:t>Feature Extraction – ResNet-50</a:t>
-            </a:r>
-            <a:endParaRPr lang="ru-RU" dirty="0"/>
-          </a:p>
-        </p:txBody>
-      </p:sp>
-      <p:pic>
-        <p:nvPicPr>
-          <p:cNvPr id="6" name="Объект 3"/>
-          <p:cNvPicPr>
-            <a:picLocks noChangeAspect="1"/>
-          </p:cNvPicPr>
-          <p:nvPr/>
-        </p:nvPicPr>
-        <p:blipFill>
-          <a:blip r:embed="rId2"/>
-          <a:stretch>
-            <a:fillRect/>
-          </a:stretch>
-        </p:blipFill>
-        <p:spPr>
-          <a:xfrm>
-            <a:off x="7631516" y="399726"/>
-            <a:ext cx="2677050" cy="6262737"/>
-          </a:xfrm>
-          <a:prstGeom prst="rect">
-            <a:avLst/>
-          </a:prstGeom>
-        </p:spPr>
-      </p:pic>
+            <a:endParaRPr lang="ru-RU"/>
+          </a:p>
+        </p:txBody>
+      </p:sp>
     </p:spTree>
     <p:extLst>
       <p:ext uri="{BB962C8B-B14F-4D97-AF65-F5344CB8AC3E}">
-        <p14:creationId xmlns:p14="http://schemas.microsoft.com/office/powerpoint/2010/main" val="389283703"/>
+        <p14:creationId xmlns:p14="http://schemas.microsoft.com/office/powerpoint/2010/main" val="3176088656"/>
       </p:ext>
     </p:extLst>
   </p:cSld>
   <p:clrMapOvr>
     <a:masterClrMapping/>
   </p:clrMapOvr>
-  <p:timing>
-    <p:tnLst>
-      <p:par>
-        <p:cTn id="1" dur="indefinite" restart="never" nodeType="tmRoot"/>
-      </p:par>
-    </p:tnLst>
-  </p:timing>
 </p:sld>
 </file>
 
@@ -6232,13 +6554,7 @@
       </p:grpSpPr>
       <p:sp>
         <p:nvSpPr>
-          <p:cNvPr id="2" name="Title 1">
-            <a:extLst>
-              <a:ext uri="{FF2B5EF4-FFF2-40B4-BE49-F238E27FC236}">
-                <a16:creationId xmlns="" xmlns:a16="http://schemas.microsoft.com/office/drawing/2014/main" id="{8F2BF1A6-450C-4AD2-B97D-0E4ED72B90EB}"/>
-              </a:ext>
-            </a:extLst>
-          </p:cNvPr>
+          <p:cNvPr id="2" name="Заголовок 1"/>
           <p:cNvSpPr>
             <a:spLocks noGrp="1"/>
           </p:cNvSpPr>
@@ -6252,566 +6568,13 @@
           <a:lstStyle/>
           <a:p>
             <a:r>
-              <a:rPr lang="ru-RU" dirty="0"/>
-              <a:t>Подбор подходов к решению проблем реализации системы</a:t>
-            </a:r>
-            <a:endParaRPr lang="en-US" dirty="0"/>
-          </a:p>
-        </p:txBody>
-      </p:sp>
-      <p:sp>
-        <p:nvSpPr>
-          <p:cNvPr id="3" name="Content Placeholder 2">
-            <a:extLst>
-              <a:ext uri="{FF2B5EF4-FFF2-40B4-BE49-F238E27FC236}">
-                <a16:creationId xmlns="" xmlns:a16="http://schemas.microsoft.com/office/drawing/2014/main" id="{BEC19B5C-DA7A-4884-9F2B-E9A858E9B4F1}"/>
-              </a:ext>
-            </a:extLst>
-          </p:cNvPr>
-          <p:cNvSpPr>
-            <a:spLocks noGrp="1"/>
-          </p:cNvSpPr>
-          <p:nvPr>
-            <p:ph idx="1"/>
-          </p:nvPr>
-        </p:nvSpPr>
-        <p:spPr/>
-        <p:txBody>
-          <a:bodyPr/>
-          <a:lstStyle/>
-          <a:p>
-            <a:r>
-              <a:rPr lang="ru-RU" dirty="0" smtClean="0"/>
-              <a:t>Для реализации классификатора были рассмотрены следующие архитектуры:</a:t>
-            </a:r>
-          </a:p>
-          <a:p>
-            <a:pPr marL="800100" lvl="1" indent="-342900">
-              <a:buFont typeface="+mj-lt"/>
-              <a:buAutoNum type="arabicPeriod"/>
-            </a:pPr>
-            <a:r>
-              <a:rPr lang="ru-RU" dirty="0" smtClean="0"/>
-              <a:t>Трехслойный персептрон (512 нейронов, активация – </a:t>
-            </a:r>
-            <a:r>
-              <a:rPr lang="en-US" dirty="0" err="1" smtClean="0"/>
-              <a:t>relu</a:t>
-            </a:r>
-            <a:r>
-              <a:rPr lang="en-US" dirty="0" smtClean="0"/>
-              <a:t>)</a:t>
-            </a:r>
-          </a:p>
-          <a:p>
-            <a:pPr marL="800100" lvl="1" indent="-342900">
-              <a:buFont typeface="+mj-lt"/>
-              <a:buAutoNum type="arabicPeriod"/>
-            </a:pPr>
-            <a:r>
-              <a:rPr lang="ru-RU" dirty="0" smtClean="0"/>
-              <a:t>Пятислойный </a:t>
-            </a:r>
-            <a:r>
-              <a:rPr lang="ru-RU" dirty="0"/>
-              <a:t>персептрон </a:t>
-            </a:r>
-            <a:r>
-              <a:rPr lang="ru-RU" dirty="0" smtClean="0"/>
-              <a:t>(2</a:t>
-            </a:r>
-            <a:r>
               <a:rPr lang="en-US" dirty="0"/>
-              <a:t>5</a:t>
-            </a:r>
-            <a:r>
-              <a:rPr lang="ru-RU" dirty="0" smtClean="0"/>
-              <a:t>6 нейронов, </a:t>
-            </a:r>
-            <a:r>
-              <a:rPr lang="ru-RU" dirty="0"/>
-              <a:t>активация – </a:t>
-            </a:r>
-            <a:r>
-              <a:rPr lang="en-US" dirty="0" err="1"/>
-              <a:t>relu</a:t>
-            </a:r>
-            <a:r>
-              <a:rPr lang="ru-RU" dirty="0" smtClean="0"/>
-              <a:t>)</a:t>
-            </a:r>
-          </a:p>
-          <a:p>
-            <a:pPr marL="800100" lvl="1" indent="-342900">
-              <a:buFont typeface="+mj-lt"/>
-              <a:buAutoNum type="arabicPeriod"/>
-            </a:pPr>
-            <a:r>
-              <a:rPr lang="ru-RU" dirty="0" smtClean="0"/>
-              <a:t>Двухслойный персептрон (1024 нейрона, </a:t>
-            </a:r>
-            <a:r>
-              <a:rPr lang="ru-RU" dirty="0"/>
-              <a:t>активация – </a:t>
-            </a:r>
-            <a:r>
-              <a:rPr lang="en-US" dirty="0" err="1" smtClean="0"/>
-              <a:t>relu</a:t>
-            </a:r>
-            <a:r>
-              <a:rPr lang="ru-RU" dirty="0" smtClean="0"/>
-              <a:t>)</a:t>
-            </a:r>
-            <a:endParaRPr lang="ru-RU" dirty="0"/>
-          </a:p>
-          <a:p>
-            <a:r>
-              <a:rPr lang="ru-RU" dirty="0" smtClean="0"/>
-              <a:t>Для увеличение точности были применены следующие подходы:</a:t>
-            </a:r>
-          </a:p>
-          <a:p>
-            <a:pPr marL="800100" lvl="1" indent="-342900">
-              <a:buFont typeface="+mj-lt"/>
-              <a:buAutoNum type="alphaLcParenR"/>
-            </a:pPr>
-            <a:r>
-              <a:rPr lang="en-US" dirty="0" smtClean="0"/>
-              <a:t>Dropout</a:t>
-            </a:r>
-          </a:p>
-          <a:p>
-            <a:pPr marL="800100" lvl="1" indent="-342900">
-              <a:buFont typeface="+mj-lt"/>
-              <a:buAutoNum type="alphaLcParenR"/>
-            </a:pPr>
-            <a:r>
-              <a:rPr lang="en-US" dirty="0" smtClean="0"/>
-              <a:t>Regularization</a:t>
-            </a:r>
-          </a:p>
-          <a:p>
-            <a:pPr marL="800100" lvl="1" indent="-342900">
-              <a:buFont typeface="+mj-lt"/>
-              <a:buAutoNum type="alphaLcParenR"/>
-            </a:pPr>
-            <a:r>
-              <a:rPr lang="en-US" dirty="0" smtClean="0"/>
-              <a:t>Learning rate</a:t>
-            </a:r>
-            <a:endParaRPr lang="ru-RU" dirty="0" smtClean="0"/>
-          </a:p>
-          <a:p>
-            <a:pPr marL="800100" lvl="1" indent="-342900">
-              <a:buFont typeface="+mj-lt"/>
-              <a:buAutoNum type="alphaLcParenR"/>
-            </a:pPr>
-            <a:r>
-              <a:rPr lang="en-US" dirty="0" err="1" smtClean="0"/>
-              <a:t>amsGrad</a:t>
-            </a:r>
-            <a:endParaRPr lang="ru-RU" dirty="0"/>
-          </a:p>
-        </p:txBody>
-      </p:sp>
-      <p:graphicFrame>
-        <p:nvGraphicFramePr>
-          <p:cNvPr id="4" name="Таблица 3"/>
-          <p:cNvGraphicFramePr>
-            <a:graphicFrameLocks noGrp="1"/>
-          </p:cNvGraphicFramePr>
-          <p:nvPr>
-            <p:extLst/>
-          </p:nvPr>
-        </p:nvGraphicFramePr>
-        <p:xfrm>
-          <a:off x="3930022" y="4455214"/>
-          <a:ext cx="6947580" cy="1478280"/>
-        </p:xfrm>
-        <a:graphic>
-          <a:graphicData uri="http://schemas.openxmlformats.org/drawingml/2006/table">
-            <a:tbl>
-              <a:tblPr firstRow="1" bandRow="1">
-                <a:tableStyleId>{5C22544A-7EE6-4342-B048-85BDC9FD1C3A}</a:tableStyleId>
-              </a:tblPr>
-              <a:tblGrid>
-                <a:gridCol w="1719262"/>
-                <a:gridCol w="1719262"/>
-                <a:gridCol w="1719262"/>
-                <a:gridCol w="1789794"/>
-              </a:tblGrid>
-              <a:tr h="359728">
-                <a:tc>
-                  <a:txBody>
-                    <a:bodyPr/>
-                    <a:lstStyle/>
-                    <a:p>
-                      <a:endParaRPr lang="ru-RU" dirty="0"/>
-                    </a:p>
-                  </a:txBody>
-                  <a:tcPr/>
-                </a:tc>
-                <a:tc>
-                  <a:txBody>
-                    <a:bodyPr/>
-                    <a:lstStyle/>
-                    <a:p>
-                      <a:r>
-                        <a:rPr lang="en-US" dirty="0" smtClean="0"/>
-                        <a:t>a</a:t>
-                      </a:r>
-                      <a:endParaRPr lang="ru-RU" dirty="0"/>
-                    </a:p>
-                  </a:txBody>
-                  <a:tcPr/>
-                </a:tc>
-                <a:tc>
-                  <a:txBody>
-                    <a:bodyPr/>
-                    <a:lstStyle/>
-                    <a:p>
-                      <a:r>
-                        <a:rPr lang="en-US" dirty="0" err="1" smtClean="0"/>
-                        <a:t>a+b</a:t>
-                      </a:r>
-                      <a:endParaRPr lang="ru-RU" dirty="0"/>
-                    </a:p>
-                  </a:txBody>
-                  <a:tcPr/>
-                </a:tc>
-                <a:tc>
-                  <a:txBody>
-                    <a:bodyPr/>
-                    <a:lstStyle/>
-                    <a:p>
-                      <a:r>
-                        <a:rPr lang="en-US" dirty="0" err="1" smtClean="0"/>
-                        <a:t>a+b+c+d</a:t>
-                      </a:r>
-                      <a:endParaRPr lang="ru-RU" dirty="0"/>
-                    </a:p>
-                  </a:txBody>
-                  <a:tcPr/>
-                </a:tc>
-              </a:tr>
-              <a:tr h="370840">
-                <a:tc>
-                  <a:txBody>
-                    <a:bodyPr/>
-                    <a:lstStyle/>
-                    <a:p>
-                      <a:r>
-                        <a:rPr lang="ru-RU" dirty="0" smtClean="0"/>
-                        <a:t>1</a:t>
-                      </a:r>
-                      <a:endParaRPr lang="ru-RU" dirty="0"/>
-                    </a:p>
-                  </a:txBody>
-                  <a:tcPr/>
-                </a:tc>
-                <a:tc>
-                  <a:txBody>
-                    <a:bodyPr/>
-                    <a:lstStyle/>
-                    <a:p>
-                      <a:r>
-                        <a:rPr lang="en-US" dirty="0" smtClean="0"/>
-                        <a:t>96.4%</a:t>
-                      </a:r>
-                      <a:endParaRPr lang="ru-RU" dirty="0"/>
-                    </a:p>
-                  </a:txBody>
-                  <a:tcPr/>
-                </a:tc>
-                <a:tc>
-                  <a:txBody>
-                    <a:bodyPr/>
-                    <a:lstStyle/>
-                    <a:p>
-                      <a:r>
-                        <a:rPr lang="en-US" dirty="0" smtClean="0"/>
-                        <a:t>96.89%</a:t>
-                      </a:r>
-                      <a:endParaRPr lang="ru-RU" dirty="0"/>
-                    </a:p>
-                  </a:txBody>
-                  <a:tcPr/>
-                </a:tc>
-                <a:tc>
-                  <a:txBody>
-                    <a:bodyPr/>
-                    <a:lstStyle/>
-                    <a:p>
-                      <a:r>
-                        <a:rPr lang="en-US" dirty="0" smtClean="0"/>
-                        <a:t>97.12%</a:t>
-                      </a:r>
-                      <a:endParaRPr lang="ru-RU" dirty="0"/>
-                    </a:p>
-                  </a:txBody>
-                  <a:tcPr/>
-                </a:tc>
-              </a:tr>
-              <a:tr h="370840">
-                <a:tc>
-                  <a:txBody>
-                    <a:bodyPr/>
-                    <a:lstStyle/>
-                    <a:p>
-                      <a:r>
-                        <a:rPr lang="ru-RU" dirty="0" smtClean="0"/>
-                        <a:t>2</a:t>
-                      </a:r>
-                      <a:endParaRPr lang="ru-RU" dirty="0"/>
-                    </a:p>
-                  </a:txBody>
-                  <a:tcPr/>
-                </a:tc>
-                <a:tc>
-                  <a:txBody>
-                    <a:bodyPr/>
-                    <a:lstStyle/>
-                    <a:p>
-                      <a:r>
-                        <a:rPr lang="en-US" dirty="0" smtClean="0"/>
-                        <a:t>95.8%</a:t>
-                      </a:r>
-                      <a:endParaRPr lang="ru-RU" dirty="0"/>
-                    </a:p>
-                  </a:txBody>
-                  <a:tcPr/>
-                </a:tc>
-                <a:tc>
-                  <a:txBody>
-                    <a:bodyPr/>
-                    <a:lstStyle/>
-                    <a:p>
-                      <a:r>
-                        <a:rPr lang="en-US" dirty="0" smtClean="0"/>
-                        <a:t>-</a:t>
-                      </a:r>
-                      <a:endParaRPr lang="ru-RU" dirty="0"/>
-                    </a:p>
-                  </a:txBody>
-                  <a:tcPr/>
-                </a:tc>
-                <a:tc>
-                  <a:txBody>
-                    <a:bodyPr/>
-                    <a:lstStyle/>
-                    <a:p>
-                      <a:r>
-                        <a:rPr lang="en-US" dirty="0" smtClean="0"/>
-                        <a:t>-</a:t>
-                      </a:r>
-                      <a:endParaRPr lang="ru-RU" dirty="0"/>
-                    </a:p>
-                  </a:txBody>
-                  <a:tcPr/>
-                </a:tc>
-              </a:tr>
-              <a:tr h="370840">
-                <a:tc>
-                  <a:txBody>
-                    <a:bodyPr/>
-                    <a:lstStyle/>
-                    <a:p>
-                      <a:r>
-                        <a:rPr lang="ru-RU" dirty="0" smtClean="0"/>
-                        <a:t>3</a:t>
-                      </a:r>
-                      <a:endParaRPr lang="ru-RU" dirty="0"/>
-                    </a:p>
-                  </a:txBody>
-                  <a:tcPr/>
-                </a:tc>
-                <a:tc>
-                  <a:txBody>
-                    <a:bodyPr/>
-                    <a:lstStyle/>
-                    <a:p>
-                      <a:r>
-                        <a:rPr lang="en-US" dirty="0" smtClean="0"/>
-                        <a:t>95.2%</a:t>
-                      </a:r>
-                      <a:endParaRPr lang="ru-RU" dirty="0"/>
-                    </a:p>
-                  </a:txBody>
-                  <a:tcPr/>
-                </a:tc>
-                <a:tc>
-                  <a:txBody>
-                    <a:bodyPr/>
-                    <a:lstStyle/>
-                    <a:p>
-                      <a:r>
-                        <a:rPr lang="en-US" dirty="0" smtClean="0"/>
-                        <a:t>-</a:t>
-                      </a:r>
-                      <a:endParaRPr lang="ru-RU" dirty="0"/>
-                    </a:p>
-                  </a:txBody>
-                  <a:tcPr/>
-                </a:tc>
-                <a:tc>
-                  <a:txBody>
-                    <a:bodyPr/>
-                    <a:lstStyle/>
-                    <a:p>
-                      <a:r>
-                        <a:rPr lang="en-US" dirty="0" smtClean="0"/>
-                        <a:t>-</a:t>
-                      </a:r>
-                      <a:endParaRPr lang="ru-RU" dirty="0"/>
-                    </a:p>
-                  </a:txBody>
-                  <a:tcPr/>
-                </a:tc>
-              </a:tr>
-            </a:tbl>
-          </a:graphicData>
-        </a:graphic>
-      </p:graphicFrame>
-    </p:spTree>
-    <p:extLst>
-      <p:ext uri="{BB962C8B-B14F-4D97-AF65-F5344CB8AC3E}">
-        <p14:creationId xmlns:p14="http://schemas.microsoft.com/office/powerpoint/2010/main" val="2158952448"/>
-      </p:ext>
-    </p:extLst>
-  </p:cSld>
-  <p:clrMapOvr>
-    <a:masterClrMapping/>
-  </p:clrMapOvr>
-  <p:timing>
-    <p:tnLst>
-      <p:par>
-        <p:cTn id="1" dur="indefinite" restart="never" nodeType="tmRoot"/>
-      </p:par>
-    </p:tnLst>
-  </p:timing>
-</p:sld>
-</file>
-
-<file path=ppt/slides/slide13.xml><?xml version="1.0" encoding="utf-8"?>
-<p:sld xmlns:a="http://schemas.openxmlformats.org/drawingml/2006/main" xmlns:r="http://schemas.openxmlformats.org/officeDocument/2006/relationships" xmlns:p="http://schemas.openxmlformats.org/presentationml/2006/main">
-  <p:cSld>
-    <p:spTree>
-      <p:nvGrpSpPr>
-        <p:cNvPr id="1" name=""/>
-        <p:cNvGrpSpPr/>
-        <p:nvPr/>
-      </p:nvGrpSpPr>
-      <p:grpSpPr>
-        <a:xfrm>
-          <a:off x="0" y="0"/>
-          <a:ext cx="0" cy="0"/>
-          <a:chOff x="0" y="0"/>
-          <a:chExt cx="0" cy="0"/>
-        </a:xfrm>
-      </p:grpSpPr>
-      <p:sp>
-        <p:nvSpPr>
-          <p:cNvPr id="2" name="Заголовок 1"/>
-          <p:cNvSpPr>
-            <a:spLocks noGrp="1"/>
-          </p:cNvSpPr>
-          <p:nvPr>
-            <p:ph type="title"/>
-          </p:nvPr>
-        </p:nvSpPr>
-        <p:spPr/>
-        <p:txBody>
-          <a:bodyPr/>
-          <a:lstStyle/>
-          <a:p>
-            <a:r>
-              <a:rPr lang="ru-RU" dirty="0" smtClean="0"/>
-              <a:t>Что было сделано</a:t>
-            </a:r>
-            <a:endParaRPr lang="ru-RU" dirty="0"/>
-          </a:p>
-        </p:txBody>
-      </p:sp>
-      <p:sp>
-        <p:nvSpPr>
-          <p:cNvPr id="3" name="Текст 2"/>
-          <p:cNvSpPr>
-            <a:spLocks noGrp="1"/>
-          </p:cNvSpPr>
-          <p:nvPr>
-            <p:ph type="body" idx="1"/>
-          </p:nvPr>
-        </p:nvSpPr>
-        <p:spPr/>
-        <p:txBody>
-          <a:bodyPr/>
-          <a:lstStyle/>
-          <a:p>
-            <a:endParaRPr lang="ru-RU"/>
-          </a:p>
-        </p:txBody>
-      </p:sp>
-    </p:spTree>
-    <p:extLst>
-      <p:ext uri="{BB962C8B-B14F-4D97-AF65-F5344CB8AC3E}">
-        <p14:creationId xmlns:p14="http://schemas.microsoft.com/office/powerpoint/2010/main" val="3176088656"/>
-      </p:ext>
-    </p:extLst>
-  </p:cSld>
-  <p:clrMapOvr>
-    <a:masterClrMapping/>
-  </p:clrMapOvr>
-  <p:timing>
-    <p:tnLst>
-      <p:par>
-        <p:cTn id="1" dur="indefinite" restart="never" nodeType="tmRoot"/>
-      </p:par>
-    </p:tnLst>
-  </p:timing>
-</p:sld>
-</file>
-
-<file path=ppt/slides/slide14.xml><?xml version="1.0" encoding="utf-8"?>
-<p:sld xmlns:a="http://schemas.openxmlformats.org/drawingml/2006/main" xmlns:r="http://schemas.openxmlformats.org/officeDocument/2006/relationships" xmlns:p="http://schemas.openxmlformats.org/presentationml/2006/main">
-  <p:cSld>
-    <p:spTree>
-      <p:nvGrpSpPr>
-        <p:cNvPr id="1" name=""/>
-        <p:cNvGrpSpPr/>
-        <p:nvPr/>
-      </p:nvGrpSpPr>
-      <p:grpSpPr>
-        <a:xfrm>
-          <a:off x="0" y="0"/>
-          <a:ext cx="0" cy="0"/>
-          <a:chOff x="0" y="0"/>
-          <a:chExt cx="0" cy="0"/>
-        </a:xfrm>
-      </p:grpSpPr>
-      <p:sp>
-        <p:nvSpPr>
-          <p:cNvPr id="2" name="Заголовок 1"/>
-          <p:cNvSpPr>
-            <a:spLocks noGrp="1"/>
-          </p:cNvSpPr>
-          <p:nvPr>
-            <p:ph type="title"/>
-          </p:nvPr>
-        </p:nvSpPr>
-        <p:spPr/>
-        <p:txBody>
-          <a:bodyPr/>
-          <a:lstStyle/>
-          <a:p>
-            <a:r>
-              <a:rPr lang="en-US" dirty="0" smtClean="0"/>
               <a:t>Web-</a:t>
             </a:r>
             <a:r>
-              <a:rPr lang="ru-RU" dirty="0" smtClean="0"/>
+              <a:rPr lang="ru-RU" dirty="0"/>
               <a:t>интерфейс</a:t>
             </a:r>
-            <a:endParaRPr lang="ru-RU" dirty="0"/>
           </a:p>
         </p:txBody>
       </p:sp>
@@ -6895,13 +6658,232 @@
   <p:clrMapOvr>
     <a:masterClrMapping/>
   </p:clrMapOvr>
-  <p:timing>
-    <p:tnLst>
-      <p:par>
-        <p:cTn id="1" dur="indefinite" restart="never" nodeType="tmRoot"/>
-      </p:par>
-    </p:tnLst>
-  </p:timing>
+</p:sld>
+</file>
+
+<file path=ppt/slides/slide13.xml><?xml version="1.0" encoding="utf-8"?>
+<p:sld xmlns:a="http://schemas.openxmlformats.org/drawingml/2006/main" xmlns:r="http://schemas.openxmlformats.org/officeDocument/2006/relationships" xmlns:p="http://schemas.openxmlformats.org/presentationml/2006/main">
+  <p:cSld>
+    <p:spTree>
+      <p:nvGrpSpPr>
+        <p:cNvPr id="1" name=""/>
+        <p:cNvGrpSpPr/>
+        <p:nvPr/>
+      </p:nvGrpSpPr>
+      <p:grpSpPr>
+        <a:xfrm>
+          <a:off x="0" y="0"/>
+          <a:ext cx="0" cy="0"/>
+          <a:chOff x="0" y="0"/>
+          <a:chExt cx="0" cy="0"/>
+        </a:xfrm>
+      </p:grpSpPr>
+      <p:sp>
+        <p:nvSpPr>
+          <p:cNvPr id="2" name="Title 1">
+            <a:extLst>
+              <a:ext uri="{FF2B5EF4-FFF2-40B4-BE49-F238E27FC236}">
+                <a16:creationId xmlns="" xmlns:a16="http://schemas.microsoft.com/office/drawing/2014/main" id="{733DD9D8-60DA-4DEA-BD5C-C505F087A855}"/>
+              </a:ext>
+            </a:extLst>
+          </p:cNvPr>
+          <p:cNvSpPr>
+            <a:spLocks noGrp="1"/>
+          </p:cNvSpPr>
+          <p:nvPr>
+            <p:ph type="title"/>
+          </p:nvPr>
+        </p:nvSpPr>
+        <p:spPr/>
+        <p:txBody>
+          <a:bodyPr/>
+          <a:lstStyle/>
+          <a:p>
+            <a:r>
+              <a:rPr lang="ru-RU" dirty="0"/>
+              <a:t>Серверная часть</a:t>
+            </a:r>
+            <a:endParaRPr lang="en-US" dirty="0"/>
+          </a:p>
+        </p:txBody>
+      </p:sp>
+      <p:sp>
+        <p:nvSpPr>
+          <p:cNvPr id="3" name="Content Placeholder 2">
+            <a:extLst>
+              <a:ext uri="{FF2B5EF4-FFF2-40B4-BE49-F238E27FC236}">
+                <a16:creationId xmlns="" xmlns:a16="http://schemas.microsoft.com/office/drawing/2014/main" id="{8FADEAF7-4183-4BC8-8150-0DCB24793BA7}"/>
+              </a:ext>
+            </a:extLst>
+          </p:cNvPr>
+          <p:cNvSpPr>
+            <a:spLocks noGrp="1"/>
+          </p:cNvSpPr>
+          <p:nvPr>
+            <p:ph idx="1"/>
+          </p:nvPr>
+        </p:nvSpPr>
+        <p:spPr/>
+        <p:txBody>
+          <a:bodyPr/>
+          <a:lstStyle/>
+          <a:p>
+            <a:r>
+              <a:rPr lang="ru-RU" dirty="0"/>
+              <a:t>В ходе разработки системы был написан скрипт на </a:t>
+            </a:r>
+            <a:r>
+              <a:rPr lang="ru-RU" dirty="0" err="1"/>
+              <a:t>python</a:t>
+            </a:r>
+            <a:r>
+              <a:rPr lang="ru-RU" dirty="0"/>
+              <a:t>. Скрипт включает в себя все шаги технологического стека. Скрипт поддерживает два режима работы - процессинг и снятие метрик. В режиме процессинг скрипт обрабатывает входное изображение и возвращает массив выходных изображений. В режиме снятие метрик скрипт обрабатывает исходное изображение и возвращает список найденных </a:t>
+            </a:r>
+            <a:r>
+              <a:rPr lang="en-US" dirty="0"/>
+              <a:t>bounding boxes </a:t>
+            </a:r>
+            <a:r>
+              <a:rPr lang="ru-RU" dirty="0"/>
+              <a:t>с </a:t>
+            </a:r>
+            <a:r>
+              <a:rPr lang="en-US" dirty="0"/>
+              <a:t>feature-vector </a:t>
+            </a:r>
+            <a:r>
+              <a:rPr lang="ru-RU" dirty="0"/>
+              <a:t>и предсказанными классами. Пользователь может выбирать путь до изображения, которое нужно обработать и режим работы классификатора (галерея или нейронная сеть).</a:t>
+            </a:r>
+            <a:endParaRPr lang="en-US" dirty="0"/>
+          </a:p>
+        </p:txBody>
+      </p:sp>
+    </p:spTree>
+    <p:extLst>
+      <p:ext uri="{BB962C8B-B14F-4D97-AF65-F5344CB8AC3E}">
+        <p14:creationId xmlns:p14="http://schemas.microsoft.com/office/powerpoint/2010/main" val="1687417191"/>
+      </p:ext>
+    </p:extLst>
+  </p:cSld>
+  <p:clrMapOvr>
+    <a:masterClrMapping/>
+  </p:clrMapOvr>
+</p:sld>
+</file>
+
+<file path=ppt/slides/slide14.xml><?xml version="1.0" encoding="utf-8"?>
+<p:sld xmlns:a="http://schemas.openxmlformats.org/drawingml/2006/main" xmlns:r="http://schemas.openxmlformats.org/officeDocument/2006/relationships" xmlns:p="http://schemas.openxmlformats.org/presentationml/2006/main">
+  <p:cSld>
+    <p:spTree>
+      <p:nvGrpSpPr>
+        <p:cNvPr id="1" name=""/>
+        <p:cNvGrpSpPr/>
+        <p:nvPr/>
+      </p:nvGrpSpPr>
+      <p:grpSpPr>
+        <a:xfrm>
+          <a:off x="0" y="0"/>
+          <a:ext cx="0" cy="0"/>
+          <a:chOff x="0" y="0"/>
+          <a:chExt cx="0" cy="0"/>
+        </a:xfrm>
+      </p:grpSpPr>
+      <p:sp>
+        <p:nvSpPr>
+          <p:cNvPr id="2" name="Title 1">
+            <a:extLst>
+              <a:ext uri="{FF2B5EF4-FFF2-40B4-BE49-F238E27FC236}">
+                <a16:creationId xmlns="" xmlns:a16="http://schemas.microsoft.com/office/drawing/2014/main" id="{A5B03A14-4AE3-40EB-A986-5D3C3C630866}"/>
+              </a:ext>
+            </a:extLst>
+          </p:cNvPr>
+          <p:cNvSpPr>
+            <a:spLocks noGrp="1"/>
+          </p:cNvSpPr>
+          <p:nvPr>
+            <p:ph type="title"/>
+          </p:nvPr>
+        </p:nvSpPr>
+        <p:spPr/>
+        <p:txBody>
+          <a:bodyPr/>
+          <a:lstStyle/>
+          <a:p>
+            <a:r>
+              <a:rPr lang="ru-RU" dirty="0"/>
+              <a:t>Классификатор</a:t>
+            </a:r>
+            <a:endParaRPr lang="en-US" dirty="0"/>
+          </a:p>
+        </p:txBody>
+      </p:sp>
+      <p:sp>
+        <p:nvSpPr>
+          <p:cNvPr id="3" name="Content Placeholder 2">
+            <a:extLst>
+              <a:ext uri="{FF2B5EF4-FFF2-40B4-BE49-F238E27FC236}">
+                <a16:creationId xmlns="" xmlns:a16="http://schemas.microsoft.com/office/drawing/2014/main" id="{C7937CBD-EBC7-407E-AFB2-E31012D2E627}"/>
+              </a:ext>
+            </a:extLst>
+          </p:cNvPr>
+          <p:cNvSpPr>
+            <a:spLocks noGrp="1"/>
+          </p:cNvSpPr>
+          <p:nvPr>
+            <p:ph idx="1"/>
+          </p:nvPr>
+        </p:nvSpPr>
+        <p:spPr/>
+        <p:txBody>
+          <a:bodyPr/>
+          <a:lstStyle/>
+          <a:p>
+            <a:r>
+              <a:rPr lang="ru-RU" dirty="0"/>
+              <a:t>Для проверки работоспособности технологического стека был разработан </a:t>
+            </a:r>
+            <a:r>
+              <a:rPr lang="en-US" dirty="0"/>
+              <a:t>l2-distance </a:t>
+            </a:r>
+            <a:r>
+              <a:rPr lang="ru-RU" dirty="0"/>
+              <a:t>классификатор на основе галереи изображений (по 5 на каждого члена команды). Он показал порядка 80% точности. Относительно низкая точность была обусловлена низкой репрезентативность фотографий в галереи.</a:t>
+            </a:r>
+          </a:p>
+          <a:p>
+            <a:r>
+              <a:rPr lang="ru-RU" dirty="0"/>
+              <a:t>В качестве финального решения был обучен классификатор на 7 классов с использованием </a:t>
+            </a:r>
+            <a:r>
+              <a:rPr lang="en-US" dirty="0"/>
+              <a:t>python </a:t>
+            </a:r>
+            <a:r>
+              <a:rPr lang="ru-RU" dirty="0"/>
+              <a:t>библиотеки </a:t>
+            </a:r>
+            <a:r>
+              <a:rPr lang="en-US" dirty="0" err="1"/>
+              <a:t>keras</a:t>
+            </a:r>
+            <a:endParaRPr lang="en-US" dirty="0"/>
+          </a:p>
+        </p:txBody>
+      </p:sp>
+    </p:spTree>
+    <p:extLst>
+      <p:ext uri="{BB962C8B-B14F-4D97-AF65-F5344CB8AC3E}">
+        <p14:creationId xmlns:p14="http://schemas.microsoft.com/office/powerpoint/2010/main" val="2334465563"/>
+      </p:ext>
+    </p:extLst>
+  </p:cSld>
+  <p:clrMapOvr>
+    <a:masterClrMapping/>
+  </p:clrMapOvr>
 </p:sld>
 </file>
 
@@ -6924,7 +6906,13 @@
       </p:grpSpPr>
       <p:sp>
         <p:nvSpPr>
-          <p:cNvPr id="2" name="Заголовок 1"/>
+          <p:cNvPr id="2" name="Title 1">
+            <a:extLst>
+              <a:ext uri="{FF2B5EF4-FFF2-40B4-BE49-F238E27FC236}">
+                <a16:creationId xmlns="" xmlns:a16="http://schemas.microsoft.com/office/drawing/2014/main" id="{8F2BF1A6-450C-4AD2-B97D-0E4ED72B90EB}"/>
+              </a:ext>
+            </a:extLst>
+          </p:cNvPr>
           <p:cNvSpPr>
             <a:spLocks noGrp="1"/>
           </p:cNvSpPr>
@@ -6938,16 +6926,22 @@
           <a:lstStyle/>
           <a:p>
             <a:r>
-              <a:rPr lang="ru-RU" dirty="0" smtClean="0"/>
-              <a:t>Результаты</a:t>
-            </a:r>
-            <a:endParaRPr lang="ru-RU" dirty="0"/>
-          </a:p>
-        </p:txBody>
-      </p:sp>
-      <p:sp>
-        <p:nvSpPr>
-          <p:cNvPr id="3" name="Объект 2"/>
+              <a:rPr lang="ru-RU" dirty="0"/>
+              <a:t>Подбор подходов к решению проблем реализации системы</a:t>
+            </a:r>
+            <a:endParaRPr lang="en-US" dirty="0"/>
+          </a:p>
+        </p:txBody>
+      </p:sp>
+      <p:sp>
+        <p:nvSpPr>
+          <p:cNvPr id="3" name="Content Placeholder 2">
+            <a:extLst>
+              <a:ext uri="{FF2B5EF4-FFF2-40B4-BE49-F238E27FC236}">
+                <a16:creationId xmlns="" xmlns:a16="http://schemas.microsoft.com/office/drawing/2014/main" id="{BEC19B5C-DA7A-4884-9F2B-E9A858E9B4F1}"/>
+              </a:ext>
+            </a:extLst>
+          </p:cNvPr>
           <p:cNvSpPr>
             <a:spLocks noGrp="1"/>
           </p:cNvSpPr>
@@ -6960,6 +6954,119 @@
           <a:bodyPr/>
           <a:lstStyle/>
           <a:p>
+            <a:r>
+              <a:rPr lang="ru-RU" dirty="0"/>
+              <a:t>Для реализации классификатора были рассмотрены следующие архитектуры:</a:t>
+            </a:r>
+          </a:p>
+          <a:p>
+            <a:pPr marL="800100" lvl="1" indent="-342900">
+              <a:buFont typeface="+mj-lt"/>
+              <a:buAutoNum type="arabicPeriod"/>
+            </a:pPr>
+            <a:r>
+              <a:rPr lang="ru-RU" dirty="0"/>
+              <a:t>Трехслойный персептрон (512 нейронов, активация – </a:t>
+            </a:r>
+            <a:r>
+              <a:rPr lang="en-US" dirty="0" err="1"/>
+              <a:t>relu</a:t>
+            </a:r>
+            <a:r>
+              <a:rPr lang="en-US" dirty="0"/>
+              <a:t>)</a:t>
+            </a:r>
+          </a:p>
+          <a:p>
+            <a:pPr marL="800100" lvl="1" indent="-342900">
+              <a:buFont typeface="+mj-lt"/>
+              <a:buAutoNum type="arabicPeriod"/>
+            </a:pPr>
+            <a:r>
+              <a:rPr lang="ru-RU" dirty="0"/>
+              <a:t>Пятислойный персептрон (2</a:t>
+            </a:r>
+            <a:r>
+              <a:rPr lang="en-US" dirty="0"/>
+              <a:t>5</a:t>
+            </a:r>
+            <a:r>
+              <a:rPr lang="ru-RU" dirty="0"/>
+              <a:t>6 нейронов, активация – </a:t>
+            </a:r>
+            <a:r>
+              <a:rPr lang="en-US" dirty="0" err="1"/>
+              <a:t>relu</a:t>
+            </a:r>
+            <a:r>
+              <a:rPr lang="ru-RU" dirty="0"/>
+              <a:t>)</a:t>
+            </a:r>
+          </a:p>
+          <a:p>
+            <a:pPr marL="800100" lvl="1" indent="-342900">
+              <a:buFont typeface="+mj-lt"/>
+              <a:buAutoNum type="arabicPeriod"/>
+            </a:pPr>
+            <a:r>
+              <a:rPr lang="ru-RU" dirty="0"/>
+              <a:t>Двухслойный персептрон (1024 нейрона, активация – </a:t>
+            </a:r>
+            <a:r>
+              <a:rPr lang="en-US" dirty="0" err="1"/>
+              <a:t>relu</a:t>
+            </a:r>
+            <a:r>
+              <a:rPr lang="ru-RU" dirty="0"/>
+              <a:t>)</a:t>
+            </a:r>
+          </a:p>
+          <a:p>
+            <a:r>
+              <a:rPr lang="ru-RU" dirty="0"/>
+              <a:t>Для увеличение точности были применены следующие подходы:</a:t>
+            </a:r>
+          </a:p>
+          <a:p>
+            <a:pPr marL="800100" lvl="1" indent="-342900">
+              <a:buFont typeface="+mj-lt"/>
+              <a:buAutoNum type="alphaLcParenR"/>
+            </a:pPr>
+            <a:r>
+              <a:rPr lang="en-US" dirty="0"/>
+              <a:t>Dropout</a:t>
+            </a:r>
+          </a:p>
+          <a:p>
+            <a:pPr marL="800100" lvl="1" indent="-342900">
+              <a:buFont typeface="+mj-lt"/>
+              <a:buAutoNum type="alphaLcParenR"/>
+            </a:pPr>
+            <a:r>
+              <a:rPr lang="en-US" dirty="0"/>
+              <a:t>Regularization</a:t>
+            </a:r>
+          </a:p>
+          <a:p>
+            <a:pPr marL="800100" lvl="1" indent="-342900">
+              <a:buFont typeface="+mj-lt"/>
+              <a:buAutoNum type="alphaLcParenR"/>
+            </a:pPr>
+            <a:r>
+              <a:rPr lang="en-US" dirty="0"/>
+              <a:t>Learning rate</a:t>
+            </a:r>
+            <a:endParaRPr lang="ru-RU" dirty="0"/>
+          </a:p>
+          <a:p>
+            <a:pPr marL="800100" lvl="1" indent="-342900">
+              <a:buFont typeface="+mj-lt"/>
+              <a:buAutoNum type="alphaLcParenR"/>
+            </a:pPr>
+            <a:r>
+              <a:rPr lang="en-US" dirty="0" err="1"/>
+              <a:t>amsGrad</a:t>
+            </a:r>
             <a:endParaRPr lang="ru-RU" dirty="0"/>
           </a:p>
         </p:txBody>
@@ -6971,16 +7078,12 @@
             <a:graphicFrameLocks noGrp="1"/>
           </p:cNvGraphicFramePr>
           <p:nvPr>
-            <p:extLst>
-              <p:ext uri="{D42A27DB-BD31-4B8C-83A1-F6EECF244321}">
-                <p14:modId xmlns:p14="http://schemas.microsoft.com/office/powerpoint/2010/main" val="681593834"/>
-              </p:ext>
-            </p:extLst>
+            <p:extLst/>
           </p:nvPr>
         </p:nvGraphicFramePr>
         <p:xfrm>
-          <a:off x="608323" y="2160589"/>
-          <a:ext cx="6844900" cy="1381760"/>
+          <a:off x="3930022" y="4455214"/>
+          <a:ext cx="6947580" cy="1478280"/>
         </p:xfrm>
         <a:graphic>
           <a:graphicData uri="http://schemas.openxmlformats.org/drawingml/2006/table">
@@ -6989,11 +7092,36 @@
                 <a:tableStyleId>{5C22544A-7EE6-4342-B048-85BDC9FD1C3A}</a:tableStyleId>
               </a:tblPr>
               <a:tblGrid>
-                <a:gridCol w="1091081"/>
-                <a:gridCol w="2889849"/>
-                <a:gridCol w="2863970"/>
+                <a:gridCol w="1719262">
+                  <a:extLst>
+                    <a:ext uri="{9D8B030D-6E8A-4147-A177-3AD203B41FA5}">
+                      <a16:colId xmlns="" xmlns:a16="http://schemas.microsoft.com/office/drawing/2014/main" val="20000"/>
+                    </a:ext>
+                  </a:extLst>
+                </a:gridCol>
+                <a:gridCol w="1719262">
+                  <a:extLst>
+                    <a:ext uri="{9D8B030D-6E8A-4147-A177-3AD203B41FA5}">
+                      <a16:colId xmlns="" xmlns:a16="http://schemas.microsoft.com/office/drawing/2014/main" val="20001"/>
+                    </a:ext>
+                  </a:extLst>
+                </a:gridCol>
+                <a:gridCol w="1719262">
+                  <a:extLst>
+                    <a:ext uri="{9D8B030D-6E8A-4147-A177-3AD203B41FA5}">
+                      <a16:colId xmlns="" xmlns:a16="http://schemas.microsoft.com/office/drawing/2014/main" val="20002"/>
+                    </a:ext>
+                  </a:extLst>
+                </a:gridCol>
+                <a:gridCol w="1789794">
+                  <a:extLst>
+                    <a:ext uri="{9D8B030D-6E8A-4147-A177-3AD203B41FA5}">
+                      <a16:colId xmlns="" xmlns:a16="http://schemas.microsoft.com/office/drawing/2014/main" val="20003"/>
+                    </a:ext>
+                  </a:extLst>
+                </a:gridCol>
               </a:tblGrid>
-              <a:tr h="370840">
+              <a:tr h="359728">
                 <a:tc>
                   <a:txBody>
                     <a:bodyPr/>
@@ -7010,12 +7138,8 @@
                     <a:lstStyle/>
                     <a:p>
                       <a:r>
-                        <a:rPr lang="ru-RU" dirty="0" smtClean="0"/>
-                        <a:t>Количество</a:t>
-                      </a:r>
-                      <a:r>
-                        <a:rPr lang="ru-RU" baseline="0" dirty="0" smtClean="0"/>
-                        <a:t> фото (лиц) членов команды</a:t>
+                        <a:rPr lang="en-US" dirty="0"/>
+                        <a:t>a</a:t>
                       </a:r>
                       <a:endParaRPr lang="ru-RU" dirty="0"/>
                     </a:p>
@@ -7028,28 +7152,8 @@
                     <a:lstStyle/>
                     <a:p>
                       <a:r>
-                        <a:rPr lang="ru-RU" dirty="0" smtClean="0"/>
-                        <a:t>Количество</a:t>
-                      </a:r>
-                      <a:r>
-                        <a:rPr lang="ru-RU" baseline="0" dirty="0" smtClean="0"/>
-                        <a:t> фото (лиц) неизвестных людей</a:t>
-                      </a:r>
-                      <a:endParaRPr lang="ru-RU" dirty="0"/>
-                    </a:p>
-                  </a:txBody>
-                  <a:tcPr/>
-                </a:tc>
-              </a:tr>
-              <a:tr h="370840">
-                <a:tc>
-                  <a:txBody>
-                    <a:bodyPr/>
-                    <a:lstStyle/>
-                    <a:p>
-                      <a:r>
-                        <a:rPr lang="en-US" dirty="0" smtClean="0"/>
-                        <a:t>Train</a:t>
+                        <a:rPr lang="en-US" dirty="0" err="1"/>
+                        <a:t>a+b</a:t>
                       </a:r>
                       <a:endParaRPr lang="ru-RU" dirty="0"/>
                     </a:p>
@@ -7062,8 +7166,42 @@
                     <a:lstStyle/>
                     <a:p>
                       <a:r>
-                        <a:rPr lang="ru-RU" dirty="0" smtClean="0"/>
-                        <a:t>300 (318)</a:t>
+                        <a:rPr lang="en-US" dirty="0" err="1"/>
+                        <a:t>a+b+c+d</a:t>
+                      </a:r>
+                      <a:endParaRPr lang="ru-RU" dirty="0"/>
+                    </a:p>
+                  </a:txBody>
+                  <a:tcPr/>
+                </a:tc>
+                <a:extLst>
+                  <a:ext uri="{0D108BD9-81ED-4DB2-BD59-A6C34878D82A}">
+                    <a16:rowId xmlns="" xmlns:a16="http://schemas.microsoft.com/office/drawing/2014/main" val="10000"/>
+                  </a:ext>
+                </a:extLst>
+              </a:tr>
+              <a:tr h="370840">
+                <a:tc>
+                  <a:txBody>
+                    <a:bodyPr/>
+                    <a:lstStyle/>
+                    <a:p>
+                      <a:r>
+                        <a:rPr lang="ru-RU" dirty="0"/>
+                        <a:t>1</a:t>
+                      </a:r>
+                    </a:p>
+                  </a:txBody>
+                  <a:tcPr/>
+                </a:tc>
+                <a:tc>
+                  <a:txBody>
+                    <a:bodyPr/>
+                    <a:lstStyle/>
+                    <a:p>
+                      <a:r>
+                        <a:rPr lang="en-US" dirty="0"/>
+                        <a:t>96.4%</a:t>
                       </a:r>
                       <a:endParaRPr lang="ru-RU" dirty="0"/>
                     </a:p>
@@ -7076,24 +7214,8 @@
                     <a:lstStyle/>
                     <a:p>
                       <a:r>
-                        <a:rPr lang="ru-RU" dirty="0" smtClean="0"/>
-                        <a:t>287 (421)</a:t>
-                      </a:r>
-                      <a:endParaRPr lang="ru-RU" dirty="0"/>
-                    </a:p>
-                  </a:txBody>
-                  <a:tcPr/>
-                </a:tc>
-              </a:tr>
-              <a:tr h="370840">
-                <a:tc>
-                  <a:txBody>
-                    <a:bodyPr/>
-                    <a:lstStyle/>
-                    <a:p>
-                      <a:r>
-                        <a:rPr lang="en-US" dirty="0" smtClean="0"/>
-                        <a:t>Test</a:t>
+                        <a:rPr lang="en-US" dirty="0"/>
+                        <a:t>96.89%</a:t>
                       </a:r>
                       <a:endParaRPr lang="ru-RU" dirty="0"/>
                     </a:p>
@@ -7106,12 +7228,42 @@
                     <a:lstStyle/>
                     <a:p>
                       <a:r>
-                        <a:rPr lang="ru-RU" dirty="0" smtClean="0"/>
-                        <a:t>300</a:t>
+                        <a:rPr lang="en-US" dirty="0"/>
+                        <a:t>97.12%</a:t>
                       </a:r>
+                      <a:endParaRPr lang="ru-RU" dirty="0"/>
+                    </a:p>
+                  </a:txBody>
+                  <a:tcPr/>
+                </a:tc>
+                <a:extLst>
+                  <a:ext uri="{0D108BD9-81ED-4DB2-BD59-A6C34878D82A}">
+                    <a16:rowId xmlns="" xmlns:a16="http://schemas.microsoft.com/office/drawing/2014/main" val="10001"/>
+                  </a:ext>
+                </a:extLst>
+              </a:tr>
+              <a:tr h="370840">
+                <a:tc>
+                  <a:txBody>
+                    <a:bodyPr/>
+                    <a:lstStyle/>
+                    <a:p>
                       <a:r>
-                        <a:rPr lang="ru-RU" baseline="0" dirty="0" smtClean="0"/>
-                        <a:t> (316)</a:t>
+                        <a:rPr lang="ru-RU" dirty="0"/>
+                        <a:t>2</a:t>
+                      </a:r>
+                    </a:p>
+                  </a:txBody>
+                  <a:tcPr/>
+                </a:tc>
+                <a:tc>
+                  <a:txBody>
+                    <a:bodyPr/>
+                    <a:lstStyle/>
+                    <a:p>
+                      <a:r>
+                        <a:rPr lang="en-US" dirty="0"/>
+                        <a:t>95.8%</a:t>
                       </a:r>
                       <a:endParaRPr lang="ru-RU" dirty="0"/>
                     </a:p>
@@ -7124,56 +7276,8 @@
                     <a:lstStyle/>
                     <a:p>
                       <a:r>
-                        <a:rPr lang="ru-RU" dirty="0" smtClean="0"/>
-                        <a:t>307 (443)</a:t>
-                      </a:r>
-                      <a:endParaRPr lang="ru-RU" dirty="0"/>
-                    </a:p>
-                  </a:txBody>
-                  <a:tcPr/>
-                </a:tc>
-              </a:tr>
-            </a:tbl>
-          </a:graphicData>
-        </a:graphic>
-      </p:graphicFrame>
-      <p:graphicFrame>
-        <p:nvGraphicFramePr>
-          <p:cNvPr id="5" name="Таблица 4"/>
-          <p:cNvGraphicFramePr>
-            <a:graphicFrameLocks noGrp="1"/>
-          </p:cNvGraphicFramePr>
-          <p:nvPr>
-            <p:extLst>
-              <p:ext uri="{D42A27DB-BD31-4B8C-83A1-F6EECF244321}">
-                <p14:modId xmlns:p14="http://schemas.microsoft.com/office/powerpoint/2010/main" val="1130090717"/>
-              </p:ext>
-            </p:extLst>
-          </p:nvPr>
-        </p:nvGraphicFramePr>
-        <p:xfrm>
-          <a:off x="2014746" y="4006330"/>
-          <a:ext cx="7259256" cy="1854200"/>
-        </p:xfrm>
-        <a:graphic>
-          <a:graphicData uri="http://schemas.openxmlformats.org/drawingml/2006/table">
-            <a:tbl>
-              <a:tblPr firstRow="1" bandRow="1">
-                <a:tableStyleId>{5C22544A-7EE6-4342-B048-85BDC9FD1C3A}</a:tableStyleId>
-              </a:tblPr>
-              <a:tblGrid>
-                <a:gridCol w="4222768"/>
-                <a:gridCol w="3036488"/>
-              </a:tblGrid>
-              <a:tr h="370840">
-                <a:tc>
-                  <a:txBody>
-                    <a:bodyPr/>
-                    <a:lstStyle/>
-                    <a:p>
-                      <a:r>
-                        <a:rPr lang="ru-RU" dirty="0" smtClean="0"/>
-                        <a:t>Метрика</a:t>
+                        <a:rPr lang="en-US" dirty="0"/>
+                        <a:t>-</a:t>
                       </a:r>
                       <a:endParaRPr lang="ru-RU" dirty="0"/>
                     </a:p>
@@ -7186,14 +7290,19 @@
                     <a:lstStyle/>
                     <a:p>
                       <a:r>
-                        <a:rPr lang="ru-RU" dirty="0" smtClean="0"/>
-                        <a:t>Значение</a:t>
+                        <a:rPr lang="en-US" dirty="0"/>
+                        <a:t>-</a:t>
                       </a:r>
                       <a:endParaRPr lang="ru-RU" dirty="0"/>
                     </a:p>
                   </a:txBody>
                   <a:tcPr/>
                 </a:tc>
+                <a:extLst>
+                  <a:ext uri="{0D108BD9-81ED-4DB2-BD59-A6C34878D82A}">
+                    <a16:rowId xmlns="" xmlns:a16="http://schemas.microsoft.com/office/drawing/2014/main" val="10002"/>
+                  </a:ext>
+                </a:extLst>
               </a:tr>
               <a:tr h="370840">
                 <a:tc>
@@ -7202,8 +7311,21 @@
                     <a:lstStyle/>
                     <a:p>
                       <a:r>
-                        <a:rPr lang="en-US" dirty="0" err="1" smtClean="0"/>
-                        <a:t>mAP</a:t>
+                        <a:rPr lang="ru-RU" dirty="0"/>
+                        <a:t>3</a:t>
+                      </a:r>
+                    </a:p>
+                  </a:txBody>
+                  <a:tcPr/>
+                </a:tc>
+                <a:tc>
+                  <a:txBody>
+                    <a:bodyPr/>
+                    <a:lstStyle/>
+                    <a:p>
+                      <a:r>
+                        <a:rPr lang="en-US" dirty="0"/>
+                        <a:t>95.2%</a:t>
                       </a:r>
                       <a:endParaRPr lang="ru-RU" dirty="0"/>
                     </a:p>
@@ -7216,32 +7338,8 @@
                     <a:lstStyle/>
                     <a:p>
                       <a:r>
-                        <a:rPr lang="en-US" dirty="0" smtClean="0"/>
-                        <a:t>90.14%</a:t>
-                      </a:r>
-                      <a:endParaRPr lang="ru-RU" dirty="0"/>
-                    </a:p>
-                  </a:txBody>
-                  <a:tcPr/>
-                </a:tc>
-              </a:tr>
-              <a:tr h="370840">
-                <a:tc>
-                  <a:txBody>
-                    <a:bodyPr/>
-                    <a:lstStyle/>
-                    <a:p>
-                      <a:r>
-                        <a:rPr lang="ru-RU" dirty="0" smtClean="0"/>
-                        <a:t>Процент</a:t>
-                      </a:r>
-                      <a:r>
-                        <a:rPr lang="ru-RU" baseline="0" dirty="0" smtClean="0"/>
-                        <a:t> ошибок </a:t>
-                      </a:r>
-                      <a:r>
-                        <a:rPr lang="ru-RU" baseline="0" dirty="0" err="1" smtClean="0"/>
-                        <a:t>детекции</a:t>
+                        <a:rPr lang="en-US" dirty="0"/>
+                        <a:t>-</a:t>
                       </a:r>
                       <a:endParaRPr lang="ru-RU" dirty="0"/>
                     </a:p>
@@ -7254,7 +7352,7 @@
                     <a:lstStyle/>
                     <a:p>
                       <a:r>
-                        <a:rPr lang="ru-RU" dirty="0" smtClean="0"/>
+                        <a:rPr lang="en-US" dirty="0"/>
                         <a:t>-</a:t>
                       </a:r>
                       <a:endParaRPr lang="ru-RU" dirty="0"/>
@@ -7262,70 +7360,11 @@
                   </a:txBody>
                   <a:tcPr/>
                 </a:tc>
-              </a:tr>
-              <a:tr h="370840">
-                <a:tc>
-                  <a:txBody>
-                    <a:bodyPr/>
-                    <a:lstStyle/>
-                    <a:p>
-                      <a:r>
-                        <a:rPr lang="ru-RU" dirty="0" smtClean="0"/>
-                        <a:t>Процент правильных </a:t>
-                      </a:r>
-                      <a:r>
-                        <a:rPr lang="ru-RU" dirty="0" err="1" smtClean="0"/>
-                        <a:t>детекций</a:t>
-                      </a:r>
-                      <a:endParaRPr lang="ru-RU" dirty="0"/>
-                    </a:p>
-                  </a:txBody>
-                  <a:tcPr/>
-                </a:tc>
-                <a:tc>
-                  <a:txBody>
-                    <a:bodyPr/>
-                    <a:lstStyle/>
-                    <a:p>
-                      <a:r>
-                        <a:rPr lang="ru-RU" dirty="0" smtClean="0"/>
-                        <a:t>98.04%</a:t>
-                      </a:r>
-                      <a:endParaRPr lang="ru-RU" dirty="0"/>
-                    </a:p>
-                  </a:txBody>
-                  <a:tcPr/>
-                </a:tc>
-              </a:tr>
-              <a:tr h="370840">
-                <a:tc>
-                  <a:txBody>
-                    <a:bodyPr/>
-                    <a:lstStyle/>
-                    <a:p>
-                      <a:r>
-                        <a:rPr lang="en-US" dirty="0" smtClean="0"/>
-                        <a:t>Top1 accuracy</a:t>
-                      </a:r>
-                      <a:endParaRPr lang="ru-RU" dirty="0"/>
-                    </a:p>
-                  </a:txBody>
-                  <a:tcPr/>
-                </a:tc>
-                <a:tc>
-                  <a:txBody>
-                    <a:bodyPr/>
-                    <a:lstStyle/>
-                    <a:p>
-                      <a:r>
-                        <a:rPr lang="en-US" dirty="0" smtClean="0"/>
-                        <a:t>99.58%</a:t>
-                      </a:r>
-                      <a:endParaRPr lang="ru-RU" dirty="0"/>
-                    </a:p>
-                  </a:txBody>
-                  <a:tcPr/>
-                </a:tc>
+                <a:extLst>
+                  <a:ext uri="{0D108BD9-81ED-4DB2-BD59-A6C34878D82A}">
+                    <a16:rowId xmlns="" xmlns:a16="http://schemas.microsoft.com/office/drawing/2014/main" val="10003"/>
+                  </a:ext>
+                </a:extLst>
               </a:tr>
             </a:tbl>
           </a:graphicData>
@@ -7334,20 +7373,13 @@
     </p:spTree>
     <p:extLst>
       <p:ext uri="{BB962C8B-B14F-4D97-AF65-F5344CB8AC3E}">
-        <p14:creationId xmlns:p14="http://schemas.microsoft.com/office/powerpoint/2010/main" val="184840372"/>
+        <p14:creationId xmlns:p14="http://schemas.microsoft.com/office/powerpoint/2010/main" val="2158952448"/>
       </p:ext>
     </p:extLst>
   </p:cSld>
   <p:clrMapOvr>
     <a:masterClrMapping/>
   </p:clrMapOvr>
-  <p:timing>
-    <p:tnLst>
-      <p:par>
-        <p:cTn id="1" dur="indefinite" restart="never" nodeType="tmRoot"/>
-      </p:par>
-    </p:tnLst>
-  </p:timing>
 </p:sld>
 </file>
 
@@ -7370,7 +7402,13 @@
       </p:grpSpPr>
       <p:sp>
         <p:nvSpPr>
-          <p:cNvPr id="2" name="Заголовок 1"/>
+          <p:cNvPr id="2" name="Title 1">
+            <a:extLst>
+              <a:ext uri="{FF2B5EF4-FFF2-40B4-BE49-F238E27FC236}">
+                <a16:creationId xmlns="" xmlns:a16="http://schemas.microsoft.com/office/drawing/2014/main" id="{12F67E6C-8996-43B4-A427-9C2B674A6291}"/>
+              </a:ext>
+            </a:extLst>
+          </p:cNvPr>
           <p:cNvSpPr>
             <a:spLocks noGrp="1"/>
           </p:cNvSpPr>
@@ -7384,16 +7422,16 @@
           <a:lstStyle/>
           <a:p>
             <a:r>
-              <a:rPr lang="ru-RU" dirty="0" smtClean="0"/>
-              <a:t>Оценка результатов</a:t>
-            </a:r>
-            <a:endParaRPr lang="ru-RU" dirty="0"/>
-          </a:p>
-        </p:txBody>
-      </p:sp>
-      <p:sp>
-        <p:nvSpPr>
-          <p:cNvPr id="3" name="Объект 2"/>
+              <a:rPr lang="ru-RU" dirty="0"/>
+              <a:t>Итоговая реализация системы</a:t>
+            </a:r>
+            <a:endParaRPr lang="en-US" dirty="0"/>
+          </a:p>
+        </p:txBody>
+      </p:sp>
+      <p:sp>
+        <p:nvSpPr>
+          <p:cNvPr id="5" name="Объект 4"/>
           <p:cNvSpPr>
             <a:spLocks noGrp="1"/>
           </p:cNvSpPr>
@@ -7401,139 +7439,98 @@
             <p:ph idx="1"/>
           </p:nvPr>
         </p:nvSpPr>
-        <p:spPr/>
+        <p:spPr>
+          <a:xfrm>
+            <a:off x="677334" y="2160589"/>
+            <a:ext cx="6396326" cy="3880773"/>
+          </a:xfrm>
+        </p:spPr>
         <p:txBody>
           <a:bodyPr/>
           <a:lstStyle/>
           <a:p>
             <a:r>
-              <a:rPr lang="ru-RU" dirty="0" smtClean="0"/>
-              <a:t>Для каждой фотографии из </a:t>
-            </a:r>
-            <a:r>
-              <a:rPr lang="ru-RU" dirty="0" err="1" smtClean="0"/>
-              <a:t>датасета</a:t>
-            </a:r>
-            <a:r>
-              <a:rPr lang="ru-RU" dirty="0" smtClean="0"/>
-              <a:t> запускалась серверная часть ПО «</a:t>
-            </a:r>
-            <a:r>
-              <a:rPr lang="en-US" dirty="0" smtClean="0"/>
-              <a:t>AFR</a:t>
-            </a:r>
-            <a:r>
-              <a:rPr lang="ru-RU" dirty="0" smtClean="0"/>
-              <a:t>», которая, в качестве результата, возвращала разметку для фотографии, а именно </a:t>
-            </a:r>
-            <a:r>
-              <a:rPr lang="en-US" dirty="0" smtClean="0"/>
-              <a:t>bounding box </a:t>
-            </a:r>
-            <a:r>
-              <a:rPr lang="ru-RU" dirty="0" smtClean="0"/>
-              <a:t>и предсказанный класс. Для каждого </a:t>
-            </a:r>
-            <a:r>
-              <a:rPr lang="en-US" dirty="0" smtClean="0"/>
-              <a:t>ground-truth bounding box </a:t>
-            </a:r>
-            <a:r>
-              <a:rPr lang="ru-RU" dirty="0" smtClean="0"/>
-              <a:t>находился наиболее подходящий предсказанный </a:t>
-            </a:r>
-            <a:r>
-              <a:rPr lang="en-US" dirty="0" smtClean="0"/>
-              <a:t>bounding box</a:t>
-            </a:r>
-            <a:r>
-              <a:rPr lang="ru-RU" dirty="0" smtClean="0"/>
-              <a:t> и в случае, если их </a:t>
-            </a:r>
-            <a:r>
-              <a:rPr lang="en-US" dirty="0" smtClean="0"/>
-              <a:t>IOU</a:t>
-            </a:r>
-            <a:r>
-              <a:rPr lang="ru-RU" dirty="0" smtClean="0"/>
-              <a:t> превышал 0.5, то сравнивались значения </a:t>
-            </a:r>
-            <a:r>
-              <a:rPr lang="en-US" dirty="0" smtClean="0"/>
-              <a:t>ground-truth </a:t>
-            </a:r>
-            <a:r>
-              <a:rPr lang="ru-RU" dirty="0" smtClean="0"/>
-              <a:t>и предсказанного классов, причем номер предсказанного </a:t>
-            </a:r>
-            <a:r>
               <a:rPr lang="en-US" dirty="0"/>
-              <a:t>bounding </a:t>
-            </a:r>
-            <a:r>
-              <a:rPr lang="en-US" dirty="0" smtClean="0"/>
-              <a:t>box</a:t>
-            </a:r>
-            <a:r>
-              <a:rPr lang="ru-RU" dirty="0" smtClean="0"/>
-              <a:t> добавлялся в лист. В конце, номера </a:t>
+              <a:t>Face Detector –</a:t>
+            </a:r>
+            <a:r>
+              <a:rPr lang="ru-RU" dirty="0"/>
+              <a:t> </a:t>
+            </a:r>
+            <a:r>
+              <a:rPr lang="en-US" dirty="0" err="1"/>
+              <a:t>OpenCV</a:t>
             </a:r>
             <a:r>
               <a:rPr lang="en-US" dirty="0"/>
-              <a:t>bounding </a:t>
-            </a:r>
-            <a:r>
-              <a:rPr lang="en-US" dirty="0" smtClean="0"/>
-              <a:t>box</a:t>
-            </a:r>
-            <a:r>
-              <a:rPr lang="ru-RU" dirty="0" smtClean="0"/>
-              <a:t>, которые не попали в список считаются ошибкой </a:t>
-            </a:r>
-            <a:r>
-              <a:rPr lang="ru-RU" dirty="0" err="1" smtClean="0"/>
-              <a:t>детекции</a:t>
-            </a:r>
-            <a:r>
-              <a:rPr lang="ru-RU" dirty="0" smtClean="0"/>
-              <a:t>. Если же </a:t>
-            </a:r>
-            <a:r>
-              <a:rPr lang="en-US" dirty="0" smtClean="0"/>
-              <a:t>IOU </a:t>
-            </a:r>
-            <a:r>
-              <a:rPr lang="ru-RU" dirty="0" smtClean="0"/>
-              <a:t>был меньше 0.5, то это считается отсутствием </a:t>
-            </a:r>
-            <a:r>
-              <a:rPr lang="ru-RU" dirty="0" err="1" smtClean="0"/>
-              <a:t>детекции</a:t>
-            </a:r>
-            <a:r>
-              <a:rPr lang="ru-RU" dirty="0" smtClean="0"/>
-              <a:t>.</a:t>
-            </a:r>
-          </a:p>
-        </p:txBody>
-      </p:sp>
+              <a:t> SSD 300</a:t>
+            </a:r>
+          </a:p>
+          <a:p>
+            <a:r>
+              <a:rPr lang="en-US" dirty="0"/>
+              <a:t>Alignment – </a:t>
+            </a:r>
+            <a:r>
+              <a:rPr lang="en-US" dirty="0" err="1"/>
+              <a:t>dlib</a:t>
+            </a:r>
+            <a:r>
+              <a:rPr lang="en-US" dirty="0"/>
+              <a:t> 68-landmarks + </a:t>
+            </a:r>
+            <a:r>
+              <a:rPr lang="en-US" dirty="0" err="1"/>
+              <a:t>openface</a:t>
+            </a:r>
+            <a:r>
+              <a:rPr lang="en-US" dirty="0"/>
+              <a:t> alignment</a:t>
+            </a:r>
+          </a:p>
+          <a:p>
+            <a:r>
+              <a:rPr lang="en-US" dirty="0"/>
+              <a:t>Feature Extraction – ResNet-50</a:t>
+            </a:r>
+            <a:endParaRPr lang="ru-RU" dirty="0"/>
+          </a:p>
+        </p:txBody>
+      </p:sp>
+      <p:pic>
+        <p:nvPicPr>
+          <p:cNvPr id="6" name="Объект 3"/>
+          <p:cNvPicPr>
+            <a:picLocks noChangeAspect="1"/>
+          </p:cNvPicPr>
+          <p:nvPr/>
+        </p:nvPicPr>
+        <p:blipFill>
+          <a:blip r:embed="rId2"/>
+          <a:stretch>
+            <a:fillRect/>
+          </a:stretch>
+        </p:blipFill>
+        <p:spPr>
+          <a:xfrm>
+            <a:off x="7631516" y="399726"/>
+            <a:ext cx="2677050" cy="6262737"/>
+          </a:xfrm>
+          <a:prstGeom prst="rect">
+            <a:avLst/>
+          </a:prstGeom>
+        </p:spPr>
+      </p:pic>
     </p:spTree>
     <p:extLst>
       <p:ext uri="{BB962C8B-B14F-4D97-AF65-F5344CB8AC3E}">
-        <p14:creationId xmlns:p14="http://schemas.microsoft.com/office/powerpoint/2010/main" val="4274942588"/>
+        <p14:creationId xmlns:p14="http://schemas.microsoft.com/office/powerpoint/2010/main" val="389283703"/>
       </p:ext>
     </p:extLst>
   </p:cSld>
   <p:clrMapOvr>
     <a:masterClrMapping/>
   </p:clrMapOvr>
-  <p:timing>
-    <p:tnLst>
-      <p:par>
-        <p:cTn id="1" dur="indefinite" restart="never" nodeType="tmRoot"/>
-      </p:par>
-    </p:tnLst>
-  </p:timing>
 </p:sld>
 </file>
 
@@ -7570,21 +7567,20 @@
           <a:lstStyle/>
           <a:p>
             <a:r>
-              <a:rPr lang="ru-RU" dirty="0" smtClean="0"/>
-              <a:t>Как это было сделано</a:t>
-            </a:r>
-            <a:endParaRPr lang="ru-RU" dirty="0"/>
-          </a:p>
-        </p:txBody>
-      </p:sp>
-      <p:sp>
-        <p:nvSpPr>
-          <p:cNvPr id="3" name="Текст 2"/>
-          <p:cNvSpPr>
-            <a:spLocks noGrp="1"/>
-          </p:cNvSpPr>
-          <p:nvPr>
-            <p:ph type="body" idx="1"/>
+              <a:rPr lang="ru-RU" dirty="0"/>
+              <a:t>Результаты</a:t>
+            </a:r>
+          </a:p>
+        </p:txBody>
+      </p:sp>
+      <p:sp>
+        <p:nvSpPr>
+          <p:cNvPr id="3" name="Объект 2"/>
+          <p:cNvSpPr>
+            <a:spLocks noGrp="1"/>
+          </p:cNvSpPr>
+          <p:nvPr>
+            <p:ph idx="1"/>
           </p:nvPr>
         </p:nvSpPr>
         <p:spPr/>
@@ -7592,27 +7588,450 @@
           <a:bodyPr/>
           <a:lstStyle/>
           <a:p>
-            <a:endParaRPr lang="ru-RU"/>
-          </a:p>
-        </p:txBody>
-      </p:sp>
+            <a:endParaRPr lang="ru-RU" dirty="0"/>
+          </a:p>
+        </p:txBody>
+      </p:sp>
+      <p:graphicFrame>
+        <p:nvGraphicFramePr>
+          <p:cNvPr id="4" name="Таблица 3"/>
+          <p:cNvGraphicFramePr>
+            <a:graphicFrameLocks noGrp="1"/>
+          </p:cNvGraphicFramePr>
+          <p:nvPr>
+            <p:extLst>
+              <p:ext uri="{D42A27DB-BD31-4B8C-83A1-F6EECF244321}">
+                <p14:modId xmlns:p14="http://schemas.microsoft.com/office/powerpoint/2010/main" val="681593834"/>
+              </p:ext>
+            </p:extLst>
+          </p:nvPr>
+        </p:nvGraphicFramePr>
+        <p:xfrm>
+          <a:off x="608323" y="2160589"/>
+          <a:ext cx="6844900" cy="1381760"/>
+        </p:xfrm>
+        <a:graphic>
+          <a:graphicData uri="http://schemas.openxmlformats.org/drawingml/2006/table">
+            <a:tbl>
+              <a:tblPr firstRow="1" bandRow="1">
+                <a:tableStyleId>{5C22544A-7EE6-4342-B048-85BDC9FD1C3A}</a:tableStyleId>
+              </a:tblPr>
+              <a:tblGrid>
+                <a:gridCol w="1091081">
+                  <a:extLst>
+                    <a:ext uri="{9D8B030D-6E8A-4147-A177-3AD203B41FA5}">
+                      <a16:colId xmlns="" xmlns:a16="http://schemas.microsoft.com/office/drawing/2014/main" val="20000"/>
+                    </a:ext>
+                  </a:extLst>
+                </a:gridCol>
+                <a:gridCol w="2889849">
+                  <a:extLst>
+                    <a:ext uri="{9D8B030D-6E8A-4147-A177-3AD203B41FA5}">
+                      <a16:colId xmlns="" xmlns:a16="http://schemas.microsoft.com/office/drawing/2014/main" val="20001"/>
+                    </a:ext>
+                  </a:extLst>
+                </a:gridCol>
+                <a:gridCol w="2863970">
+                  <a:extLst>
+                    <a:ext uri="{9D8B030D-6E8A-4147-A177-3AD203B41FA5}">
+                      <a16:colId xmlns="" xmlns:a16="http://schemas.microsoft.com/office/drawing/2014/main" val="20002"/>
+                    </a:ext>
+                  </a:extLst>
+                </a:gridCol>
+              </a:tblGrid>
+              <a:tr h="370840">
+                <a:tc>
+                  <a:txBody>
+                    <a:bodyPr/>
+                    <a:lstStyle/>
+                    <a:p>
+                      <a:endParaRPr lang="ru-RU" dirty="0"/>
+                    </a:p>
+                  </a:txBody>
+                  <a:tcPr/>
+                </a:tc>
+                <a:tc>
+                  <a:txBody>
+                    <a:bodyPr/>
+                    <a:lstStyle/>
+                    <a:p>
+                      <a:r>
+                        <a:rPr lang="ru-RU" dirty="0"/>
+                        <a:t>Количество</a:t>
+                      </a:r>
+                      <a:r>
+                        <a:rPr lang="ru-RU" baseline="0" dirty="0"/>
+                        <a:t> фото (лиц) членов команды</a:t>
+                      </a:r>
+                      <a:endParaRPr lang="ru-RU" dirty="0"/>
+                    </a:p>
+                  </a:txBody>
+                  <a:tcPr/>
+                </a:tc>
+                <a:tc>
+                  <a:txBody>
+                    <a:bodyPr/>
+                    <a:lstStyle/>
+                    <a:p>
+                      <a:r>
+                        <a:rPr lang="ru-RU" dirty="0"/>
+                        <a:t>Количество</a:t>
+                      </a:r>
+                      <a:r>
+                        <a:rPr lang="ru-RU" baseline="0" dirty="0"/>
+                        <a:t> фото (лиц) неизвестных людей</a:t>
+                      </a:r>
+                      <a:endParaRPr lang="ru-RU" dirty="0"/>
+                    </a:p>
+                  </a:txBody>
+                  <a:tcPr/>
+                </a:tc>
+                <a:extLst>
+                  <a:ext uri="{0D108BD9-81ED-4DB2-BD59-A6C34878D82A}">
+                    <a16:rowId xmlns="" xmlns:a16="http://schemas.microsoft.com/office/drawing/2014/main" val="10000"/>
+                  </a:ext>
+                </a:extLst>
+              </a:tr>
+              <a:tr h="370840">
+                <a:tc>
+                  <a:txBody>
+                    <a:bodyPr/>
+                    <a:lstStyle/>
+                    <a:p>
+                      <a:r>
+                        <a:rPr lang="en-US" dirty="0"/>
+                        <a:t>Train</a:t>
+                      </a:r>
+                      <a:endParaRPr lang="ru-RU" dirty="0"/>
+                    </a:p>
+                  </a:txBody>
+                  <a:tcPr/>
+                </a:tc>
+                <a:tc>
+                  <a:txBody>
+                    <a:bodyPr/>
+                    <a:lstStyle/>
+                    <a:p>
+                      <a:r>
+                        <a:rPr lang="ru-RU" dirty="0"/>
+                        <a:t>300 (318)</a:t>
+                      </a:r>
+                    </a:p>
+                  </a:txBody>
+                  <a:tcPr/>
+                </a:tc>
+                <a:tc>
+                  <a:txBody>
+                    <a:bodyPr/>
+                    <a:lstStyle/>
+                    <a:p>
+                      <a:r>
+                        <a:rPr lang="ru-RU" dirty="0"/>
+                        <a:t>287 (421)</a:t>
+                      </a:r>
+                    </a:p>
+                  </a:txBody>
+                  <a:tcPr/>
+                </a:tc>
+                <a:extLst>
+                  <a:ext uri="{0D108BD9-81ED-4DB2-BD59-A6C34878D82A}">
+                    <a16:rowId xmlns="" xmlns:a16="http://schemas.microsoft.com/office/drawing/2014/main" val="10001"/>
+                  </a:ext>
+                </a:extLst>
+              </a:tr>
+              <a:tr h="370840">
+                <a:tc>
+                  <a:txBody>
+                    <a:bodyPr/>
+                    <a:lstStyle/>
+                    <a:p>
+                      <a:r>
+                        <a:rPr lang="en-US" dirty="0"/>
+                        <a:t>Test</a:t>
+                      </a:r>
+                      <a:endParaRPr lang="ru-RU" dirty="0"/>
+                    </a:p>
+                  </a:txBody>
+                  <a:tcPr/>
+                </a:tc>
+                <a:tc>
+                  <a:txBody>
+                    <a:bodyPr/>
+                    <a:lstStyle/>
+                    <a:p>
+                      <a:r>
+                        <a:rPr lang="ru-RU" dirty="0"/>
+                        <a:t>300</a:t>
+                      </a:r>
+                      <a:r>
+                        <a:rPr lang="ru-RU" baseline="0" dirty="0"/>
+                        <a:t> (316)</a:t>
+                      </a:r>
+                      <a:endParaRPr lang="ru-RU" dirty="0"/>
+                    </a:p>
+                  </a:txBody>
+                  <a:tcPr/>
+                </a:tc>
+                <a:tc>
+                  <a:txBody>
+                    <a:bodyPr/>
+                    <a:lstStyle/>
+                    <a:p>
+                      <a:r>
+                        <a:rPr lang="ru-RU" dirty="0"/>
+                        <a:t>307 (443)</a:t>
+                      </a:r>
+                    </a:p>
+                  </a:txBody>
+                  <a:tcPr/>
+                </a:tc>
+                <a:extLst>
+                  <a:ext uri="{0D108BD9-81ED-4DB2-BD59-A6C34878D82A}">
+                    <a16:rowId xmlns="" xmlns:a16="http://schemas.microsoft.com/office/drawing/2014/main" val="10002"/>
+                  </a:ext>
+                </a:extLst>
+              </a:tr>
+            </a:tbl>
+          </a:graphicData>
+        </a:graphic>
+      </p:graphicFrame>
+      <p:graphicFrame>
+        <p:nvGraphicFramePr>
+          <p:cNvPr id="5" name="Таблица 4"/>
+          <p:cNvGraphicFramePr>
+            <a:graphicFrameLocks noGrp="1"/>
+          </p:cNvGraphicFramePr>
+          <p:nvPr>
+            <p:extLst>
+              <p:ext uri="{D42A27DB-BD31-4B8C-83A1-F6EECF244321}">
+                <p14:modId xmlns:p14="http://schemas.microsoft.com/office/powerpoint/2010/main" val="862139794"/>
+              </p:ext>
+            </p:extLst>
+          </p:nvPr>
+        </p:nvGraphicFramePr>
+        <p:xfrm>
+          <a:off x="2014746" y="4006330"/>
+          <a:ext cx="7259256" cy="1854200"/>
+        </p:xfrm>
+        <a:graphic>
+          <a:graphicData uri="http://schemas.openxmlformats.org/drawingml/2006/table">
+            <a:tbl>
+              <a:tblPr firstRow="1" bandRow="1">
+                <a:tableStyleId>{5C22544A-7EE6-4342-B048-85BDC9FD1C3A}</a:tableStyleId>
+              </a:tblPr>
+              <a:tblGrid>
+                <a:gridCol w="4222768">
+                  <a:extLst>
+                    <a:ext uri="{9D8B030D-6E8A-4147-A177-3AD203B41FA5}">
+                      <a16:colId xmlns="" xmlns:a16="http://schemas.microsoft.com/office/drawing/2014/main" val="20000"/>
+                    </a:ext>
+                  </a:extLst>
+                </a:gridCol>
+                <a:gridCol w="3036488">
+                  <a:extLst>
+                    <a:ext uri="{9D8B030D-6E8A-4147-A177-3AD203B41FA5}">
+                      <a16:colId xmlns="" xmlns:a16="http://schemas.microsoft.com/office/drawing/2014/main" val="20001"/>
+                    </a:ext>
+                  </a:extLst>
+                </a:gridCol>
+              </a:tblGrid>
+              <a:tr h="370840">
+                <a:tc>
+                  <a:txBody>
+                    <a:bodyPr/>
+                    <a:lstStyle/>
+                    <a:p>
+                      <a:r>
+                        <a:rPr lang="ru-RU" dirty="0"/>
+                        <a:t>Метрика</a:t>
+                      </a:r>
+                    </a:p>
+                  </a:txBody>
+                  <a:tcPr/>
+                </a:tc>
+                <a:tc>
+                  <a:txBody>
+                    <a:bodyPr/>
+                    <a:lstStyle/>
+                    <a:p>
+                      <a:r>
+                        <a:rPr lang="ru-RU" dirty="0"/>
+                        <a:t>Значение</a:t>
+                      </a:r>
+                    </a:p>
+                  </a:txBody>
+                  <a:tcPr/>
+                </a:tc>
+                <a:extLst>
+                  <a:ext uri="{0D108BD9-81ED-4DB2-BD59-A6C34878D82A}">
+                    <a16:rowId xmlns="" xmlns:a16="http://schemas.microsoft.com/office/drawing/2014/main" val="10000"/>
+                  </a:ext>
+                </a:extLst>
+              </a:tr>
+              <a:tr h="370840">
+                <a:tc>
+                  <a:txBody>
+                    <a:bodyPr/>
+                    <a:lstStyle/>
+                    <a:p>
+                      <a:r>
+                        <a:rPr lang="en-US" dirty="0" err="1"/>
+                        <a:t>mAP</a:t>
+                      </a:r>
+                      <a:endParaRPr lang="ru-RU" dirty="0"/>
+                    </a:p>
+                  </a:txBody>
+                  <a:tcPr/>
+                </a:tc>
+                <a:tc>
+                  <a:txBody>
+                    <a:bodyPr/>
+                    <a:lstStyle/>
+                    <a:p>
+                      <a:r>
+                        <a:rPr lang="en-US" dirty="0"/>
+                        <a:t>90.14%</a:t>
+                      </a:r>
+                      <a:endParaRPr lang="ru-RU" dirty="0"/>
+                    </a:p>
+                  </a:txBody>
+                  <a:tcPr/>
+                </a:tc>
+                <a:extLst>
+                  <a:ext uri="{0D108BD9-81ED-4DB2-BD59-A6C34878D82A}">
+                    <a16:rowId xmlns="" xmlns:a16="http://schemas.microsoft.com/office/drawing/2014/main" val="10001"/>
+                  </a:ext>
+                </a:extLst>
+              </a:tr>
+              <a:tr h="370840">
+                <a:tc>
+                  <a:txBody>
+                    <a:bodyPr/>
+                    <a:lstStyle/>
+                    <a:p>
+                      <a:r>
+                        <a:rPr lang="ru-RU" dirty="0"/>
+                        <a:t>Процент</a:t>
+                      </a:r>
+                      <a:r>
+                        <a:rPr lang="ru-RU" baseline="0" dirty="0"/>
+                        <a:t> ошибок </a:t>
+                      </a:r>
+                      <a:r>
+                        <a:rPr lang="ru-RU" baseline="0" dirty="0" err="1"/>
+                        <a:t>детекции</a:t>
+                      </a:r>
+                      <a:endParaRPr lang="ru-RU" dirty="0"/>
+                    </a:p>
+                  </a:txBody>
+                  <a:tcPr/>
+                </a:tc>
+                <a:tc>
+                  <a:txBody>
+                    <a:bodyPr/>
+                    <a:lstStyle/>
+                    <a:p>
+                      <a:r>
+                        <a:rPr lang="ru-RU" dirty="0"/>
+                        <a:t>7.87%</a:t>
+                      </a:r>
+                    </a:p>
+                  </a:txBody>
+                  <a:tcPr/>
+                </a:tc>
+                <a:extLst>
+                  <a:ext uri="{0D108BD9-81ED-4DB2-BD59-A6C34878D82A}">
+                    <a16:rowId xmlns="" xmlns:a16="http://schemas.microsoft.com/office/drawing/2014/main" val="10002"/>
+                  </a:ext>
+                </a:extLst>
+              </a:tr>
+              <a:tr h="370840">
+                <a:tc>
+                  <a:txBody>
+                    <a:bodyPr/>
+                    <a:lstStyle/>
+                    <a:p>
+                      <a:r>
+                        <a:rPr lang="ru-RU" dirty="0"/>
+                        <a:t>Процент правильных </a:t>
+                      </a:r>
+                      <a:r>
+                        <a:rPr lang="ru-RU" dirty="0" err="1"/>
+                        <a:t>детекций</a:t>
+                      </a:r>
+                      <a:endParaRPr lang="ru-RU" dirty="0"/>
+                    </a:p>
+                  </a:txBody>
+                  <a:tcPr/>
+                </a:tc>
+                <a:tc>
+                  <a:txBody>
+                    <a:bodyPr/>
+                    <a:lstStyle/>
+                    <a:p>
+                      <a:r>
+                        <a:rPr lang="ru-RU" dirty="0"/>
+                        <a:t>98.04%</a:t>
+                      </a:r>
+                    </a:p>
+                  </a:txBody>
+                  <a:tcPr/>
+                </a:tc>
+                <a:extLst>
+                  <a:ext uri="{0D108BD9-81ED-4DB2-BD59-A6C34878D82A}">
+                    <a16:rowId xmlns="" xmlns:a16="http://schemas.microsoft.com/office/drawing/2014/main" val="10003"/>
+                  </a:ext>
+                </a:extLst>
+              </a:tr>
+              <a:tr h="370840">
+                <a:tc>
+                  <a:txBody>
+                    <a:bodyPr/>
+                    <a:lstStyle/>
+                    <a:p>
+                      <a:r>
+                        <a:rPr lang="en-US" dirty="0"/>
+                        <a:t>Top1 accuracy</a:t>
+                      </a:r>
+                      <a:endParaRPr lang="ru-RU" dirty="0"/>
+                    </a:p>
+                  </a:txBody>
+                  <a:tcPr/>
+                </a:tc>
+                <a:tc>
+                  <a:txBody>
+                    <a:bodyPr/>
+                    <a:lstStyle/>
+                    <a:p>
+                      <a:r>
+                        <a:rPr lang="en-US" dirty="0"/>
+                        <a:t>99.58%</a:t>
+                      </a:r>
+                      <a:endParaRPr lang="ru-RU" dirty="0"/>
+                    </a:p>
+                  </a:txBody>
+                  <a:tcPr/>
+                </a:tc>
+                <a:extLst>
+                  <a:ext uri="{0D108BD9-81ED-4DB2-BD59-A6C34878D82A}">
+                    <a16:rowId xmlns="" xmlns:a16="http://schemas.microsoft.com/office/drawing/2014/main" val="10004"/>
+                  </a:ext>
+                </a:extLst>
+              </a:tr>
+            </a:tbl>
+          </a:graphicData>
+        </a:graphic>
+      </p:graphicFrame>
     </p:spTree>
     <p:extLst>
       <p:ext uri="{BB962C8B-B14F-4D97-AF65-F5344CB8AC3E}">
-        <p14:creationId xmlns:p14="http://schemas.microsoft.com/office/powerpoint/2010/main" val="331388416"/>
+        <p14:creationId xmlns:p14="http://schemas.microsoft.com/office/powerpoint/2010/main" val="184840372"/>
       </p:ext>
     </p:extLst>
   </p:cSld>
   <p:clrMapOvr>
     <a:masterClrMapping/>
   </p:clrMapOvr>
-  <p:timing>
-    <p:tnLst>
-      <p:par>
-        <p:cTn id="1" dur="indefinite" restart="never" nodeType="tmRoot"/>
-      </p:par>
-    </p:tnLst>
-  </p:timing>
 </p:sld>
 </file>
 
@@ -7635,13 +8054,7 @@
       </p:grpSpPr>
       <p:sp>
         <p:nvSpPr>
-          <p:cNvPr id="2" name="Title 1">
-            <a:extLst>
-              <a:ext uri="{FF2B5EF4-FFF2-40B4-BE49-F238E27FC236}">
-                <a16:creationId xmlns="" xmlns:a16="http://schemas.microsoft.com/office/drawing/2014/main" id="{D5B40423-DB39-406B-8EF8-37BDCB45132B}"/>
-              </a:ext>
-            </a:extLst>
-          </p:cNvPr>
+          <p:cNvPr id="2" name="Заголовок 1"/>
           <p:cNvSpPr>
             <a:spLocks noGrp="1"/>
           </p:cNvSpPr>
@@ -7651,33 +8064,19 @@
         </p:nvSpPr>
         <p:spPr/>
         <p:txBody>
-          <a:bodyPr>
-            <a:normAutofit/>
-          </a:bodyPr>
+          <a:bodyPr/>
           <a:lstStyle/>
           <a:p>
-            <a:pPr lvl="0"/>
-            <a:r>
-              <a:rPr lang="ru-RU" dirty="0"/>
-              <a:t>Календарный план. Исследование общего подхода к распознаванию </a:t>
-            </a:r>
-            <a:r>
-              <a:rPr lang="ru-RU" dirty="0" smtClean="0"/>
-              <a:t>лиц</a:t>
-            </a:r>
-            <a:endParaRPr lang="en-US" dirty="0"/>
-          </a:p>
-        </p:txBody>
-      </p:sp>
-      <p:sp>
-        <p:nvSpPr>
-          <p:cNvPr id="3" name="Content Placeholder 2">
-            <a:extLst>
-              <a:ext uri="{FF2B5EF4-FFF2-40B4-BE49-F238E27FC236}">
-                <a16:creationId xmlns="" xmlns:a16="http://schemas.microsoft.com/office/drawing/2014/main" id="{C5258434-9758-4B4C-9F43-05027F409245}"/>
-              </a:ext>
-            </a:extLst>
-          </p:cNvPr>
+            <a:r>
+              <a:rPr lang="ru-RU" dirty="0"/>
+              <a:t>Оценка результатов</a:t>
+            </a:r>
+          </a:p>
+        </p:txBody>
+      </p:sp>
+      <p:sp>
+        <p:nvSpPr>
+          <p:cNvPr id="3" name="Объект 2"/>
           <p:cNvSpPr>
             <a:spLocks noGrp="1"/>
           </p:cNvSpPr>
@@ -7687,39 +8086,84 @@
         </p:nvSpPr>
         <p:spPr/>
         <p:txBody>
-          <a:bodyPr>
-            <a:normAutofit fontScale="85000" lnSpcReduction="20000"/>
-          </a:bodyPr>
+          <a:bodyPr/>
           <a:lstStyle/>
           <a:p>
             <a:r>
-              <a:rPr lang="ru-RU" dirty="0" smtClean="0"/>
-              <a:t>Определение этапов распознавания лиц</a:t>
-            </a:r>
-          </a:p>
-          <a:p>
-            <a:r>
-              <a:rPr lang="ru-RU" dirty="0" smtClean="0"/>
-              <a:t>Исследование метрик определения качества каждого этапа распознавания лиц</a:t>
-            </a:r>
-          </a:p>
-          <a:p>
-            <a:pPr marL="0" indent="0">
-              <a:buNone/>
-            </a:pPr>
-            <a:r>
-              <a:rPr lang="ru-RU" dirty="0" smtClean="0"/>
-              <a:t>Итог</a:t>
-            </a:r>
-            <a:r>
-              <a:rPr lang="ru-RU" dirty="0"/>
-              <a:t>: ПЗ по метрикам этапов распознавания лиц + инструментарий для оценки качества подхода к решению каждого из этапов распознавания лиц</a:t>
-            </a:r>
-          </a:p>
-          <a:p>
-            <a:r>
-              <a:rPr lang="ru-RU" dirty="0"/>
-              <a:t>Исследование подходов к </a:t>
+              <a:rPr lang="ru-RU" dirty="0"/>
+              <a:t>Для каждой фотографии из </a:t>
+            </a:r>
+            <a:r>
+              <a:rPr lang="ru-RU" dirty="0" err="1"/>
+              <a:t>датасета</a:t>
+            </a:r>
+            <a:r>
+              <a:rPr lang="ru-RU" dirty="0"/>
+              <a:t> запускалась серверная часть ПО «</a:t>
+            </a:r>
+            <a:r>
+              <a:rPr lang="en-US" dirty="0"/>
+              <a:t>AFR</a:t>
+            </a:r>
+            <a:r>
+              <a:rPr lang="ru-RU" dirty="0"/>
+              <a:t>», которая, в качестве результата, возвращала разметку для фотографии, а именно </a:t>
+            </a:r>
+            <a:r>
+              <a:rPr lang="en-US" dirty="0"/>
+              <a:t>bounding box </a:t>
+            </a:r>
+            <a:r>
+              <a:rPr lang="ru-RU" dirty="0"/>
+              <a:t>и предсказанный класс. Для каждого </a:t>
+            </a:r>
+            <a:r>
+              <a:rPr lang="en-US" dirty="0"/>
+              <a:t>ground-truth bounding box </a:t>
+            </a:r>
+            <a:r>
+              <a:rPr lang="ru-RU" dirty="0"/>
+              <a:t>находился наиболее подходящий предсказанный </a:t>
+            </a:r>
+            <a:r>
+              <a:rPr lang="en-US" dirty="0"/>
+              <a:t>bounding box</a:t>
+            </a:r>
+            <a:r>
+              <a:rPr lang="ru-RU" dirty="0"/>
+              <a:t> и в случае, если их </a:t>
+            </a:r>
+            <a:r>
+              <a:rPr lang="en-US" dirty="0"/>
+              <a:t>IOU</a:t>
+            </a:r>
+            <a:r>
+              <a:rPr lang="ru-RU" dirty="0"/>
+              <a:t> превышал 0.5, то сравнивались значения </a:t>
+            </a:r>
+            <a:r>
+              <a:rPr lang="en-US" dirty="0"/>
+              <a:t>ground-truth </a:t>
+            </a:r>
+            <a:r>
+              <a:rPr lang="ru-RU" dirty="0"/>
+              <a:t>и предсказанного классов, причем номер предсказанного </a:t>
+            </a:r>
+            <a:r>
+              <a:rPr lang="en-US" dirty="0"/>
+              <a:t>bounding box</a:t>
+            </a:r>
+            <a:r>
+              <a:rPr lang="ru-RU" dirty="0"/>
+              <a:t> добавлялся в лист. В конце, номера </a:t>
+            </a:r>
+            <a:r>
+              <a:rPr lang="en-US" dirty="0"/>
+              <a:t>bounding box</a:t>
+            </a:r>
+            <a:r>
+              <a:rPr lang="ru-RU" dirty="0"/>
+              <a:t>, которые не попали в список считаются ошибкой </a:t>
             </a:r>
             <a:r>
               <a:rPr lang="ru-RU" dirty="0" err="1"/>
@@ -7727,110 +8171,37 @@
             </a:r>
             <a:r>
               <a:rPr lang="ru-RU" dirty="0"/>
-              <a:t> лиц</a:t>
-            </a:r>
-          </a:p>
-          <a:p>
-            <a:r>
-              <a:rPr lang="ru-RU" dirty="0"/>
-              <a:t>Исследование подходов к выравниванию лиц</a:t>
-            </a:r>
-          </a:p>
-          <a:p>
-            <a:r>
-              <a:rPr lang="ru-RU" dirty="0"/>
-              <a:t>Исследование подходов к </a:t>
+              <a:t>. Если же </a:t>
             </a:r>
             <a:r>
               <a:rPr lang="en-US" dirty="0"/>
-              <a:t>feature extraction</a:t>
-            </a:r>
-            <a:endParaRPr lang="ru-RU" dirty="0"/>
-          </a:p>
-          <a:p>
-            <a:r>
-              <a:rPr lang="ru-RU" dirty="0"/>
-              <a:t>Исследование подходов к определению близости </a:t>
-            </a:r>
-            <a:r>
-              <a:rPr lang="en-US" dirty="0"/>
-              <a:t>feature </a:t>
-            </a:r>
-            <a:r>
-              <a:rPr lang="ru-RU" dirty="0"/>
-              <a:t>векторов</a:t>
-            </a:r>
-          </a:p>
-          <a:p>
-            <a:pPr marL="0" indent="0">
-              <a:buNone/>
-            </a:pPr>
-            <a:r>
-              <a:rPr lang="ru-RU" dirty="0"/>
-              <a:t>Итог: ПЗ по подходам к реализации каждого этапа + рекомендации по каждому этапу.</a:t>
-            </a:r>
-          </a:p>
-          <a:p>
-            <a:r>
-              <a:rPr lang="ru-RU" dirty="0"/>
-              <a:t>Исследование </a:t>
+              <a:t>IOU </a:t>
+            </a:r>
+            <a:r>
+              <a:rPr lang="ru-RU" dirty="0"/>
+              <a:t>был меньше 0.5, то это считается отсутствием </a:t>
             </a:r>
             <a:r>
               <a:rPr lang="ru-RU" dirty="0" err="1"/>
-              <a:t>датасетов</a:t>
-            </a:r>
-            <a:r>
-              <a:rPr lang="ru-RU" dirty="0"/>
-              <a:t>, используемых для распознавания лиц</a:t>
-            </a:r>
-          </a:p>
-          <a:p>
-            <a:pPr marL="0" indent="0">
-              <a:buNone/>
-            </a:pPr>
-            <a:r>
-              <a:rPr lang="ru-RU" dirty="0"/>
-              <a:t>Итог: ПЗ по </a:t>
-            </a:r>
-            <a:r>
-              <a:rPr lang="ru-RU" dirty="0" err="1"/>
-              <a:t>датасетам</a:t>
-            </a:r>
-            <a:r>
-              <a:rPr lang="ru-RU" dirty="0"/>
-              <a:t> + понимание о ограничениях на каждый этап распознавания лиц, ввиду </a:t>
-            </a:r>
-            <a:r>
-              <a:rPr lang="ru-RU" dirty="0" err="1"/>
-              <a:t>датасетов</a:t>
-            </a:r>
-            <a:r>
-              <a:rPr lang="ru-RU" dirty="0"/>
-              <a:t>, на которых обучались нейронные сети, используемые в данном этапе (при использовании в соответственно этапе нейронной сети)</a:t>
-            </a:r>
-          </a:p>
-          <a:p>
-            <a:endParaRPr lang="ru-RU" dirty="0" smtClean="0"/>
+              <a:t>детекции</a:t>
+            </a:r>
+            <a:r>
+              <a:rPr lang="ru-RU" dirty="0"/>
+              <a:t>.</a:t>
+            </a:r>
           </a:p>
         </p:txBody>
       </p:sp>
     </p:spTree>
     <p:extLst>
       <p:ext uri="{BB962C8B-B14F-4D97-AF65-F5344CB8AC3E}">
-        <p14:creationId xmlns:p14="http://schemas.microsoft.com/office/powerpoint/2010/main" val="3483059047"/>
+        <p14:creationId xmlns:p14="http://schemas.microsoft.com/office/powerpoint/2010/main" val="4274942588"/>
       </p:ext>
     </p:extLst>
   </p:cSld>
   <p:clrMapOvr>
     <a:masterClrMapping/>
   </p:clrMapOvr>
-  <p:timing>
-    <p:tnLst>
-      <p:par>
-        <p:cTn id="1" dur="indefinite" restart="never" nodeType="tmRoot"/>
-      </p:par>
-    </p:tnLst>
-  </p:timing>
 </p:sld>
 </file>
 
@@ -7868,132 +8239,34 @@
           <a:p>
             <a:r>
               <a:rPr lang="ru-RU" dirty="0"/>
-              <a:t>Календарный план. </a:t>
-            </a:r>
-            <a:r>
-              <a:rPr lang="ru-RU" dirty="0" smtClean="0"/>
-              <a:t>Создание начального </a:t>
-            </a:r>
-            <a:r>
-              <a:rPr lang="ru-RU" dirty="0" smtClean="0"/>
-              <a:t>в</a:t>
-            </a:r>
-            <a:r>
-              <a:rPr lang="ru-RU" dirty="0" smtClean="0"/>
-              <a:t>ысокоуровневый </a:t>
-            </a:r>
-            <a:r>
-              <a:rPr lang="ru-RU" dirty="0"/>
-              <a:t>дизайн</a:t>
-            </a:r>
-            <a:endParaRPr lang="ru-RU" dirty="0"/>
-          </a:p>
-        </p:txBody>
-      </p:sp>
-      <p:sp>
-        <p:nvSpPr>
-          <p:cNvPr id="3" name="Объект 2"/>
-          <p:cNvSpPr>
-            <a:spLocks noGrp="1"/>
-          </p:cNvSpPr>
-          <p:nvPr>
-            <p:ph idx="1"/>
+              <a:t>Как это было сделано</a:t>
+            </a:r>
+          </a:p>
+        </p:txBody>
+      </p:sp>
+      <p:sp>
+        <p:nvSpPr>
+          <p:cNvPr id="3" name="Текст 2"/>
+          <p:cNvSpPr>
+            <a:spLocks noGrp="1"/>
+          </p:cNvSpPr>
+          <p:nvPr>
+            <p:ph type="body" idx="1"/>
           </p:nvPr>
         </p:nvSpPr>
         <p:spPr/>
         <p:txBody>
-          <a:bodyPr>
-            <a:normAutofit/>
-          </a:bodyPr>
+          <a:bodyPr/>
           <a:lstStyle/>
           <a:p>
-            <a:pPr lvl="0"/>
-            <a:r>
-              <a:rPr lang="ru-RU" dirty="0"/>
-              <a:t>Выбор методов для </a:t>
-            </a:r>
-            <a:r>
-              <a:rPr lang="ru-RU" dirty="0" err="1"/>
-              <a:t>детекции</a:t>
-            </a:r>
-            <a:r>
-              <a:rPr lang="ru-RU" dirty="0"/>
-              <a:t> лиц, выравнивания лиц, </a:t>
-            </a:r>
-            <a:r>
-              <a:rPr lang="en-US" dirty="0"/>
-              <a:t>feature extraction</a:t>
-            </a:r>
-            <a:r>
-              <a:rPr lang="ru-RU" dirty="0"/>
-              <a:t>, подхода к определению близости векторов (по качеству, скорости)</a:t>
-            </a:r>
-          </a:p>
-          <a:p>
-            <a:pPr lvl="0"/>
-            <a:r>
-              <a:rPr lang="ru-RU" dirty="0"/>
-              <a:t>Уточнение входов и выходов для каждого этапа и оценка сложности создания адаптеров между этапами</a:t>
-            </a:r>
-          </a:p>
-          <a:p>
-            <a:pPr marL="0" indent="0">
-              <a:buNone/>
-            </a:pPr>
-            <a:r>
-              <a:rPr lang="ru-RU" dirty="0"/>
-              <a:t>Итог: начальный </a:t>
-            </a:r>
-            <a:r>
-              <a:rPr lang="ru-RU" dirty="0" smtClean="0"/>
-              <a:t>высокоуровневый </a:t>
-            </a:r>
-            <a:r>
-              <a:rPr lang="ru-RU" dirty="0"/>
-              <a:t>дизайн</a:t>
-            </a:r>
-            <a:endParaRPr lang="ru-RU" dirty="0"/>
-          </a:p>
-          <a:p>
-            <a:pPr lvl="0"/>
-            <a:r>
-              <a:rPr lang="ru-RU" dirty="0"/>
-              <a:t>Определение требований к входному изображению (Формат, разрешение, размер и поворот лиц, освещение и т.д.)</a:t>
-            </a:r>
-          </a:p>
-          <a:p>
-            <a:pPr lvl="0"/>
-            <a:r>
-              <a:rPr lang="ru-RU" dirty="0"/>
-              <a:t>Определение формата и объема выходных данных</a:t>
-            </a:r>
-          </a:p>
-          <a:p>
-            <a:pPr marL="0" indent="0">
-              <a:buNone/>
-            </a:pPr>
-            <a:r>
-              <a:rPr lang="ru-RU" dirty="0"/>
-              <a:t>Итог: ПЗ по входным и выходным данным и ограничениям, соответственно, понимание формата требуемых данных для тренировочной и тестовой выборки фотографий. Начало сбора фотографий для </a:t>
-            </a:r>
-            <a:r>
-              <a:rPr lang="ru-RU" dirty="0" err="1"/>
-              <a:t>датасета</a:t>
-            </a:r>
-            <a:r>
-              <a:rPr lang="ru-RU" dirty="0"/>
-              <a:t>.</a:t>
-            </a:r>
-          </a:p>
-          <a:p>
-            <a:endParaRPr lang="ru-RU" dirty="0"/>
+            <a:endParaRPr lang="ru-RU"/>
           </a:p>
         </p:txBody>
       </p:sp>
     </p:spTree>
     <p:extLst>
       <p:ext uri="{BB962C8B-B14F-4D97-AF65-F5344CB8AC3E}">
-        <p14:creationId xmlns:p14="http://schemas.microsoft.com/office/powerpoint/2010/main" val="4142934000"/>
+        <p14:creationId xmlns:p14="http://schemas.microsoft.com/office/powerpoint/2010/main" val="331388416"/>
       </p:ext>
     </p:extLst>
   </p:cSld>
@@ -8036,10 +8309,9 @@
           <a:lstStyle/>
           <a:p>
             <a:r>
-              <a:rPr lang="ru-RU" dirty="0" smtClean="0"/>
+              <a:rPr lang="ru-RU" dirty="0"/>
               <a:t>Что требовалось сделать</a:t>
             </a:r>
-            <a:endParaRPr lang="ru-RU" dirty="0"/>
           </a:p>
         </p:txBody>
       </p:sp>
@@ -8072,13 +8344,6 @@
   <p:clrMapOvr>
     <a:masterClrMapping/>
   </p:clrMapOvr>
-  <p:timing>
-    <p:tnLst>
-      <p:par>
-        <p:cTn id="1" dur="indefinite" restart="never" nodeType="tmRoot"/>
-      </p:par>
-    </p:tnLst>
-  </p:timing>
 </p:sld>
 </file>
 
@@ -8101,7 +8366,13 @@
       </p:grpSpPr>
       <p:sp>
         <p:nvSpPr>
-          <p:cNvPr id="2" name="Заголовок 1"/>
+          <p:cNvPr id="2" name="Title 1">
+            <a:extLst>
+              <a:ext uri="{FF2B5EF4-FFF2-40B4-BE49-F238E27FC236}">
+                <a16:creationId xmlns="" xmlns:a16="http://schemas.microsoft.com/office/drawing/2014/main" id="{D5B40423-DB39-406B-8EF8-37BDCB45132B}"/>
+              </a:ext>
+            </a:extLst>
+          </p:cNvPr>
           <p:cNvSpPr>
             <a:spLocks noGrp="1"/>
           </p:cNvSpPr>
@@ -8109,33 +8380,47 @@
             <p:ph type="title"/>
           </p:nvPr>
         </p:nvSpPr>
-        <p:spPr/>
+        <p:spPr>
+          <a:xfrm>
+            <a:off x="677334" y="350807"/>
+            <a:ext cx="8596668" cy="1320800"/>
+          </a:xfrm>
+        </p:spPr>
         <p:txBody>
           <a:bodyPr>
-            <a:normAutofit/>
+            <a:normAutofit fontScale="90000"/>
           </a:bodyPr>
           <a:lstStyle/>
           <a:p>
             <a:pPr lvl="0"/>
             <a:r>
+              <a:rPr lang="ru-RU" dirty="0"/>
+              <a:t>Календарный план. Исследование общего подхода к распознаванию </a:t>
+            </a:r>
+            <a:r>
               <a:rPr lang="ru-RU" dirty="0" smtClean="0"/>
-              <a:t>Календарный план. </a:t>
-            </a:r>
-            <a:r>
-              <a:rPr lang="ru-RU" dirty="0"/>
-              <a:t>Создание программного </a:t>
-            </a:r>
-            <a:r>
-              <a:rPr lang="ru-RU" dirty="0" smtClean="0"/>
-              <a:t>продукта</a:t>
-            </a:r>
-            <a:endParaRPr lang="ru-RU" dirty="0"/>
-          </a:p>
-        </p:txBody>
-      </p:sp>
-      <p:sp>
-        <p:nvSpPr>
-          <p:cNvPr id="3" name="Объект 2"/>
+              <a:t>лиц</a:t>
+            </a:r>
+            <a:r>
+              <a:rPr lang="en-US" dirty="0" smtClean="0"/>
+              <a:t/>
+            </a:r>
+            <a:br>
+              <a:rPr lang="en-US" dirty="0" smtClean="0"/>
+            </a:br>
+            <a:endParaRPr lang="en-US" dirty="0"/>
+          </a:p>
+        </p:txBody>
+      </p:sp>
+      <p:sp>
+        <p:nvSpPr>
+          <p:cNvPr id="3" name="Content Placeholder 2">
+            <a:extLst>
+              <a:ext uri="{FF2B5EF4-FFF2-40B4-BE49-F238E27FC236}">
+                <a16:creationId xmlns="" xmlns:a16="http://schemas.microsoft.com/office/drawing/2014/main" id="{C5258434-9758-4B4C-9F43-05027F409245}"/>
+              </a:ext>
+            </a:extLst>
+          </p:cNvPr>
           <p:cNvSpPr>
             <a:spLocks noGrp="1"/>
           </p:cNvSpPr>
@@ -8143,17 +8428,31 @@
             <p:ph idx="1"/>
           </p:nvPr>
         </p:nvSpPr>
-        <p:spPr/>
+        <p:spPr>
+          <a:xfrm>
+            <a:off x="677334" y="1742537"/>
+            <a:ext cx="8596668" cy="5037825"/>
+          </a:xfrm>
+        </p:spPr>
         <p:txBody>
           <a:bodyPr>
-            <a:normAutofit fontScale="62500" lnSpcReduction="20000"/>
+            <a:normAutofit fontScale="77500" lnSpcReduction="20000"/>
           </a:bodyPr>
           <a:lstStyle/>
           <a:p>
-            <a:pPr lvl="0"/>
-            <a:r>
-              <a:rPr lang="ru-RU" dirty="0"/>
-              <a:t>Создание и согласование веб интерфейса с заглушкой, вместо основного алгоритма распознавания</a:t>
+            <a:r>
+              <a:rPr lang="ru-RU" dirty="0" smtClean="0"/>
+              <a:t>Определение этапов распознавания лиц</a:t>
+            </a:r>
+          </a:p>
+          <a:p>
+            <a:r>
+              <a:rPr lang="ru-RU" dirty="0" smtClean="0"/>
+              <a:t>Исследование </a:t>
+            </a:r>
+            <a:r>
+              <a:rPr lang="ru-RU" dirty="0"/>
+              <a:t>метрик определения качества каждого этапа распознавания лиц</a:t>
             </a:r>
           </a:p>
           <a:p>
@@ -8162,82 +8461,68 @@
             </a:pPr>
             <a:r>
               <a:rPr lang="ru-RU" dirty="0"/>
-              <a:t>Итог: Утвержденный веб интерфейс</a:t>
-            </a:r>
-          </a:p>
-          <a:p>
-            <a:pPr lvl="0"/>
-            <a:r>
-              <a:rPr lang="ru-RU" dirty="0"/>
-              <a:t>Создание макета продукта с галереей фотографий в качестве основы для определения близости </a:t>
+              <a:t>Итог: ПЗ по метрикам этапов распознавания лиц + инструментарий для оценки качества подхода к решению каждого из этапов распознавания </a:t>
+            </a:r>
+            <a:r>
+              <a:rPr lang="ru-RU" dirty="0" smtClean="0"/>
+              <a:t>лиц</a:t>
+            </a:r>
+          </a:p>
+          <a:p>
+            <a:pPr marL="0" indent="0">
+              <a:buNone/>
+            </a:pPr>
+            <a:r>
+              <a:rPr lang="ru-RU" dirty="0" smtClean="0"/>
+              <a:t>Сроки: </a:t>
+            </a:r>
+            <a:r>
+              <a:rPr lang="en-US" dirty="0"/>
+              <a:t>19.02.2019 – 21.03.2019</a:t>
+            </a:r>
+            <a:endParaRPr lang="ru-RU" dirty="0"/>
+          </a:p>
+          <a:p>
+            <a:pPr marL="0" indent="0">
+              <a:buNone/>
+            </a:pPr>
+            <a:endParaRPr lang="ru-RU" dirty="0"/>
+          </a:p>
+          <a:p>
+            <a:r>
+              <a:rPr lang="ru-RU" dirty="0"/>
+              <a:t>Исследование подходов к </a:t>
             </a:r>
             <a:r>
               <a:rPr lang="ru-RU" dirty="0" err="1"/>
-              <a:t>feature</a:t>
-            </a:r>
-            <a:r>
-              <a:rPr lang="ru-RU" dirty="0"/>
-              <a:t> векторов</a:t>
-            </a:r>
-          </a:p>
-          <a:p>
-            <a:pPr lvl="0"/>
-            <a:r>
-              <a:rPr lang="ru-RU" dirty="0"/>
-              <a:t>Оценка точности распознавания лиц</a:t>
-            </a:r>
-          </a:p>
-          <a:p>
-            <a:pPr marL="0" indent="0">
-              <a:buNone/>
-            </a:pPr>
-            <a:r>
-              <a:rPr lang="ru-RU" dirty="0"/>
-              <a:t>Итог: </a:t>
+              <a:t>детекции</a:t>
+            </a:r>
+            <a:r>
+              <a:rPr lang="ru-RU" dirty="0"/>
+              <a:t> лиц</a:t>
+            </a:r>
+          </a:p>
+          <a:p>
+            <a:r>
+              <a:rPr lang="ru-RU" dirty="0"/>
+              <a:t>Исследование подходов к выравниванию лиц</a:t>
+            </a:r>
+          </a:p>
+          <a:p>
+            <a:r>
+              <a:rPr lang="ru-RU" dirty="0"/>
+              <a:t>Исследование подходов к </a:t>
             </a:r>
             <a:r>
               <a:rPr lang="en-US" dirty="0"/>
-              <a:t>top</a:t>
-            </a:r>
-            <a:r>
-              <a:rPr lang="ru-RU" dirty="0"/>
-              <a:t>1-</a:t>
-            </a:r>
-            <a:r>
-              <a:rPr lang="en-US" dirty="0"/>
-              <a:t>accuracy </a:t>
-            </a:r>
-            <a:r>
-              <a:rPr lang="ru-RU" dirty="0"/>
-              <a:t>– процент правильно распознанных классификатором лиц </a:t>
-            </a:r>
-          </a:p>
-          <a:p>
-            <a:pPr lvl="0"/>
-            <a:r>
-              <a:rPr lang="ru-RU" dirty="0"/>
-              <a:t>Оценка риска перехода к тренировке классификатора. Принятие решения по замене текущих блоков </a:t>
-            </a:r>
-            <a:r>
-              <a:rPr lang="ru-RU" dirty="0" smtClean="0"/>
-              <a:t>в</a:t>
-            </a:r>
-            <a:r>
-              <a:rPr lang="ru-RU" dirty="0" smtClean="0"/>
-              <a:t>ысокоуровневого дизайна. </a:t>
-            </a:r>
-            <a:r>
-              <a:rPr lang="ru-RU" dirty="0"/>
-              <a:t>В случае замены, повторное снятие метрик, до получения приемлемого результаты</a:t>
-            </a:r>
-          </a:p>
-          <a:p>
-            <a:pPr marL="0" indent="0">
-              <a:buNone/>
-            </a:pPr>
-            <a:r>
-              <a:rPr lang="ru-RU" dirty="0"/>
-              <a:t>Итог: Методика получения пар </a:t>
+              <a:t>feature extraction</a:t>
+            </a:r>
+            <a:endParaRPr lang="ru-RU" dirty="0"/>
+          </a:p>
+          <a:p>
+            <a:r>
+              <a:rPr lang="ru-RU" dirty="0"/>
+              <a:t>Исследование подходов к определению близости </a:t>
             </a:r>
             <a:r>
               <a:rPr lang="en-US" dirty="0"/>
@@ -8245,29 +8530,7 @@
             </a:r>
             <a:r>
               <a:rPr lang="ru-RU" dirty="0"/>
-              <a:t>вектор – класс (имеется ввиду, класс распознавания) для тренировка классификатора.</a:t>
-            </a:r>
-          </a:p>
-          <a:p>
-            <a:pPr lvl="0"/>
-            <a:r>
-              <a:rPr lang="ru-RU" dirty="0"/>
-              <a:t>Тренировка классификатора. Создание финальной системы с нейронной сетью в качестве «</a:t>
-            </a:r>
-            <a:r>
-              <a:rPr lang="ru-RU" dirty="0" err="1"/>
-              <a:t>распознователя</a:t>
-            </a:r>
-            <a:r>
-              <a:rPr lang="ru-RU" dirty="0"/>
-              <a:t>» лиц</a:t>
-            </a:r>
-          </a:p>
-          <a:p>
-            <a:pPr lvl="0"/>
-            <a:r>
-              <a:rPr lang="ru-RU" dirty="0"/>
-              <a:t>Оценка точности распознавания лиц</a:t>
+              <a:t>векторов</a:t>
             </a:r>
           </a:p>
           <a:p>
@@ -8276,60 +8539,72 @@
             </a:pPr>
             <a:r>
               <a:rPr lang="ru-RU" dirty="0"/>
-              <a:t>Итог: </a:t>
+              <a:t>Итог: ПЗ по подходам к реализации каждого этапа + рекомендации по каждому этапу</a:t>
+            </a:r>
+            <a:r>
+              <a:rPr lang="ru-RU" dirty="0" smtClean="0"/>
+              <a:t>.</a:t>
+            </a:r>
+          </a:p>
+          <a:p>
+            <a:pPr marL="0" indent="0">
+              <a:buNone/>
+            </a:pPr>
+            <a:r>
+              <a:rPr lang="ru-RU" dirty="0" smtClean="0"/>
+              <a:t>Сроки:</a:t>
             </a:r>
             <a:r>
               <a:rPr lang="en-US" dirty="0"/>
-              <a:t>top</a:t>
-            </a:r>
-            <a:r>
-              <a:rPr lang="ru-RU" dirty="0"/>
-              <a:t>1-</a:t>
+              <a:t> 19.02.2019 – 21.03.2019</a:t>
+            </a:r>
+            <a:endParaRPr lang="ru-RU" dirty="0"/>
+          </a:p>
+          <a:p>
+            <a:pPr marL="0" indent="0">
+              <a:buNone/>
+            </a:pPr>
+            <a:endParaRPr lang="ru-RU" dirty="0"/>
+          </a:p>
+          <a:p>
+            <a:r>
+              <a:rPr lang="ru-RU" dirty="0"/>
+              <a:t>Исследование датасетов, используемых для распознавания </a:t>
+            </a:r>
+            <a:r>
+              <a:rPr lang="ru-RU" dirty="0" smtClean="0"/>
+              <a:t>лиц</a:t>
+            </a:r>
+            <a:endParaRPr lang="ru-RU" dirty="0"/>
+          </a:p>
+          <a:p>
+            <a:pPr marL="0" indent="0">
+              <a:buNone/>
+            </a:pPr>
+            <a:r>
+              <a:rPr lang="ru-RU" dirty="0"/>
+              <a:t>Итог: ПЗ по датасетам + понимание о ограничениях на каждый этап распознавания лиц, ввиду датасетов, на которых обучались нейронные сети, используемые в данном этапе (при использовании в соответственно этапе нейронной сети</a:t>
+            </a:r>
+            <a:r>
+              <a:rPr lang="ru-RU" dirty="0" smtClean="0"/>
+              <a:t>)</a:t>
+            </a:r>
+          </a:p>
+          <a:p>
+            <a:pPr marL="0" indent="0">
+              <a:buNone/>
+            </a:pPr>
+            <a:r>
+              <a:rPr lang="ru-RU" dirty="0" smtClean="0"/>
+              <a:t>Сроки: </a:t>
             </a:r>
             <a:r>
               <a:rPr lang="en-US" dirty="0"/>
-              <a:t>accuracy </a:t>
-            </a:r>
-            <a:r>
-              <a:rPr lang="ru-RU" dirty="0"/>
-              <a:t>– процент правильно распознанных классификатором лиц </a:t>
-            </a:r>
-          </a:p>
-          <a:p>
-            <a:pPr lvl="0"/>
-            <a:r>
-              <a:rPr lang="ru-RU" dirty="0"/>
-              <a:t>Оценка качества полученной системы в соответствии с методикой испытаний. Принятие решения по замене текущих блоков </a:t>
-            </a:r>
-            <a:r>
-              <a:rPr lang="ru-RU" dirty="0" err="1"/>
-              <a:t>пайплайна</a:t>
-            </a:r>
-            <a:r>
-              <a:rPr lang="ru-RU" dirty="0"/>
-              <a:t>. В случае замены, повторное снятие метрик с макета, до получения приемлемого результата, затем тренировка </a:t>
-            </a:r>
-            <a:r>
-              <a:rPr lang="ru-RU" dirty="0" smtClean="0"/>
-              <a:t>классификатора.</a:t>
-            </a:r>
-          </a:p>
-          <a:p>
-            <a:pPr marL="0" lvl="0" indent="0">
-              <a:buNone/>
-            </a:pPr>
-            <a:r>
-              <a:rPr lang="ru-RU" dirty="0" smtClean="0"/>
-              <a:t>Итог</a:t>
-            </a:r>
-            <a:r>
-              <a:rPr lang="ru-RU" dirty="0"/>
-              <a:t>: Финальный вариант </a:t>
-            </a:r>
-            <a:r>
-              <a:rPr lang="ru-RU" dirty="0" smtClean="0"/>
-              <a:t>системы</a:t>
-            </a:r>
+              <a:t>12.03.2019 – 21.03.2019</a:t>
+            </a:r>
+            <a:endParaRPr lang="ru-RU" dirty="0"/>
+          </a:p>
+          <a:p>
             <a:endParaRPr lang="ru-RU" dirty="0"/>
           </a:p>
         </p:txBody>
@@ -8337,7 +8612,7 @@
     </p:spTree>
     <p:extLst>
       <p:ext uri="{BB962C8B-B14F-4D97-AF65-F5344CB8AC3E}">
-        <p14:creationId xmlns:p14="http://schemas.microsoft.com/office/powerpoint/2010/main" val="1030392156"/>
+        <p14:creationId xmlns:p14="http://schemas.microsoft.com/office/powerpoint/2010/main" val="3483059047"/>
       </p:ext>
     </p:extLst>
   </p:cSld>
@@ -8374,34 +8649,22 @@
             <p:ph type="title"/>
           </p:nvPr>
         </p:nvSpPr>
-        <p:spPr/>
+        <p:spPr>
+          <a:xfrm>
+            <a:off x="677334" y="609600"/>
+            <a:ext cx="8596668" cy="1210574"/>
+          </a:xfrm>
+        </p:spPr>
         <p:txBody>
           <a:bodyPr>
-            <a:normAutofit fontScale="90000"/>
+            <a:normAutofit/>
           </a:bodyPr>
           <a:lstStyle/>
           <a:p>
-            <a:pPr lvl="0"/>
-            <a:r>
-              <a:rPr lang="ru-RU" dirty="0" smtClean="0"/>
-              <a:t>Календарный план. </a:t>
-            </a:r>
-            <a:r>
-              <a:rPr lang="ru-RU" dirty="0"/>
-              <a:t>Создание программной </a:t>
-            </a:r>
-            <a:r>
-              <a:rPr lang="ru-RU" dirty="0" smtClean="0"/>
-              <a:t>документации и испытания</a:t>
-            </a:r>
-            <a:r>
-              <a:rPr lang="ru-RU" dirty="0"/>
-              <a:t/>
-            </a:r>
-            <a:br>
-              <a:rPr lang="ru-RU" dirty="0"/>
-            </a:br>
-            <a:endParaRPr lang="ru-RU" dirty="0"/>
+            <a:r>
+              <a:rPr lang="ru-RU" sz="3200" dirty="0"/>
+              <a:t>Календарный план. Создание начального высокоуровневый дизайн</a:t>
+            </a:r>
           </a:p>
         </p:txBody>
       </p:sp>
@@ -8415,118 +8678,121 @@
             <p:ph idx="1"/>
           </p:nvPr>
         </p:nvSpPr>
-        <p:spPr/>
+        <p:spPr>
+          <a:xfrm>
+            <a:off x="677334" y="2160589"/>
+            <a:ext cx="8596668" cy="4231585"/>
+          </a:xfrm>
+        </p:spPr>
         <p:txBody>
           <a:bodyPr>
-            <a:normAutofit lnSpcReduction="10000"/>
+            <a:normAutofit/>
           </a:bodyPr>
           <a:lstStyle/>
           <a:p>
             <a:pPr lvl="0"/>
             <a:r>
-              <a:rPr lang="ru-RU" dirty="0"/>
-              <a:t>Создание программной </a:t>
-            </a:r>
-            <a:r>
-              <a:rPr lang="ru-RU" dirty="0" smtClean="0"/>
-              <a:t>документации</a:t>
-            </a:r>
-          </a:p>
-          <a:p>
-            <a:pPr lvl="1"/>
-            <a:r>
-              <a:rPr lang="ru-RU" dirty="0" smtClean="0"/>
-              <a:t>Разработка </a:t>
-            </a:r>
-            <a:r>
-              <a:rPr lang="ru-RU" dirty="0"/>
-              <a:t>методики испытаний (После согласования требований к системе)</a:t>
-            </a:r>
-          </a:p>
-          <a:p>
-            <a:pPr lvl="1"/>
-            <a:r>
-              <a:rPr lang="ru-RU" dirty="0"/>
-              <a:t>Разработка руководства оператора (После получения макета, учитывая изменения в </a:t>
-            </a:r>
-            <a:r>
-              <a:rPr lang="ru-RU" dirty="0" err="1" smtClean="0"/>
-              <a:t>в</a:t>
-            </a:r>
-            <a:r>
-              <a:rPr lang="ru-RU" dirty="0" err="1" smtClean="0"/>
-              <a:t>ысокоуровневнем</a:t>
-            </a:r>
-            <a:r>
-              <a:rPr lang="ru-RU" dirty="0" smtClean="0"/>
-              <a:t> дизайне)</a:t>
-            </a:r>
-            <a:endParaRPr lang="ru-RU" dirty="0"/>
-          </a:p>
-          <a:p>
-            <a:pPr lvl="1"/>
-            <a:r>
-              <a:rPr lang="ru-RU" dirty="0"/>
-              <a:t>Разработка руководства системного программиста (После получения макета, учитывая изменения в </a:t>
-            </a:r>
-            <a:r>
-              <a:rPr lang="ru-RU" dirty="0" err="1"/>
-              <a:t>высокоуровневнем</a:t>
-            </a:r>
-            <a:r>
-              <a:rPr lang="ru-RU" dirty="0"/>
-              <a:t> дизайне)</a:t>
-            </a:r>
-            <a:endParaRPr lang="ru-RU" dirty="0"/>
-          </a:p>
-          <a:p>
-            <a:pPr lvl="1"/>
-            <a:r>
-              <a:rPr lang="ru-RU" dirty="0"/>
-              <a:t>Создание итогового отчета по НИР (После получения макета, учитывая изменения в </a:t>
-            </a:r>
-            <a:r>
-              <a:rPr lang="ru-RU" dirty="0" err="1"/>
-              <a:t>высокоуровневнем</a:t>
-            </a:r>
-            <a:r>
-              <a:rPr lang="ru-RU" dirty="0"/>
-              <a:t> дизайне) </a:t>
-            </a:r>
-            <a:r>
-              <a:rPr lang="ru-RU" dirty="0" smtClean="0"/>
-              <a:t>Итог</a:t>
-            </a:r>
-            <a:r>
-              <a:rPr lang="ru-RU" dirty="0"/>
-              <a:t>: Методика испытаний, РО, РСП, отчет по </a:t>
-            </a:r>
-            <a:r>
-              <a:rPr lang="ru-RU" dirty="0" smtClean="0"/>
-              <a:t>НИР</a:t>
-            </a:r>
-            <a:endParaRPr lang="ru-RU" dirty="0"/>
+              <a:rPr lang="ru-RU" sz="1400" dirty="0"/>
+              <a:t>Выбор методов для </a:t>
+            </a:r>
+            <a:r>
+              <a:rPr lang="ru-RU" sz="1400" dirty="0" err="1"/>
+              <a:t>детекции</a:t>
+            </a:r>
+            <a:r>
+              <a:rPr lang="ru-RU" sz="1400" dirty="0"/>
+              <a:t> лиц, выравнивания лиц, </a:t>
+            </a:r>
+            <a:r>
+              <a:rPr lang="en-US" sz="1400" dirty="0"/>
+              <a:t>feature extraction</a:t>
+            </a:r>
+            <a:r>
+              <a:rPr lang="ru-RU" sz="1400" dirty="0"/>
+              <a:t>, подхода к определению близости векторов (по качеству, скорости)</a:t>
+            </a:r>
           </a:p>
           <a:p>
             <a:pPr lvl="0"/>
             <a:r>
-              <a:rPr lang="ru-RU" dirty="0"/>
-              <a:t>Испытания</a:t>
-            </a:r>
-          </a:p>
-          <a:p>
-            <a:pPr lvl="1"/>
-            <a:r>
-              <a:rPr lang="ru-RU" dirty="0"/>
-              <a:t>Испытания у заказчика</a:t>
-            </a:r>
-          </a:p>
-          <a:p>
-            <a:pPr lvl="1"/>
-            <a:r>
-              <a:rPr lang="ru-RU" dirty="0"/>
-              <a:t>Оценка результатов</a:t>
-            </a:r>
+              <a:rPr lang="ru-RU" sz="1400" dirty="0"/>
+              <a:t>Уточнение входов и выходов для каждого этапа и оценка сложности создания адаптеров между этапами</a:t>
+            </a:r>
+          </a:p>
+          <a:p>
+            <a:pPr marL="0" indent="0">
+              <a:buNone/>
+            </a:pPr>
+            <a:r>
+              <a:rPr lang="ru-RU" sz="1400" dirty="0"/>
+              <a:t>Итог: начальный высокоуровневый </a:t>
+            </a:r>
+            <a:r>
+              <a:rPr lang="ru-RU" sz="1400" dirty="0" smtClean="0"/>
+              <a:t>дизайн</a:t>
+            </a:r>
+            <a:endParaRPr lang="en-US" sz="1400" dirty="0" smtClean="0"/>
+          </a:p>
+          <a:p>
+            <a:pPr marL="0" indent="0">
+              <a:buNone/>
+            </a:pPr>
+            <a:r>
+              <a:rPr lang="ru-RU" sz="1400" dirty="0" smtClean="0"/>
+              <a:t>Сроки</a:t>
+            </a:r>
+            <a:r>
+              <a:rPr lang="ru-RU" sz="1400" dirty="0"/>
+              <a:t>: 05.02.2019 – </a:t>
+            </a:r>
+            <a:r>
+              <a:rPr lang="ru-RU" sz="1400" dirty="0" smtClean="0"/>
+              <a:t>20.05.2019</a:t>
+            </a:r>
+            <a:endParaRPr lang="en-US" sz="1400" dirty="0" smtClean="0"/>
+          </a:p>
+          <a:p>
+            <a:pPr marL="0" indent="0">
+              <a:buNone/>
+            </a:pPr>
+            <a:endParaRPr lang="ru-RU" sz="1400" dirty="0"/>
+          </a:p>
+          <a:p>
+            <a:pPr lvl="0"/>
+            <a:r>
+              <a:rPr lang="ru-RU" sz="1400" dirty="0"/>
+              <a:t>Определение требований к входному изображению (Формат, разрешение, размер и поворот лиц, освещение и т.д.)</a:t>
+            </a:r>
+          </a:p>
+          <a:p>
+            <a:pPr lvl="0"/>
+            <a:r>
+              <a:rPr lang="ru-RU" sz="1400" dirty="0"/>
+              <a:t>Определение формата и объема выходных данных</a:t>
+            </a:r>
+          </a:p>
+          <a:p>
+            <a:pPr marL="0" indent="0">
+              <a:buNone/>
+            </a:pPr>
+            <a:r>
+              <a:rPr lang="ru-RU" sz="1400" dirty="0"/>
+              <a:t>Итог: ПЗ по входным и выходным данным и ограничениям, соответственно, понимание формата требуемых данных для тренировочной и тестовой выборки фотографий. Начало сбора фотографий для датасета</a:t>
+            </a:r>
+            <a:r>
+              <a:rPr lang="ru-RU" sz="1400" dirty="0" smtClean="0"/>
+              <a:t>.</a:t>
+            </a:r>
+          </a:p>
+          <a:p>
+            <a:pPr marL="0" indent="0">
+              <a:buNone/>
+            </a:pPr>
+            <a:r>
+              <a:rPr lang="ru-RU" sz="1400" dirty="0" smtClean="0"/>
+              <a:t>Сроки: 05.02.2019 – 20.05.2019</a:t>
+            </a:r>
+            <a:endParaRPr lang="ru-RU" sz="1400" dirty="0"/>
           </a:p>
           <a:p>
             <a:endParaRPr lang="ru-RU" dirty="0"/>
@@ -8536,7 +8802,7 @@
     </p:spTree>
     <p:extLst>
       <p:ext uri="{BB962C8B-B14F-4D97-AF65-F5344CB8AC3E}">
-        <p14:creationId xmlns:p14="http://schemas.microsoft.com/office/powerpoint/2010/main" val="2601010136"/>
+        <p14:creationId xmlns:p14="http://schemas.microsoft.com/office/powerpoint/2010/main" val="4142934000"/>
       </p:ext>
     </p:extLst>
   </p:cSld>
@@ -8565,6 +8831,681 @@
       </p:grpSpPr>
       <p:sp>
         <p:nvSpPr>
+          <p:cNvPr id="2" name="Заголовок 1"/>
+          <p:cNvSpPr>
+            <a:spLocks noGrp="1"/>
+          </p:cNvSpPr>
+          <p:nvPr>
+            <p:ph type="title"/>
+          </p:nvPr>
+        </p:nvSpPr>
+        <p:spPr>
+          <a:xfrm>
+            <a:off x="677334" y="178279"/>
+            <a:ext cx="8596668" cy="1320800"/>
+          </a:xfrm>
+        </p:spPr>
+        <p:txBody>
+          <a:bodyPr>
+            <a:normAutofit/>
+          </a:bodyPr>
+          <a:lstStyle/>
+          <a:p>
+            <a:pPr lvl="0"/>
+            <a:r>
+              <a:rPr lang="ru-RU" sz="3200" dirty="0"/>
+              <a:t>Календарный план. Создание программного </a:t>
+            </a:r>
+            <a:r>
+              <a:rPr lang="ru-RU" sz="3200" dirty="0" smtClean="0"/>
+              <a:t>продукта. Этап галереи.</a:t>
+            </a:r>
+            <a:endParaRPr lang="ru-RU" sz="3200" dirty="0"/>
+          </a:p>
+        </p:txBody>
+      </p:sp>
+      <p:sp>
+        <p:nvSpPr>
+          <p:cNvPr id="3" name="Объект 2"/>
+          <p:cNvSpPr>
+            <a:spLocks noGrp="1"/>
+          </p:cNvSpPr>
+          <p:nvPr>
+            <p:ph idx="1"/>
+          </p:nvPr>
+        </p:nvSpPr>
+        <p:spPr>
+          <a:xfrm>
+            <a:off x="677334" y="1559463"/>
+            <a:ext cx="8725458" cy="5100129"/>
+          </a:xfrm>
+        </p:spPr>
+        <p:txBody>
+          <a:bodyPr>
+            <a:normAutofit fontScale="92500" lnSpcReduction="10000"/>
+          </a:bodyPr>
+          <a:lstStyle/>
+          <a:p>
+            <a:pPr lvl="0"/>
+            <a:r>
+              <a:rPr lang="ru-RU" sz="1600" dirty="0"/>
+              <a:t>Создание и согласование веб интерфейса </a:t>
+            </a:r>
+            <a:endParaRPr lang="en-US" sz="1600" dirty="0" smtClean="0"/>
+          </a:p>
+          <a:p>
+            <a:pPr marL="0" lvl="0" indent="0">
+              <a:buNone/>
+            </a:pPr>
+            <a:r>
+              <a:rPr lang="ru-RU" sz="1600" dirty="0" smtClean="0"/>
+              <a:t>Итог: Утвержденный веб интерфейс</a:t>
+            </a:r>
+          </a:p>
+          <a:p>
+            <a:pPr marL="0" indent="0">
+              <a:buNone/>
+            </a:pPr>
+            <a:r>
+              <a:rPr lang="ru-RU" sz="1600" dirty="0" smtClean="0"/>
+              <a:t>Сроки</a:t>
+            </a:r>
+            <a:r>
+              <a:rPr lang="ru-RU" sz="1600" dirty="0"/>
+              <a:t>: </a:t>
+            </a:r>
+            <a:r>
+              <a:rPr lang="ru-RU" sz="1600" dirty="0" smtClean="0"/>
+              <a:t>09.04.2019 </a:t>
+            </a:r>
+            <a:r>
+              <a:rPr lang="ru-RU" sz="1600" dirty="0"/>
+              <a:t>– </a:t>
+            </a:r>
+            <a:r>
+              <a:rPr lang="ru-RU" sz="1600" dirty="0" smtClean="0"/>
+              <a:t>20.05.2019</a:t>
+            </a:r>
+            <a:endParaRPr lang="ru-RU" sz="1600" dirty="0"/>
+          </a:p>
+          <a:p>
+            <a:pPr marL="0" indent="0">
+              <a:buNone/>
+            </a:pPr>
+            <a:endParaRPr lang="ru-RU" sz="1600" dirty="0"/>
+          </a:p>
+          <a:p>
+            <a:pPr lvl="0"/>
+            <a:r>
+              <a:rPr lang="ru-RU" sz="1600" dirty="0"/>
+              <a:t>Создание макета продукта с галереей фотографий в качестве основы для определения близости </a:t>
+            </a:r>
+            <a:r>
+              <a:rPr lang="ru-RU" sz="1600" dirty="0" err="1"/>
+              <a:t>feature</a:t>
+            </a:r>
+            <a:r>
+              <a:rPr lang="ru-RU" sz="1600" dirty="0"/>
+              <a:t> векторов</a:t>
+            </a:r>
+          </a:p>
+          <a:p>
+            <a:pPr lvl="0"/>
+            <a:r>
+              <a:rPr lang="ru-RU" sz="1600" dirty="0"/>
+              <a:t>Оценка точности распознавания лиц</a:t>
+            </a:r>
+          </a:p>
+          <a:p>
+            <a:pPr marL="0" indent="0">
+              <a:buNone/>
+            </a:pPr>
+            <a:r>
+              <a:rPr lang="ru-RU" sz="1600" dirty="0"/>
+              <a:t>Итог: </a:t>
+            </a:r>
+            <a:r>
+              <a:rPr lang="en-US" sz="1600" dirty="0"/>
+              <a:t>top</a:t>
+            </a:r>
+            <a:r>
+              <a:rPr lang="ru-RU" sz="1600" dirty="0"/>
+              <a:t>1-</a:t>
+            </a:r>
+            <a:r>
+              <a:rPr lang="en-US" sz="1600" dirty="0"/>
+              <a:t>accuracy </a:t>
+            </a:r>
+            <a:r>
+              <a:rPr lang="ru-RU" sz="1600" dirty="0"/>
+              <a:t>– процент правильно распознанных классификатором лиц </a:t>
+            </a:r>
+            <a:endParaRPr lang="ru-RU" sz="1600" dirty="0" smtClean="0"/>
+          </a:p>
+          <a:p>
+            <a:pPr marL="0" indent="0">
+              <a:buNone/>
+            </a:pPr>
+            <a:r>
+              <a:rPr lang="ru-RU" sz="1600" dirty="0"/>
+              <a:t>Сроки: </a:t>
+            </a:r>
+            <a:r>
+              <a:rPr lang="ru-RU" sz="1600" dirty="0" smtClean="0"/>
+              <a:t>16.04.2019 </a:t>
+            </a:r>
+            <a:r>
+              <a:rPr lang="ru-RU" sz="1600" dirty="0"/>
+              <a:t>– </a:t>
+            </a:r>
+            <a:r>
+              <a:rPr lang="ru-RU" sz="1600" dirty="0" smtClean="0"/>
+              <a:t>30.04.2019</a:t>
+            </a:r>
+            <a:endParaRPr lang="ru-RU" sz="1600" dirty="0"/>
+          </a:p>
+          <a:p>
+            <a:pPr marL="0" indent="0">
+              <a:buNone/>
+            </a:pPr>
+            <a:endParaRPr lang="ru-RU" sz="1600" dirty="0"/>
+          </a:p>
+          <a:p>
+            <a:pPr lvl="0"/>
+            <a:r>
+              <a:rPr lang="ru-RU" sz="1600" dirty="0"/>
+              <a:t>Оценка риска перехода к тренировке классификатора. Принятие решения по замене текущих блоков высокоуровневого дизайна. В случае замены, повторное снятие метрик, до получения приемлемого результаты</a:t>
+            </a:r>
+          </a:p>
+          <a:p>
+            <a:pPr marL="0" indent="0">
+              <a:buNone/>
+            </a:pPr>
+            <a:r>
+              <a:rPr lang="ru-RU" sz="1600" dirty="0"/>
+              <a:t>Итог: Методика получения пар </a:t>
+            </a:r>
+            <a:r>
+              <a:rPr lang="en-US" sz="1600" dirty="0"/>
+              <a:t>feature </a:t>
+            </a:r>
+            <a:r>
+              <a:rPr lang="ru-RU" sz="1600" dirty="0"/>
+              <a:t>вектор – класс (имеется ввиду, класс распознавания) для тренировка классификатора</a:t>
+            </a:r>
+            <a:r>
+              <a:rPr lang="ru-RU" sz="1600" dirty="0" smtClean="0"/>
+              <a:t>.</a:t>
+            </a:r>
+          </a:p>
+          <a:p>
+            <a:pPr marL="0" indent="0">
+              <a:buNone/>
+            </a:pPr>
+            <a:r>
+              <a:rPr lang="ru-RU" sz="1600" dirty="0"/>
+              <a:t>Сроки: </a:t>
+            </a:r>
+            <a:r>
+              <a:rPr lang="ru-RU" sz="1600" dirty="0" smtClean="0"/>
+              <a:t>30.04.2019 </a:t>
+            </a:r>
+            <a:r>
+              <a:rPr lang="ru-RU" sz="1600" dirty="0"/>
+              <a:t>– </a:t>
+            </a:r>
+            <a:r>
+              <a:rPr lang="ru-RU" sz="1600" dirty="0" smtClean="0"/>
+              <a:t>07.05.2019</a:t>
+            </a:r>
+            <a:endParaRPr lang="ru-RU" sz="1600" dirty="0"/>
+          </a:p>
+          <a:p>
+            <a:pPr marL="0" indent="0">
+              <a:buNone/>
+            </a:pPr>
+            <a:endParaRPr lang="ru-RU" sz="3300" dirty="0"/>
+          </a:p>
+          <a:p>
+            <a:pPr marL="0" lvl="0" indent="0">
+              <a:buNone/>
+            </a:pPr>
+            <a:endParaRPr lang="ru-RU" dirty="0"/>
+          </a:p>
+        </p:txBody>
+      </p:sp>
+    </p:spTree>
+    <p:extLst>
+      <p:ext uri="{BB962C8B-B14F-4D97-AF65-F5344CB8AC3E}">
+        <p14:creationId xmlns:p14="http://schemas.microsoft.com/office/powerpoint/2010/main" val="1030392156"/>
+      </p:ext>
+    </p:extLst>
+  </p:cSld>
+  <p:clrMapOvr>
+    <a:masterClrMapping/>
+  </p:clrMapOvr>
+</p:sld>
+</file>
+
+<file path=ppt/slides/slide23.xml><?xml version="1.0" encoding="utf-8"?>
+<p:sld xmlns:a="http://schemas.openxmlformats.org/drawingml/2006/main" xmlns:r="http://schemas.openxmlformats.org/officeDocument/2006/relationships" xmlns:p="http://schemas.openxmlformats.org/presentationml/2006/main">
+  <p:cSld>
+    <p:spTree>
+      <p:nvGrpSpPr>
+        <p:cNvPr id="1" name=""/>
+        <p:cNvGrpSpPr/>
+        <p:nvPr/>
+      </p:nvGrpSpPr>
+      <p:grpSpPr>
+        <a:xfrm>
+          <a:off x="0" y="0"/>
+          <a:ext cx="0" cy="0"/>
+          <a:chOff x="0" y="0"/>
+          <a:chExt cx="0" cy="0"/>
+        </a:xfrm>
+      </p:grpSpPr>
+      <p:sp>
+        <p:nvSpPr>
+          <p:cNvPr id="2" name="Title 1"/>
+          <p:cNvSpPr>
+            <a:spLocks noGrp="1"/>
+          </p:cNvSpPr>
+          <p:nvPr>
+            <p:ph type="title"/>
+          </p:nvPr>
+        </p:nvSpPr>
+        <p:spPr/>
+        <p:txBody>
+          <a:bodyPr>
+            <a:normAutofit fontScale="90000"/>
+          </a:bodyPr>
+          <a:lstStyle/>
+          <a:p>
+            <a:r>
+              <a:rPr lang="ru-RU" dirty="0"/>
+              <a:t>Календарный план. Создание программного </a:t>
+            </a:r>
+            <a:r>
+              <a:rPr lang="ru-RU" dirty="0" smtClean="0"/>
+              <a:t>продукта. Этап классификатора.</a:t>
+            </a:r>
+            <a:endParaRPr lang="en-US" dirty="0"/>
+          </a:p>
+        </p:txBody>
+      </p:sp>
+      <p:sp>
+        <p:nvSpPr>
+          <p:cNvPr id="3" name="Content Placeholder 2"/>
+          <p:cNvSpPr>
+            <a:spLocks noGrp="1"/>
+          </p:cNvSpPr>
+          <p:nvPr>
+            <p:ph idx="1"/>
+          </p:nvPr>
+        </p:nvSpPr>
+        <p:spPr>
+          <a:xfrm>
+            <a:off x="677334" y="2160589"/>
+            <a:ext cx="8596668" cy="4084936"/>
+          </a:xfrm>
+        </p:spPr>
+        <p:txBody>
+          <a:bodyPr>
+            <a:normAutofit/>
+          </a:bodyPr>
+          <a:lstStyle/>
+          <a:p>
+            <a:pPr lvl="0"/>
+            <a:r>
+              <a:rPr lang="ru-RU" sz="1500" dirty="0"/>
+              <a:t>Тренировка классификатора. Создание финальной системы с нейронной сетью в качестве «распознователя» лиц</a:t>
+            </a:r>
+          </a:p>
+          <a:p>
+            <a:pPr lvl="0"/>
+            <a:r>
+              <a:rPr lang="ru-RU" sz="1500" dirty="0"/>
+              <a:t>Оценка точности распознавания лиц</a:t>
+            </a:r>
+          </a:p>
+          <a:p>
+            <a:pPr marL="0" indent="0">
+              <a:buNone/>
+            </a:pPr>
+            <a:r>
+              <a:rPr lang="ru-RU" sz="1500" dirty="0"/>
+              <a:t>Итог: </a:t>
+            </a:r>
+            <a:r>
+              <a:rPr lang="en-US" sz="1500" dirty="0"/>
+              <a:t>top</a:t>
+            </a:r>
+            <a:r>
+              <a:rPr lang="ru-RU" sz="1500" dirty="0"/>
+              <a:t>1-</a:t>
+            </a:r>
+            <a:r>
+              <a:rPr lang="en-US" sz="1500" dirty="0"/>
+              <a:t>accuracy </a:t>
+            </a:r>
+            <a:r>
+              <a:rPr lang="ru-RU" sz="1500" dirty="0"/>
+              <a:t>– процент правильно распознанных классификатором лиц </a:t>
+            </a:r>
+          </a:p>
+          <a:p>
+            <a:pPr marL="0" indent="0">
+              <a:buNone/>
+            </a:pPr>
+            <a:r>
+              <a:rPr lang="ru-RU" sz="1500" dirty="0"/>
+              <a:t>Сроки: </a:t>
+            </a:r>
+            <a:r>
+              <a:rPr lang="ru-RU" sz="1500" dirty="0" smtClean="0"/>
+              <a:t>07.05.2019 </a:t>
+            </a:r>
+            <a:r>
+              <a:rPr lang="ru-RU" sz="1500" dirty="0"/>
+              <a:t>– </a:t>
+            </a:r>
+            <a:r>
+              <a:rPr lang="ru-RU" sz="1500" dirty="0" smtClean="0"/>
+              <a:t>18.05.2019</a:t>
+            </a:r>
+            <a:endParaRPr lang="ru-RU" sz="1500" dirty="0"/>
+          </a:p>
+          <a:p>
+            <a:pPr marL="0" indent="0">
+              <a:buNone/>
+            </a:pPr>
+            <a:endParaRPr lang="ru-RU" sz="1500" dirty="0"/>
+          </a:p>
+          <a:p>
+            <a:pPr lvl="0"/>
+            <a:r>
+              <a:rPr lang="ru-RU" sz="1500" dirty="0"/>
+              <a:t>Оценка качества полученной системы в соответствии с методикой испытаний. Принятие решения по замене текущих блоков пайплайна. В случае замены, повторное снятие метрик с макета, до получения приемлемого результата, затем тренировка классификатора.</a:t>
+            </a:r>
+          </a:p>
+          <a:p>
+            <a:pPr marL="0" lvl="0" indent="0">
+              <a:buNone/>
+            </a:pPr>
+            <a:r>
+              <a:rPr lang="ru-RU" sz="1500" dirty="0"/>
+              <a:t>Итог: Финальный вариант системы</a:t>
+            </a:r>
+          </a:p>
+          <a:p>
+            <a:pPr marL="0" indent="0">
+              <a:buNone/>
+            </a:pPr>
+            <a:r>
+              <a:rPr lang="ru-RU" sz="1500" dirty="0"/>
+              <a:t>Сроки: </a:t>
+            </a:r>
+            <a:r>
+              <a:rPr lang="ru-RU" sz="1500" dirty="0" smtClean="0"/>
+              <a:t>07.05.2019 </a:t>
+            </a:r>
+            <a:r>
+              <a:rPr lang="ru-RU" sz="1500" dirty="0"/>
+              <a:t>– </a:t>
+            </a:r>
+            <a:r>
+              <a:rPr lang="ru-RU" sz="1500" dirty="0" smtClean="0"/>
+              <a:t>20.05.2019</a:t>
+            </a:r>
+            <a:endParaRPr lang="ru-RU" sz="1500" dirty="0"/>
+          </a:p>
+          <a:p>
+            <a:endParaRPr lang="en-US" dirty="0"/>
+          </a:p>
+        </p:txBody>
+      </p:sp>
+    </p:spTree>
+    <p:extLst>
+      <p:ext uri="{BB962C8B-B14F-4D97-AF65-F5344CB8AC3E}">
+        <p14:creationId xmlns:p14="http://schemas.microsoft.com/office/powerpoint/2010/main" val="220120615"/>
+      </p:ext>
+    </p:extLst>
+  </p:cSld>
+  <p:clrMapOvr>
+    <a:masterClrMapping/>
+  </p:clrMapOvr>
+</p:sld>
+</file>
+
+<file path=ppt/slides/slide24.xml><?xml version="1.0" encoding="utf-8"?>
+<p:sld xmlns:a="http://schemas.openxmlformats.org/drawingml/2006/main" xmlns:r="http://schemas.openxmlformats.org/officeDocument/2006/relationships" xmlns:p="http://schemas.openxmlformats.org/presentationml/2006/main">
+  <p:cSld>
+    <p:spTree>
+      <p:nvGrpSpPr>
+        <p:cNvPr id="1" name=""/>
+        <p:cNvGrpSpPr/>
+        <p:nvPr/>
+      </p:nvGrpSpPr>
+      <p:grpSpPr>
+        <a:xfrm>
+          <a:off x="0" y="0"/>
+          <a:ext cx="0" cy="0"/>
+          <a:chOff x="0" y="0"/>
+          <a:chExt cx="0" cy="0"/>
+        </a:xfrm>
+      </p:grpSpPr>
+      <p:sp>
+        <p:nvSpPr>
+          <p:cNvPr id="2" name="Заголовок 1"/>
+          <p:cNvSpPr>
+            <a:spLocks noGrp="1"/>
+          </p:cNvSpPr>
+          <p:nvPr>
+            <p:ph type="title"/>
+          </p:nvPr>
+        </p:nvSpPr>
+        <p:spPr/>
+        <p:txBody>
+          <a:bodyPr>
+            <a:normAutofit fontScale="90000"/>
+          </a:bodyPr>
+          <a:lstStyle/>
+          <a:p>
+            <a:pPr lvl="0"/>
+            <a:r>
+              <a:rPr lang="ru-RU" dirty="0"/>
+              <a:t>Календарный план. Создание программной документации и испытания</a:t>
+            </a:r>
+            <a:br>
+              <a:rPr lang="ru-RU" dirty="0"/>
+            </a:br>
+            <a:endParaRPr lang="ru-RU" dirty="0"/>
+          </a:p>
+        </p:txBody>
+      </p:sp>
+      <p:sp>
+        <p:nvSpPr>
+          <p:cNvPr id="3" name="Объект 2"/>
+          <p:cNvSpPr>
+            <a:spLocks noGrp="1"/>
+          </p:cNvSpPr>
+          <p:nvPr>
+            <p:ph idx="1"/>
+          </p:nvPr>
+        </p:nvSpPr>
+        <p:spPr>
+          <a:xfrm>
+            <a:off x="677334" y="2160589"/>
+            <a:ext cx="8596668" cy="4257464"/>
+          </a:xfrm>
+        </p:spPr>
+        <p:txBody>
+          <a:bodyPr>
+            <a:normAutofit fontScale="92500" lnSpcReduction="10000"/>
+          </a:bodyPr>
+          <a:lstStyle/>
+          <a:p>
+            <a:pPr lvl="0"/>
+            <a:r>
+              <a:rPr lang="ru-RU" sz="1500" dirty="0"/>
+              <a:t>Создание программной документации</a:t>
+            </a:r>
+          </a:p>
+          <a:p>
+            <a:pPr lvl="1"/>
+            <a:r>
+              <a:rPr lang="ru-RU" sz="1500" dirty="0"/>
+              <a:t>Разработка методики испытаний (После согласования требований к системе)</a:t>
+            </a:r>
+          </a:p>
+          <a:p>
+            <a:pPr lvl="1"/>
+            <a:r>
+              <a:rPr lang="ru-RU" sz="1500" dirty="0"/>
+              <a:t>Разработка руководства оператора (После получения макета, учитывая изменения в </a:t>
+            </a:r>
+            <a:r>
+              <a:rPr lang="ru-RU" sz="1500" dirty="0" err="1"/>
+              <a:t>высокоуровневнем</a:t>
+            </a:r>
+            <a:r>
+              <a:rPr lang="ru-RU" sz="1500" dirty="0"/>
+              <a:t> дизайне)</a:t>
+            </a:r>
+          </a:p>
+          <a:p>
+            <a:pPr lvl="1"/>
+            <a:r>
+              <a:rPr lang="ru-RU" sz="1500" dirty="0"/>
+              <a:t>Разработка руководства системного программиста (После получения макета, учитывая изменения в </a:t>
+            </a:r>
+            <a:r>
+              <a:rPr lang="ru-RU" sz="1500" dirty="0" err="1"/>
+              <a:t>высокоуровневнем</a:t>
+            </a:r>
+            <a:r>
+              <a:rPr lang="ru-RU" sz="1500" dirty="0"/>
+              <a:t> дизайне)</a:t>
+            </a:r>
+          </a:p>
+          <a:p>
+            <a:pPr lvl="1"/>
+            <a:r>
+              <a:rPr lang="ru-RU" sz="1500" dirty="0"/>
+              <a:t>Создание итогового отчета по НИР (После получения макета, учитывая изменения в высокоуровневнем дизайне) Итог: Методика испытаний, РО, РСП, отчет по </a:t>
+            </a:r>
+            <a:r>
+              <a:rPr lang="ru-RU" sz="1500" dirty="0" smtClean="0"/>
+              <a:t>НИР</a:t>
+            </a:r>
+            <a:endParaRPr lang="ru-RU" sz="1500" dirty="0"/>
+          </a:p>
+          <a:p>
+            <a:pPr marL="57150" indent="0">
+              <a:buNone/>
+            </a:pPr>
+            <a:r>
+              <a:rPr lang="ru-RU" sz="1500" dirty="0" smtClean="0"/>
+              <a:t>Сроки</a:t>
+            </a:r>
+            <a:r>
+              <a:rPr lang="ru-RU" sz="1500" dirty="0"/>
+              <a:t>: 09.04.2019 – </a:t>
+            </a:r>
+            <a:r>
+              <a:rPr lang="ru-RU" sz="1500" dirty="0" smtClean="0"/>
+              <a:t>20.05.2019</a:t>
+            </a:r>
+          </a:p>
+          <a:p>
+            <a:pPr marL="57150" indent="0">
+              <a:buNone/>
+            </a:pPr>
+            <a:endParaRPr lang="ru-RU" sz="1500" dirty="0" smtClean="0"/>
+          </a:p>
+          <a:p>
+            <a:pPr lvl="0"/>
+            <a:r>
+              <a:rPr lang="ru-RU" sz="1500" dirty="0" smtClean="0"/>
+              <a:t>Испытания</a:t>
+            </a:r>
+            <a:endParaRPr lang="ru-RU" sz="1500" dirty="0"/>
+          </a:p>
+          <a:p>
+            <a:pPr lvl="1"/>
+            <a:r>
+              <a:rPr lang="ru-RU" sz="1500" dirty="0"/>
+              <a:t>Испытания у заказчика</a:t>
+            </a:r>
+          </a:p>
+          <a:p>
+            <a:pPr lvl="1"/>
+            <a:r>
+              <a:rPr lang="ru-RU" sz="1500" dirty="0"/>
+              <a:t>Оценка </a:t>
+            </a:r>
+            <a:r>
+              <a:rPr lang="ru-RU" sz="1500" dirty="0" smtClean="0"/>
+              <a:t>результатов</a:t>
+            </a:r>
+          </a:p>
+          <a:p>
+            <a:pPr marL="57150" indent="0">
+              <a:buNone/>
+            </a:pPr>
+            <a:r>
+              <a:rPr lang="ru-RU" sz="1500" dirty="0"/>
+              <a:t>Сроки: </a:t>
+            </a:r>
+            <a:r>
+              <a:rPr lang="ru-RU" sz="1500" dirty="0" smtClean="0"/>
+              <a:t>21.05.2019</a:t>
+            </a:r>
+            <a:endParaRPr lang="ru-RU" sz="1500" dirty="0"/>
+          </a:p>
+          <a:p>
+            <a:pPr marL="457200" lvl="1" indent="0">
+              <a:buNone/>
+            </a:pPr>
+            <a:endParaRPr lang="ru-RU" dirty="0"/>
+          </a:p>
+          <a:p>
+            <a:endParaRPr lang="ru-RU" dirty="0"/>
+          </a:p>
+        </p:txBody>
+      </p:sp>
+    </p:spTree>
+    <p:extLst>
+      <p:ext uri="{BB962C8B-B14F-4D97-AF65-F5344CB8AC3E}">
+        <p14:creationId xmlns:p14="http://schemas.microsoft.com/office/powerpoint/2010/main" val="2601010136"/>
+      </p:ext>
+    </p:extLst>
+  </p:cSld>
+  <p:clrMapOvr>
+    <a:masterClrMapping/>
+  </p:clrMapOvr>
+</p:sld>
+</file>
+
+<file path=ppt/slides/slide25.xml><?xml version="1.0" encoding="utf-8"?>
+<p:sld xmlns:a="http://schemas.openxmlformats.org/drawingml/2006/main" xmlns:r="http://schemas.openxmlformats.org/officeDocument/2006/relationships" xmlns:p="http://schemas.openxmlformats.org/presentationml/2006/main">
+  <p:cSld>
+    <p:spTree>
+      <p:nvGrpSpPr>
+        <p:cNvPr id="1" name=""/>
+        <p:cNvGrpSpPr/>
+        <p:nvPr/>
+      </p:nvGrpSpPr>
+      <p:grpSpPr>
+        <a:xfrm>
+          <a:off x="0" y="0"/>
+          <a:ext cx="0" cy="0"/>
+          <a:chOff x="0" y="0"/>
+          <a:chExt cx="0" cy="0"/>
+        </a:xfrm>
+      </p:grpSpPr>
+      <p:sp>
+        <p:nvSpPr>
           <p:cNvPr id="2" name="Title 1">
             <a:extLst>
               <a:ext uri="{FF2B5EF4-FFF2-40B4-BE49-F238E27FC236}">
@@ -8586,11 +9527,7 @@
           <a:p>
             <a:r>
               <a:rPr lang="ru-RU"/>
-              <a:t>Разворачивание </a:t>
-            </a:r>
-            <a:r>
-              <a:rPr lang="ru-RU" smtClean="0"/>
-              <a:t>инфраструктуры </a:t>
+              <a:t>Разворачивание инфраструктуры </a:t>
             </a:r>
             <a:r>
               <a:rPr lang="ru-RU" dirty="0"/>
@@ -8626,24 +9563,18 @@
               <a:t>Система контроля версий – </a:t>
             </a:r>
             <a:r>
-              <a:rPr lang="en-US" dirty="0" err="1" smtClean="0"/>
+              <a:rPr lang="en-US" dirty="0" err="1"/>
               <a:t>Git</a:t>
             </a:r>
             <a:r>
-              <a:rPr lang="ru-RU" dirty="0" smtClean="0"/>
+              <a:rPr lang="ru-RU" dirty="0"/>
               <a:t> - </a:t>
-            </a:r>
-            <a:r>
-              <a:rPr lang="en-US" dirty="0" smtClean="0">
-                <a:hlinkClick r:id="rId2"/>
-              </a:rPr>
-              <a:t>https</a:t>
             </a:r>
             <a:r>
               <a:rPr lang="en-US" dirty="0">
                 <a:hlinkClick r:id="rId2"/>
               </a:rPr>
-              <a:t>://github.com/greyhuman/FaceReco</a:t>
+              <a:t>https://github.com/greyhuman/FaceReco</a:t>
             </a:r>
             <a:endParaRPr lang="en-US" dirty="0"/>
           </a:p>
@@ -8696,17 +9627,10 @@
   <p:clrMapOvr>
     <a:masterClrMapping/>
   </p:clrMapOvr>
-  <p:timing>
-    <p:tnLst>
-      <p:par>
-        <p:cTn id="1" dur="indefinite" restart="never" nodeType="tmRoot"/>
-      </p:par>
-    </p:tnLst>
-  </p:timing>
 </p:sld>
 </file>
 
-<file path=ppt/slides/slide23.xml><?xml version="1.0" encoding="utf-8"?>
+<file path=ppt/slides/slide26.xml><?xml version="1.0" encoding="utf-8"?>
 <p:sld xmlns:a="http://schemas.openxmlformats.org/drawingml/2006/main" xmlns:r="http://schemas.openxmlformats.org/officeDocument/2006/relationships" xmlns:p="http://schemas.openxmlformats.org/presentationml/2006/main">
   <p:cSld>
     <p:spTree>
@@ -8739,10 +9663,9 @@
           <a:lstStyle/>
           <a:p>
             <a:r>
-              <a:rPr lang="ru-RU" dirty="0" smtClean="0"/>
+              <a:rPr lang="ru-RU" dirty="0"/>
               <a:t>Команда	</a:t>
             </a:r>
-            <a:endParaRPr lang="ru-RU" dirty="0"/>
           </a:p>
         </p:txBody>
       </p:sp>
@@ -8762,88 +9685,84 @@
           <a:lstStyle/>
           <a:p>
             <a:r>
-              <a:rPr lang="ru-RU" dirty="0" err="1" smtClean="0"/>
+              <a:rPr lang="ru-RU" dirty="0" err="1"/>
               <a:t>Годовицын</a:t>
             </a:r>
             <a:r>
-              <a:rPr lang="ru-RU" dirty="0" smtClean="0"/>
+              <a:rPr lang="ru-RU" dirty="0"/>
               <a:t> Максим(лидер команды) – менеджер(календарный план, роли, задачи), системный инженер(</a:t>
             </a:r>
             <a:r>
-              <a:rPr lang="en-US" dirty="0" err="1" smtClean="0"/>
+              <a:rPr lang="en-US" dirty="0" err="1"/>
               <a:t>trello</a:t>
             </a:r>
             <a:r>
-              <a:rPr lang="en-US" dirty="0" smtClean="0"/>
+              <a:rPr lang="en-US" dirty="0"/>
               <a:t>, </a:t>
             </a:r>
             <a:r>
-              <a:rPr lang="en-US" dirty="0" err="1" smtClean="0"/>
+              <a:rPr lang="en-US" dirty="0" err="1"/>
               <a:t>git</a:t>
             </a:r>
             <a:r>
-              <a:rPr lang="en-US" dirty="0" smtClean="0"/>
+              <a:rPr lang="en-US" dirty="0"/>
               <a:t>)</a:t>
             </a:r>
             <a:r>
-              <a:rPr lang="ru-RU" dirty="0" smtClean="0"/>
+              <a:rPr lang="ru-RU" dirty="0"/>
               <a:t>, аналитик</a:t>
             </a:r>
             <a:r>
-              <a:rPr lang="en-US" dirty="0" smtClean="0"/>
+              <a:rPr lang="en-US" dirty="0"/>
               <a:t>,</a:t>
             </a:r>
             <a:r>
-              <a:rPr lang="ru-RU" dirty="0" smtClean="0"/>
+              <a:rPr lang="ru-RU" dirty="0"/>
               <a:t> разработчик</a:t>
             </a:r>
             <a:r>
-              <a:rPr lang="en-US" dirty="0" smtClean="0"/>
+              <a:rPr lang="en-US" dirty="0"/>
               <a:t>(</a:t>
             </a:r>
             <a:r>
-              <a:rPr lang="ru-RU" dirty="0" smtClean="0"/>
+              <a:rPr lang="ru-RU" dirty="0"/>
               <a:t>серверная часть, метрики), технический писатель(РСП, презентация, ТЗ), исследователь(собственный классификатор)</a:t>
             </a:r>
           </a:p>
           <a:p>
             <a:r>
-              <a:rPr lang="ru-RU" dirty="0" err="1" smtClean="0"/>
+              <a:rPr lang="ru-RU" dirty="0" err="1"/>
               <a:t>Баландина</a:t>
             </a:r>
             <a:r>
-              <a:rPr lang="ru-RU" dirty="0" smtClean="0"/>
+              <a:rPr lang="ru-RU" dirty="0"/>
               <a:t> Софья – технический писатель(ТЗ, РО), исследователь(утилиты для разметки), оператор(</a:t>
             </a:r>
             <a:r>
-              <a:rPr lang="ru-RU" dirty="0" err="1" smtClean="0"/>
+              <a:rPr lang="ru-RU" dirty="0" err="1"/>
               <a:t>датасет</a:t>
             </a:r>
             <a:r>
-              <a:rPr lang="ru-RU" dirty="0" smtClean="0"/>
+              <a:rPr lang="ru-RU" dirty="0"/>
               <a:t>, наполнение </a:t>
             </a:r>
             <a:r>
-              <a:rPr lang="ru-RU" dirty="0" err="1" smtClean="0"/>
+              <a:rPr lang="ru-RU" dirty="0" err="1"/>
               <a:t>датасета</a:t>
             </a:r>
             <a:r>
-              <a:rPr lang="ru-RU" dirty="0" smtClean="0"/>
+              <a:rPr lang="ru-RU" dirty="0"/>
               <a:t>, разметка)</a:t>
             </a:r>
           </a:p>
           <a:p>
             <a:r>
-              <a:rPr lang="ru-RU" dirty="0" err="1" smtClean="0"/>
+              <a:rPr lang="ru-RU" dirty="0" err="1"/>
               <a:t>Толич</a:t>
             </a:r>
             <a:r>
-              <a:rPr lang="ru-RU" dirty="0" smtClean="0"/>
-              <a:t> Александр – </a:t>
-            </a:r>
-            <a:r>
-              <a:rPr lang="ru-RU" dirty="0"/>
-              <a:t>разработчик(</a:t>
+              <a:rPr lang="ru-RU" dirty="0"/>
+              <a:t> Александр – разработчик(</a:t>
             </a:r>
             <a:r>
               <a:rPr lang="en-US" dirty="0"/>
@@ -8851,22 +9770,18 @@
             </a:r>
             <a:r>
               <a:rPr lang="ru-RU" dirty="0"/>
-              <a:t>-приложение</a:t>
-            </a:r>
-            <a:r>
-              <a:rPr lang="ru-RU" dirty="0" smtClean="0"/>
-              <a:t>), исследователь(обзор методов </a:t>
-            </a:r>
-            <a:r>
-              <a:rPr lang="en-US" dirty="0" smtClean="0"/>
+              <a:t>-приложение), исследователь(обзор методов </a:t>
+            </a:r>
+            <a:r>
+              <a:rPr lang="en-US" dirty="0"/>
               <a:t>feature extraction + </a:t>
             </a:r>
             <a:r>
-              <a:rPr lang="ru-RU" dirty="0" smtClean="0"/>
+              <a:rPr lang="ru-RU" dirty="0"/>
               <a:t>метрик + распознавание лиц), оператор(</a:t>
             </a:r>
             <a:r>
-              <a:rPr lang="ru-RU" dirty="0" err="1" smtClean="0"/>
+              <a:rPr lang="ru-RU" dirty="0" err="1"/>
               <a:t>датасет</a:t>
             </a:r>
             <a:r>
@@ -8879,13 +9794,9 @@
             </a:r>
             <a:r>
               <a:rPr lang="ru-RU" dirty="0"/>
-              <a:t>, </a:t>
-            </a:r>
-            <a:r>
-              <a:rPr lang="ru-RU" dirty="0" smtClean="0"/>
-              <a:t>разметка), технический писатель(верстка ПЗ)</a:t>
-            </a:r>
-            <a:endParaRPr lang="en-US" dirty="0" smtClean="0"/>
+              <a:t>, разметка), технический писатель(верстка ПЗ)</a:t>
+            </a:r>
+            <a:endParaRPr lang="en-US" dirty="0"/>
           </a:p>
         </p:txBody>
       </p:sp>
@@ -8899,17 +9810,10 @@
   <p:clrMapOvr>
     <a:masterClrMapping/>
   </p:clrMapOvr>
-  <p:timing>
-    <p:tnLst>
-      <p:par>
-        <p:cTn id="1" dur="indefinite" restart="never" nodeType="tmRoot"/>
-      </p:par>
-    </p:tnLst>
-  </p:timing>
 </p:sld>
 </file>
 
-<file path=ppt/slides/slide24.xml><?xml version="1.0" encoding="utf-8"?>
+<file path=ppt/slides/slide27.xml><?xml version="1.0" encoding="utf-8"?>
 <p:sld xmlns:a="http://schemas.openxmlformats.org/drawingml/2006/main" xmlns:r="http://schemas.openxmlformats.org/officeDocument/2006/relationships" xmlns:p="http://schemas.openxmlformats.org/presentationml/2006/main">
   <p:cSld>
     <p:spTree>
@@ -8942,10 +9846,9 @@
           <a:lstStyle/>
           <a:p>
             <a:r>
-              <a:rPr lang="ru-RU" dirty="0" smtClean="0"/>
+              <a:rPr lang="ru-RU" dirty="0"/>
               <a:t>Команда</a:t>
             </a:r>
-            <a:endParaRPr lang="ru-RU" dirty="0"/>
           </a:p>
         </p:txBody>
       </p:sp>
@@ -8965,32 +9868,28 @@
           <a:lstStyle/>
           <a:p>
             <a:r>
-              <a:rPr lang="ru-RU" dirty="0" err="1" smtClean="0"/>
+              <a:rPr lang="ru-RU" dirty="0" err="1"/>
               <a:t>Лобанкина</a:t>
             </a:r>
             <a:r>
-              <a:rPr lang="ru-RU" dirty="0" smtClean="0"/>
+              <a:rPr lang="ru-RU" dirty="0"/>
               <a:t> Ксения – исследователь(обзор методов </a:t>
             </a:r>
             <a:r>
-              <a:rPr lang="ru-RU" dirty="0" err="1" smtClean="0"/>
+              <a:rPr lang="ru-RU" dirty="0" err="1"/>
               <a:t>детекции</a:t>
             </a:r>
             <a:r>
-              <a:rPr lang="ru-RU" dirty="0" smtClean="0"/>
+              <a:rPr lang="ru-RU" dirty="0"/>
               <a:t> лиц + существующих </a:t>
             </a:r>
             <a:r>
-              <a:rPr lang="ru-RU" dirty="0" err="1" smtClean="0"/>
+              <a:rPr lang="ru-RU" dirty="0" err="1"/>
               <a:t>датасетов</a:t>
             </a:r>
             <a:r>
-              <a:rPr lang="ru-RU" dirty="0" smtClean="0"/>
-              <a:t>, собственный классификатор), технический писатель(верстка ПЗ, методика испытаний), </a:t>
-            </a:r>
-            <a:r>
-              <a:rPr lang="ru-RU" dirty="0"/>
-              <a:t>оператор(</a:t>
+              <a:rPr lang="ru-RU" dirty="0"/>
+              <a:t>, собственный классификатор), технический писатель(верстка ПЗ, методика испытаний), оператор(</a:t>
             </a:r>
             <a:r>
               <a:rPr lang="ru-RU" dirty="0" err="1"/>
@@ -9008,24 +9907,19 @@
               <a:rPr lang="ru-RU" dirty="0"/>
               <a:t>, разметка)</a:t>
             </a:r>
-            <a:endParaRPr lang="ru-RU" dirty="0" smtClean="0"/>
-          </a:p>
-          <a:p>
-            <a:r>
-              <a:rPr lang="ru-RU" dirty="0" smtClean="0"/>
+          </a:p>
+          <a:p>
+            <a:r>
+              <a:rPr lang="ru-RU" dirty="0"/>
               <a:t>Прохоров Александр – системный архитектор(</a:t>
             </a:r>
             <a:r>
-              <a:rPr lang="en-US" dirty="0" smtClean="0"/>
+              <a:rPr lang="en-US" dirty="0"/>
               <a:t>High Level Design),  </a:t>
             </a:r>
             <a:r>
-              <a:rPr lang="ru-RU" dirty="0" smtClean="0"/>
-              <a:t>технический писатель(требования, отчет по НИР), </a:t>
-            </a:r>
-            <a:r>
-              <a:rPr lang="ru-RU" dirty="0"/>
-              <a:t>оператор(</a:t>
+              <a:rPr lang="ru-RU" dirty="0"/>
+              <a:t>технический писатель(требования, отчет по НИР), оператор(</a:t>
             </a:r>
             <a:r>
               <a:rPr lang="ru-RU" dirty="0" err="1"/>
@@ -9041,21 +9935,13 @@
             </a:r>
             <a:r>
               <a:rPr lang="ru-RU" dirty="0"/>
-              <a:t>, разметка</a:t>
-            </a:r>
-            <a:r>
-              <a:rPr lang="ru-RU" dirty="0" smtClean="0"/>
-              <a:t>)</a:t>
-            </a:r>
-          </a:p>
-          <a:p>
-            <a:r>
-              <a:rPr lang="ru-RU" dirty="0" smtClean="0"/>
-              <a:t>Ковалева Ирина – исследователь(обзор методов выравнивания лиц)</a:t>
-            </a:r>
-            <a:r>
-              <a:rPr lang="ru-RU" dirty="0"/>
-              <a:t> , оператор(</a:t>
+              <a:t>, разметка)</a:t>
+            </a:r>
+          </a:p>
+          <a:p>
+            <a:r>
+              <a:rPr lang="ru-RU" dirty="0"/>
+              <a:t>Ковалева Ирина – исследователь(обзор методов выравнивания лиц) , оператор(</a:t>
             </a:r>
             <a:r>
               <a:rPr lang="ru-RU" dirty="0" err="1"/>
@@ -9071,13 +9957,8 @@
             </a:r>
             <a:r>
               <a:rPr lang="ru-RU" dirty="0"/>
-              <a:t>, разметка</a:t>
-            </a:r>
-            <a:r>
-              <a:rPr lang="ru-RU" dirty="0" smtClean="0"/>
-              <a:t>)</a:t>
-            </a:r>
-            <a:endParaRPr lang="ru-RU" dirty="0"/>
+              <a:t>, разметка)</a:t>
+            </a:r>
           </a:p>
         </p:txBody>
       </p:sp>
@@ -9091,17 +9972,10 @@
   <p:clrMapOvr>
     <a:masterClrMapping/>
   </p:clrMapOvr>
-  <p:timing>
-    <p:tnLst>
-      <p:par>
-        <p:cTn id="1" dur="indefinite" restart="never" nodeType="tmRoot"/>
-      </p:par>
-    </p:tnLst>
-  </p:timing>
 </p:sld>
 </file>
 
-<file path=ppt/slides/slide25.xml><?xml version="1.0" encoding="utf-8"?>
+<file path=ppt/slides/slide28.xml><?xml version="1.0" encoding="utf-8"?>
 <p:sld xmlns:a="http://schemas.openxmlformats.org/drawingml/2006/main" xmlns:r="http://schemas.openxmlformats.org/officeDocument/2006/relationships" xmlns:p="http://schemas.openxmlformats.org/presentationml/2006/main">
   <p:cSld>
     <p:spTree>
@@ -9134,10 +10008,9 @@
           <a:lstStyle/>
           <a:p>
             <a:r>
-              <a:rPr lang="ru-RU" dirty="0" smtClean="0"/>
+              <a:rPr lang="ru-RU" dirty="0"/>
               <a:t>Дальнейшие перспективы</a:t>
             </a:r>
-            <a:endParaRPr lang="ru-RU" dirty="0"/>
           </a:p>
         </p:txBody>
       </p:sp>
@@ -9157,36 +10030,36 @@
           <a:lstStyle/>
           <a:p>
             <a:r>
-              <a:rPr lang="ru-RU" dirty="0" smtClean="0"/>
+              <a:rPr lang="ru-RU" dirty="0"/>
               <a:t>Для увеличения точности распознавания предлагается:</a:t>
             </a:r>
           </a:p>
           <a:p>
             <a:pPr lvl="1"/>
             <a:r>
-              <a:rPr lang="ru-RU" dirty="0" smtClean="0"/>
+              <a:rPr lang="ru-RU" dirty="0"/>
               <a:t>Более точные методы для выравнивания лиц</a:t>
             </a:r>
           </a:p>
           <a:p>
             <a:pPr lvl="1"/>
             <a:r>
-              <a:rPr lang="en-US" dirty="0" smtClean="0"/>
+              <a:rPr lang="en-US" dirty="0"/>
               <a:t>Feature-vector </a:t>
             </a:r>
             <a:r>
-              <a:rPr lang="ru-RU" dirty="0" smtClean="0"/>
+              <a:rPr lang="ru-RU" dirty="0"/>
               <a:t>большей размерности</a:t>
             </a:r>
           </a:p>
           <a:p>
             <a:pPr lvl="1"/>
             <a:r>
-              <a:rPr lang="ru-RU" dirty="0" smtClean="0"/>
+              <a:rPr lang="ru-RU" dirty="0"/>
               <a:t>Схемы распознавания без выравнивания лиц, но с более мощным </a:t>
             </a:r>
             <a:r>
-              <a:rPr lang="en-US" dirty="0" smtClean="0"/>
+              <a:rPr lang="en-US" dirty="0"/>
               <a:t>feature extraction</a:t>
             </a:r>
             <a:endParaRPr lang="ru-RU" dirty="0"/>
@@ -9289,19 +10162,7 @@
             </a:pPr>
             <a:r>
               <a:rPr lang="ru-RU" dirty="0"/>
-              <a:t>Создание ПО </a:t>
-            </a:r>
-            <a:r>
-              <a:rPr lang="ru-RU" dirty="0" smtClean="0"/>
-              <a:t>для </a:t>
-            </a:r>
-            <a:r>
-              <a:rPr lang="ru-RU" dirty="0"/>
-              <a:t>распознавания </a:t>
-            </a:r>
-            <a:r>
-              <a:rPr lang="ru-RU" dirty="0" smtClean="0"/>
-              <a:t>лиц на групповых фотографиях</a:t>
+              <a:t>Создание ПО для распознавания лиц на групповых фотографиях</a:t>
             </a:r>
             <a:endParaRPr lang="en-US" dirty="0"/>
           </a:p>
@@ -9597,13 +10458,6 @@
   <p:clrMapOvr>
     <a:masterClrMapping/>
   </p:clrMapOvr>
-  <p:timing>
-    <p:tnLst>
-      <p:par>
-        <p:cTn id="1" dur="indefinite" restart="never" nodeType="tmRoot"/>
-      </p:par>
-    </p:tnLst>
-  </p:timing>
 </p:sld>
 </file>
 
@@ -9681,20 +10535,12 @@
           </a:bodyPr>
           <a:lstStyle/>
           <a:p>
-            <a:endParaRPr lang="en-US" dirty="0" smtClean="0"/>
-          </a:p>
-          <a:p>
-            <a:r>
-              <a:rPr lang="ru-RU" dirty="0"/>
-              <a:t>Система должна детектировать все лица на фотографии и </a:t>
-            </a:r>
-            <a:r>
-              <a:rPr lang="ru-RU" dirty="0" smtClean="0"/>
-              <a:t>идентифицировать </a:t>
-            </a:r>
-            <a:r>
-              <a:rPr lang="ru-RU" dirty="0"/>
-              <a:t>личность человека, если этот человек – член команды разработчиков (в противном случае должен идентифицировать человека как </a:t>
+            <a:endParaRPr lang="en-US" dirty="0"/>
+          </a:p>
+          <a:p>
+            <a:r>
+              <a:rPr lang="ru-RU" dirty="0"/>
+              <a:t>Система должна детектировать все лица на фотографии и идентифицировать личность человека, если этот человек – член команды разработчиков (в противном случае должен идентифицировать человека как </a:t>
             </a:r>
             <a:r>
               <a:rPr lang="en-US" dirty="0"/>
@@ -9728,30 +10574,17 @@
           </a:p>
           <a:p>
             <a:r>
-              <a:rPr lang="ru-RU" dirty="0" smtClean="0"/>
-              <a:t>Система </a:t>
-            </a:r>
-            <a:r>
-              <a:rPr lang="ru-RU" dirty="0"/>
-              <a:t>должна представлять из </a:t>
-            </a:r>
-            <a:r>
-              <a:rPr lang="ru-RU" dirty="0" smtClean="0"/>
-              <a:t>себя клиент-серверное приложение, доступ </a:t>
-            </a:r>
-            <a:r>
-              <a:rPr lang="ru-RU" dirty="0"/>
-              <a:t>к которому осуществляется посредством </a:t>
+              <a:rPr lang="ru-RU" dirty="0"/>
+              <a:t>Система должна представлять из себя клиент-серверное приложение, доступ к которому осуществляется посредством </a:t>
             </a:r>
             <a:r>
               <a:rPr lang="en-US" dirty="0"/>
               <a:t>web</a:t>
             </a:r>
             <a:r>
-              <a:rPr lang="ru-RU" dirty="0" smtClean="0"/>
+              <a:rPr lang="ru-RU" dirty="0"/>
               <a:t>-интерфейса</a:t>
             </a:r>
-            <a:endParaRPr lang="ru-RU" dirty="0"/>
           </a:p>
         </p:txBody>
       </p:sp>
@@ -9765,13 +10598,6 @@
   <p:clrMapOvr>
     <a:masterClrMapping/>
   </p:clrMapOvr>
-  <p:timing>
-    <p:tnLst>
-      <p:par>
-        <p:cTn id="1" dur="indefinite" restart="never" nodeType="tmRoot"/>
-      </p:par>
-    </p:tnLst>
-  </p:timing>
 </p:sld>
 </file>
 
@@ -9814,21 +10640,8 @@
           <a:p>
             <a:r>
               <a:rPr lang="ru-RU" dirty="0"/>
-              <a:t>В</a:t>
-            </a:r>
-            <a:r>
-              <a:rPr lang="ru-RU" dirty="0" smtClean="0"/>
-              <a:t>ысокоуровневый дизайн</a:t>
-            </a:r>
-            <a:r>
-              <a:rPr lang="ru-RU" dirty="0" smtClean="0"/>
-              <a:t> </a:t>
-            </a:r>
-            <a:r>
-              <a:rPr lang="ru-RU" dirty="0" smtClean="0"/>
-              <a:t>и метрики</a:t>
-            </a:r>
-            <a:endParaRPr lang="ru-RU" dirty="0"/>
+              <a:t>Высокоуровневый дизайн и метрики</a:t>
+            </a:r>
           </a:p>
         </p:txBody>
       </p:sp>
@@ -9853,39 +10666,31 @@
           <a:lstStyle/>
           <a:p>
             <a:r>
-              <a:rPr lang="en-US" dirty="0" err="1" smtClean="0"/>
+              <a:rPr lang="en-US" dirty="0" err="1"/>
               <a:t>mAP</a:t>
             </a:r>
             <a:r>
-              <a:rPr lang="en-US" dirty="0" smtClean="0"/>
+              <a:rPr lang="en-US" dirty="0"/>
               <a:t> – </a:t>
             </a:r>
             <a:r>
-              <a:rPr lang="ru-RU" dirty="0" smtClean="0"/>
+              <a:rPr lang="ru-RU" dirty="0"/>
               <a:t>процент правильно </a:t>
             </a:r>
             <a:r>
-              <a:rPr lang="ru-RU" dirty="0" err="1" smtClean="0"/>
+              <a:rPr lang="ru-RU" dirty="0" err="1"/>
               <a:t>задетекченных</a:t>
             </a:r>
             <a:r>
-              <a:rPr lang="ru-RU" dirty="0" smtClean="0"/>
+              <a:rPr lang="ru-RU" dirty="0"/>
               <a:t> лиц</a:t>
             </a:r>
-            <a:endParaRPr lang="en-US" dirty="0" smtClean="0"/>
-          </a:p>
-          <a:p>
-            <a:r>
-              <a:rPr lang="ru-RU" dirty="0" smtClean="0"/>
+            <a:endParaRPr lang="en-US" dirty="0"/>
+          </a:p>
+          <a:p>
+            <a:r>
+              <a:rPr lang="ru-RU" dirty="0"/>
               <a:t>Количество ошибок </a:t>
-            </a:r>
-            <a:r>
-              <a:rPr lang="ru-RU" dirty="0" err="1" smtClean="0"/>
-              <a:t>детекции</a:t>
-            </a:r>
-            <a:r>
-              <a:rPr lang="ru-RU" dirty="0" smtClean="0"/>
-              <a:t> (ошибка </a:t>
             </a:r>
             <a:r>
               <a:rPr lang="ru-RU" dirty="0" err="1"/>
@@ -9893,6 +10698,14 @@
             </a:r>
             <a:r>
               <a:rPr lang="ru-RU" dirty="0"/>
+              <a:t> (ошибка </a:t>
+            </a:r>
+            <a:r>
+              <a:rPr lang="ru-RU" dirty="0" err="1"/>
+              <a:t>детекции</a:t>
+            </a:r>
+            <a:r>
+              <a:rPr lang="ru-RU" dirty="0"/>
               <a:t> – </a:t>
             </a:r>
             <a:r>
@@ -9917,21 +10730,13 @@
             </a:r>
             <a:r>
               <a:rPr lang="ru-RU" dirty="0"/>
-              <a:t>каждого лица на изображении меньше </a:t>
-            </a:r>
-            <a:r>
-              <a:rPr lang="ru-RU" dirty="0" smtClean="0"/>
-              <a:t>0,5)</a:t>
-            </a:r>
-          </a:p>
-          <a:p>
-            <a:r>
-              <a:rPr lang="ru-RU" dirty="0"/>
-              <a:t>Количество правильно детектированных </a:t>
-            </a:r>
-            <a:r>
-              <a:rPr lang="ru-RU" dirty="0" smtClean="0"/>
-              <a:t>лиц (</a:t>
+              <a:t>каждого лица на изображении меньше 0,5)</a:t>
+            </a:r>
+          </a:p>
+          <a:p>
+            <a:r>
+              <a:rPr lang="ru-RU" dirty="0"/>
+              <a:t>Количество правильно детектированных лиц (</a:t>
             </a:r>
             <a:r>
               <a:rPr lang="ru-RU" dirty="0" err="1"/>
@@ -9955,29 +10760,13 @@
             </a:r>
             <a:r>
               <a:rPr lang="ru-RU" dirty="0"/>
-              <a:t>каждого лица на изображении </a:t>
-            </a:r>
-            <a:r>
-              <a:rPr lang="ru-RU" dirty="0" smtClean="0"/>
-              <a:t>больше или равна </a:t>
-            </a:r>
-            <a:r>
-              <a:rPr lang="ru-RU" dirty="0"/>
-              <a:t>0,5</a:t>
-            </a:r>
-            <a:r>
-              <a:rPr lang="ru-RU" dirty="0" smtClean="0"/>
-              <a:t>)</a:t>
-            </a:r>
-          </a:p>
-          <a:p>
-            <a:r>
-              <a:rPr lang="ru-RU" dirty="0"/>
-              <a:t>Точность </a:t>
-            </a:r>
-            <a:r>
-              <a:rPr lang="ru-RU" dirty="0" smtClean="0"/>
-              <a:t>распознавания – процентное отношение числа верно распознанных лиц к общему числу лиц</a:t>
+              <a:t>каждого лица на изображении больше или равна 0,5)</a:t>
+            </a:r>
+          </a:p>
+          <a:p>
+            <a:r>
+              <a:rPr lang="ru-RU" dirty="0"/>
+              <a:t>Точность распознавания – процентное отношение числа верно распознанных лиц к общему числу лиц</a:t>
             </a:r>
           </a:p>
           <a:p>
@@ -10151,13 +10940,6 @@
   <p:clrMapOvr>
     <a:masterClrMapping/>
   </p:clrMapOvr>
-  <p:timing>
-    <p:tnLst>
-      <p:par>
-        <p:cTn id="1" dur="indefinite" restart="never" nodeType="tmRoot"/>
-      </p:par>
-    </p:tnLst>
-  </p:timing>
 </p:sld>
 </file>
 
@@ -10200,7 +10982,7 @@
           <a:lstStyle/>
           <a:p>
             <a:r>
-              <a:rPr lang="ru-RU" dirty="0" smtClean="0"/>
+              <a:rPr lang="ru-RU" dirty="0"/>
               <a:t>Проблема</a:t>
             </a:r>
             <a:endParaRPr lang="en-US" dirty="0"/>
@@ -10235,26 +11017,14 @@
           <a:p>
             <a:r>
               <a:rPr lang="ru-RU" dirty="0"/>
-              <a:t>Объектом автоматизации является задача распознавания лиц в области компьютерного зрения. Проблема состоит в идентификации </a:t>
-            </a:r>
-            <a:r>
-              <a:rPr lang="ru-RU" dirty="0" smtClean="0"/>
-              <a:t>лиц, </a:t>
-            </a:r>
-            <a:r>
-              <a:rPr lang="ru-RU" dirty="0"/>
-              <a:t>представленных на групповой </a:t>
-            </a:r>
-            <a:r>
-              <a:rPr lang="ru-RU" dirty="0" smtClean="0"/>
-              <a:t>фотографии, а именно в определении степени похожести одного лица на другое</a:t>
-            </a:r>
-            <a:r>
-              <a:rPr lang="en-US" dirty="0" smtClean="0"/>
+              <a:t>Объектом автоматизации является задача распознавания лиц в области компьютерного зрения. Проблема состоит в идентификации лиц, представленных на групповой фотографии, а именно в определении степени похожести одного лица на другое</a:t>
+            </a:r>
+            <a:r>
+              <a:rPr lang="en-US" dirty="0"/>
               <a:t>.</a:t>
             </a:r>
             <a:r>
-              <a:rPr lang="ru-RU" dirty="0" smtClean="0"/>
+              <a:rPr lang="ru-RU" dirty="0"/>
               <a:t> За это отвечает классификатор</a:t>
             </a:r>
           </a:p>
@@ -10276,13 +11046,6 @@
   <p:clrMapOvr>
     <a:masterClrMapping/>
   </p:clrMapOvr>
-  <p:timing>
-    <p:tnLst>
-      <p:par>
-        <p:cTn id="1" dur="indefinite" restart="never" nodeType="tmRoot"/>
-      </p:par>
-    </p:tnLst>
-  </p:timing>
 </p:sld>
 </file>
 
@@ -10319,10 +11082,9 @@
           <a:lstStyle/>
           <a:p>
             <a:r>
-              <a:rPr lang="ru-RU" dirty="0" smtClean="0"/>
+              <a:rPr lang="ru-RU" dirty="0"/>
               <a:t>Математическая модель классификатора</a:t>
             </a:r>
-            <a:endParaRPr lang="ru-RU" dirty="0"/>
           </a:p>
         </p:txBody>
       </p:sp>
@@ -10340,139 +11102,21 @@
             </p:nvSpPr>
             <p:spPr>
               <a:xfrm>
-                <a:off x="668708" y="2160589"/>
-                <a:ext cx="8596668" cy="3880773"/>
+                <a:off x="668708" y="1828800"/>
+                <a:ext cx="8596668" cy="4419599"/>
               </a:xfrm>
             </p:spPr>
             <p:txBody>
               <a:bodyPr>
-                <a:normAutofit fontScale="92500" lnSpcReduction="20000"/>
+                <a:normAutofit fontScale="85000" lnSpcReduction="10000"/>
               </a:bodyPr>
               <a:lstStyle/>
               <a:p>
                 <a:r>
-                  <a:rPr lang="ru-RU" dirty="0" smtClean="0"/>
+                  <a:rPr lang="ru-RU" dirty="0"/>
                   <a:t>Входные данные:</a:t>
                 </a:r>
-              </a:p>
-              <a:p>
-                <a:pPr marL="0" indent="0">
-                  <a:buNone/>
-                </a:pPr>
-                <a:r>
-                  <a:rPr lang="en-US" dirty="0" smtClean="0"/>
-                  <a:t>	F </a:t>
-                </a:r>
-                <a:r>
-                  <a:rPr lang="ru-RU" dirty="0" smtClean="0"/>
-                  <a:t>= (</a:t>
-                </a:r>
-                <a14:m>
-                  <m:oMath xmlns:m="http://schemas.openxmlformats.org/officeDocument/2006/math">
-                    <m:sSub>
-                      <m:sSubPr>
-                        <m:ctrlPr>
-                          <a:rPr lang="ru-RU" i="1" smtClean="0">
-                            <a:latin typeface="Cambria Math" panose="02040503050406030204" pitchFamily="18" charset="0"/>
-                          </a:rPr>
-                        </m:ctrlPr>
-                      </m:sSubPr>
-                      <m:e>
-                        <m:r>
-                          <a:rPr lang="en-US" b="0" i="1" smtClean="0">
-                            <a:latin typeface="Cambria Math" panose="02040503050406030204" pitchFamily="18" charset="0"/>
-                          </a:rPr>
-                          <m:t>𝑓</m:t>
-                        </m:r>
-                      </m:e>
-                      <m:sub>
-                        <m:r>
-                          <a:rPr lang="en-US" b="0" i="1" smtClean="0">
-                            <a:latin typeface="Cambria Math" panose="02040503050406030204" pitchFamily="18" charset="0"/>
-                          </a:rPr>
-                          <m:t>1</m:t>
-                        </m:r>
-                      </m:sub>
-                    </m:sSub>
-                    <m:r>
-                      <a:rPr lang="en-US" b="0" i="1" smtClean="0">
-                        <a:latin typeface="Cambria Math" panose="02040503050406030204" pitchFamily="18" charset="0"/>
-                      </a:rPr>
-                      <m:t>, </m:t>
-                    </m:r>
-                    <m:sSub>
-                      <m:sSubPr>
-                        <m:ctrlPr>
-                          <a:rPr lang="en-US" b="0" i="1" smtClean="0">
-                            <a:latin typeface="Cambria Math" panose="02040503050406030204" pitchFamily="18" charset="0"/>
-                          </a:rPr>
-                        </m:ctrlPr>
-                      </m:sSubPr>
-                      <m:e>
-                        <m:r>
-                          <a:rPr lang="en-US" b="0" i="1" smtClean="0">
-                            <a:latin typeface="Cambria Math" panose="02040503050406030204" pitchFamily="18" charset="0"/>
-                          </a:rPr>
-                          <m:t>𝑓</m:t>
-                        </m:r>
-                      </m:e>
-                      <m:sub>
-                        <m:r>
-                          <a:rPr lang="en-US" b="0" i="1" smtClean="0">
-                            <a:latin typeface="Cambria Math" panose="02040503050406030204" pitchFamily="18" charset="0"/>
-                          </a:rPr>
-                          <m:t>2</m:t>
-                        </m:r>
-                      </m:sub>
-                    </m:sSub>
-                    <m:r>
-                      <a:rPr lang="en-US" b="0" i="1" smtClean="0">
-                        <a:latin typeface="Cambria Math" panose="02040503050406030204" pitchFamily="18" charset="0"/>
-                      </a:rPr>
-                      <m:t>,..,</m:t>
-                    </m:r>
-                    <m:sSub>
-                      <m:sSubPr>
-                        <m:ctrlPr>
-                          <a:rPr lang="en-US" b="0" i="1" smtClean="0">
-                            <a:latin typeface="Cambria Math" panose="02040503050406030204" pitchFamily="18" charset="0"/>
-                          </a:rPr>
-                        </m:ctrlPr>
-                      </m:sSubPr>
-                      <m:e>
-                        <m:r>
-                          <a:rPr lang="en-US" b="0" i="1" smtClean="0">
-                            <a:latin typeface="Cambria Math" panose="02040503050406030204" pitchFamily="18" charset="0"/>
-                          </a:rPr>
-                          <m:t>𝑓</m:t>
-                        </m:r>
-                      </m:e>
-                      <m:sub>
-                        <m:r>
-                          <a:rPr lang="en-US" b="0" i="1" smtClean="0">
-                            <a:latin typeface="Cambria Math" panose="02040503050406030204" pitchFamily="18" charset="0"/>
-                          </a:rPr>
-                          <m:t>128</m:t>
-                        </m:r>
-                      </m:sub>
-                    </m:sSub>
-                    <m:r>
-                      <a:rPr lang="en-US" b="0" i="1" smtClean="0">
-                        <a:latin typeface="Cambria Math" panose="02040503050406030204" pitchFamily="18" charset="0"/>
-                      </a:rPr>
-                      <m:t>) − </m:t>
-                    </m:r>
-                  </m:oMath>
-                </a14:m>
-                <a:r>
-                  <a:rPr lang="en-US" dirty="0" smtClean="0"/>
-                  <a:t> 128-feature-vector</a:t>
-                </a:r>
-                <a:r>
-                  <a:rPr lang="ru-RU" dirty="0" smtClean="0"/>
-                  <a:t> </a:t>
-                </a:r>
-                <a:endParaRPr lang="en-US" dirty="0" smtClean="0"/>
+                <a:endParaRPr lang="en-US" dirty="0"/>
               </a:p>
               <a:p>
                 <a:pPr marL="0" indent="0">
@@ -10480,16 +11124,47 @@
                 </a:pPr>
                 <a:r>
                   <a:rPr lang="en-US" dirty="0"/>
-                  <a:t>	</a:t>
+                  <a:t>	n – </a:t>
                 </a:r>
                 <a:r>
-                  <a:rPr lang="en-US" dirty="0" smtClean="0"/>
-                  <a:t>n – </a:t>
+                  <a:rPr lang="ru-RU" dirty="0"/>
+                  <a:t>количество классов</a:t>
+                </a:r>
+                <a:endParaRPr lang="en-US" dirty="0"/>
+              </a:p>
+              <a:p>
+                <a:pPr marL="0" indent="0">
+                  <a:buNone/>
+                </a:pPr>
+                <a:r>
+                  <a:rPr lang="en-US" dirty="0"/>
+                  <a:t>	m</a:t>
                 </a:r>
                 <a:r>
-                  <a:rPr lang="ru-RU" dirty="0" smtClean="0"/>
-                  <a:t>количество классов </a:t>
+                  <a:rPr lang="ru-RU" dirty="0"/>
+                  <a:t> </a:t>
                 </a:r>
+                <a:r>
+                  <a:rPr lang="en-US" dirty="0"/>
+                  <a:t>- </a:t>
+                </a:r>
+                <a:r>
+                  <a:rPr lang="ru-RU" dirty="0"/>
+                  <a:t>количество лиц в </a:t>
+                </a:r>
+                <a:r>
+                  <a:rPr lang="ru-RU" dirty="0" err="1"/>
+                  <a:t>валидационном</a:t>
+                </a:r>
+                <a:r>
+                  <a:rPr lang="ru-RU" dirty="0"/>
+                  <a:t> </a:t>
+                </a:r>
+                <a:r>
+                  <a:rPr lang="ru-RU" dirty="0" err="1"/>
+                  <a:t>датасете</a:t>
+                </a:r>
+                <a:endParaRPr lang="ru-RU" dirty="0"/>
               </a:p>
               <a:p>
                 <a:pPr marL="0" indent="0">
@@ -10500,8 +11175,26 @@
                   <a:t>	</a:t>
                 </a:r>
                 <a:r>
-                  <a:rPr lang="en-US" dirty="0" smtClean="0"/>
-                  <a:t>G </a:t>
+                  <a:rPr lang="en-US" dirty="0"/>
+                  <a:t>f – </a:t>
+                </a:r>
+                <a:r>
+                  <a:rPr lang="ru-RU" dirty="0"/>
+                  <a:t>размерность </a:t>
+                </a:r>
+                <a:r>
+                  <a:rPr lang="en-US" dirty="0"/>
+                  <a:t>feature-vector</a:t>
+                </a:r>
+                <a:endParaRPr lang="ru-RU" dirty="0"/>
+              </a:p>
+              <a:p>
+                <a:pPr marL="0" indent="0">
+                  <a:buNone/>
+                </a:pPr>
+                <a:r>
+                  <a:rPr lang="en-US" dirty="0"/>
+                  <a:t>	F </a:t>
                 </a:r>
                 <a:r>
                   <a:rPr lang="ru-RU" dirty="0"/>
@@ -10533,15 +11226,258 @@
                               <a:rPr lang="en-US" b="0" i="1" smtClean="0">
                                 <a:latin typeface="Cambria Math" panose="02040503050406030204" pitchFamily="18" charset="0"/>
                               </a:rPr>
+                              <m:t>𝑓</m:t>
+                            </m:r>
+                          </m:e>
+                          <m:sub>
+                            <m:r>
+                              <a:rPr lang="en-US" b="0" i="1" smtClean="0">
+                                <a:latin typeface="Cambria Math" panose="02040503050406030204" pitchFamily="18" charset="0"/>
+                              </a:rPr>
+                              <m:t>𝑗𝑘</m:t>
+                            </m:r>
+                          </m:sub>
+                        </m:sSub>
+                      </m:e>
+                    </m:d>
+                    <m:r>
+                      <a:rPr lang="ru-RU" b="0" i="1" smtClean="0">
+                        <a:latin typeface="Cambria Math" panose="02040503050406030204" pitchFamily="18" charset="0"/>
+                      </a:rPr>
+                      <m:t>,  </m:t>
+                    </m:r>
+                    <m:sSub>
+                      <m:sSubPr>
+                        <m:ctrlPr>
+                          <a:rPr lang="en-US" i="1">
+                            <a:latin typeface="Cambria Math" panose="02040503050406030204" pitchFamily="18" charset="0"/>
+                          </a:rPr>
+                        </m:ctrlPr>
+                      </m:sSubPr>
+                      <m:e>
+                        <m:r>
+                          <a:rPr lang="en-US" i="1">
+                            <a:latin typeface="Cambria Math" panose="02040503050406030204" pitchFamily="18" charset="0"/>
+                          </a:rPr>
+                          <m:t>𝑓</m:t>
+                        </m:r>
+                      </m:e>
+                      <m:sub>
+                        <m:r>
+                          <a:rPr lang="en-US" b="0" i="1" smtClean="0">
+                            <a:latin typeface="Cambria Math" panose="02040503050406030204" pitchFamily="18" charset="0"/>
+                          </a:rPr>
+                          <m:t>𝑗</m:t>
+                        </m:r>
+                      </m:sub>
+                    </m:sSub>
+                    <m:r>
+                      <a:rPr lang="en-US" b="0" i="1" smtClean="0">
+                        <a:latin typeface="Cambria Math" panose="02040503050406030204" pitchFamily="18" charset="0"/>
+                      </a:rPr>
+                      <m:t>−</m:t>
+                    </m:r>
+                    <m:r>
+                      <m:rPr>
+                        <m:sty m:val="p"/>
+                      </m:rPr>
+                      <a:rPr lang="en-US" b="0" i="0" smtClean="0">
+                        <a:latin typeface="Cambria Math" panose="02040503050406030204" pitchFamily="18" charset="0"/>
+                      </a:rPr>
+                      <m:t>f</m:t>
+                    </m:r>
+                  </m:oMath>
+                </a14:m>
+                <a:r>
+                  <a:rPr lang="en-US" dirty="0"/>
+                  <a:t>-feature-vector</a:t>
+                </a:r>
+                <a:r>
+                  <a:rPr lang="ru-RU" dirty="0"/>
+                  <a:t> соответствующий </a:t>
+                </a:r>
+                <a:r>
+                  <a:rPr lang="en-US" dirty="0"/>
+                  <a:t>j-</a:t>
+                </a:r>
+                <a:r>
+                  <a:rPr lang="ru-RU" dirty="0" err="1"/>
+                  <a:t>му</a:t>
+                </a:r>
+                <a:r>
+                  <a:rPr lang="ru-RU" dirty="0"/>
+                  <a:t> лицу</a:t>
+                </a:r>
+                <a:r>
+                  <a:rPr lang="en-US" dirty="0"/>
+                  <a:t>, </a:t>
+                </a:r>
+                <a14:m>
+                  <m:oMath xmlns:m="http://schemas.openxmlformats.org/officeDocument/2006/math">
+                    <m:r>
+                      <m:rPr>
+                        <m:sty m:val="p"/>
+                      </m:rPr>
+                      <a:rPr lang="en-US" b="0" i="0" smtClean="0">
+                        <a:latin typeface="Cambria Math" panose="02040503050406030204" pitchFamily="18" charset="0"/>
+                        <a:ea typeface="Cambria Math" panose="02040503050406030204" pitchFamily="18" charset="0"/>
+                      </a:rPr>
+                      <m:t>k</m:t>
+                    </m:r>
+                    <m:r>
+                      <a:rPr lang="en-US" i="1">
+                        <a:latin typeface="Cambria Math" panose="02040503050406030204" pitchFamily="18" charset="0"/>
+                        <a:ea typeface="Cambria Math" panose="02040503050406030204" pitchFamily="18" charset="0"/>
+                      </a:rPr>
+                      <m:t>∈</m:t>
+                    </m:r>
+                    <m:acc>
+                      <m:accPr>
+                        <m:chr m:val="̅"/>
+                        <m:ctrlPr>
+                          <a:rPr lang="en-US" i="1">
+                            <a:latin typeface="Cambria Math" panose="02040503050406030204" pitchFamily="18" charset="0"/>
+                            <a:ea typeface="Cambria Math" panose="02040503050406030204" pitchFamily="18" charset="0"/>
+                          </a:rPr>
+                        </m:ctrlPr>
+                      </m:accPr>
+                      <m:e>
+                        <m:r>
+                          <a:rPr lang="en-US" i="1" smtClean="0">
+                            <a:latin typeface="Cambria Math" panose="02040503050406030204" pitchFamily="18" charset="0"/>
+                            <a:ea typeface="Cambria Math" panose="02040503050406030204" pitchFamily="18" charset="0"/>
+                          </a:rPr>
+                          <m:t>1</m:t>
+                        </m:r>
+                        <m:r>
+                          <a:rPr lang="en-US" i="1">
+                            <a:latin typeface="Cambria Math" panose="02040503050406030204" pitchFamily="18" charset="0"/>
+                            <a:ea typeface="Cambria Math" panose="02040503050406030204" pitchFamily="18" charset="0"/>
+                          </a:rPr>
+                          <m:t>,</m:t>
+                        </m:r>
+                        <m:r>
+                          <a:rPr lang="en-US" b="0" i="1" smtClean="0">
+                            <a:latin typeface="Cambria Math" panose="02040503050406030204" pitchFamily="18" charset="0"/>
+                            <a:ea typeface="Cambria Math" panose="02040503050406030204" pitchFamily="18" charset="0"/>
+                          </a:rPr>
+                          <m:t>𝑓</m:t>
+                        </m:r>
+                      </m:e>
+                    </m:acc>
+                  </m:oMath>
+                </a14:m>
+                <a:r>
+                  <a:rPr lang="en-US" dirty="0"/>
+                  <a:t> , </a:t>
+                </a:r>
+                <a14:m>
+                  <m:oMath xmlns:m="http://schemas.openxmlformats.org/officeDocument/2006/math">
+                    <m:r>
+                      <m:rPr>
+                        <m:sty m:val="p"/>
+                      </m:rPr>
+                      <a:rPr lang="en-US" dirty="0" smtClean="0">
+                        <a:latin typeface="Cambria Math" panose="02040503050406030204" pitchFamily="18" charset="0"/>
+                      </a:rPr>
+                      <m:t>j</m:t>
+                    </m:r>
+                    <m:r>
+                      <a:rPr lang="en-US" i="1">
+                        <a:latin typeface="Cambria Math" panose="02040503050406030204" pitchFamily="18" charset="0"/>
+                        <a:ea typeface="Cambria Math" panose="02040503050406030204" pitchFamily="18" charset="0"/>
+                      </a:rPr>
+                      <m:t>∈</m:t>
+                    </m:r>
+                    <m:acc>
+                      <m:accPr>
+                        <m:chr m:val="̅"/>
+                        <m:ctrlPr>
+                          <a:rPr lang="en-US" i="1">
+                            <a:latin typeface="Cambria Math" panose="02040503050406030204" pitchFamily="18" charset="0"/>
+                            <a:ea typeface="Cambria Math" panose="02040503050406030204" pitchFamily="18" charset="0"/>
+                          </a:rPr>
+                        </m:ctrlPr>
+                      </m:accPr>
+                      <m:e>
+                        <m:r>
+                          <a:rPr lang="en-US" i="1" smtClean="0">
+                            <a:latin typeface="Cambria Math" panose="02040503050406030204" pitchFamily="18" charset="0"/>
+                            <a:ea typeface="Cambria Math" panose="02040503050406030204" pitchFamily="18" charset="0"/>
+                          </a:rPr>
+                          <m:t>1</m:t>
+                        </m:r>
+                        <m:r>
+                          <a:rPr lang="en-US" i="1">
+                            <a:latin typeface="Cambria Math" panose="02040503050406030204" pitchFamily="18" charset="0"/>
+                            <a:ea typeface="Cambria Math" panose="02040503050406030204" pitchFamily="18" charset="0"/>
+                          </a:rPr>
+                          <m:t>,</m:t>
+                        </m:r>
+                        <m:r>
+                          <a:rPr lang="en-US" b="0" i="1" smtClean="0">
+                            <a:latin typeface="Cambria Math" panose="02040503050406030204" pitchFamily="18" charset="0"/>
+                            <a:ea typeface="Cambria Math" panose="02040503050406030204" pitchFamily="18" charset="0"/>
+                          </a:rPr>
+                          <m:t>𝑚</m:t>
+                        </m:r>
+                      </m:e>
+                    </m:acc>
+                  </m:oMath>
+                </a14:m>
+                <a:endParaRPr lang="ru-RU" dirty="0"/>
+              </a:p>
+              <a:p>
+                <a:pPr marL="0" indent="0">
+                  <a:buNone/>
+                </a:pPr>
+                <a:r>
+                  <a:rPr lang="ru-RU" dirty="0"/>
+                  <a:t>	</a:t>
+                </a:r>
+                <a:r>
+                  <a:rPr lang="en-US" dirty="0"/>
+                  <a:t>G </a:t>
+                </a:r>
+                <a:r>
+                  <a:rPr lang="ru-RU" dirty="0"/>
+                  <a:t>= </a:t>
+                </a:r>
+                <a14:m>
+                  <m:oMath xmlns:m="http://schemas.openxmlformats.org/officeDocument/2006/math">
+                    <m:d>
+                      <m:dPr>
+                        <m:begChr m:val="‖"/>
+                        <m:endChr m:val="‖"/>
+                        <m:ctrlPr>
+                          <a:rPr lang="en-US" i="1">
+                            <a:latin typeface="Cambria Math" panose="02040503050406030204" pitchFamily="18" charset="0"/>
+                          </a:rPr>
+                        </m:ctrlPr>
+                      </m:dPr>
+                      <m:e>
+                        <m:sSub>
+                          <m:sSubPr>
+                            <m:ctrlPr>
+                              <a:rPr lang="en-US" i="1" smtClean="0">
+                                <a:latin typeface="Cambria Math" panose="02040503050406030204" pitchFamily="18" charset="0"/>
+                              </a:rPr>
+                            </m:ctrlPr>
+                          </m:sSubPr>
+                          <m:e>
+                            <m:r>
+                              <a:rPr lang="en-US" b="0" i="1" smtClean="0">
+                                <a:latin typeface="Cambria Math" panose="02040503050406030204" pitchFamily="18" charset="0"/>
+                              </a:rPr>
                               <m:t>𝑔</m:t>
                             </m:r>
                           </m:e>
                           <m:sub>
                             <m:r>
-                              <a:rPr lang="en-US" i="1">
+                              <a:rPr lang="en-US" b="0" i="1" smtClean="0">
                                 <a:latin typeface="Cambria Math" panose="02040503050406030204" pitchFamily="18" charset="0"/>
                               </a:rPr>
-                              <m:t>𝑖</m:t>
+                              <m:t>𝑗</m:t>
                             </m:r>
                           </m:sub>
                         </m:sSub>
@@ -10550,7 +11486,7 @@
                   </m:oMath>
                 </a14:m>
                 <a:r>
-                  <a:rPr lang="en-US" dirty="0" smtClean="0"/>
+                  <a:rPr lang="en-US" dirty="0"/>
                   <a:t>, </a:t>
                 </a:r>
                 <a14:m>
@@ -10576,69 +11512,107 @@
                           <a:rPr lang="en-US" b="0" i="1" dirty="0" smtClean="0">
                             <a:latin typeface="Cambria Math" panose="02040503050406030204" pitchFamily="18" charset="0"/>
                           </a:rPr>
-                          <m:t>𝑖</m:t>
+                          <m:t>𝑗</m:t>
                         </m:r>
                       </m:sub>
                     </m:sSub>
                   </m:oMath>
                 </a14:m>
                 <a:r>
-                  <a:rPr lang="en-US" dirty="0" smtClean="0"/>
+                  <a:rPr lang="en-US" dirty="0"/>
                   <a:t> </a:t>
                 </a:r>
                 <a14:m>
                   <m:oMath xmlns:m="http://schemas.openxmlformats.org/officeDocument/2006/math">
                     <m:r>
-                      <a:rPr lang="ru-RU" i="1" smtClean="0">
+                      <a:rPr lang="en-US" i="1">
                         <a:latin typeface="Cambria Math" panose="02040503050406030204" pitchFamily="18" charset="0"/>
                         <a:ea typeface="Cambria Math" panose="02040503050406030204" pitchFamily="18" charset="0"/>
                       </a:rPr>
                       <m:t>∈</m:t>
                     </m:r>
+                    <m:acc>
+                      <m:accPr>
+                        <m:chr m:val="̅"/>
+                        <m:ctrlPr>
+                          <a:rPr lang="en-US" i="1">
+                            <a:latin typeface="Cambria Math" panose="02040503050406030204" pitchFamily="18" charset="0"/>
+                            <a:ea typeface="Cambria Math" panose="02040503050406030204" pitchFamily="18" charset="0"/>
+                          </a:rPr>
+                        </m:ctrlPr>
+                      </m:accPr>
+                      <m:e>
+                        <m:r>
+                          <a:rPr lang="en-US" b="0" i="1" smtClean="0">
+                            <a:latin typeface="Cambria Math" panose="02040503050406030204" pitchFamily="18" charset="0"/>
+                            <a:ea typeface="Cambria Math" panose="02040503050406030204" pitchFamily="18" charset="0"/>
+                          </a:rPr>
+                          <m:t>1</m:t>
+                        </m:r>
+                        <m:r>
+                          <a:rPr lang="en-US" i="1">
+                            <a:latin typeface="Cambria Math" panose="02040503050406030204" pitchFamily="18" charset="0"/>
+                            <a:ea typeface="Cambria Math" panose="02040503050406030204" pitchFamily="18" charset="0"/>
+                          </a:rPr>
+                          <m:t>,</m:t>
+                        </m:r>
+                        <m:r>
+                          <a:rPr lang="en-US" i="1">
+                            <a:latin typeface="Cambria Math" panose="02040503050406030204" pitchFamily="18" charset="0"/>
+                            <a:ea typeface="Cambria Math" panose="02040503050406030204" pitchFamily="18" charset="0"/>
+                          </a:rPr>
+                          <m:t>𝑛</m:t>
+                        </m:r>
+                      </m:e>
+                    </m:acc>
                   </m:oMath>
                 </a14:m>
                 <a:r>
-                  <a:rPr lang="ru-RU" dirty="0" smtClean="0"/>
-                  <a:t> </a:t>
+                  <a:rPr lang="en-US" dirty="0"/>
+                  <a:t> – </a:t>
                 </a:r>
                 <a:r>
-                  <a:rPr lang="en-US" dirty="0" smtClean="0"/>
-                  <a:t>[0,1] – </a:t>
+                  <a:rPr lang="ru-RU" dirty="0"/>
+                  <a:t>истинный класс для </a:t>
+                </a:r>
+                <a:r>
+                  <a:rPr lang="en-US" dirty="0"/>
+                  <a:t>j</a:t>
+                </a:r>
+                <a:r>
+                  <a:rPr lang="ru-RU" dirty="0"/>
+                  <a:t>–</a:t>
+                </a:r>
+                <a:r>
+                  <a:rPr lang="ru-RU" dirty="0" err="1"/>
+                  <a:t>го</a:t>
+                </a:r>
+                <a:r>
+                  <a:rPr lang="ru-RU" dirty="0"/>
+                  <a:t> лица</a:t>
                 </a:r>
                 <a14:m>
                   <m:oMath xmlns:m="http://schemas.openxmlformats.org/officeDocument/2006/math">
                     <m:r>
-                      <a:rPr lang="ru-RU" i="1">
-                        <a:latin typeface="Cambria Math" panose="02040503050406030204" pitchFamily="18" charset="0"/>
-                      </a:rPr>
-                      <m:t>вероятность принадлежности к </m:t>
-                    </m:r>
-                    <m:r>
-                      <a:rPr lang="en-US" i="1">
-                        <a:latin typeface="Cambria Math" panose="02040503050406030204" pitchFamily="18" charset="0"/>
-                      </a:rPr>
-                      <m:t>𝑖</m:t>
-                    </m:r>
-                    <m:r>
-                      <a:rPr lang="en-US" i="1">
-                        <a:latin typeface="Cambria Math" panose="02040503050406030204" pitchFamily="18" charset="0"/>
-                      </a:rPr>
-                      <m:t>−му классу</m:t>
-                    </m:r>
-                    <m:r>
                       <a:rPr lang="en-US">
                         <a:latin typeface="Cambria Math" panose="02040503050406030204" pitchFamily="18" charset="0"/>
                       </a:rPr>
-                      <m:t>, </m:t>
+                      <m:t>,</m:t>
+                    </m:r>
+                    <m:r>
+                      <a:rPr lang="en-US" b="0" i="0" smtClean="0">
+                        <a:latin typeface="Cambria Math" panose="02040503050406030204" pitchFamily="18" charset="0"/>
+                      </a:rPr>
+                      <m:t>  </m:t>
                     </m:r>
                     <m:r>
                       <m:rPr>
                         <m:sty m:val="p"/>
                       </m:rPr>
-                      <a:rPr lang="en-US">
+                      <a:rPr lang="en-US" b="0" i="0" smtClean="0">
                         <a:latin typeface="Cambria Math" panose="02040503050406030204" pitchFamily="18" charset="0"/>
                       </a:rPr>
-                      <m:t>i</m:t>
+                      <m:t>j</m:t>
                     </m:r>
                     <m:r>
                       <a:rPr lang="en-US" i="1">
@@ -10659,28 +11633,35 @@
                       </m:accPr>
                       <m:e>
                         <m:r>
+                          <a:rPr lang="en-US" i="1" smtClean="0">
+                            <a:latin typeface="Cambria Math" panose="02040503050406030204" pitchFamily="18" charset="0"/>
+                            <a:ea typeface="Cambria Math" panose="02040503050406030204" pitchFamily="18" charset="0"/>
+                          </a:rPr>
+                          <m:t>1</m:t>
+                        </m:r>
+                        <m:r>
                           <a:rPr lang="en-US" i="1">
                             <a:latin typeface="Cambria Math" panose="02040503050406030204" pitchFamily="18" charset="0"/>
                             <a:ea typeface="Cambria Math" panose="02040503050406030204" pitchFamily="18" charset="0"/>
                           </a:rPr>
-                          <m:t>0,</m:t>
+                          <m:t>,</m:t>
                         </m:r>
                         <m:r>
                           <a:rPr lang="en-US" b="0" i="1" smtClean="0">
                             <a:latin typeface="Cambria Math" panose="02040503050406030204" pitchFamily="18" charset="0"/>
                             <a:ea typeface="Cambria Math" panose="02040503050406030204" pitchFamily="18" charset="0"/>
                           </a:rPr>
-                          <m:t>𝑛</m:t>
+                          <m:t>𝑚</m:t>
                         </m:r>
                       </m:e>
                     </m:acc>
                   </m:oMath>
                 </a14:m>
-                <a:endParaRPr lang="ru-RU" dirty="0" smtClean="0"/>
+                <a:endParaRPr lang="ru-RU" dirty="0"/>
               </a:p>
               <a:p>
                 <a:r>
-                  <a:rPr lang="ru-RU" dirty="0" smtClean="0"/>
+                  <a:rPr lang="ru-RU" dirty="0"/>
                   <a:t>Выходные параметры:</a:t>
                 </a:r>
               </a:p>
@@ -10689,15 +11670,15 @@
                   <a:buNone/>
                 </a:pPr>
                 <a:r>
-                  <a:rPr lang="ru-RU" dirty="0" smtClean="0"/>
+                  <a:rPr lang="ru-RU" dirty="0"/>
                   <a:t>	</a:t>
                 </a:r>
                 <a:r>
-                  <a:rPr lang="en-US" dirty="0" smtClean="0"/>
+                  <a:rPr lang="en-US" dirty="0"/>
                   <a:t>X </a:t>
                 </a:r>
                 <a:r>
-                  <a:rPr lang="ru-RU" dirty="0" smtClean="0"/>
+                  <a:rPr lang="ru-RU" dirty="0"/>
                   <a:t>= </a:t>
                 </a:r>
                 <a14:m>
@@ -10731,6 +11712,12 @@
                           </m:e>
                           <m:sub>
                             <m:r>
+                              <a:rPr lang="en-US" b="0" i="1" smtClean="0">
+                                <a:latin typeface="Cambria Math" panose="02040503050406030204" pitchFamily="18" charset="0"/>
+                              </a:rPr>
+                              <m:t>𝑗</m:t>
+                            </m:r>
+                            <m:r>
                               <a:rPr lang="en-US" i="1">
                                 <a:latin typeface="Cambria Math" panose="02040503050406030204" pitchFamily="18" charset="0"/>
                               </a:rPr>
@@ -10740,6 +11727,37 @@
                         </m:sSub>
                       </m:e>
                     </m:d>
+                    <m:r>
+                      <a:rPr lang="ru-RU" b="0" i="1" smtClean="0">
+                        <a:latin typeface="Cambria Math" panose="02040503050406030204" pitchFamily="18" charset="0"/>
+                      </a:rPr>
+                      <m:t>,</m:t>
+                    </m:r>
+                    <m:sSub>
+                      <m:sSubPr>
+                        <m:ctrlPr>
+                          <a:rPr lang="en-US" i="1">
+                            <a:latin typeface="Cambria Math" panose="02040503050406030204" pitchFamily="18" charset="0"/>
+                          </a:rPr>
+                        </m:ctrlPr>
+                      </m:sSubPr>
+                      <m:e>
+                        <m:r>
+                          <a:rPr lang="en-US" i="1">
+                            <a:latin typeface="Cambria Math" panose="02040503050406030204" pitchFamily="18" charset="0"/>
+                          </a:rPr>
+                          <m:t>𝑥</m:t>
+                        </m:r>
+                      </m:e>
+                      <m:sub>
+                        <m:r>
+                          <a:rPr lang="en-US" i="1">
+                            <a:latin typeface="Cambria Math" panose="02040503050406030204" pitchFamily="18" charset="0"/>
+                          </a:rPr>
+                          <m:t>𝑗𝑖</m:t>
+                        </m:r>
+                      </m:sub>
+                    </m:sSub>
                     <m:r>
                       <a:rPr lang="en-US" b="0" i="1" smtClean="0">
                         <a:latin typeface="Cambria Math" panose="02040503050406030204" pitchFamily="18" charset="0"/>
@@ -10777,6 +11795,21 @@
                       <a:rPr lang="en-US" b="0" i="0" smtClean="0">
                         <a:latin typeface="Cambria Math" panose="02040503050406030204" pitchFamily="18" charset="0"/>
                       </a:rPr>
+                      <m:t>j</m:t>
+                    </m:r>
+                    <m:r>
+                      <a:rPr lang="en-US" b="0" i="0" smtClean="0">
+                        <a:latin typeface="Cambria Math" panose="02040503050406030204" pitchFamily="18" charset="0"/>
+                      </a:rPr>
+                      <m:t>−го лица, </m:t>
+                    </m:r>
+                    <m:r>
+                      <m:rPr>
+                        <m:sty m:val="p"/>
+                      </m:rPr>
+                      <a:rPr lang="en-US" b="0" i="0" smtClean="0">
+                        <a:latin typeface="Cambria Math" panose="02040503050406030204" pitchFamily="18" charset="0"/>
+                      </a:rPr>
                       <m:t>i</m:t>
                     </m:r>
                     <m:r>
@@ -10802,7 +11835,7 @@
                             <a:latin typeface="Cambria Math" panose="02040503050406030204" pitchFamily="18" charset="0"/>
                             <a:ea typeface="Cambria Math" panose="02040503050406030204" pitchFamily="18" charset="0"/>
                           </a:rPr>
-                          <m:t>0,</m:t>
+                          <m:t>1,</m:t>
                         </m:r>
                         <m:r>
                           <a:rPr lang="en-US" b="0" i="1" smtClean="0">
@@ -10813,13 +11846,70 @@
                         </m:r>
                       </m:e>
                     </m:acc>
+                    <m:r>
+                      <a:rPr lang="ru-RU" b="0" i="1" smtClean="0">
+                        <a:latin typeface="Cambria Math" panose="02040503050406030204" pitchFamily="18" charset="0"/>
+                        <a:ea typeface="Cambria Math" panose="02040503050406030204" pitchFamily="18" charset="0"/>
+                      </a:rPr>
+                      <m:t>,</m:t>
+                    </m:r>
+                    <m:r>
+                      <m:rPr>
+                        <m:sty m:val="p"/>
+                      </m:rPr>
+                      <a:rPr lang="en-US" dirty="0">
+                        <a:latin typeface="Cambria Math" panose="02040503050406030204" pitchFamily="18" charset="0"/>
+                      </a:rPr>
+                      <m:t>j</m:t>
+                    </m:r>
+                    <m:r>
+                      <a:rPr lang="en-US" i="1">
+                        <a:latin typeface="Cambria Math" panose="02040503050406030204" pitchFamily="18" charset="0"/>
+                        <a:ea typeface="Cambria Math" panose="02040503050406030204" pitchFamily="18" charset="0"/>
+                      </a:rPr>
+                      <m:t>∈</m:t>
+                    </m:r>
+                    <m:acc>
+                      <m:accPr>
+                        <m:chr m:val="̅"/>
+                        <m:ctrlPr>
+                          <a:rPr lang="en-US" i="1">
+                            <a:latin typeface="Cambria Math" panose="02040503050406030204" pitchFamily="18" charset="0"/>
+                            <a:ea typeface="Cambria Math" panose="02040503050406030204" pitchFamily="18" charset="0"/>
+                          </a:rPr>
+                        </m:ctrlPr>
+                      </m:accPr>
+                      <m:e>
+                        <m:r>
+                          <a:rPr lang="en-US" i="1" smtClean="0">
+                            <a:latin typeface="Cambria Math" panose="02040503050406030204" pitchFamily="18" charset="0"/>
+                            <a:ea typeface="Cambria Math" panose="02040503050406030204" pitchFamily="18" charset="0"/>
+                          </a:rPr>
+                          <m:t>1</m:t>
+                        </m:r>
+                        <m:r>
+                          <a:rPr lang="en-US" i="1">
+                            <a:latin typeface="Cambria Math" panose="02040503050406030204" pitchFamily="18" charset="0"/>
+                            <a:ea typeface="Cambria Math" panose="02040503050406030204" pitchFamily="18" charset="0"/>
+                          </a:rPr>
+                          <m:t>,</m:t>
+                        </m:r>
+                        <m:r>
+                          <a:rPr lang="en-US" i="1">
+                            <a:latin typeface="Cambria Math" panose="02040503050406030204" pitchFamily="18" charset="0"/>
+                            <a:ea typeface="Cambria Math" panose="02040503050406030204" pitchFamily="18" charset="0"/>
+                          </a:rPr>
+                          <m:t>𝑚</m:t>
+                        </m:r>
+                      </m:e>
+                    </m:acc>
                   </m:oMath>
                 </a14:m>
-                <a:endParaRPr lang="en-US" dirty="0" smtClean="0"/>
+                <a:endParaRPr lang="en-US" dirty="0"/>
               </a:p>
               <a:p>
                 <a:r>
-                  <a:rPr lang="ru-RU" dirty="0" smtClean="0"/>
+                  <a:rPr lang="ru-RU" dirty="0"/>
                   <a:t>Ограничения:</a:t>
                 </a:r>
               </a:p>
@@ -10890,7 +11980,7 @@
                               <a:rPr lang="en-US" b="0" i="1" smtClean="0">
                                 <a:latin typeface="Cambria Math" panose="02040503050406030204" pitchFamily="18" charset="0"/>
                               </a:rPr>
-                              <m:t>𝑖</m:t>
+                              <m:t>𝑗𝑖</m:t>
                             </m:r>
                           </m:sub>
                         </m:sSub>
@@ -10904,94 +11994,62 @@
                     </m:nary>
                   </m:oMath>
                 </a14:m>
-                <a:endParaRPr lang="en-US" dirty="0" smtClean="0"/>
-              </a:p>
-              <a:p>
-                <a:pPr marL="0" indent="0">
-                  <a:buNone/>
-                </a:pPr>
                 <a:r>
-                  <a:rPr lang="en-US" dirty="0" smtClean="0"/>
-                  <a:t>	</a:t>
+                  <a:rPr lang="en-US" dirty="0"/>
+                  <a:t> , </a:t>
                 </a:r>
                 <a14:m>
                   <m:oMath xmlns:m="http://schemas.openxmlformats.org/officeDocument/2006/math">
-                    <m:nary>
-                      <m:naryPr>
-                        <m:chr m:val="∑"/>
-                        <m:limLoc m:val="subSup"/>
+                    <m:r>
+                      <m:rPr>
+                        <m:sty m:val="p"/>
+                      </m:rPr>
+                      <a:rPr lang="en-US" dirty="0">
+                        <a:latin typeface="Cambria Math" panose="02040503050406030204" pitchFamily="18" charset="0"/>
+                      </a:rPr>
+                      <m:t>j</m:t>
+                    </m:r>
+                    <m:r>
+                      <a:rPr lang="en-US" i="1">
+                        <a:latin typeface="Cambria Math" panose="02040503050406030204" pitchFamily="18" charset="0"/>
+                        <a:ea typeface="Cambria Math" panose="02040503050406030204" pitchFamily="18" charset="0"/>
+                      </a:rPr>
+                      <m:t>∈</m:t>
+                    </m:r>
+                    <m:acc>
+                      <m:accPr>
+                        <m:chr m:val="̅"/>
                         <m:ctrlPr>
-                          <a:rPr lang="ru-RU" i="1">
+                          <a:rPr lang="en-US" i="1">
                             <a:latin typeface="Cambria Math" panose="02040503050406030204" pitchFamily="18" charset="0"/>
+                            <a:ea typeface="Cambria Math" panose="02040503050406030204" pitchFamily="18" charset="0"/>
                           </a:rPr>
                         </m:ctrlPr>
-                      </m:naryPr>
-                      <m:sub>
+                      </m:accPr>
+                      <m:e>
                         <m:r>
-                          <m:rPr>
-                            <m:brk m:alnAt="25"/>
-                          </m:rPr>
                           <a:rPr lang="en-US" i="1">
                             <a:latin typeface="Cambria Math" panose="02040503050406030204" pitchFamily="18" charset="0"/>
+                            <a:ea typeface="Cambria Math" panose="02040503050406030204" pitchFamily="18" charset="0"/>
                           </a:rPr>
-                          <m:t>𝑖</m:t>
+                          <m:t>1,</m:t>
                         </m:r>
                         <m:r>
                           <a:rPr lang="en-US" i="1">
                             <a:latin typeface="Cambria Math" panose="02040503050406030204" pitchFamily="18" charset="0"/>
+                            <a:ea typeface="Cambria Math" panose="02040503050406030204" pitchFamily="18" charset="0"/>
                           </a:rPr>
-                          <m:t>=0</m:t>
-                        </m:r>
-                      </m:sub>
-                      <m:sup>
-                        <m:r>
-                          <a:rPr lang="en-US" b="0" i="1" smtClean="0">
-                            <a:latin typeface="Cambria Math" panose="02040503050406030204" pitchFamily="18" charset="0"/>
-                          </a:rPr>
-                          <m:t>𝑛</m:t>
-                        </m:r>
-                      </m:sup>
-                      <m:e>
-                        <m:sSub>
-                          <m:sSubPr>
-                            <m:ctrlPr>
-                              <a:rPr lang="ru-RU" i="1" smtClean="0">
-                                <a:latin typeface="Cambria Math" panose="02040503050406030204" pitchFamily="18" charset="0"/>
-                              </a:rPr>
-                            </m:ctrlPr>
-                          </m:sSubPr>
-                          <m:e>
-                            <m:r>
-                              <a:rPr lang="en-US" b="0" i="1" smtClean="0">
-                                <a:latin typeface="Cambria Math" panose="02040503050406030204" pitchFamily="18" charset="0"/>
-                              </a:rPr>
-                              <m:t>𝑔</m:t>
-                            </m:r>
-                          </m:e>
-                          <m:sub>
-                            <m:r>
-                              <a:rPr lang="en-US" i="1">
-                                <a:latin typeface="Cambria Math" panose="02040503050406030204" pitchFamily="18" charset="0"/>
-                              </a:rPr>
-                              <m:t>𝑖</m:t>
-                            </m:r>
-                          </m:sub>
-                        </m:sSub>
-                        <m:r>
-                          <a:rPr lang="en-US" i="1">
-                            <a:latin typeface="Cambria Math" panose="02040503050406030204" pitchFamily="18" charset="0"/>
-                          </a:rPr>
-                          <m:t>=1</m:t>
+                          <m:t>𝑚</m:t>
                         </m:r>
                       </m:e>
-                    </m:nary>
+                    </m:acc>
                   </m:oMath>
                 </a14:m>
-                <a:endParaRPr lang="en-US" dirty="0" smtClean="0"/>
+                <a:endParaRPr lang="en-US" dirty="0"/>
               </a:p>
               <a:p>
                 <a:r>
-                  <a:rPr lang="ru-RU" dirty="0" smtClean="0"/>
+                  <a:rPr lang="ru-RU" dirty="0"/>
                   <a:t>Критерий</a:t>
                 </a:r>
               </a:p>
@@ -11005,129 +12063,318 @@
                 </a:r>
                 <a14:m>
                   <m:oMath xmlns:m="http://schemas.openxmlformats.org/officeDocument/2006/math">
-                    <m:nary>
-                      <m:naryPr>
-                        <m:chr m:val="∑"/>
+                    <m:f>
+                      <m:fPr>
                         <m:ctrlPr>
-                          <a:rPr lang="ru-RU" i="1" smtClean="0">
+                          <a:rPr lang="en-US" b="0" i="1" smtClean="0">
                             <a:latin typeface="Cambria Math" panose="02040503050406030204" pitchFamily="18" charset="0"/>
                           </a:rPr>
                         </m:ctrlPr>
-                      </m:naryPr>
-                      <m:sub>
-                        <m:r>
-                          <m:rPr>
-                            <m:brk m:alnAt="23"/>
-                          </m:rPr>
-                          <a:rPr lang="en-US" b="0" i="1" smtClean="0">
-                            <a:latin typeface="Cambria Math" panose="02040503050406030204" pitchFamily="18" charset="0"/>
-                          </a:rPr>
-                          <m:t>𝑖</m:t>
-                        </m:r>
-                        <m:r>
-                          <a:rPr lang="en-US" b="0" i="1" smtClean="0">
-                            <a:latin typeface="Cambria Math" panose="02040503050406030204" pitchFamily="18" charset="0"/>
-                          </a:rPr>
-                          <m:t>=0</m:t>
-                        </m:r>
-                      </m:sub>
-                      <m:sup>
-                        <m:r>
-                          <a:rPr lang="en-US" b="0" i="1" smtClean="0">
-                            <a:latin typeface="Cambria Math" panose="02040503050406030204" pitchFamily="18" charset="0"/>
-                          </a:rPr>
-                          <m:t>𝑛</m:t>
-                        </m:r>
-                      </m:sup>
-                      <m:e>
-                        <m:d>
-                          <m:dPr>
-                            <m:begChr m:val="|"/>
-                            <m:endChr m:val="|"/>
+                      </m:fPr>
+                      <m:num>
+                        <m:nary>
+                          <m:naryPr>
+                            <m:chr m:val="∑"/>
                             <m:ctrlPr>
                               <a:rPr lang="ru-RU" i="1" smtClean="0">
                                 <a:latin typeface="Cambria Math" panose="02040503050406030204" pitchFamily="18" charset="0"/>
                               </a:rPr>
                             </m:ctrlPr>
-                          </m:dPr>
+                          </m:naryPr>
+                          <m:sub>
+                            <m:r>
+                              <m:rPr>
+                                <m:brk m:alnAt="23"/>
+                              </m:rPr>
+                              <a:rPr lang="en-US" b="0" i="1" smtClean="0">
+                                <a:latin typeface="Cambria Math" panose="02040503050406030204" pitchFamily="18" charset="0"/>
+                              </a:rPr>
+                              <m:t>𝑗</m:t>
+                            </m:r>
+                            <m:r>
+                              <a:rPr lang="ru-RU" b="0" i="1" smtClean="0">
+                                <a:latin typeface="Cambria Math" panose="02040503050406030204" pitchFamily="18" charset="0"/>
+                              </a:rPr>
+                              <m:t>=1</m:t>
+                            </m:r>
+                          </m:sub>
+                          <m:sup>
+                            <m:r>
+                              <a:rPr lang="en-US" b="0" i="1" smtClean="0">
+                                <a:latin typeface="Cambria Math" panose="02040503050406030204" pitchFamily="18" charset="0"/>
+                              </a:rPr>
+                              <m:t>𝑚</m:t>
+                            </m:r>
+                          </m:sup>
                           <m:e>
-                            <m:sSub>
-                              <m:sSubPr>
+                            <m:d>
+                              <m:dPr>
+                                <m:begChr m:val="{"/>
+                                <m:endChr m:val="}"/>
                                 <m:ctrlPr>
                                   <a:rPr lang="ru-RU" i="1" smtClean="0">
                                     <a:latin typeface="Cambria Math" panose="02040503050406030204" pitchFamily="18" charset="0"/>
                                   </a:rPr>
                                 </m:ctrlPr>
-                              </m:sSubPr>
+                              </m:dPr>
                               <m:e>
-                                <m:r>
-                                  <a:rPr lang="en-US" b="0" i="1" smtClean="0">
-                                    <a:latin typeface="Cambria Math" panose="02040503050406030204" pitchFamily="18" charset="0"/>
-                                  </a:rPr>
-                                  <m:t>𝑥</m:t>
-                                </m:r>
+                                <m:m>
+                                  <m:mPr>
+                                    <m:mcs>
+                                      <m:mc>
+                                        <m:mcPr>
+                                          <m:count m:val="1"/>
+                                          <m:mcJc m:val="center"/>
+                                        </m:mcPr>
+                                      </m:mc>
+                                    </m:mcs>
+                                    <m:ctrlPr>
+                                      <a:rPr lang="ru-RU" i="1" smtClean="0">
+                                        <a:latin typeface="Cambria Math" panose="02040503050406030204" pitchFamily="18" charset="0"/>
+                                      </a:rPr>
+                                    </m:ctrlPr>
+                                  </m:mPr>
+                                  <m:mr>
+                                    <m:e>
+                                      <m:r>
+                                        <m:rPr>
+                                          <m:brk m:alnAt="7"/>
+                                        </m:rPr>
+                                        <a:rPr lang="en-US" b="0" i="1" smtClean="0">
+                                          <a:latin typeface="Cambria Math" panose="02040503050406030204" pitchFamily="18" charset="0"/>
+                                        </a:rPr>
+                                        <m:t>1</m:t>
+                                      </m:r>
+                                      <m:r>
+                                        <a:rPr lang="en-US" b="0" i="1" smtClean="0">
+                                          <a:latin typeface="Cambria Math" panose="02040503050406030204" pitchFamily="18" charset="0"/>
+                                        </a:rPr>
+                                        <m:t>, </m:t>
+                                      </m:r>
+                                      <m:r>
+                                        <a:rPr lang="ru-RU" b="0" i="1" smtClean="0">
+                                          <a:latin typeface="Cambria Math" panose="02040503050406030204" pitchFamily="18" charset="0"/>
+                                        </a:rPr>
+                                        <m:t> </m:t>
+                                      </m:r>
+                                      <m:sSub>
+                                        <m:sSubPr>
+                                          <m:ctrlPr>
+                                            <a:rPr lang="en-US" b="0" i="1" smtClean="0">
+                                              <a:latin typeface="Cambria Math" panose="02040503050406030204" pitchFamily="18" charset="0"/>
+                                            </a:rPr>
+                                          </m:ctrlPr>
+                                        </m:sSubPr>
+                                        <m:e>
+                                          <m:r>
+                                            <a:rPr lang="ru-RU" b="0" i="1" smtClean="0">
+                                              <a:latin typeface="Cambria Math" panose="02040503050406030204" pitchFamily="18" charset="0"/>
+                                            </a:rPr>
+                                            <m:t>если</m:t>
+                                          </m:r>
+                                          <m:r>
+                                            <a:rPr lang="en-US" b="0" i="1" smtClean="0">
+                                              <a:latin typeface="Cambria Math" panose="02040503050406030204" pitchFamily="18" charset="0"/>
+                                            </a:rPr>
+                                            <m:t> </m:t>
+                                          </m:r>
+                                          <m:r>
+                                            <a:rPr lang="en-US" b="0" i="1" smtClean="0">
+                                              <a:latin typeface="Cambria Math" panose="02040503050406030204" pitchFamily="18" charset="0"/>
+                                            </a:rPr>
+                                            <m:t>𝑔</m:t>
+                                          </m:r>
+                                        </m:e>
+                                        <m:sub>
+                                          <m:r>
+                                            <a:rPr lang="en-US" b="0" i="1" smtClean="0">
+                                              <a:latin typeface="Cambria Math" panose="02040503050406030204" pitchFamily="18" charset="0"/>
+                                            </a:rPr>
+                                            <m:t>𝑗</m:t>
+                                          </m:r>
+                                        </m:sub>
+                                      </m:sSub>
+                                      <m:r>
+                                        <m:rPr>
+                                          <m:brk m:alnAt="7"/>
+                                        </m:rPr>
+                                        <a:rPr lang="en-US" b="0" i="1" smtClean="0">
+                                          <a:latin typeface="Cambria Math" panose="02040503050406030204" pitchFamily="18" charset="0"/>
+                                        </a:rPr>
+                                        <m:t>=</m:t>
+                                      </m:r>
+                                      <m:func>
+                                        <m:funcPr>
+                                          <m:ctrlPr>
+                                            <a:rPr lang="en-US" b="0" i="1" smtClean="0">
+                                              <a:latin typeface="Cambria Math" panose="02040503050406030204" pitchFamily="18" charset="0"/>
+                                            </a:rPr>
+                                          </m:ctrlPr>
+                                        </m:funcPr>
+                                        <m:fName>
+                                          <m:limLow>
+                                            <m:limLowPr>
+                                              <m:ctrlPr>
+                                                <a:rPr lang="en-US" b="0" i="1" smtClean="0">
+                                                  <a:latin typeface="Cambria Math" panose="02040503050406030204" pitchFamily="18" charset="0"/>
+                                                </a:rPr>
+                                              </m:ctrlPr>
+                                            </m:limLowPr>
+                                            <m:e>
+                                              <m:r>
+                                                <m:rPr>
+                                                  <m:sty m:val="p"/>
+                                                </m:rPr>
+                                                <a:rPr lang="en-US" b="0" i="0" smtClean="0">
+                                                  <a:latin typeface="Cambria Math" panose="02040503050406030204" pitchFamily="18" charset="0"/>
+                                                </a:rPr>
+                                                <m:t>arg</m:t>
+                                              </m:r>
+                                              <m:r>
+                                                <m:rPr>
+                                                  <m:sty m:val="p"/>
+                                                  <m:brk m:alnAt="7"/>
+                                                </m:rPr>
+                                                <a:rPr lang="en-US" b="0" i="0" smtClean="0">
+                                                  <a:latin typeface="Cambria Math" panose="02040503050406030204" pitchFamily="18" charset="0"/>
+                                                </a:rPr>
+                                                <m:t>m</m:t>
+                                              </m:r>
+                                              <m:r>
+                                                <m:rPr>
+                                                  <m:sty m:val="p"/>
+                                                </m:rPr>
+                                                <a:rPr lang="en-US" b="0" i="0" smtClean="0">
+                                                  <a:latin typeface="Cambria Math" panose="02040503050406030204" pitchFamily="18" charset="0"/>
+                                                </a:rPr>
+                                                <m:t>ax</m:t>
+                                              </m:r>
+                                            </m:e>
+                                            <m:lim>
+                                              <m:r>
+                                                <m:rPr>
+                                                  <m:sty m:val="p"/>
+                                                </m:rPr>
+                                                <a:rPr lang="en-US">
+                                                  <a:latin typeface="Cambria Math" panose="02040503050406030204" pitchFamily="18" charset="0"/>
+                                                </a:rPr>
+                                                <m:t>i</m:t>
+                                              </m:r>
+                                              <m:r>
+                                                <a:rPr lang="en-US" i="1">
+                                                  <a:latin typeface="Cambria Math" panose="02040503050406030204" pitchFamily="18" charset="0"/>
+                                                  <a:ea typeface="Cambria Math" panose="02040503050406030204" pitchFamily="18" charset="0"/>
+                                                </a:rPr>
+                                                <m:t>∈</m:t>
+                                              </m:r>
+                                              <m:acc>
+                                                <m:accPr>
+                                                  <m:chr m:val="̅"/>
+                                                  <m:ctrlPr>
+                                                    <a:rPr lang="en-US" i="1">
+                                                      <a:latin typeface="Cambria Math" panose="02040503050406030204" pitchFamily="18" charset="0"/>
+                                                      <a:ea typeface="Cambria Math" panose="02040503050406030204" pitchFamily="18" charset="0"/>
+                                                    </a:rPr>
+                                                  </m:ctrlPr>
+                                                </m:accPr>
+                                                <m:e>
+                                                  <m:r>
+                                                    <a:rPr lang="en-US" i="1">
+                                                      <a:latin typeface="Cambria Math" panose="02040503050406030204" pitchFamily="18" charset="0"/>
+                                                      <a:ea typeface="Cambria Math" panose="02040503050406030204" pitchFamily="18" charset="0"/>
+                                                    </a:rPr>
+                                                    <m:t>1,</m:t>
+                                                  </m:r>
+                                                  <m:r>
+                                                    <a:rPr lang="en-US" i="1">
+                                                      <a:latin typeface="Cambria Math" panose="02040503050406030204" pitchFamily="18" charset="0"/>
+                                                      <a:ea typeface="Cambria Math" panose="02040503050406030204" pitchFamily="18" charset="0"/>
+                                                    </a:rPr>
+                                                    <m:t>𝑛</m:t>
+                                                  </m:r>
+                                                </m:e>
+                                              </m:acc>
+                                            </m:lim>
+                                          </m:limLow>
+                                        </m:fName>
+                                        <m:e>
+                                          <m:sSub>
+                                            <m:sSubPr>
+                                              <m:ctrlPr>
+                                                <a:rPr lang="en-US" b="0" i="1" smtClean="0">
+                                                  <a:latin typeface="Cambria Math" panose="02040503050406030204" pitchFamily="18" charset="0"/>
+                                                </a:rPr>
+                                              </m:ctrlPr>
+                                            </m:sSubPr>
+                                            <m:e>
+                                              <m:r>
+                                                <a:rPr lang="en-US" b="0" i="1" smtClean="0">
+                                                  <a:latin typeface="Cambria Math" panose="02040503050406030204" pitchFamily="18" charset="0"/>
+                                                </a:rPr>
+                                                <m:t>𝑥</m:t>
+                                              </m:r>
+                                            </m:e>
+                                            <m:sub>
+                                              <m:r>
+                                                <a:rPr lang="en-US" b="0" i="1" smtClean="0">
+                                                  <a:latin typeface="Cambria Math" panose="02040503050406030204" pitchFamily="18" charset="0"/>
+                                                </a:rPr>
+                                                <m:t>𝑗𝑖</m:t>
+                                              </m:r>
+                                            </m:sub>
+                                          </m:sSub>
+                                        </m:e>
+                                      </m:func>
+                                    </m:e>
+                                  </m:mr>
+                                  <m:mr>
+                                    <m:e>
+                                      <m:r>
+                                        <a:rPr lang="en-US" b="0" i="1" smtClean="0">
+                                          <a:latin typeface="Cambria Math" panose="02040503050406030204" pitchFamily="18" charset="0"/>
+                                        </a:rPr>
+                                        <m:t>0, </m:t>
+                                      </m:r>
+                                      <m:r>
+                                        <a:rPr lang="ru-RU" b="0" i="1" smtClean="0">
+                                          <a:latin typeface="Cambria Math" panose="02040503050406030204" pitchFamily="18" charset="0"/>
+                                        </a:rPr>
+                                        <m:t>иначе</m:t>
+                                      </m:r>
+                                    </m:e>
+                                  </m:mr>
+                                </m:m>
                               </m:e>
-                              <m:sub>
-                                <m:r>
-                                  <a:rPr lang="en-US" b="0" i="1" smtClean="0">
-                                    <a:latin typeface="Cambria Math" panose="02040503050406030204" pitchFamily="18" charset="0"/>
-                                  </a:rPr>
-                                  <m:t>𝑖</m:t>
-                                </m:r>
-                              </m:sub>
-                            </m:sSub>
-                            <m:r>
-                              <a:rPr lang="en-US" b="0" i="1" smtClean="0">
-                                <a:latin typeface="Cambria Math" panose="02040503050406030204" pitchFamily="18" charset="0"/>
-                              </a:rPr>
-                              <m:t>−</m:t>
-                            </m:r>
-                            <m:sSub>
-                              <m:sSubPr>
-                                <m:ctrlPr>
-                                  <a:rPr lang="ru-RU" i="1" smtClean="0">
-                                    <a:latin typeface="Cambria Math" panose="02040503050406030204" pitchFamily="18" charset="0"/>
-                                  </a:rPr>
-                                </m:ctrlPr>
-                              </m:sSubPr>
-                              <m:e>
-                                <m:r>
-                                  <a:rPr lang="en-US" b="0" i="1" smtClean="0">
-                                    <a:latin typeface="Cambria Math" panose="02040503050406030204" pitchFamily="18" charset="0"/>
-                                  </a:rPr>
-                                  <m:t>𝑔</m:t>
-                                </m:r>
-                              </m:e>
-                              <m:sub>
-                                <m:r>
-                                  <a:rPr lang="en-US" b="0" i="1" smtClean="0">
-                                    <a:latin typeface="Cambria Math" panose="02040503050406030204" pitchFamily="18" charset="0"/>
-                                  </a:rPr>
-                                  <m:t>𝑖</m:t>
-                                </m:r>
-                              </m:sub>
-                            </m:sSub>
+                            </m:d>
                           </m:e>
-                        </m:d>
-                        <m:r>
-                          <a:rPr lang="ru-RU" i="1" smtClean="0">
-                            <a:latin typeface="Cambria Math" panose="02040503050406030204" pitchFamily="18" charset="0"/>
-                            <a:ea typeface="Cambria Math" panose="02040503050406030204" pitchFamily="18" charset="0"/>
-                          </a:rPr>
-                          <m:t>→</m:t>
-                        </m:r>
+                        </m:nary>
+                      </m:num>
+                      <m:den>
                         <m:r>
                           <a:rPr lang="en-US" b="0" i="1" smtClean="0">
                             <a:latin typeface="Cambria Math" panose="02040503050406030204" pitchFamily="18" charset="0"/>
-                            <a:ea typeface="Cambria Math" panose="02040503050406030204" pitchFamily="18" charset="0"/>
                           </a:rPr>
-                          <m:t>𝑚𝑖𝑛</m:t>
+                          <m:t>𝑚</m:t>
                         </m:r>
-                      </m:e>
-                    </m:nary>
+                      </m:den>
+                    </m:f>
+                    <m:r>
+                      <a:rPr lang="en-US" b="0" i="1" smtClean="0">
+                        <a:latin typeface="Cambria Math" panose="02040503050406030204" pitchFamily="18" charset="0"/>
+                        <a:ea typeface="Cambria Math" panose="02040503050406030204" pitchFamily="18" charset="0"/>
+                      </a:rPr>
+                      <m:t>→</m:t>
+                    </m:r>
+                    <m:r>
+                      <a:rPr lang="en-US" b="0" i="1" smtClean="0">
+                        <a:latin typeface="Cambria Math" panose="02040503050406030204" pitchFamily="18" charset="0"/>
+                        <a:ea typeface="Cambria Math" panose="02040503050406030204" pitchFamily="18" charset="0"/>
+                      </a:rPr>
+                      <m:t>𝑚𝑎𝑥</m:t>
+                    </m:r>
                   </m:oMath>
                 </a14:m>
-                <a:endParaRPr lang="ru-RU" dirty="0" smtClean="0"/>
+                <a:endParaRPr lang="ru-RU" dirty="0"/>
               </a:p>
             </p:txBody>
           </p:sp>
@@ -11145,13 +12392,13 @@
             </p:nvSpPr>
             <p:spPr>
               <a:xfrm>
-                <a:off x="668708" y="2160589"/>
-                <a:ext cx="8596668" cy="3880773"/>
+                <a:off x="668708" y="1828800"/>
+                <a:ext cx="8596668" cy="4419599"/>
               </a:xfrm>
-              <a:blipFill rotWithShape="0">
+              <a:blipFill>
                 <a:blip r:embed="rId2"/>
                 <a:stretch>
-                  <a:fillRect l="-142" t="-1727" b="-9890"/>
+                  <a:fillRect t="-690"/>
                 </a:stretch>
               </a:blipFill>
             </p:spPr>
@@ -11160,7 +12407,7 @@
               <a:lstStyle/>
               <a:p>
                 <a:r>
-                  <a:rPr lang="ru-RU">
+                  <a:rPr lang="en-US">
                     <a:noFill/>
                   </a:rPr>
                   <a:t> </a:t>
@@ -11180,13 +12427,6 @@
   <p:clrMapOvr>
     <a:masterClrMapping/>
   </p:clrMapOvr>
-  <p:timing>
-    <p:tnLst>
-      <p:par>
-        <p:cTn id="1" dur="indefinite" restart="never" nodeType="tmRoot"/>
-      </p:par>
-    </p:tnLst>
-  </p:timing>
 </p:sld>
 </file>
 
@@ -11250,7 +12490,7 @@
               <a:rPr lang="ru-RU" dirty="0"/>
               <a:t>Серверная часть должна формировать выходные данные в виде исходного изображения с нанесенной графической разметкой, а также формировать статистику </a:t>
             </a:r>
-            <a:endParaRPr lang="en-US" dirty="0" smtClean="0"/>
+            <a:endParaRPr lang="en-US" dirty="0"/>
           </a:p>
           <a:p>
             <a:r>
@@ -11260,7 +12500,7 @@
           </a:p>
           <a:p>
             <a:r>
-              <a:rPr lang="en-US" dirty="0" smtClean="0"/>
+              <a:rPr lang="en-US" dirty="0"/>
               <a:t>Web</a:t>
             </a:r>
             <a:r>
@@ -11284,14 +12524,14 @@
               <a:t>или </a:t>
             </a:r>
             <a:r>
-              <a:rPr lang="en-US" dirty="0" err="1" smtClean="0"/>
+              <a:rPr lang="en-US" dirty="0" err="1"/>
               <a:t>png</a:t>
             </a:r>
             <a:endParaRPr lang="ru-RU" dirty="0"/>
           </a:p>
           <a:p>
             <a:r>
-              <a:rPr lang="en-US" dirty="0" smtClean="0"/>
+              <a:rPr lang="en-US" dirty="0"/>
               <a:t>Web</a:t>
             </a:r>
             <a:r>
@@ -11325,13 +12565,6 @@
   <p:clrMapOvr>
     <a:masterClrMapping/>
   </p:clrMapOvr>
-  <p:timing>
-    <p:tnLst>
-      <p:par>
-        <p:cTn id="1" dur="indefinite" restart="never" nodeType="tmRoot"/>
-      </p:par>
-    </p:tnLst>
-  </p:timing>
 </p:sld>
 </file>
 
@@ -11368,10 +12601,9 @@
           <a:lstStyle/>
           <a:p>
             <a:r>
-              <a:rPr lang="ru-RU" dirty="0" smtClean="0"/>
+              <a:rPr lang="ru-RU" dirty="0"/>
               <a:t>Требования к входному изображению</a:t>
             </a:r>
-            <a:endParaRPr lang="ru-RU" dirty="0"/>
           </a:p>
         </p:txBody>
       </p:sp>
@@ -11391,16 +12623,8 @@
           <a:lstStyle/>
           <a:p>
             <a:r>
-              <a:rPr lang="ru-RU" dirty="0" smtClean="0"/>
-              <a:t>Входное </a:t>
-            </a:r>
-            <a:r>
-              <a:rPr lang="ru-RU" dirty="0"/>
-              <a:t>изображение должно содержать не более 20 </a:t>
-            </a:r>
-            <a:r>
-              <a:rPr lang="ru-RU" dirty="0" smtClean="0"/>
-              <a:t>лиц</a:t>
+              <a:rPr lang="ru-RU" dirty="0"/>
+              <a:t>Входное изображение должно содержать не более 20 лиц</a:t>
             </a:r>
           </a:p>
           <a:p>
@@ -11457,13 +12681,6 @@
   <p:clrMapOvr>
     <a:masterClrMapping/>
   </p:clrMapOvr>
-  <p:timing>
-    <p:tnLst>
-      <p:par>
-        <p:cTn id="1" dur="indefinite" restart="never" nodeType="tmRoot"/>
-      </p:par>
-    </p:tnLst>
-  </p:timing>
 </p:sld>
 </file>
 
@@ -11722,4 +12939,265 @@
     </a:ext>
   </a:extLst>
 </a:theme>
+</file>
+
+<file path=ppt/theme/theme2.xml><?xml version="1.0" encoding="utf-8"?>
+<a:theme xmlns:a="http://schemas.openxmlformats.org/drawingml/2006/main" name="Office Theme">
+  <a:themeElements>
+    <a:clrScheme name="Office">
+      <a:dk1>
+        <a:sysClr val="windowText" lastClr="000000"/>
+      </a:dk1>
+      <a:lt1>
+        <a:sysClr val="window" lastClr="FFFFFF"/>
+      </a:lt1>
+      <a:dk2>
+        <a:srgbClr val="44546A"/>
+      </a:dk2>
+      <a:lt2>
+        <a:srgbClr val="E7E6E6"/>
+      </a:lt2>
+      <a:accent1>
+        <a:srgbClr val="5B9BD5"/>
+      </a:accent1>
+      <a:accent2>
+        <a:srgbClr val="ED7D31"/>
+      </a:accent2>
+      <a:accent3>
+        <a:srgbClr val="A5A5A5"/>
+      </a:accent3>
+      <a:accent4>
+        <a:srgbClr val="FFC000"/>
+      </a:accent4>
+      <a:accent5>
+        <a:srgbClr val="4472C4"/>
+      </a:accent5>
+      <a:accent6>
+        <a:srgbClr val="70AD47"/>
+      </a:accent6>
+      <a:hlink>
+        <a:srgbClr val="0563C1"/>
+      </a:hlink>
+      <a:folHlink>
+        <a:srgbClr val="954F72"/>
+      </a:folHlink>
+    </a:clrScheme>
+    <a:fontScheme name="Office">
+      <a:majorFont>
+        <a:latin typeface="Calibri Light" panose="020F0302020204030204"/>
+        <a:ea typeface=""/>
+        <a:cs typeface=""/>
+        <a:font script="Jpan" typeface="ＭＳ Ｐゴシック"/>
+        <a:font script="Hang" typeface="맑은 고딕"/>
+        <a:font script="Hans" typeface="宋体"/>
+        <a:font script="Hant" typeface="新細明體"/>
+        <a:font script="Arab" typeface="Times New Roman"/>
+        <a:font script="Hebr" typeface="Times New Roman"/>
+        <a:font script="Thai" typeface="Angsana New"/>
+        <a:font script="Ethi" typeface="Nyala"/>
+        <a:font script="Beng" typeface="Vrinda"/>
+        <a:font script="Gujr" typeface="Shruti"/>
+        <a:font script="Khmr" typeface="MoolBoran"/>
+        <a:font script="Knda" typeface="Tunga"/>
+        <a:font script="Guru" typeface="Raavi"/>
+        <a:font script="Cans" typeface="Euphemia"/>
+        <a:font script="Cher" typeface="Plantagenet Cherokee"/>
+        <a:font script="Yiii" typeface="Microsoft Yi Baiti"/>
+        <a:font script="Tibt" typeface="Microsoft Himalaya"/>
+        <a:font script="Thaa" typeface="MV Boli"/>
+        <a:font script="Deva" typeface="Mangal"/>
+        <a:font script="Telu" typeface="Gautami"/>
+        <a:font script="Taml" typeface="Latha"/>
+        <a:font script="Syrc" typeface="Estrangelo Edessa"/>
+        <a:font script="Orya" typeface="Kalinga"/>
+        <a:font script="Mlym" typeface="Kartika"/>
+        <a:font script="Laoo" typeface="DokChampa"/>
+        <a:font script="Sinh" typeface="Iskoola Pota"/>
+        <a:font script="Mong" typeface="Mongolian Baiti"/>
+        <a:font script="Viet" typeface="Times New Roman"/>
+        <a:font script="Uigh" typeface="Microsoft Uighur"/>
+        <a:font script="Geor" typeface="Sylfaen"/>
+      </a:majorFont>
+      <a:minorFont>
+        <a:latin typeface="Calibri" panose="020F0502020204030204"/>
+        <a:ea typeface=""/>
+        <a:cs typeface=""/>
+        <a:font script="Jpan" typeface="ＭＳ Ｐゴシック"/>
+        <a:font script="Hang" typeface="맑은 고딕"/>
+        <a:font script="Hans" typeface="宋体"/>
+        <a:font script="Hant" typeface="新細明體"/>
+        <a:font script="Arab" typeface="Arial"/>
+        <a:font script="Hebr" typeface="Arial"/>
+        <a:font script="Thai" typeface="Cordia New"/>
+        <a:font script="Ethi" typeface="Nyala"/>
+        <a:font script="Beng" typeface="Vrinda"/>
+        <a:font script="Gujr" typeface="Shruti"/>
+        <a:font script="Khmr" typeface="DaunPenh"/>
+        <a:font script="Knda" typeface="Tunga"/>
+        <a:font script="Guru" typeface="Raavi"/>
+        <a:font script="Cans" typeface="Euphemia"/>
+        <a:font script="Cher" typeface="Plantagenet Cherokee"/>
+        <a:font script="Yiii" typeface="Microsoft Yi Baiti"/>
+        <a:font script="Tibt" typeface="Microsoft Himalaya"/>
+        <a:font script="Thaa" typeface="MV Boli"/>
+        <a:font script="Deva" typeface="Mangal"/>
+        <a:font script="Telu" typeface="Gautami"/>
+        <a:font script="Taml" typeface="Latha"/>
+        <a:font script="Syrc" typeface="Estrangelo Edessa"/>
+        <a:font script="Orya" typeface="Kalinga"/>
+        <a:font script="Mlym" typeface="Kartika"/>
+        <a:font script="Laoo" typeface="DokChampa"/>
+        <a:font script="Sinh" typeface="Iskoola Pota"/>
+        <a:font script="Mong" typeface="Mongolian Baiti"/>
+        <a:font script="Viet" typeface="Arial"/>
+        <a:font script="Uigh" typeface="Microsoft Uighur"/>
+        <a:font script="Geor" typeface="Sylfaen"/>
+      </a:minorFont>
+    </a:fontScheme>
+    <a:fmtScheme name="Office">
+      <a:fillStyleLst>
+        <a:solidFill>
+          <a:schemeClr val="phClr"/>
+        </a:solidFill>
+        <a:gradFill rotWithShape="1">
+          <a:gsLst>
+            <a:gs pos="0">
+              <a:schemeClr val="phClr">
+                <a:lumMod val="110000"/>
+                <a:satMod val="105000"/>
+                <a:tint val="67000"/>
+              </a:schemeClr>
+            </a:gs>
+            <a:gs pos="50000">
+              <a:schemeClr val="phClr">
+                <a:lumMod val="105000"/>
+                <a:satMod val="103000"/>
+                <a:tint val="73000"/>
+              </a:schemeClr>
+            </a:gs>
+            <a:gs pos="100000">
+              <a:schemeClr val="phClr">
+                <a:lumMod val="105000"/>
+                <a:satMod val="109000"/>
+                <a:tint val="81000"/>
+              </a:schemeClr>
+            </a:gs>
+          </a:gsLst>
+          <a:lin ang="5400000" scaled="0"/>
+        </a:gradFill>
+        <a:gradFill rotWithShape="1">
+          <a:gsLst>
+            <a:gs pos="0">
+              <a:schemeClr val="phClr">
+                <a:satMod val="103000"/>
+                <a:lumMod val="102000"/>
+                <a:tint val="94000"/>
+              </a:schemeClr>
+            </a:gs>
+            <a:gs pos="50000">
+              <a:schemeClr val="phClr">
+                <a:satMod val="110000"/>
+                <a:lumMod val="100000"/>
+                <a:shade val="100000"/>
+              </a:schemeClr>
+            </a:gs>
+            <a:gs pos="100000">
+              <a:schemeClr val="phClr">
+                <a:lumMod val="99000"/>
+                <a:satMod val="120000"/>
+                <a:shade val="78000"/>
+              </a:schemeClr>
+            </a:gs>
+          </a:gsLst>
+          <a:lin ang="5400000" scaled="0"/>
+        </a:gradFill>
+      </a:fillStyleLst>
+      <a:lnStyleLst>
+        <a:ln w="6350" cap="flat" cmpd="sng" algn="ctr">
+          <a:solidFill>
+            <a:schemeClr val="phClr"/>
+          </a:solidFill>
+          <a:prstDash val="solid"/>
+          <a:miter lim="800000"/>
+        </a:ln>
+        <a:ln w="12700" cap="flat" cmpd="sng" algn="ctr">
+          <a:solidFill>
+            <a:schemeClr val="phClr"/>
+          </a:solidFill>
+          <a:prstDash val="solid"/>
+          <a:miter lim="800000"/>
+        </a:ln>
+        <a:ln w="19050" cap="flat" cmpd="sng" algn="ctr">
+          <a:solidFill>
+            <a:schemeClr val="phClr"/>
+          </a:solidFill>
+          <a:prstDash val="solid"/>
+          <a:miter lim="800000"/>
+        </a:ln>
+      </a:lnStyleLst>
+      <a:effectStyleLst>
+        <a:effectStyle>
+          <a:effectLst/>
+        </a:effectStyle>
+        <a:effectStyle>
+          <a:effectLst/>
+        </a:effectStyle>
+        <a:effectStyle>
+          <a:effectLst>
+            <a:outerShdw blurRad="57150" dist="19050" dir="5400000" algn="ctr" rotWithShape="0">
+              <a:srgbClr val="000000">
+                <a:alpha val="63000"/>
+              </a:srgbClr>
+            </a:outerShdw>
+          </a:effectLst>
+        </a:effectStyle>
+      </a:effectStyleLst>
+      <a:bgFillStyleLst>
+        <a:solidFill>
+          <a:schemeClr val="phClr"/>
+        </a:solidFill>
+        <a:solidFill>
+          <a:schemeClr val="phClr">
+            <a:tint val="95000"/>
+            <a:satMod val="170000"/>
+          </a:schemeClr>
+        </a:solidFill>
+        <a:gradFill rotWithShape="1">
+          <a:gsLst>
+            <a:gs pos="0">
+              <a:schemeClr val="phClr">
+                <a:tint val="93000"/>
+                <a:satMod val="150000"/>
+                <a:shade val="98000"/>
+                <a:lumMod val="102000"/>
+              </a:schemeClr>
+            </a:gs>
+            <a:gs pos="50000">
+              <a:schemeClr val="phClr">
+                <a:tint val="98000"/>
+                <a:satMod val="130000"/>
+                <a:shade val="90000"/>
+                <a:lumMod val="103000"/>
+              </a:schemeClr>
+            </a:gs>
+            <a:gs pos="100000">
+              <a:schemeClr val="phClr">
+                <a:shade val="63000"/>
+                <a:satMod val="120000"/>
+              </a:schemeClr>
+            </a:gs>
+          </a:gsLst>
+          <a:lin ang="5400000" scaled="0"/>
+        </a:gradFill>
+      </a:bgFillStyleLst>
+    </a:fmtScheme>
+  </a:themeElements>
+  <a:objectDefaults/>
+  <a:extraClrSchemeLst/>
+  <a:extLst>
+    <a:ext uri="{05A4C25C-085E-4340-85A3-A5531E510DB2}">
+      <thm15:themeFamily xmlns:thm15="http://schemas.microsoft.com/office/thememl/2012/main" name="Office Theme" id="{62F939B6-93AF-4DB8-9C6B-D6C7DFDC589F}" vid="{4A3C46E8-61CC-4603-A589-7422A47A8E4A}"/>
+    </a:ext>
+  </a:extLst>
+</a:theme>
 </file>